--- a/thesis/presentation/presentation.pptx
+++ b/thesis/presentation/presentation.pptx
@@ -5,15 +5,20 @@
     <p:sldMasterId id="2147483660" r:id="rId1"/>
   </p:sldMasterIdLst>
   <p:notesMasterIdLst>
-    <p:notesMasterId r:id="rId8"/>
+    <p:notesMasterId r:id="rId13"/>
   </p:notesMasterIdLst>
   <p:sldIdLst>
     <p:sldId id="256" r:id="rId2"/>
     <p:sldId id="257" r:id="rId3"/>
     <p:sldId id="301" r:id="rId4"/>
-    <p:sldId id="324" r:id="rId5"/>
-    <p:sldId id="271" r:id="rId6"/>
-    <p:sldId id="258" r:id="rId7"/>
+    <p:sldId id="326" r:id="rId5"/>
+    <p:sldId id="327" r:id="rId6"/>
+    <p:sldId id="328" r:id="rId7"/>
+    <p:sldId id="329" r:id="rId8"/>
+    <p:sldId id="325" r:id="rId9"/>
+    <p:sldId id="324" r:id="rId10"/>
+    <p:sldId id="271" r:id="rId11"/>
+    <p:sldId id="258" r:id="rId12"/>
   </p:sldIdLst>
   <p:sldSz cx="9144000" cy="6858000" type="screen4x3"/>
   <p:notesSz cx="6858000" cy="9144000"/>
@@ -3878,6 +3883,354 @@
 </p:sld>
 </file>
 
+<file path=ppt/slides/slide10.xml><?xml version="1.0" encoding="utf-8"?>
+<p:sld xmlns:a="http://schemas.openxmlformats.org/drawingml/2006/main" xmlns:r="http://schemas.openxmlformats.org/officeDocument/2006/relationships" xmlns:p="http://schemas.openxmlformats.org/presentationml/2006/main">
+  <p:cSld>
+    <p:spTree>
+      <p:nvGrpSpPr>
+        <p:cNvPr id="1" name=""/>
+        <p:cNvGrpSpPr/>
+        <p:nvPr/>
+      </p:nvGrpSpPr>
+      <p:grpSpPr>
+        <a:xfrm>
+          <a:off x="0" y="0"/>
+          <a:ext cx="0" cy="0"/>
+          <a:chOff x="0" y="0"/>
+          <a:chExt cx="0" cy="0"/>
+        </a:xfrm>
+      </p:grpSpPr>
+      <p:sp>
+        <p:nvSpPr>
+          <p:cNvPr id="2" name="Title 1"/>
+          <p:cNvSpPr>
+            <a:spLocks noGrp="1"/>
+          </p:cNvSpPr>
+          <p:nvPr>
+            <p:ph type="title"/>
+          </p:nvPr>
+        </p:nvSpPr>
+        <p:spPr>
+          <a:xfrm>
+            <a:off x="457200" y="44624"/>
+            <a:ext cx="7620000" cy="1143000"/>
+          </a:xfrm>
+        </p:spPr>
+        <p:txBody>
+          <a:bodyPr/>
+          <a:lstStyle/>
+          <a:p>
+            <a:r>
+              <a:rPr lang="pl-PL" sz="4000" dirty="0">
+                <a:effectLst>
+                  <a:outerShdw blurRad="38100" dist="38100" dir="2700000" algn="tl">
+                    <a:srgbClr val="000000">
+                      <a:alpha val="43137"/>
+                    </a:srgbClr>
+                  </a:outerShdw>
+                </a:effectLst>
+              </a:rPr>
+              <a:t>[TO REMOVE] Podsumowanie</a:t>
+            </a:r>
+            <a:endParaRPr lang="pl-PL" sz="4000" dirty="0">
+              <a:effectLst>
+                <a:outerShdw blurRad="38100" dist="38100" dir="2700000" algn="tl">
+                  <a:srgbClr val="000000">
+                    <a:alpha val="43137"/>
+                  </a:srgbClr>
+                </a:outerShdw>
+              </a:effectLst>
+            </a:endParaRPr>
+          </a:p>
+        </p:txBody>
+      </p:sp>
+      <p:sp>
+        <p:nvSpPr>
+          <p:cNvPr id="5" name="Slide Number Placeholder 4"/>
+          <p:cNvSpPr>
+            <a:spLocks noGrp="1"/>
+          </p:cNvSpPr>
+          <p:nvPr>
+            <p:ph type="sldNum" sz="quarter" idx="12"/>
+          </p:nvPr>
+        </p:nvSpPr>
+        <p:spPr/>
+        <p:txBody>
+          <a:bodyPr/>
+          <a:lstStyle/>
+          <a:p>
+            <a:fld id="{A9560CCA-E071-4361-AF3D-B0CE296716D1}" type="slidenum">
+              <a:rPr lang="pl-PL" smtClean="0"/>
+              <a:t>10</a:t>
+            </a:fld>
+            <a:endParaRPr lang="pl-PL"/>
+          </a:p>
+        </p:txBody>
+      </p:sp>
+      <p:sp>
+        <p:nvSpPr>
+          <p:cNvPr id="6" name="Footer Placeholder 7"/>
+          <p:cNvSpPr>
+            <a:spLocks noGrp="1"/>
+          </p:cNvSpPr>
+          <p:nvPr>
+            <p:ph type="ftr" sz="quarter" idx="11"/>
+          </p:nvPr>
+        </p:nvSpPr>
+        <p:spPr>
+          <a:xfrm rot="5400000">
+            <a:off x="6951124" y="1841964"/>
+            <a:ext cx="3672408" cy="365760"/>
+          </a:xfrm>
+        </p:spPr>
+        <p:txBody>
+          <a:bodyPr/>
+          <a:lstStyle/>
+          <a:p>
+            <a:pPr algn="l"/>
+            <a:r>
+              <a:rPr lang="pl-PL" sz="1600" dirty="0">
+                <a:effectLst>
+                  <a:outerShdw blurRad="38100" dist="38100" dir="2700000" algn="tl">
+                    <a:srgbClr val="000000">
+                      <a:alpha val="43137"/>
+                    </a:srgbClr>
+                  </a:outerShdw>
+                </a:effectLst>
+              </a:rPr>
+              <a:t>Obrona pracy magisterskiej</a:t>
+            </a:r>
+            <a:endParaRPr lang="pl-PL" sz="1600" dirty="0">
+              <a:effectLst>
+                <a:outerShdw blurRad="38100" dist="38100" dir="2700000" algn="tl">
+                  <a:srgbClr val="000000">
+                    <a:alpha val="43137"/>
+                  </a:srgbClr>
+                </a:outerShdw>
+              </a:effectLst>
+            </a:endParaRPr>
+          </a:p>
+        </p:txBody>
+      </p:sp>
+      <p:sp>
+        <p:nvSpPr>
+          <p:cNvPr id="10" name="Content Placeholder 2"/>
+          <p:cNvSpPr>
+            <a:spLocks noGrp="1"/>
+          </p:cNvSpPr>
+          <p:nvPr>
+            <p:ph idx="1"/>
+          </p:nvPr>
+        </p:nvSpPr>
+        <p:spPr>
+          <a:xfrm>
+            <a:off x="457200" y="1196752"/>
+            <a:ext cx="7620000" cy="4680520"/>
+          </a:xfrm>
+        </p:spPr>
+        <p:txBody>
+          <a:bodyPr>
+            <a:normAutofit/>
+          </a:bodyPr>
+          <a:lstStyle/>
+          <a:p>
+            <a:r>
+              <a:rPr lang="pl-PL" sz="2400" dirty="0" smtClean="0"/>
+              <a:t>Realizacja koncepcji rzeczywistości rozszerzonej wymaga wykorzystania wielu sensorów zamontowanych w telefonie (GPS, żyroskop, akcelerometr, magnetometr, kamera).</a:t>
+            </a:r>
+          </a:p>
+          <a:p>
+            <a:r>
+              <a:rPr lang="pl-PL" sz="2400" dirty="0" smtClean="0"/>
+              <a:t>Główne problemy tego typu aplikacji to niedokładność odczytów sensorów i ich zapotrzebowanie na energię.</a:t>
+            </a:r>
+          </a:p>
+          <a:p>
+            <a:endParaRPr lang="pl-PL" sz="2400" dirty="0" smtClean="0"/>
+          </a:p>
+          <a:p>
+            <a:r>
+              <a:rPr lang="pl-PL" sz="2400" dirty="0" smtClean="0"/>
+              <a:t>Klasa </a:t>
+            </a:r>
+            <a:r>
+              <a:rPr lang="pl-PL" sz="2400" dirty="0" smtClean="0">
+                <a:effectLst>
+                  <a:outerShdw blurRad="38100" dist="38100" dir="2700000" algn="tl">
+                    <a:srgbClr val="000000">
+                      <a:alpha val="43137"/>
+                    </a:srgbClr>
+                  </a:outerShdw>
+                </a:effectLst>
+              </a:rPr>
+              <a:t>SensorManager</a:t>
+            </a:r>
+            <a:r>
+              <a:rPr lang="pl-PL" sz="2400" dirty="0" smtClean="0"/>
+              <a:t> ma ewidentnie zbyt wiele odpowiedzialności.</a:t>
+            </a:r>
+          </a:p>
+          <a:p>
+            <a:endParaRPr lang="pl-PL" sz="2400" dirty="0"/>
+          </a:p>
+        </p:txBody>
+      </p:sp>
+    </p:spTree>
+    <p:extLst>
+      <p:ext uri="{BB962C8B-B14F-4D97-AF65-F5344CB8AC3E}">
+        <p14:creationId xmlns:p14="http://schemas.microsoft.com/office/powerpoint/2010/main" val="3278634464"/>
+      </p:ext>
+    </p:extLst>
+  </p:cSld>
+  <p:clrMapOvr>
+    <a:masterClrMapping/>
+  </p:clrMapOvr>
+  <p:timing>
+    <p:tnLst>
+      <p:par>
+        <p:cTn id="1" dur="indefinite" restart="never" nodeType="tmRoot"/>
+      </p:par>
+    </p:tnLst>
+  </p:timing>
+</p:sld>
+</file>
+
+<file path=ppt/slides/slide11.xml><?xml version="1.0" encoding="utf-8"?>
+<p:sld xmlns:a="http://schemas.openxmlformats.org/drawingml/2006/main" xmlns:r="http://schemas.openxmlformats.org/officeDocument/2006/relationships" xmlns:p="http://schemas.openxmlformats.org/presentationml/2006/main">
+  <p:cSld>
+    <p:spTree>
+      <p:nvGrpSpPr>
+        <p:cNvPr id="1" name=""/>
+        <p:cNvGrpSpPr/>
+        <p:nvPr/>
+      </p:nvGrpSpPr>
+      <p:grpSpPr>
+        <a:xfrm>
+          <a:off x="0" y="0"/>
+          <a:ext cx="0" cy="0"/>
+          <a:chOff x="0" y="0"/>
+          <a:chExt cx="0" cy="0"/>
+        </a:xfrm>
+      </p:grpSpPr>
+      <p:sp>
+        <p:nvSpPr>
+          <p:cNvPr id="2" name="Title 1"/>
+          <p:cNvSpPr>
+            <a:spLocks noGrp="1"/>
+          </p:cNvSpPr>
+          <p:nvPr>
+            <p:ph type="title"/>
+          </p:nvPr>
+        </p:nvSpPr>
+        <p:spPr>
+          <a:xfrm>
+            <a:off x="696416" y="2420888"/>
+            <a:ext cx="6611888" cy="1143000"/>
+          </a:xfrm>
+        </p:spPr>
+        <p:txBody>
+          <a:bodyPr/>
+          <a:lstStyle/>
+          <a:p>
+            <a:r>
+              <a:rPr lang="pl-PL" sz="6000" dirty="0" smtClean="0"/>
+              <a:t>Dziękuję za </a:t>
+            </a:r>
+            <a:r>
+              <a:rPr lang="pl-PL" sz="6000" dirty="0"/>
+              <a:t>uwagę</a:t>
+            </a:r>
+          </a:p>
+        </p:txBody>
+      </p:sp>
+      <p:sp>
+        <p:nvSpPr>
+          <p:cNvPr id="6" name="Footer Placeholder 7"/>
+          <p:cNvSpPr>
+            <a:spLocks noGrp="1"/>
+          </p:cNvSpPr>
+          <p:nvPr>
+            <p:ph type="ftr" sz="quarter" idx="11"/>
+          </p:nvPr>
+        </p:nvSpPr>
+        <p:spPr>
+          <a:xfrm rot="5400000">
+            <a:off x="6951124" y="1841964"/>
+            <a:ext cx="3672408" cy="365760"/>
+          </a:xfrm>
+        </p:spPr>
+        <p:txBody>
+          <a:bodyPr/>
+          <a:lstStyle/>
+          <a:p>
+            <a:pPr algn="l"/>
+            <a:r>
+              <a:rPr lang="pl-PL" sz="1600" dirty="0">
+                <a:effectLst>
+                  <a:outerShdw blurRad="38100" dist="38100" dir="2700000" algn="tl">
+                    <a:srgbClr val="000000">
+                      <a:alpha val="43137"/>
+                    </a:srgbClr>
+                  </a:outerShdw>
+                </a:effectLst>
+              </a:rPr>
+              <a:t>Obrona pracy magisterskiej</a:t>
+            </a:r>
+            <a:endParaRPr lang="pl-PL" sz="1600" dirty="0">
+              <a:effectLst>
+                <a:outerShdw blurRad="38100" dist="38100" dir="2700000" algn="tl">
+                  <a:srgbClr val="000000">
+                    <a:alpha val="43137"/>
+                  </a:srgbClr>
+                </a:outerShdw>
+              </a:effectLst>
+            </a:endParaRPr>
+          </a:p>
+        </p:txBody>
+      </p:sp>
+      <p:sp>
+        <p:nvSpPr>
+          <p:cNvPr id="5" name="Slide Number Placeholder 4"/>
+          <p:cNvSpPr>
+            <a:spLocks noGrp="1"/>
+          </p:cNvSpPr>
+          <p:nvPr>
+            <p:ph type="sldNum" sz="quarter" idx="12"/>
+          </p:nvPr>
+        </p:nvSpPr>
+        <p:spPr/>
+        <p:txBody>
+          <a:bodyPr/>
+          <a:lstStyle/>
+          <a:p>
+            <a:fld id="{A9560CCA-E071-4361-AF3D-B0CE296716D1}" type="slidenum">
+              <a:rPr lang="pl-PL" smtClean="0"/>
+              <a:t>11</a:t>
+            </a:fld>
+            <a:endParaRPr lang="pl-PL"/>
+          </a:p>
+        </p:txBody>
+      </p:sp>
+    </p:spTree>
+    <p:extLst>
+      <p:ext uri="{BB962C8B-B14F-4D97-AF65-F5344CB8AC3E}">
+        <p14:creationId xmlns:p14="http://schemas.microsoft.com/office/powerpoint/2010/main" val="1221185451"/>
+      </p:ext>
+    </p:extLst>
+  </p:cSld>
+  <p:clrMapOvr>
+    <a:masterClrMapping/>
+  </p:clrMapOvr>
+  <p:timing>
+    <p:tnLst>
+      <p:par>
+        <p:cTn id="1" dur="indefinite" restart="never" nodeType="tmRoot"/>
+      </p:par>
+    </p:tnLst>
+  </p:timing>
+</p:sld>
+</file>
+
 <file path=ppt/slides/slide2.xml><?xml version="1.0" encoding="utf-8"?>
 <p:sld xmlns:a="http://schemas.openxmlformats.org/drawingml/2006/main" xmlns:r="http://schemas.openxmlformats.org/officeDocument/2006/relationships" xmlns:p="http://schemas.openxmlformats.org/presentationml/2006/main">
   <p:cSld>
@@ -4128,7 +4481,7 @@
                   </a:outerShdw>
                 </a:effectLst>
               </a:rPr>
-              <a:t>Odczytywanie pozycji telefonu</a:t>
+              <a:t>Architektura CQRS</a:t>
             </a:r>
             <a:endParaRPr lang="pl-PL" sz="4000" dirty="0">
               <a:effectLst>
@@ -4166,123 +4519,173 @@
           <a:p>
             <a:r>
               <a:rPr lang="pl-PL" sz="2400" dirty="0" smtClean="0"/>
-              <a:t>API systemu Android umożliwia odczytywanie pozycji telefonu z trzech źródeł:</a:t>
+              <a:t>CQRS = Command Query Responsibility Segregation</a:t>
+            </a:r>
+            <a:endParaRPr lang="pl-PL" dirty="0" smtClean="0"/>
+          </a:p>
+          <a:p>
+            <a:r>
+              <a:rPr lang="pl-PL" sz="2400" dirty="0"/>
+              <a:t>Zakłada </a:t>
+            </a:r>
+            <a:r>
+              <a:rPr lang="pl-PL" sz="2400" dirty="0" smtClean="0"/>
+              <a:t>podział </a:t>
+            </a:r>
+            <a:r>
+              <a:rPr lang="pl-PL" sz="2400" dirty="0"/>
+              <a:t>wszystkich </a:t>
+            </a:r>
+            <a:r>
+              <a:rPr lang="pl-PL" sz="2400" dirty="0" smtClean="0"/>
+              <a:t>działań </a:t>
+            </a:r>
+            <a:r>
+              <a:rPr lang="pl-PL" sz="2400" dirty="0"/>
+              <a:t>w aplikacji na dwa rodzaje</a:t>
+            </a:r>
+            <a:r>
+              <a:rPr lang="pl-PL" sz="2400" dirty="0" smtClean="0"/>
+              <a:t>:</a:t>
             </a:r>
           </a:p>
           <a:p>
             <a:pPr lvl="1"/>
             <a:r>
+              <a:rPr lang="pl-PL" dirty="0"/>
+              <a:t>zapytanie </a:t>
+            </a:r>
+            <a:r>
               <a:rPr lang="pl-PL" dirty="0" smtClean="0"/>
-              <a:t>GPS,</a:t>
+              <a:t>(</a:t>
+            </a:r>
+            <a:r>
+              <a:rPr lang="pl-PL" i="1" dirty="0" smtClean="0"/>
+              <a:t>query</a:t>
+            </a:r>
+            <a:r>
+              <a:rPr lang="pl-PL" dirty="0"/>
+              <a:t>) - działanie </a:t>
+            </a:r>
+            <a:r>
+              <a:rPr lang="pl-PL" dirty="0" smtClean="0"/>
+              <a:t>wiążące się </a:t>
+            </a:r>
+            <a:r>
+              <a:rPr lang="pl-PL" dirty="0"/>
+              <a:t>z odczytaniem danych z bazy danych (lub innego </a:t>
+            </a:r>
+            <a:r>
+              <a:rPr lang="pl-PL" dirty="0" smtClean="0"/>
+              <a:t>zródła);</a:t>
             </a:r>
           </a:p>
           <a:p>
             <a:pPr lvl="1"/>
             <a:r>
               <a:rPr lang="pl-PL" dirty="0"/>
-              <a:t>w</a:t>
+              <a:t>komenda </a:t>
             </a:r>
             <a:r>
               <a:rPr lang="pl-PL" dirty="0" smtClean="0"/>
-              <a:t>spomagany GPS,</a:t>
+              <a:t>(</a:t>
+            </a:r>
+            <a:r>
+              <a:rPr lang="pl-PL" i="1" dirty="0" smtClean="0"/>
+              <a:t>command</a:t>
+            </a:r>
+            <a:r>
+              <a:rPr lang="pl-PL" dirty="0"/>
+              <a:t>) - działanie </a:t>
+            </a:r>
+            <a:r>
+              <a:rPr lang="pl-PL" dirty="0" smtClean="0"/>
+              <a:t>wiążące się </a:t>
+            </a:r>
+            <a:r>
+              <a:rPr lang="pl-PL" dirty="0"/>
+              <a:t>z </a:t>
+            </a:r>
+            <a:r>
+              <a:rPr lang="pl-PL" dirty="0" smtClean="0"/>
+              <a:t>modyfikacją </a:t>
+            </a:r>
+            <a:r>
+              <a:rPr lang="pl-PL" dirty="0"/>
+              <a:t>danych</a:t>
+            </a:r>
+            <a:r>
+              <a:rPr lang="pl-PL" dirty="0" smtClean="0"/>
+              <a:t>.</a:t>
+            </a:r>
+          </a:p>
+          <a:p>
+            <a:r>
+              <a:rPr lang="pl-PL" dirty="0"/>
+              <a:t>Działania te </a:t>
+            </a:r>
+            <a:r>
+              <a:rPr lang="pl-PL" dirty="0" smtClean="0"/>
+              <a:t>są rozłączne – działają na dwóch osobnych modelach </a:t>
+            </a:r>
+            <a:r>
+              <a:rPr lang="pl-PL" dirty="0"/>
+              <a:t>danych aplikacji</a:t>
+            </a:r>
+            <a:r>
+              <a:rPr lang="pl-PL" dirty="0" smtClean="0"/>
+              <a:t>:</a:t>
             </a:r>
           </a:p>
           <a:p>
             <a:pPr lvl="1"/>
             <a:r>
               <a:rPr lang="pl-PL" dirty="0"/>
-              <a:t>o</a:t>
+              <a:t>model </a:t>
             </a:r>
             <a:r>
               <a:rPr lang="pl-PL" dirty="0" smtClean="0"/>
-              <a:t>dczyt pasywny.</a:t>
-            </a:r>
-          </a:p>
-          <a:p>
-            <a:r>
-              <a:rPr lang="pl-PL" sz="2400" dirty="0"/>
-              <a:t>Wyboru zródła </a:t>
-            </a:r>
-            <a:r>
-              <a:rPr lang="pl-PL" sz="2400" dirty="0" smtClean="0"/>
-              <a:t>odczytu (</a:t>
-            </a:r>
-            <a:r>
-              <a:rPr lang="pl-PL" sz="2400" dirty="0">
-                <a:effectLst>
-                  <a:outerShdw blurRad="38100" dist="38100" dir="2700000" algn="tl">
-                    <a:srgbClr val="000000">
-                      <a:alpha val="43137"/>
-                    </a:srgbClr>
-                  </a:outerShdw>
-                </a:effectLst>
-              </a:rPr>
-              <a:t>LocationProvider</a:t>
-            </a:r>
-            <a:r>
-              <a:rPr lang="pl-PL" sz="2400" dirty="0" smtClean="0"/>
+              <a:t>zapytań (</a:t>
+            </a:r>
+            <a:r>
+              <a:rPr lang="pl-PL" i="1" dirty="0" smtClean="0"/>
+              <a:t>Query Model</a:t>
+            </a:r>
+            <a:r>
+              <a:rPr lang="pl-PL" dirty="0" smtClean="0"/>
               <a:t>) </a:t>
             </a:r>
             <a:r>
-              <a:rPr lang="pl-PL" sz="2400" dirty="0"/>
-              <a:t>dokonuje </a:t>
-            </a:r>
-            <a:r>
-              <a:rPr lang="pl-PL" sz="2400" dirty="0" smtClean="0"/>
-              <a:t>programista.</a:t>
-            </a:r>
-          </a:p>
-          <a:p>
-            <a:r>
-              <a:rPr lang="pl-PL" sz="2400" dirty="0" smtClean="0"/>
-              <a:t>Wyboru - na podstawie kryteriów zdefiniowanych </a:t>
-            </a:r>
-            <a:r>
-              <a:rPr lang="pl-PL" sz="2400" dirty="0"/>
-              <a:t>przez programistę - może również dokonać </a:t>
-            </a:r>
-            <a:r>
-              <a:rPr lang="pl-PL" sz="2400" dirty="0" smtClean="0"/>
-              <a:t>system. Kryteria:</a:t>
+              <a:rPr lang="pl-PL" dirty="0"/>
+              <a:t>- model przeznaczony do odczytu danych</a:t>
+            </a:r>
+            <a:r>
+              <a:rPr lang="pl-PL" dirty="0" smtClean="0"/>
+              <a:t>;</a:t>
             </a:r>
           </a:p>
           <a:p>
             <a:pPr lvl="1"/>
             <a:r>
               <a:rPr lang="pl-PL" dirty="0"/>
-              <a:t>wymagana </a:t>
+              <a:t>model komend </a:t>
             </a:r>
             <a:r>
               <a:rPr lang="pl-PL" dirty="0" smtClean="0"/>
-              <a:t>dokładność odczytu,</a:t>
-            </a:r>
-          </a:p>
-          <a:p>
-            <a:pPr lvl="1"/>
+              <a:t>(</a:t>
+            </a:r>
+            <a:r>
+              <a:rPr lang="pl-PL" i="1" dirty="0" smtClean="0"/>
+              <a:t>Command Model</a:t>
+            </a:r>
             <a:r>
               <a:rPr lang="pl-PL" dirty="0" smtClean="0"/>
-              <a:t>zezwolenie </a:t>
+              <a:t>) </a:t>
             </a:r>
             <a:r>
               <a:rPr lang="pl-PL" dirty="0"/>
-              <a:t>na uzycie metody, która </a:t>
-            </a:r>
-            <a:r>
-              <a:rPr lang="pl-PL" dirty="0" smtClean="0"/>
-              <a:t>wiąże się </a:t>
-            </a:r>
-            <a:r>
-              <a:rPr lang="pl-PL" dirty="0"/>
-              <a:t>z naliczeniem opłat przez operatora </a:t>
-            </a:r>
-            <a:r>
-              <a:rPr lang="pl-PL" dirty="0" smtClean="0"/>
-              <a:t>sieci.</a:t>
-            </a:r>
-            <a:endParaRPr lang="pl-PL" dirty="0"/>
-          </a:p>
-          <a:p>
-            <a:pPr lvl="1"/>
+              <a:t>- model przeznaczony do modyfikacji danych.</a:t>
+            </a:r>
             <a:endParaRPr lang="pl-PL" dirty="0" smtClean="0"/>
           </a:p>
         </p:txBody>
@@ -4422,7 +4825,7 @@
                   </a:outerShdw>
                 </a:effectLst>
               </a:rPr>
-              <a:t>Przykłady obrotów</a:t>
+              <a:t>Architektura CQRS: działanie</a:t>
             </a:r>
             <a:endParaRPr lang="pl-PL" sz="4000" dirty="0">
               <a:effectLst>
@@ -4499,6 +4902,1174 @@
             <a:fld id="{A9560CCA-E071-4361-AF3D-B0CE296716D1}" type="slidenum">
               <a:rPr lang="pl-PL" smtClean="0"/>
               <a:t>4</a:t>
+            </a:fld>
+            <a:endParaRPr lang="pl-PL"/>
+          </a:p>
+        </p:txBody>
+      </p:sp>
+      <p:pic>
+        <p:nvPicPr>
+          <p:cNvPr id="7" name="Picture 6"/>
+          <p:cNvPicPr>
+            <a:picLocks noChangeAspect="1"/>
+          </p:cNvPicPr>
+          <p:nvPr/>
+        </p:nvPicPr>
+        <p:blipFill>
+          <a:blip r:embed="rId2">
+            <a:extLst>
+              <a:ext uri="{28A0092B-C50C-407E-A947-70E740481C1C}">
+                <a14:useLocalDpi xmlns:a14="http://schemas.microsoft.com/office/drawing/2010/main" val="0"/>
+              </a:ext>
+            </a:extLst>
+          </a:blip>
+          <a:stretch>
+            <a:fillRect/>
+          </a:stretch>
+        </p:blipFill>
+        <p:spPr>
+          <a:xfrm>
+            <a:off x="755655" y="1202009"/>
+            <a:ext cx="6912689" cy="5035303"/>
+          </a:xfrm>
+          <a:prstGeom prst="rect">
+            <a:avLst/>
+          </a:prstGeom>
+        </p:spPr>
+      </p:pic>
+    </p:spTree>
+    <p:extLst>
+      <p:ext uri="{BB962C8B-B14F-4D97-AF65-F5344CB8AC3E}">
+        <p14:creationId xmlns:p14="http://schemas.microsoft.com/office/powerpoint/2010/main" val="55212824"/>
+      </p:ext>
+    </p:extLst>
+  </p:cSld>
+  <p:clrMapOvr>
+    <a:masterClrMapping/>
+  </p:clrMapOvr>
+  <p:timing>
+    <p:tnLst>
+      <p:par>
+        <p:cTn id="1" dur="indefinite" restart="never" nodeType="tmRoot"/>
+      </p:par>
+    </p:tnLst>
+  </p:timing>
+</p:sld>
+</file>
+
+<file path=ppt/slides/slide5.xml><?xml version="1.0" encoding="utf-8"?>
+<p:sld xmlns:a="http://schemas.openxmlformats.org/drawingml/2006/main" xmlns:r="http://schemas.openxmlformats.org/officeDocument/2006/relationships" xmlns:p="http://schemas.openxmlformats.org/presentationml/2006/main">
+  <p:cSld>
+    <p:spTree>
+      <p:nvGrpSpPr>
+        <p:cNvPr id="1" name=""/>
+        <p:cNvGrpSpPr/>
+        <p:nvPr/>
+      </p:nvGrpSpPr>
+      <p:grpSpPr>
+        <a:xfrm>
+          <a:off x="0" y="0"/>
+          <a:ext cx="0" cy="0"/>
+          <a:chOff x="0" y="0"/>
+          <a:chExt cx="0" cy="0"/>
+        </a:xfrm>
+      </p:grpSpPr>
+      <p:sp>
+        <p:nvSpPr>
+          <p:cNvPr id="2" name="Title 1"/>
+          <p:cNvSpPr>
+            <a:spLocks noGrp="1"/>
+          </p:cNvSpPr>
+          <p:nvPr>
+            <p:ph type="title"/>
+          </p:nvPr>
+        </p:nvSpPr>
+        <p:spPr>
+          <a:xfrm>
+            <a:off x="457200" y="44624"/>
+            <a:ext cx="7620000" cy="1143000"/>
+          </a:xfrm>
+        </p:spPr>
+        <p:txBody>
+          <a:bodyPr/>
+          <a:lstStyle/>
+          <a:p>
+            <a:r>
+              <a:rPr lang="pl-PL" sz="4000" dirty="0" smtClean="0">
+                <a:effectLst>
+                  <a:outerShdw blurRad="38100" dist="38100" dir="2700000" algn="tl">
+                    <a:srgbClr val="000000">
+                      <a:alpha val="43137"/>
+                    </a:srgbClr>
+                  </a:outerShdw>
+                </a:effectLst>
+              </a:rPr>
+              <a:t>Architektura CQRS: zalety</a:t>
+            </a:r>
+            <a:endParaRPr lang="pl-PL" sz="4000" dirty="0">
+              <a:effectLst>
+                <a:outerShdw blurRad="38100" dist="38100" dir="2700000" algn="tl">
+                  <a:srgbClr val="000000">
+                    <a:alpha val="43137"/>
+                  </a:srgbClr>
+                </a:outerShdw>
+              </a:effectLst>
+            </a:endParaRPr>
+          </a:p>
+        </p:txBody>
+      </p:sp>
+      <p:sp>
+        <p:nvSpPr>
+          <p:cNvPr id="3" name="Content Placeholder 2"/>
+          <p:cNvSpPr>
+            <a:spLocks noGrp="1"/>
+          </p:cNvSpPr>
+          <p:nvPr>
+            <p:ph idx="1"/>
+          </p:nvPr>
+        </p:nvSpPr>
+        <p:spPr>
+          <a:xfrm>
+            <a:off x="467544" y="1196752"/>
+            <a:ext cx="7620000" cy="5400600"/>
+          </a:xfrm>
+        </p:spPr>
+        <p:txBody>
+          <a:bodyPr>
+            <a:normAutofit/>
+          </a:bodyPr>
+          <a:lstStyle/>
+          <a:p>
+            <a:r>
+              <a:rPr lang="pl-PL" dirty="0"/>
+              <a:t>S</a:t>
+            </a:r>
+            <a:r>
+              <a:rPr lang="pl-PL" dirty="0" smtClean="0"/>
+              <a:t>komplikowana </a:t>
+            </a:r>
+            <a:r>
+              <a:rPr lang="pl-PL" dirty="0"/>
+              <a:t>dziedzina aplikacji </a:t>
+            </a:r>
+            <a:r>
+              <a:rPr lang="pl-PL" dirty="0" smtClean="0"/>
+              <a:t>może być </a:t>
+            </a:r>
+            <a:r>
+              <a:rPr lang="pl-PL" dirty="0"/>
+              <a:t>podzielona na dwie prostsze dziedziny, co ułatwia jej </a:t>
+            </a:r>
+            <a:r>
+              <a:rPr lang="pl-PL" dirty="0" smtClean="0"/>
+              <a:t>zrozumienie.</a:t>
+            </a:r>
+          </a:p>
+          <a:p>
+            <a:r>
+              <a:rPr lang="pl-PL" dirty="0" smtClean="0"/>
+              <a:t>Zapytania </a:t>
+            </a:r>
+            <a:r>
+              <a:rPr lang="pl-PL" dirty="0"/>
+              <a:t>i komendy </a:t>
+            </a:r>
+            <a:r>
+              <a:rPr lang="pl-PL" dirty="0" smtClean="0"/>
+              <a:t>mogą być </a:t>
+            </a:r>
+            <a:r>
+              <a:rPr lang="pl-PL" dirty="0"/>
+              <a:t>wykonywane równolegle, co poprawia </a:t>
+            </a:r>
+            <a:r>
+              <a:rPr lang="pl-PL" dirty="0" smtClean="0"/>
+              <a:t>wydajność aplikacji</a:t>
+            </a:r>
+            <a:r>
+              <a:rPr lang="pl-PL" dirty="0"/>
+              <a:t>.</a:t>
+            </a:r>
+            <a:endParaRPr lang="pl-PL" dirty="0" smtClean="0"/>
+          </a:p>
+          <a:p>
+            <a:r>
+              <a:rPr lang="pl-PL" dirty="0" smtClean="0"/>
+              <a:t>Zapytania są </a:t>
+            </a:r>
+            <a:r>
+              <a:rPr lang="pl-PL" dirty="0"/>
+              <a:t>wykonywane na specjalnie przygotowanych dla nich </a:t>
+            </a:r>
+            <a:r>
+              <a:rPr lang="pl-PL" dirty="0" smtClean="0"/>
+              <a:t>danych, </a:t>
+            </a:r>
+            <a:r>
+              <a:rPr lang="pl-PL" dirty="0"/>
+              <a:t>co ma bardzo pozytywny wpływ na </a:t>
+            </a:r>
+            <a:r>
+              <a:rPr lang="pl-PL" dirty="0" smtClean="0"/>
+              <a:t>wydajność.</a:t>
+            </a:r>
+          </a:p>
+          <a:p>
+            <a:r>
+              <a:rPr lang="pl-PL" dirty="0" smtClean="0"/>
+              <a:t>Architektura CQRS dobrze współgra z wzorcem EventSourcing i bazami danych typu NoSQL.</a:t>
+            </a:r>
+          </a:p>
+        </p:txBody>
+      </p:sp>
+      <p:sp>
+        <p:nvSpPr>
+          <p:cNvPr id="6" name="Footer Placeholder 7"/>
+          <p:cNvSpPr>
+            <a:spLocks noGrp="1"/>
+          </p:cNvSpPr>
+          <p:nvPr>
+            <p:ph type="ftr" sz="quarter" idx="11"/>
+          </p:nvPr>
+        </p:nvSpPr>
+        <p:spPr>
+          <a:xfrm rot="5400000">
+            <a:off x="6951124" y="1841964"/>
+            <a:ext cx="3672408" cy="365760"/>
+          </a:xfrm>
+        </p:spPr>
+        <p:txBody>
+          <a:bodyPr/>
+          <a:lstStyle/>
+          <a:p>
+            <a:pPr algn="l"/>
+            <a:r>
+              <a:rPr lang="pl-PL" sz="1600" dirty="0">
+                <a:effectLst>
+                  <a:outerShdw blurRad="38100" dist="38100" dir="2700000" algn="tl">
+                    <a:srgbClr val="000000">
+                      <a:alpha val="43137"/>
+                    </a:srgbClr>
+                  </a:outerShdw>
+                </a:effectLst>
+              </a:rPr>
+              <a:t>Obrona pracy magisterskiej</a:t>
+            </a:r>
+            <a:endParaRPr lang="pl-PL" sz="1600" dirty="0">
+              <a:effectLst>
+                <a:outerShdw blurRad="38100" dist="38100" dir="2700000" algn="tl">
+                  <a:srgbClr val="000000">
+                    <a:alpha val="43137"/>
+                  </a:srgbClr>
+                </a:outerShdw>
+              </a:effectLst>
+            </a:endParaRPr>
+          </a:p>
+        </p:txBody>
+      </p:sp>
+      <p:sp>
+        <p:nvSpPr>
+          <p:cNvPr id="5" name="Slide Number Placeholder 4"/>
+          <p:cNvSpPr>
+            <a:spLocks noGrp="1"/>
+          </p:cNvSpPr>
+          <p:nvPr>
+            <p:ph type="sldNum" sz="quarter" idx="12"/>
+          </p:nvPr>
+        </p:nvSpPr>
+        <p:spPr/>
+        <p:txBody>
+          <a:bodyPr/>
+          <a:lstStyle/>
+          <a:p>
+            <a:fld id="{A9560CCA-E071-4361-AF3D-B0CE296716D1}" type="slidenum">
+              <a:rPr lang="pl-PL" smtClean="0"/>
+              <a:t>5</a:t>
+            </a:fld>
+            <a:endParaRPr lang="pl-PL"/>
+          </a:p>
+        </p:txBody>
+      </p:sp>
+    </p:spTree>
+    <p:extLst>
+      <p:ext uri="{BB962C8B-B14F-4D97-AF65-F5344CB8AC3E}">
+        <p14:creationId xmlns:p14="http://schemas.microsoft.com/office/powerpoint/2010/main" val="1931032679"/>
+      </p:ext>
+    </p:extLst>
+  </p:cSld>
+  <p:clrMapOvr>
+    <a:masterClrMapping/>
+  </p:clrMapOvr>
+  <p:timing>
+    <p:tnLst>
+      <p:par>
+        <p:cTn id="1" dur="indefinite" restart="never" nodeType="tmRoot"/>
+      </p:par>
+    </p:tnLst>
+  </p:timing>
+</p:sld>
+</file>
+
+<file path=ppt/slides/slide6.xml><?xml version="1.0" encoding="utf-8"?>
+<p:sld xmlns:a="http://schemas.openxmlformats.org/drawingml/2006/main" xmlns:r="http://schemas.openxmlformats.org/officeDocument/2006/relationships" xmlns:p="http://schemas.openxmlformats.org/presentationml/2006/main">
+  <p:cSld>
+    <p:spTree>
+      <p:nvGrpSpPr>
+        <p:cNvPr id="1" name=""/>
+        <p:cNvGrpSpPr/>
+        <p:nvPr/>
+      </p:nvGrpSpPr>
+      <p:grpSpPr>
+        <a:xfrm>
+          <a:off x="0" y="0"/>
+          <a:ext cx="0" cy="0"/>
+          <a:chOff x="0" y="0"/>
+          <a:chExt cx="0" cy="0"/>
+        </a:xfrm>
+      </p:grpSpPr>
+      <p:sp>
+        <p:nvSpPr>
+          <p:cNvPr id="2" name="Title 1"/>
+          <p:cNvSpPr>
+            <a:spLocks noGrp="1"/>
+          </p:cNvSpPr>
+          <p:nvPr>
+            <p:ph type="title"/>
+          </p:nvPr>
+        </p:nvSpPr>
+        <p:spPr>
+          <a:xfrm>
+            <a:off x="457200" y="44624"/>
+            <a:ext cx="7620000" cy="1143000"/>
+          </a:xfrm>
+        </p:spPr>
+        <p:txBody>
+          <a:bodyPr/>
+          <a:lstStyle/>
+          <a:p>
+            <a:r>
+              <a:rPr lang="pl-PL" sz="4000" dirty="0" smtClean="0">
+                <a:effectLst>
+                  <a:outerShdw blurRad="38100" dist="38100" dir="2700000" algn="tl">
+                    <a:srgbClr val="000000">
+                      <a:alpha val="43137"/>
+                    </a:srgbClr>
+                  </a:outerShdw>
+                </a:effectLst>
+              </a:rPr>
+              <a:t>Architektura CQRS: wady</a:t>
+            </a:r>
+            <a:endParaRPr lang="pl-PL" sz="4000" dirty="0">
+              <a:effectLst>
+                <a:outerShdw blurRad="38100" dist="38100" dir="2700000" algn="tl">
+                  <a:srgbClr val="000000">
+                    <a:alpha val="43137"/>
+                  </a:srgbClr>
+                </a:outerShdw>
+              </a:effectLst>
+            </a:endParaRPr>
+          </a:p>
+        </p:txBody>
+      </p:sp>
+      <p:sp>
+        <p:nvSpPr>
+          <p:cNvPr id="3" name="Content Placeholder 2"/>
+          <p:cNvSpPr>
+            <a:spLocks noGrp="1"/>
+          </p:cNvSpPr>
+          <p:nvPr>
+            <p:ph idx="1"/>
+          </p:nvPr>
+        </p:nvSpPr>
+        <p:spPr>
+          <a:xfrm>
+            <a:off x="467544" y="1196752"/>
+            <a:ext cx="7620000" cy="5400600"/>
+          </a:xfrm>
+        </p:spPr>
+        <p:txBody>
+          <a:bodyPr>
+            <a:normAutofit/>
+          </a:bodyPr>
+          <a:lstStyle/>
+          <a:p>
+            <a:r>
+              <a:rPr lang="pl-PL" b="1" dirty="0"/>
+              <a:t>Aby każde zapytanie mogło być obsłużone jak najszybciej, model zapytań musi być w dużym stopniu zdenormalizowany</a:t>
+            </a:r>
+            <a:r>
+              <a:rPr lang="pl-PL" b="1" dirty="0" smtClean="0"/>
+              <a:t>.</a:t>
+            </a:r>
+          </a:p>
+          <a:p>
+            <a:r>
+              <a:rPr lang="pl-PL" b="1" dirty="0" smtClean="0"/>
+              <a:t>Zarządzanie dwoma modelami tej samej dziedziny może sprawiać problemy.</a:t>
+            </a:r>
+          </a:p>
+          <a:p>
+            <a:r>
+              <a:rPr lang="pl-PL" dirty="0" smtClean="0"/>
+              <a:t>Synchronizacja </a:t>
+            </a:r>
+            <a:r>
+              <a:rPr lang="pl-PL" dirty="0"/>
+              <a:t>obu modeli może być kłopotliwa</a:t>
+            </a:r>
+            <a:r>
+              <a:rPr lang="pl-PL" dirty="0" smtClean="0"/>
+              <a:t>.</a:t>
+            </a:r>
+            <a:endParaRPr lang="pl-PL" dirty="0"/>
+          </a:p>
+        </p:txBody>
+      </p:sp>
+      <p:sp>
+        <p:nvSpPr>
+          <p:cNvPr id="6" name="Footer Placeholder 7"/>
+          <p:cNvSpPr>
+            <a:spLocks noGrp="1"/>
+          </p:cNvSpPr>
+          <p:nvPr>
+            <p:ph type="ftr" sz="quarter" idx="11"/>
+          </p:nvPr>
+        </p:nvSpPr>
+        <p:spPr>
+          <a:xfrm rot="5400000">
+            <a:off x="6951124" y="1841964"/>
+            <a:ext cx="3672408" cy="365760"/>
+          </a:xfrm>
+        </p:spPr>
+        <p:txBody>
+          <a:bodyPr/>
+          <a:lstStyle/>
+          <a:p>
+            <a:pPr algn="l"/>
+            <a:r>
+              <a:rPr lang="pl-PL" sz="1600" dirty="0">
+                <a:effectLst>
+                  <a:outerShdw blurRad="38100" dist="38100" dir="2700000" algn="tl">
+                    <a:srgbClr val="000000">
+                      <a:alpha val="43137"/>
+                    </a:srgbClr>
+                  </a:outerShdw>
+                </a:effectLst>
+              </a:rPr>
+              <a:t>Obrona pracy magisterskiej</a:t>
+            </a:r>
+            <a:endParaRPr lang="pl-PL" sz="1600" dirty="0">
+              <a:effectLst>
+                <a:outerShdw blurRad="38100" dist="38100" dir="2700000" algn="tl">
+                  <a:srgbClr val="000000">
+                    <a:alpha val="43137"/>
+                  </a:srgbClr>
+                </a:outerShdw>
+              </a:effectLst>
+            </a:endParaRPr>
+          </a:p>
+        </p:txBody>
+      </p:sp>
+      <p:sp>
+        <p:nvSpPr>
+          <p:cNvPr id="5" name="Slide Number Placeholder 4"/>
+          <p:cNvSpPr>
+            <a:spLocks noGrp="1"/>
+          </p:cNvSpPr>
+          <p:nvPr>
+            <p:ph type="sldNum" sz="quarter" idx="12"/>
+          </p:nvPr>
+        </p:nvSpPr>
+        <p:spPr/>
+        <p:txBody>
+          <a:bodyPr/>
+          <a:lstStyle/>
+          <a:p>
+            <a:fld id="{A9560CCA-E071-4361-AF3D-B0CE296716D1}" type="slidenum">
+              <a:rPr lang="pl-PL" smtClean="0"/>
+              <a:t>6</a:t>
+            </a:fld>
+            <a:endParaRPr lang="pl-PL"/>
+          </a:p>
+        </p:txBody>
+      </p:sp>
+    </p:spTree>
+    <p:extLst>
+      <p:ext uri="{BB962C8B-B14F-4D97-AF65-F5344CB8AC3E}">
+        <p14:creationId xmlns:p14="http://schemas.microsoft.com/office/powerpoint/2010/main" val="3184645920"/>
+      </p:ext>
+    </p:extLst>
+  </p:cSld>
+  <p:clrMapOvr>
+    <a:masterClrMapping/>
+  </p:clrMapOvr>
+  <p:timing>
+    <p:tnLst>
+      <p:par>
+        <p:cTn id="1" dur="indefinite" restart="never" nodeType="tmRoot"/>
+      </p:par>
+    </p:tnLst>
+  </p:timing>
+</p:sld>
+</file>
+
+<file path=ppt/slides/slide7.xml><?xml version="1.0" encoding="utf-8"?>
+<p:sld xmlns:a="http://schemas.openxmlformats.org/drawingml/2006/main" xmlns:r="http://schemas.openxmlformats.org/officeDocument/2006/relationships" xmlns:p="http://schemas.openxmlformats.org/presentationml/2006/main">
+  <p:cSld>
+    <p:spTree>
+      <p:nvGrpSpPr>
+        <p:cNvPr id="1" name=""/>
+        <p:cNvGrpSpPr/>
+        <p:nvPr/>
+      </p:nvGrpSpPr>
+      <p:grpSpPr>
+        <a:xfrm>
+          <a:off x="0" y="0"/>
+          <a:ext cx="0" cy="0"/>
+          <a:chOff x="0" y="0"/>
+          <a:chExt cx="0" cy="0"/>
+        </a:xfrm>
+      </p:grpSpPr>
+      <p:sp>
+        <p:nvSpPr>
+          <p:cNvPr id="2" name="Title 1"/>
+          <p:cNvSpPr>
+            <a:spLocks noGrp="1"/>
+          </p:cNvSpPr>
+          <p:nvPr>
+            <p:ph type="title"/>
+          </p:nvPr>
+        </p:nvSpPr>
+        <p:spPr>
+          <a:xfrm>
+            <a:off x="457200" y="44624"/>
+            <a:ext cx="7620000" cy="1143000"/>
+          </a:xfrm>
+        </p:spPr>
+        <p:txBody>
+          <a:bodyPr/>
+          <a:lstStyle/>
+          <a:p>
+            <a:r>
+              <a:rPr lang="pl-PL" sz="4000" dirty="0" smtClean="0">
+                <a:effectLst>
+                  <a:outerShdw blurRad="38100" dist="38100" dir="2700000" algn="tl">
+                    <a:srgbClr val="000000">
+                      <a:alpha val="43137"/>
+                    </a:srgbClr>
+                  </a:outerShdw>
+                </a:effectLst>
+              </a:rPr>
+              <a:t>Problem</a:t>
+            </a:r>
+            <a:endParaRPr lang="pl-PL" sz="4000" dirty="0">
+              <a:effectLst>
+                <a:outerShdw blurRad="38100" dist="38100" dir="2700000" algn="tl">
+                  <a:srgbClr val="000000">
+                    <a:alpha val="43137"/>
+                  </a:srgbClr>
+                </a:outerShdw>
+              </a:effectLst>
+            </a:endParaRPr>
+          </a:p>
+        </p:txBody>
+      </p:sp>
+      <p:sp>
+        <p:nvSpPr>
+          <p:cNvPr id="3" name="Content Placeholder 2"/>
+          <p:cNvSpPr>
+            <a:spLocks noGrp="1"/>
+          </p:cNvSpPr>
+          <p:nvPr>
+            <p:ph idx="1"/>
+          </p:nvPr>
+        </p:nvSpPr>
+        <p:spPr>
+          <a:xfrm>
+            <a:off x="467544" y="1196752"/>
+            <a:ext cx="7620000" cy="5400600"/>
+          </a:xfrm>
+        </p:spPr>
+        <p:txBody>
+          <a:bodyPr>
+            <a:normAutofit/>
+          </a:bodyPr>
+          <a:lstStyle/>
+          <a:p>
+            <a:r>
+              <a:rPr lang="pl-PL" b="1" dirty="0"/>
+              <a:t>Aby każde zapytanie mogło być obsłużone jak najszybciej, model zapytań musi być w dużym stopniu zdenormalizowany</a:t>
+            </a:r>
+            <a:r>
+              <a:rPr lang="pl-PL" b="1" dirty="0" smtClean="0"/>
+              <a:t>.</a:t>
+            </a:r>
+          </a:p>
+          <a:p>
+            <a:r>
+              <a:rPr lang="pl-PL" b="1" dirty="0" smtClean="0"/>
+              <a:t>Zarządzanie dwoma modelami tej samej dziedziny może sprawiać problemy.</a:t>
+            </a:r>
+          </a:p>
+          <a:p>
+            <a:r>
+              <a:rPr lang="pl-PL" dirty="0" smtClean="0"/>
+              <a:t>Synchronizacja </a:t>
+            </a:r>
+            <a:r>
+              <a:rPr lang="pl-PL" dirty="0"/>
+              <a:t>obu modeli może być kłopotliwa</a:t>
+            </a:r>
+            <a:r>
+              <a:rPr lang="pl-PL" dirty="0" smtClean="0"/>
+              <a:t>.</a:t>
+            </a:r>
+            <a:endParaRPr lang="pl-PL" dirty="0"/>
+          </a:p>
+        </p:txBody>
+      </p:sp>
+      <p:sp>
+        <p:nvSpPr>
+          <p:cNvPr id="6" name="Footer Placeholder 7"/>
+          <p:cNvSpPr>
+            <a:spLocks noGrp="1"/>
+          </p:cNvSpPr>
+          <p:nvPr>
+            <p:ph type="ftr" sz="quarter" idx="11"/>
+          </p:nvPr>
+        </p:nvSpPr>
+        <p:spPr>
+          <a:xfrm rot="5400000">
+            <a:off x="6951124" y="1841964"/>
+            <a:ext cx="3672408" cy="365760"/>
+          </a:xfrm>
+        </p:spPr>
+        <p:txBody>
+          <a:bodyPr/>
+          <a:lstStyle/>
+          <a:p>
+            <a:pPr algn="l"/>
+            <a:r>
+              <a:rPr lang="pl-PL" sz="1600" dirty="0">
+                <a:effectLst>
+                  <a:outerShdw blurRad="38100" dist="38100" dir="2700000" algn="tl">
+                    <a:srgbClr val="000000">
+                      <a:alpha val="43137"/>
+                    </a:srgbClr>
+                  </a:outerShdw>
+                </a:effectLst>
+              </a:rPr>
+              <a:t>Obrona pracy magisterskiej</a:t>
+            </a:r>
+            <a:endParaRPr lang="pl-PL" sz="1600" dirty="0">
+              <a:effectLst>
+                <a:outerShdw blurRad="38100" dist="38100" dir="2700000" algn="tl">
+                  <a:srgbClr val="000000">
+                    <a:alpha val="43137"/>
+                  </a:srgbClr>
+                </a:outerShdw>
+              </a:effectLst>
+            </a:endParaRPr>
+          </a:p>
+        </p:txBody>
+      </p:sp>
+      <p:sp>
+        <p:nvSpPr>
+          <p:cNvPr id="5" name="Slide Number Placeholder 4"/>
+          <p:cNvSpPr>
+            <a:spLocks noGrp="1"/>
+          </p:cNvSpPr>
+          <p:nvPr>
+            <p:ph type="sldNum" sz="quarter" idx="12"/>
+          </p:nvPr>
+        </p:nvSpPr>
+        <p:spPr/>
+        <p:txBody>
+          <a:bodyPr/>
+          <a:lstStyle/>
+          <a:p>
+            <a:fld id="{A9560CCA-E071-4361-AF3D-B0CE296716D1}" type="slidenum">
+              <a:rPr lang="pl-PL" smtClean="0"/>
+              <a:t>7</a:t>
+            </a:fld>
+            <a:endParaRPr lang="pl-PL"/>
+          </a:p>
+        </p:txBody>
+      </p:sp>
+    </p:spTree>
+    <p:extLst>
+      <p:ext uri="{BB962C8B-B14F-4D97-AF65-F5344CB8AC3E}">
+        <p14:creationId xmlns:p14="http://schemas.microsoft.com/office/powerpoint/2010/main" val="1779463766"/>
+      </p:ext>
+    </p:extLst>
+  </p:cSld>
+  <p:clrMapOvr>
+    <a:masterClrMapping/>
+  </p:clrMapOvr>
+  <p:timing>
+    <p:tnLst>
+      <p:par>
+        <p:cTn id="1" dur="indefinite" restart="never" nodeType="tmRoot"/>
+      </p:par>
+    </p:tnLst>
+  </p:timing>
+</p:sld>
+</file>
+
+<file path=ppt/slides/slide8.xml><?xml version="1.0" encoding="utf-8"?>
+<p:sld xmlns:a="http://schemas.openxmlformats.org/drawingml/2006/main" xmlns:r="http://schemas.openxmlformats.org/officeDocument/2006/relationships" xmlns:p="http://schemas.openxmlformats.org/presentationml/2006/main">
+  <p:cSld>
+    <p:spTree>
+      <p:nvGrpSpPr>
+        <p:cNvPr id="1" name=""/>
+        <p:cNvGrpSpPr/>
+        <p:nvPr/>
+      </p:nvGrpSpPr>
+      <p:grpSpPr>
+        <a:xfrm>
+          <a:off x="0" y="0"/>
+          <a:ext cx="0" cy="0"/>
+          <a:chOff x="0" y="0"/>
+          <a:chExt cx="0" cy="0"/>
+        </a:xfrm>
+      </p:grpSpPr>
+      <p:sp>
+        <p:nvSpPr>
+          <p:cNvPr id="2" name="Title 1"/>
+          <p:cNvSpPr>
+            <a:spLocks noGrp="1"/>
+          </p:cNvSpPr>
+          <p:nvPr>
+            <p:ph type="title"/>
+          </p:nvPr>
+        </p:nvSpPr>
+        <p:spPr>
+          <a:xfrm>
+            <a:off x="457200" y="44624"/>
+            <a:ext cx="7620000" cy="1143000"/>
+          </a:xfrm>
+        </p:spPr>
+        <p:txBody>
+          <a:bodyPr/>
+          <a:lstStyle/>
+          <a:p>
+            <a:r>
+              <a:rPr lang="pl-PL" sz="4000" dirty="0" smtClean="0">
+                <a:effectLst>
+                  <a:outerShdw blurRad="38100" dist="38100" dir="2700000" algn="tl">
+                    <a:srgbClr val="000000">
+                      <a:alpha val="43137"/>
+                    </a:srgbClr>
+                  </a:outerShdw>
+                </a:effectLst>
+              </a:rPr>
+              <a:t>[TO REMOVE] </a:t>
+            </a:r>
+            <a:r>
+              <a:rPr lang="pl-PL" sz="4000" dirty="0" smtClean="0">
+                <a:effectLst>
+                  <a:outerShdw blurRad="38100" dist="38100" dir="2700000" algn="tl">
+                    <a:srgbClr val="000000">
+                      <a:alpha val="43137"/>
+                    </a:srgbClr>
+                  </a:outerShdw>
+                </a:effectLst>
+              </a:rPr>
+              <a:t>Odczytywanie </a:t>
+            </a:r>
+            <a:r>
+              <a:rPr lang="pl-PL" sz="4000" dirty="0" smtClean="0">
+                <a:effectLst>
+                  <a:outerShdw blurRad="38100" dist="38100" dir="2700000" algn="tl">
+                    <a:srgbClr val="000000">
+                      <a:alpha val="43137"/>
+                    </a:srgbClr>
+                  </a:outerShdw>
+                </a:effectLst>
+              </a:rPr>
+              <a:t>pozycji telefonu</a:t>
+            </a:r>
+            <a:endParaRPr lang="pl-PL" sz="4000" dirty="0">
+              <a:effectLst>
+                <a:outerShdw blurRad="38100" dist="38100" dir="2700000" algn="tl">
+                  <a:srgbClr val="000000">
+                    <a:alpha val="43137"/>
+                  </a:srgbClr>
+                </a:outerShdw>
+              </a:effectLst>
+            </a:endParaRPr>
+          </a:p>
+        </p:txBody>
+      </p:sp>
+      <p:sp>
+        <p:nvSpPr>
+          <p:cNvPr id="3" name="Content Placeholder 2"/>
+          <p:cNvSpPr>
+            <a:spLocks noGrp="1"/>
+          </p:cNvSpPr>
+          <p:nvPr>
+            <p:ph idx="1"/>
+          </p:nvPr>
+        </p:nvSpPr>
+        <p:spPr>
+          <a:xfrm>
+            <a:off x="467544" y="1196752"/>
+            <a:ext cx="7620000" cy="5400600"/>
+          </a:xfrm>
+        </p:spPr>
+        <p:txBody>
+          <a:bodyPr>
+            <a:normAutofit/>
+          </a:bodyPr>
+          <a:lstStyle/>
+          <a:p>
+            <a:r>
+              <a:rPr lang="pl-PL" sz="2400" dirty="0" smtClean="0"/>
+              <a:t>API systemu Android umożliwia odczytywanie pozycji telefonu z trzech źródeł:</a:t>
+            </a:r>
+          </a:p>
+          <a:p>
+            <a:pPr lvl="1"/>
+            <a:r>
+              <a:rPr lang="pl-PL" dirty="0" smtClean="0"/>
+              <a:t>GPS,</a:t>
+            </a:r>
+          </a:p>
+          <a:p>
+            <a:pPr lvl="1"/>
+            <a:r>
+              <a:rPr lang="pl-PL" dirty="0"/>
+              <a:t>w</a:t>
+            </a:r>
+            <a:r>
+              <a:rPr lang="pl-PL" dirty="0" smtClean="0"/>
+              <a:t>spomagany GPS,</a:t>
+            </a:r>
+          </a:p>
+          <a:p>
+            <a:pPr lvl="1"/>
+            <a:r>
+              <a:rPr lang="pl-PL" dirty="0"/>
+              <a:t>o</a:t>
+            </a:r>
+            <a:r>
+              <a:rPr lang="pl-PL" dirty="0" smtClean="0"/>
+              <a:t>dczyt pasywny.</a:t>
+            </a:r>
+          </a:p>
+          <a:p>
+            <a:r>
+              <a:rPr lang="pl-PL" sz="2400" dirty="0"/>
+              <a:t>Wyboru zródła </a:t>
+            </a:r>
+            <a:r>
+              <a:rPr lang="pl-PL" sz="2400" dirty="0" smtClean="0"/>
+              <a:t>odczytu (</a:t>
+            </a:r>
+            <a:r>
+              <a:rPr lang="pl-PL" sz="2400" dirty="0">
+                <a:effectLst>
+                  <a:outerShdw blurRad="38100" dist="38100" dir="2700000" algn="tl">
+                    <a:srgbClr val="000000">
+                      <a:alpha val="43137"/>
+                    </a:srgbClr>
+                  </a:outerShdw>
+                </a:effectLst>
+              </a:rPr>
+              <a:t>LocationProvider</a:t>
+            </a:r>
+            <a:r>
+              <a:rPr lang="pl-PL" sz="2400" dirty="0" smtClean="0"/>
+              <a:t>) </a:t>
+            </a:r>
+            <a:r>
+              <a:rPr lang="pl-PL" sz="2400" dirty="0"/>
+              <a:t>dokonuje </a:t>
+            </a:r>
+            <a:r>
+              <a:rPr lang="pl-PL" sz="2400" dirty="0" smtClean="0"/>
+              <a:t>programista.</a:t>
+            </a:r>
+          </a:p>
+          <a:p>
+            <a:r>
+              <a:rPr lang="pl-PL" sz="2400" dirty="0" smtClean="0"/>
+              <a:t>Wyboru - na podstawie kryteriów zdefiniowanych </a:t>
+            </a:r>
+            <a:r>
+              <a:rPr lang="pl-PL" sz="2400" dirty="0"/>
+              <a:t>przez programistę - może również dokonać </a:t>
+            </a:r>
+            <a:r>
+              <a:rPr lang="pl-PL" sz="2400" dirty="0" smtClean="0"/>
+              <a:t>system. Kryteria:</a:t>
+            </a:r>
+          </a:p>
+          <a:p>
+            <a:pPr lvl="1"/>
+            <a:r>
+              <a:rPr lang="pl-PL" dirty="0"/>
+              <a:t>wymagana </a:t>
+            </a:r>
+            <a:r>
+              <a:rPr lang="pl-PL" dirty="0" smtClean="0"/>
+              <a:t>dokładność odczytu,</a:t>
+            </a:r>
+          </a:p>
+          <a:p>
+            <a:pPr lvl="1"/>
+            <a:r>
+              <a:rPr lang="pl-PL" dirty="0" smtClean="0"/>
+              <a:t>zezwolenie </a:t>
+            </a:r>
+            <a:r>
+              <a:rPr lang="pl-PL" dirty="0"/>
+              <a:t>na uzycie metody, która </a:t>
+            </a:r>
+            <a:r>
+              <a:rPr lang="pl-PL" dirty="0" smtClean="0"/>
+              <a:t>wiąże się </a:t>
+            </a:r>
+            <a:r>
+              <a:rPr lang="pl-PL" dirty="0"/>
+              <a:t>z naliczeniem opłat przez operatora </a:t>
+            </a:r>
+            <a:r>
+              <a:rPr lang="pl-PL" dirty="0" smtClean="0"/>
+              <a:t>sieci.</a:t>
+            </a:r>
+            <a:endParaRPr lang="pl-PL" dirty="0"/>
+          </a:p>
+          <a:p>
+            <a:pPr lvl="1"/>
+            <a:endParaRPr lang="pl-PL" dirty="0" smtClean="0"/>
+          </a:p>
+        </p:txBody>
+      </p:sp>
+      <p:sp>
+        <p:nvSpPr>
+          <p:cNvPr id="6" name="Footer Placeholder 7"/>
+          <p:cNvSpPr>
+            <a:spLocks noGrp="1"/>
+          </p:cNvSpPr>
+          <p:nvPr>
+            <p:ph type="ftr" sz="quarter" idx="11"/>
+          </p:nvPr>
+        </p:nvSpPr>
+        <p:spPr>
+          <a:xfrm rot="5400000">
+            <a:off x="6951124" y="1841964"/>
+            <a:ext cx="3672408" cy="365760"/>
+          </a:xfrm>
+        </p:spPr>
+        <p:txBody>
+          <a:bodyPr/>
+          <a:lstStyle/>
+          <a:p>
+            <a:pPr algn="l"/>
+            <a:r>
+              <a:rPr lang="pl-PL" sz="1600" dirty="0">
+                <a:effectLst>
+                  <a:outerShdw blurRad="38100" dist="38100" dir="2700000" algn="tl">
+                    <a:srgbClr val="000000">
+                      <a:alpha val="43137"/>
+                    </a:srgbClr>
+                  </a:outerShdw>
+                </a:effectLst>
+              </a:rPr>
+              <a:t>Obrona pracy magisterskiej</a:t>
+            </a:r>
+            <a:endParaRPr lang="pl-PL" sz="1600" dirty="0">
+              <a:effectLst>
+                <a:outerShdw blurRad="38100" dist="38100" dir="2700000" algn="tl">
+                  <a:srgbClr val="000000">
+                    <a:alpha val="43137"/>
+                  </a:srgbClr>
+                </a:outerShdw>
+              </a:effectLst>
+            </a:endParaRPr>
+          </a:p>
+        </p:txBody>
+      </p:sp>
+      <p:sp>
+        <p:nvSpPr>
+          <p:cNvPr id="5" name="Slide Number Placeholder 4"/>
+          <p:cNvSpPr>
+            <a:spLocks noGrp="1"/>
+          </p:cNvSpPr>
+          <p:nvPr>
+            <p:ph type="sldNum" sz="quarter" idx="12"/>
+          </p:nvPr>
+        </p:nvSpPr>
+        <p:spPr/>
+        <p:txBody>
+          <a:bodyPr/>
+          <a:lstStyle/>
+          <a:p>
+            <a:fld id="{A9560CCA-E071-4361-AF3D-B0CE296716D1}" type="slidenum">
+              <a:rPr lang="pl-PL" smtClean="0"/>
+              <a:t>8</a:t>
+            </a:fld>
+            <a:endParaRPr lang="pl-PL"/>
+          </a:p>
+        </p:txBody>
+      </p:sp>
+    </p:spTree>
+    <p:extLst>
+      <p:ext uri="{BB962C8B-B14F-4D97-AF65-F5344CB8AC3E}">
+        <p14:creationId xmlns:p14="http://schemas.microsoft.com/office/powerpoint/2010/main" val="1872928215"/>
+      </p:ext>
+    </p:extLst>
+  </p:cSld>
+  <p:clrMapOvr>
+    <a:masterClrMapping/>
+  </p:clrMapOvr>
+  <p:timing>
+    <p:tnLst>
+      <p:par>
+        <p:cTn id="1" dur="indefinite" restart="never" nodeType="tmRoot"/>
+      </p:par>
+    </p:tnLst>
+  </p:timing>
+</p:sld>
+</file>
+
+<file path=ppt/slides/slide9.xml><?xml version="1.0" encoding="utf-8"?>
+<p:sld xmlns:a="http://schemas.openxmlformats.org/drawingml/2006/main" xmlns:r="http://schemas.openxmlformats.org/officeDocument/2006/relationships" xmlns:p="http://schemas.openxmlformats.org/presentationml/2006/main">
+  <p:cSld>
+    <p:spTree>
+      <p:nvGrpSpPr>
+        <p:cNvPr id="1" name=""/>
+        <p:cNvGrpSpPr/>
+        <p:nvPr/>
+      </p:nvGrpSpPr>
+      <p:grpSpPr>
+        <a:xfrm>
+          <a:off x="0" y="0"/>
+          <a:ext cx="0" cy="0"/>
+          <a:chOff x="0" y="0"/>
+          <a:chExt cx="0" cy="0"/>
+        </a:xfrm>
+      </p:grpSpPr>
+      <p:sp>
+        <p:nvSpPr>
+          <p:cNvPr id="2" name="Title 1"/>
+          <p:cNvSpPr>
+            <a:spLocks noGrp="1"/>
+          </p:cNvSpPr>
+          <p:nvPr>
+            <p:ph type="title"/>
+          </p:nvPr>
+        </p:nvSpPr>
+        <p:spPr>
+          <a:xfrm>
+            <a:off x="457200" y="44624"/>
+            <a:ext cx="7620000" cy="1143000"/>
+          </a:xfrm>
+        </p:spPr>
+        <p:txBody>
+          <a:bodyPr/>
+          <a:lstStyle/>
+          <a:p>
+            <a:r>
+              <a:rPr lang="pl-PL" sz="4000" dirty="0">
+                <a:effectLst>
+                  <a:outerShdw blurRad="38100" dist="38100" dir="2700000" algn="tl">
+                    <a:srgbClr val="000000">
+                      <a:alpha val="43137"/>
+                    </a:srgbClr>
+                  </a:outerShdw>
+                </a:effectLst>
+              </a:rPr>
+              <a:t>[TO REMOVE] Przykłady </a:t>
+            </a:r>
+            <a:r>
+              <a:rPr lang="pl-PL" sz="4000" dirty="0" smtClean="0">
+                <a:effectLst>
+                  <a:outerShdw blurRad="38100" dist="38100" dir="2700000" algn="tl">
+                    <a:srgbClr val="000000">
+                      <a:alpha val="43137"/>
+                    </a:srgbClr>
+                  </a:outerShdw>
+                </a:effectLst>
+              </a:rPr>
+              <a:t>obrotów</a:t>
+            </a:r>
+            <a:endParaRPr lang="pl-PL" sz="4000" dirty="0">
+              <a:effectLst>
+                <a:outerShdw blurRad="38100" dist="38100" dir="2700000" algn="tl">
+                  <a:srgbClr val="000000">
+                    <a:alpha val="43137"/>
+                  </a:srgbClr>
+                </a:outerShdw>
+              </a:effectLst>
+            </a:endParaRPr>
+          </a:p>
+        </p:txBody>
+      </p:sp>
+      <p:sp>
+        <p:nvSpPr>
+          <p:cNvPr id="6" name="Footer Placeholder 7"/>
+          <p:cNvSpPr>
+            <a:spLocks noGrp="1"/>
+          </p:cNvSpPr>
+          <p:nvPr>
+            <p:ph type="ftr" sz="quarter" idx="11"/>
+          </p:nvPr>
+        </p:nvSpPr>
+        <p:spPr>
+          <a:xfrm rot="5400000">
+            <a:off x="6951124" y="1841964"/>
+            <a:ext cx="3672408" cy="365760"/>
+          </a:xfrm>
+        </p:spPr>
+        <p:txBody>
+          <a:bodyPr/>
+          <a:lstStyle/>
+          <a:p>
+            <a:pPr algn="l"/>
+            <a:r>
+              <a:rPr lang="pl-PL" sz="1600" dirty="0">
+                <a:effectLst>
+                  <a:outerShdw blurRad="38100" dist="38100" dir="2700000" algn="tl">
+                    <a:srgbClr val="000000">
+                      <a:alpha val="43137"/>
+                    </a:srgbClr>
+                  </a:outerShdw>
+                </a:effectLst>
+              </a:rPr>
+              <a:t>Obrona pracy magisterskiej</a:t>
+            </a:r>
+            <a:endParaRPr lang="pl-PL" sz="1600" dirty="0">
+              <a:effectLst>
+                <a:outerShdw blurRad="38100" dist="38100" dir="2700000" algn="tl">
+                  <a:srgbClr val="000000">
+                    <a:alpha val="43137"/>
+                  </a:srgbClr>
+                </a:outerShdw>
+              </a:effectLst>
+            </a:endParaRPr>
+          </a:p>
+        </p:txBody>
+      </p:sp>
+      <p:sp>
+        <p:nvSpPr>
+          <p:cNvPr id="5" name="Slide Number Placeholder 4"/>
+          <p:cNvSpPr>
+            <a:spLocks noGrp="1"/>
+          </p:cNvSpPr>
+          <p:nvPr>
+            <p:ph type="sldNum" sz="quarter" idx="12"/>
+          </p:nvPr>
+        </p:nvSpPr>
+        <p:spPr/>
+        <p:txBody>
+          <a:bodyPr/>
+          <a:lstStyle/>
+          <a:p>
+            <a:fld id="{A9560CCA-E071-4361-AF3D-B0CE296716D1}" type="slidenum">
+              <a:rPr lang="pl-PL" smtClean="0"/>
+              <a:t>9</a:t>
             </a:fld>
             <a:endParaRPr lang="pl-PL"/>
           </a:p>
@@ -5437,354 +7008,6 @@
     <p:extLst>
       <p:ext uri="{BB962C8B-B14F-4D97-AF65-F5344CB8AC3E}">
         <p14:creationId xmlns:p14="http://schemas.microsoft.com/office/powerpoint/2010/main" val="222257518"/>
-      </p:ext>
-    </p:extLst>
-  </p:cSld>
-  <p:clrMapOvr>
-    <a:masterClrMapping/>
-  </p:clrMapOvr>
-  <p:timing>
-    <p:tnLst>
-      <p:par>
-        <p:cTn id="1" dur="indefinite" restart="never" nodeType="tmRoot"/>
-      </p:par>
-    </p:tnLst>
-  </p:timing>
-</p:sld>
-</file>
-
-<file path=ppt/slides/slide5.xml><?xml version="1.0" encoding="utf-8"?>
-<p:sld xmlns:a="http://schemas.openxmlformats.org/drawingml/2006/main" xmlns:r="http://schemas.openxmlformats.org/officeDocument/2006/relationships" xmlns:p="http://schemas.openxmlformats.org/presentationml/2006/main">
-  <p:cSld>
-    <p:spTree>
-      <p:nvGrpSpPr>
-        <p:cNvPr id="1" name=""/>
-        <p:cNvGrpSpPr/>
-        <p:nvPr/>
-      </p:nvGrpSpPr>
-      <p:grpSpPr>
-        <a:xfrm>
-          <a:off x="0" y="0"/>
-          <a:ext cx="0" cy="0"/>
-          <a:chOff x="0" y="0"/>
-          <a:chExt cx="0" cy="0"/>
-        </a:xfrm>
-      </p:grpSpPr>
-      <p:sp>
-        <p:nvSpPr>
-          <p:cNvPr id="2" name="Title 1"/>
-          <p:cNvSpPr>
-            <a:spLocks noGrp="1"/>
-          </p:cNvSpPr>
-          <p:nvPr>
-            <p:ph type="title"/>
-          </p:nvPr>
-        </p:nvSpPr>
-        <p:spPr>
-          <a:xfrm>
-            <a:off x="457200" y="44624"/>
-            <a:ext cx="7620000" cy="1143000"/>
-          </a:xfrm>
-        </p:spPr>
-        <p:txBody>
-          <a:bodyPr/>
-          <a:lstStyle/>
-          <a:p>
-            <a:r>
-              <a:rPr lang="pl-PL" sz="4000" dirty="0" smtClean="0">
-                <a:effectLst>
-                  <a:outerShdw blurRad="38100" dist="38100" dir="2700000" algn="tl">
-                    <a:srgbClr val="000000">
-                      <a:alpha val="43137"/>
-                    </a:srgbClr>
-                  </a:outerShdw>
-                </a:effectLst>
-              </a:rPr>
-              <a:t>Podsumowanie</a:t>
-            </a:r>
-            <a:endParaRPr lang="pl-PL" sz="4000" dirty="0">
-              <a:effectLst>
-                <a:outerShdw blurRad="38100" dist="38100" dir="2700000" algn="tl">
-                  <a:srgbClr val="000000">
-                    <a:alpha val="43137"/>
-                  </a:srgbClr>
-                </a:outerShdw>
-              </a:effectLst>
-            </a:endParaRPr>
-          </a:p>
-        </p:txBody>
-      </p:sp>
-      <p:sp>
-        <p:nvSpPr>
-          <p:cNvPr id="5" name="Slide Number Placeholder 4"/>
-          <p:cNvSpPr>
-            <a:spLocks noGrp="1"/>
-          </p:cNvSpPr>
-          <p:nvPr>
-            <p:ph type="sldNum" sz="quarter" idx="12"/>
-          </p:nvPr>
-        </p:nvSpPr>
-        <p:spPr/>
-        <p:txBody>
-          <a:bodyPr/>
-          <a:lstStyle/>
-          <a:p>
-            <a:fld id="{A9560CCA-E071-4361-AF3D-B0CE296716D1}" type="slidenum">
-              <a:rPr lang="pl-PL" smtClean="0"/>
-              <a:t>5</a:t>
-            </a:fld>
-            <a:endParaRPr lang="pl-PL"/>
-          </a:p>
-        </p:txBody>
-      </p:sp>
-      <p:sp>
-        <p:nvSpPr>
-          <p:cNvPr id="6" name="Footer Placeholder 7"/>
-          <p:cNvSpPr>
-            <a:spLocks noGrp="1"/>
-          </p:cNvSpPr>
-          <p:nvPr>
-            <p:ph type="ftr" sz="quarter" idx="11"/>
-          </p:nvPr>
-        </p:nvSpPr>
-        <p:spPr>
-          <a:xfrm rot="5400000">
-            <a:off x="6951124" y="1841964"/>
-            <a:ext cx="3672408" cy="365760"/>
-          </a:xfrm>
-        </p:spPr>
-        <p:txBody>
-          <a:bodyPr/>
-          <a:lstStyle/>
-          <a:p>
-            <a:pPr algn="l"/>
-            <a:r>
-              <a:rPr lang="pl-PL" sz="1600" dirty="0">
-                <a:effectLst>
-                  <a:outerShdw blurRad="38100" dist="38100" dir="2700000" algn="tl">
-                    <a:srgbClr val="000000">
-                      <a:alpha val="43137"/>
-                    </a:srgbClr>
-                  </a:outerShdw>
-                </a:effectLst>
-              </a:rPr>
-              <a:t>Obrona pracy magisterskiej</a:t>
-            </a:r>
-            <a:endParaRPr lang="pl-PL" sz="1600" dirty="0">
-              <a:effectLst>
-                <a:outerShdw blurRad="38100" dist="38100" dir="2700000" algn="tl">
-                  <a:srgbClr val="000000">
-                    <a:alpha val="43137"/>
-                  </a:srgbClr>
-                </a:outerShdw>
-              </a:effectLst>
-            </a:endParaRPr>
-          </a:p>
-        </p:txBody>
-      </p:sp>
-      <p:sp>
-        <p:nvSpPr>
-          <p:cNvPr id="10" name="Content Placeholder 2"/>
-          <p:cNvSpPr>
-            <a:spLocks noGrp="1"/>
-          </p:cNvSpPr>
-          <p:nvPr>
-            <p:ph idx="1"/>
-          </p:nvPr>
-        </p:nvSpPr>
-        <p:spPr>
-          <a:xfrm>
-            <a:off x="457200" y="1196752"/>
-            <a:ext cx="7620000" cy="4680520"/>
-          </a:xfrm>
-        </p:spPr>
-        <p:txBody>
-          <a:bodyPr>
-            <a:normAutofit/>
-          </a:bodyPr>
-          <a:lstStyle/>
-          <a:p>
-            <a:r>
-              <a:rPr lang="pl-PL" sz="2400" dirty="0" smtClean="0"/>
-              <a:t>Realizacja koncepcji rzeczywistości rozszerzonej wymaga wykorzystania wielu sensorów zamontowanych w telefonie (GPS, żyroskop, akcelerometr, magnetometr, kamera).</a:t>
-            </a:r>
-          </a:p>
-          <a:p>
-            <a:r>
-              <a:rPr lang="pl-PL" sz="2400" dirty="0" smtClean="0"/>
-              <a:t>Główne problemy tego typu aplikacji to niedokładność odczytów sensorów i ich zapotrzebowanie na energię.</a:t>
-            </a:r>
-          </a:p>
-          <a:p>
-            <a:endParaRPr lang="pl-PL" sz="2400" dirty="0" smtClean="0"/>
-          </a:p>
-          <a:p>
-            <a:r>
-              <a:rPr lang="pl-PL" sz="2400" dirty="0" smtClean="0"/>
-              <a:t>Klasa </a:t>
-            </a:r>
-            <a:r>
-              <a:rPr lang="pl-PL" sz="2400" dirty="0" smtClean="0">
-                <a:effectLst>
-                  <a:outerShdw blurRad="38100" dist="38100" dir="2700000" algn="tl">
-                    <a:srgbClr val="000000">
-                      <a:alpha val="43137"/>
-                    </a:srgbClr>
-                  </a:outerShdw>
-                </a:effectLst>
-              </a:rPr>
-              <a:t>SensorManager</a:t>
-            </a:r>
-            <a:r>
-              <a:rPr lang="pl-PL" sz="2400" dirty="0" smtClean="0"/>
-              <a:t> ma ewidentnie zbyt wiele odpowiedzialności.</a:t>
-            </a:r>
-          </a:p>
-          <a:p>
-            <a:endParaRPr lang="pl-PL" sz="2400" dirty="0"/>
-          </a:p>
-        </p:txBody>
-      </p:sp>
-    </p:spTree>
-    <p:extLst>
-      <p:ext uri="{BB962C8B-B14F-4D97-AF65-F5344CB8AC3E}">
-        <p14:creationId xmlns:p14="http://schemas.microsoft.com/office/powerpoint/2010/main" val="3278634464"/>
-      </p:ext>
-    </p:extLst>
-  </p:cSld>
-  <p:clrMapOvr>
-    <a:masterClrMapping/>
-  </p:clrMapOvr>
-  <p:timing>
-    <p:tnLst>
-      <p:par>
-        <p:cTn id="1" dur="indefinite" restart="never" nodeType="tmRoot"/>
-      </p:par>
-    </p:tnLst>
-  </p:timing>
-</p:sld>
-</file>
-
-<file path=ppt/slides/slide6.xml><?xml version="1.0" encoding="utf-8"?>
-<p:sld xmlns:a="http://schemas.openxmlformats.org/drawingml/2006/main" xmlns:r="http://schemas.openxmlformats.org/officeDocument/2006/relationships" xmlns:p="http://schemas.openxmlformats.org/presentationml/2006/main">
-  <p:cSld>
-    <p:spTree>
-      <p:nvGrpSpPr>
-        <p:cNvPr id="1" name=""/>
-        <p:cNvGrpSpPr/>
-        <p:nvPr/>
-      </p:nvGrpSpPr>
-      <p:grpSpPr>
-        <a:xfrm>
-          <a:off x="0" y="0"/>
-          <a:ext cx="0" cy="0"/>
-          <a:chOff x="0" y="0"/>
-          <a:chExt cx="0" cy="0"/>
-        </a:xfrm>
-      </p:grpSpPr>
-      <p:sp>
-        <p:nvSpPr>
-          <p:cNvPr id="2" name="Title 1"/>
-          <p:cNvSpPr>
-            <a:spLocks noGrp="1"/>
-          </p:cNvSpPr>
-          <p:nvPr>
-            <p:ph type="title"/>
-          </p:nvPr>
-        </p:nvSpPr>
-        <p:spPr>
-          <a:xfrm>
-            <a:off x="696416" y="2420888"/>
-            <a:ext cx="6611888" cy="1143000"/>
-          </a:xfrm>
-        </p:spPr>
-        <p:txBody>
-          <a:bodyPr/>
-          <a:lstStyle/>
-          <a:p>
-            <a:r>
-              <a:rPr lang="pl-PL" sz="6000" dirty="0" smtClean="0"/>
-              <a:t>Dziękuję za </a:t>
-            </a:r>
-            <a:r>
-              <a:rPr lang="pl-PL" sz="6000" dirty="0"/>
-              <a:t>uwagę</a:t>
-            </a:r>
-          </a:p>
-        </p:txBody>
-      </p:sp>
-      <p:sp>
-        <p:nvSpPr>
-          <p:cNvPr id="6" name="Footer Placeholder 7"/>
-          <p:cNvSpPr>
-            <a:spLocks noGrp="1"/>
-          </p:cNvSpPr>
-          <p:nvPr>
-            <p:ph type="ftr" sz="quarter" idx="11"/>
-          </p:nvPr>
-        </p:nvSpPr>
-        <p:spPr>
-          <a:xfrm rot="5400000">
-            <a:off x="6951124" y="1841964"/>
-            <a:ext cx="3672408" cy="365760"/>
-          </a:xfrm>
-        </p:spPr>
-        <p:txBody>
-          <a:bodyPr/>
-          <a:lstStyle/>
-          <a:p>
-            <a:pPr algn="l"/>
-            <a:r>
-              <a:rPr lang="pl-PL" sz="1600" dirty="0">
-                <a:effectLst>
-                  <a:outerShdw blurRad="38100" dist="38100" dir="2700000" algn="tl">
-                    <a:srgbClr val="000000">
-                      <a:alpha val="43137"/>
-                    </a:srgbClr>
-                  </a:outerShdw>
-                </a:effectLst>
-              </a:rPr>
-              <a:t>Obrona pracy magisterskiej</a:t>
-            </a:r>
-            <a:endParaRPr lang="pl-PL" sz="1600" dirty="0">
-              <a:effectLst>
-                <a:outerShdw blurRad="38100" dist="38100" dir="2700000" algn="tl">
-                  <a:srgbClr val="000000">
-                    <a:alpha val="43137"/>
-                  </a:srgbClr>
-                </a:outerShdw>
-              </a:effectLst>
-            </a:endParaRPr>
-          </a:p>
-        </p:txBody>
-      </p:sp>
-      <p:sp>
-        <p:nvSpPr>
-          <p:cNvPr id="5" name="Slide Number Placeholder 4"/>
-          <p:cNvSpPr>
-            <a:spLocks noGrp="1"/>
-          </p:cNvSpPr>
-          <p:nvPr>
-            <p:ph type="sldNum" sz="quarter" idx="12"/>
-          </p:nvPr>
-        </p:nvSpPr>
-        <p:spPr/>
-        <p:txBody>
-          <a:bodyPr/>
-          <a:lstStyle/>
-          <a:p>
-            <a:fld id="{A9560CCA-E071-4361-AF3D-B0CE296716D1}" type="slidenum">
-              <a:rPr lang="pl-PL" smtClean="0"/>
-              <a:t>6</a:t>
-            </a:fld>
-            <a:endParaRPr lang="pl-PL"/>
-          </a:p>
-        </p:txBody>
-      </p:sp>
-    </p:spTree>
-    <p:extLst>
-      <p:ext uri="{BB962C8B-B14F-4D97-AF65-F5344CB8AC3E}">
-        <p14:creationId xmlns:p14="http://schemas.microsoft.com/office/powerpoint/2010/main" val="1221185451"/>
       </p:ext>
     </p:extLst>
   </p:cSld>

--- a/thesis/presentation/presentation.pptx
+++ b/thesis/presentation/presentation.pptx
@@ -5,7 +5,7 @@
     <p:sldMasterId id="2147483660" r:id="rId1"/>
   </p:sldMasterIdLst>
   <p:notesMasterIdLst>
-    <p:notesMasterId r:id="rId13"/>
+    <p:notesMasterId r:id="rId14"/>
   </p:notesMasterIdLst>
   <p:sldIdLst>
     <p:sldId id="256" r:id="rId2"/>
@@ -16,9 +16,10 @@
     <p:sldId id="328" r:id="rId7"/>
     <p:sldId id="329" r:id="rId8"/>
     <p:sldId id="325" r:id="rId9"/>
-    <p:sldId id="324" r:id="rId10"/>
-    <p:sldId id="271" r:id="rId11"/>
-    <p:sldId id="258" r:id="rId12"/>
+    <p:sldId id="332" r:id="rId10"/>
+    <p:sldId id="333" r:id="rId11"/>
+    <p:sldId id="324" r:id="rId12"/>
+    <p:sldId id="258" r:id="rId13"/>
   </p:sldIdLst>
   <p:sldSz cx="9144000" cy="6858000" type="screen4x3"/>
   <p:notesSz cx="6858000" cy="9144000"/>
@@ -3921,7 +3922,7 @@
           <a:lstStyle/>
           <a:p>
             <a:r>
-              <a:rPr lang="pl-PL" sz="4000" dirty="0">
+              <a:rPr lang="pl-PL" sz="4000" dirty="0" smtClean="0">
                 <a:effectLst>
                   <a:outerShdw blurRad="38100" dist="38100" dir="2700000" algn="tl">
                     <a:srgbClr val="000000">
@@ -3930,7 +3931,7 @@
                   </a:outerShdw>
                 </a:effectLst>
               </a:rPr>
-              <a:t>[TO REMOVE] Podsumowanie</a:t>
+              <a:t>Podsumowanie</a:t>
             </a:r>
             <a:endParaRPr lang="pl-PL" sz="4000" dirty="0">
               <a:effectLst>
@@ -3946,24 +3947,31 @@
       </p:sp>
       <p:sp>
         <p:nvSpPr>
-          <p:cNvPr id="5" name="Slide Number Placeholder 4"/>
-          <p:cNvSpPr>
-            <a:spLocks noGrp="1"/>
-          </p:cNvSpPr>
-          <p:nvPr>
-            <p:ph type="sldNum" sz="quarter" idx="12"/>
-          </p:nvPr>
-        </p:nvSpPr>
-        <p:spPr/>
-        <p:txBody>
-          <a:bodyPr/>
-          <a:lstStyle/>
-          <a:p>
-            <a:fld id="{A9560CCA-E071-4361-AF3D-B0CE296716D1}" type="slidenum">
-              <a:rPr lang="pl-PL" smtClean="0"/>
-              <a:t>10</a:t>
-            </a:fld>
-            <a:endParaRPr lang="pl-PL"/>
+          <p:cNvPr id="3" name="Content Placeholder 2"/>
+          <p:cNvSpPr>
+            <a:spLocks noGrp="1"/>
+          </p:cNvSpPr>
+          <p:nvPr>
+            <p:ph idx="1"/>
+          </p:nvPr>
+        </p:nvSpPr>
+        <p:spPr>
+          <a:xfrm>
+            <a:off x="467544" y="1196752"/>
+            <a:ext cx="7620000" cy="5400600"/>
+          </a:xfrm>
+        </p:spPr>
+        <p:txBody>
+          <a:bodyPr>
+            <a:normAutofit/>
+          </a:bodyPr>
+          <a:lstStyle/>
+          <a:p>
+            <a:r>
+              <a:rPr lang="pl-PL" sz="2400" dirty="0" smtClean="0"/>
+              <a:t>[TODO]</a:t>
+            </a:r>
+            <a:endParaRPr lang="pl-PL" dirty="0" smtClean="0"/>
           </a:p>
         </p:txBody>
       </p:sp>
@@ -4014,71 +4022,31 @@
       </p:sp>
       <p:sp>
         <p:nvSpPr>
-          <p:cNvPr id="10" name="Content Placeholder 2"/>
-          <p:cNvSpPr>
-            <a:spLocks noGrp="1"/>
-          </p:cNvSpPr>
-          <p:nvPr>
-            <p:ph idx="1"/>
-          </p:nvPr>
-        </p:nvSpPr>
-        <p:spPr>
-          <a:xfrm>
-            <a:off x="457200" y="1196752"/>
-            <a:ext cx="7620000" cy="4680520"/>
-          </a:xfrm>
-        </p:spPr>
-        <p:txBody>
-          <a:bodyPr>
-            <a:normAutofit/>
-          </a:bodyPr>
-          <a:lstStyle/>
-          <a:p>
-            <a:r>
-              <a:rPr lang="pl-PL" sz="2400" dirty="0" smtClean="0"/>
-              <a:t>Realizacja koncepcji rzeczywistości rozszerzonej wymaga wykorzystania wielu sensorów zamontowanych w telefonie (GPS, żyroskop, akcelerometr, magnetometr, kamera).</a:t>
-            </a:r>
-          </a:p>
-          <a:p>
-            <a:r>
-              <a:rPr lang="pl-PL" sz="2400" dirty="0" smtClean="0"/>
-              <a:t>Główne problemy tego typu aplikacji to niedokładność odczytów sensorów i ich zapotrzebowanie na energię.</a:t>
-            </a:r>
-          </a:p>
-          <a:p>
-            <a:endParaRPr lang="pl-PL" sz="2400" dirty="0" smtClean="0"/>
-          </a:p>
-          <a:p>
-            <a:r>
-              <a:rPr lang="pl-PL" sz="2400" dirty="0" smtClean="0"/>
-              <a:t>Klasa </a:t>
-            </a:r>
-            <a:r>
-              <a:rPr lang="pl-PL" sz="2400" dirty="0" smtClean="0">
-                <a:effectLst>
-                  <a:outerShdw blurRad="38100" dist="38100" dir="2700000" algn="tl">
-                    <a:srgbClr val="000000">
-                      <a:alpha val="43137"/>
-                    </a:srgbClr>
-                  </a:outerShdw>
-                </a:effectLst>
-              </a:rPr>
-              <a:t>SensorManager</a:t>
-            </a:r>
-            <a:r>
-              <a:rPr lang="pl-PL" sz="2400" dirty="0" smtClean="0"/>
-              <a:t> ma ewidentnie zbyt wiele odpowiedzialności.</a:t>
-            </a:r>
-          </a:p>
-          <a:p>
-            <a:endParaRPr lang="pl-PL" sz="2400" dirty="0"/>
+          <p:cNvPr id="5" name="Slide Number Placeholder 4"/>
+          <p:cNvSpPr>
+            <a:spLocks noGrp="1"/>
+          </p:cNvSpPr>
+          <p:nvPr>
+            <p:ph type="sldNum" sz="quarter" idx="12"/>
+          </p:nvPr>
+        </p:nvSpPr>
+        <p:spPr/>
+        <p:txBody>
+          <a:bodyPr/>
+          <a:lstStyle/>
+          <a:p>
+            <a:fld id="{A9560CCA-E071-4361-AF3D-B0CE296716D1}" type="slidenum">
+              <a:rPr lang="pl-PL" smtClean="0"/>
+              <a:t>10</a:t>
+            </a:fld>
+            <a:endParaRPr lang="pl-PL"/>
           </a:p>
         </p:txBody>
       </p:sp>
     </p:spTree>
     <p:extLst>
       <p:ext uri="{BB962C8B-B14F-4D97-AF65-F5344CB8AC3E}">
-        <p14:creationId xmlns:p14="http://schemas.microsoft.com/office/powerpoint/2010/main" val="3278634464"/>
+        <p14:creationId xmlns:p14="http://schemas.microsoft.com/office/powerpoint/2010/main" val="1547907720"/>
       </p:ext>
     </p:extLst>
   </p:cSld>
@@ -4124,8 +4092,8 @@
         </p:nvSpPr>
         <p:spPr>
           <a:xfrm>
-            <a:off x="696416" y="2420888"/>
-            <a:ext cx="6611888" cy="1143000"/>
+            <a:off x="457200" y="44624"/>
+            <a:ext cx="7620000" cy="1143000"/>
           </a:xfrm>
         </p:spPr>
         <p:txBody>
@@ -4133,13 +4101,38 @@
           <a:lstStyle/>
           <a:p>
             <a:r>
-              <a:rPr lang="pl-PL" sz="6000" dirty="0" smtClean="0"/>
-              <a:t>Dziękuję za </a:t>
-            </a:r>
-            <a:r>
-              <a:rPr lang="pl-PL" sz="6000" dirty="0"/>
-              <a:t>uwagę</a:t>
-            </a:r>
+              <a:rPr lang="pl-PL" sz="4000" dirty="0">
+                <a:effectLst>
+                  <a:outerShdw blurRad="38100" dist="38100" dir="2700000" algn="tl">
+                    <a:srgbClr val="000000">
+                      <a:alpha val="43137"/>
+                    </a:srgbClr>
+                  </a:outerShdw>
+                </a:effectLst>
+              </a:rPr>
+              <a:t>[TO REMOVE] Przykłady </a:t>
+            </a:r>
+            <a:r>
+              <a:rPr lang="pl-PL" sz="4000" dirty="0" smtClean="0">
+                <a:effectLst>
+                  <a:outerShdw blurRad="38100" dist="38100" dir="2700000" algn="tl">
+                    <a:srgbClr val="000000">
+                      <a:alpha val="43137"/>
+                    </a:srgbClr>
+                  </a:outerShdw>
+                </a:effectLst>
+              </a:rPr>
+              <a:t>obrotów</a:t>
+            </a:r>
+            <a:endParaRPr lang="pl-PL" sz="4000" dirty="0">
+              <a:effectLst>
+                <a:outerShdw blurRad="38100" dist="38100" dir="2700000" algn="tl">
+                  <a:srgbClr val="000000">
+                    <a:alpha val="43137"/>
+                  </a:srgbClr>
+                </a:outerShdw>
+              </a:effectLst>
+            </a:endParaRPr>
           </a:p>
         </p:txBody>
       </p:sp>
@@ -4206,1870 +4199,6 @@
             <a:fld id="{A9560CCA-E071-4361-AF3D-B0CE296716D1}" type="slidenum">
               <a:rPr lang="pl-PL" smtClean="0"/>
               <a:t>11</a:t>
-            </a:fld>
-            <a:endParaRPr lang="pl-PL"/>
-          </a:p>
-        </p:txBody>
-      </p:sp>
-    </p:spTree>
-    <p:extLst>
-      <p:ext uri="{BB962C8B-B14F-4D97-AF65-F5344CB8AC3E}">
-        <p14:creationId xmlns:p14="http://schemas.microsoft.com/office/powerpoint/2010/main" val="1221185451"/>
-      </p:ext>
-    </p:extLst>
-  </p:cSld>
-  <p:clrMapOvr>
-    <a:masterClrMapping/>
-  </p:clrMapOvr>
-  <p:timing>
-    <p:tnLst>
-      <p:par>
-        <p:cTn id="1" dur="indefinite" restart="never" nodeType="tmRoot"/>
-      </p:par>
-    </p:tnLst>
-  </p:timing>
-</p:sld>
-</file>
-
-<file path=ppt/slides/slide2.xml><?xml version="1.0" encoding="utf-8"?>
-<p:sld xmlns:a="http://schemas.openxmlformats.org/drawingml/2006/main" xmlns:r="http://schemas.openxmlformats.org/officeDocument/2006/relationships" xmlns:p="http://schemas.openxmlformats.org/presentationml/2006/main">
-  <p:cSld>
-    <p:spTree>
-      <p:nvGrpSpPr>
-        <p:cNvPr id="1" name=""/>
-        <p:cNvGrpSpPr/>
-        <p:nvPr/>
-      </p:nvGrpSpPr>
-      <p:grpSpPr>
-        <a:xfrm>
-          <a:off x="0" y="0"/>
-          <a:ext cx="0" cy="0"/>
-          <a:chOff x="0" y="0"/>
-          <a:chExt cx="0" cy="0"/>
-        </a:xfrm>
-      </p:grpSpPr>
-      <p:sp>
-        <p:nvSpPr>
-          <p:cNvPr id="2" name="Title 1"/>
-          <p:cNvSpPr>
-            <a:spLocks noGrp="1"/>
-          </p:cNvSpPr>
-          <p:nvPr>
-            <p:ph type="title"/>
-          </p:nvPr>
-        </p:nvSpPr>
-        <p:spPr/>
-        <p:txBody>
-          <a:bodyPr/>
-          <a:lstStyle/>
-          <a:p>
-            <a:r>
-              <a:rPr lang="pl-PL" dirty="0" smtClean="0">
-                <a:effectLst>
-                  <a:outerShdw blurRad="38100" dist="38100" dir="2700000" algn="tl">
-                    <a:srgbClr val="000000">
-                      <a:alpha val="43137"/>
-                    </a:srgbClr>
-                  </a:outerShdw>
-                </a:effectLst>
-              </a:rPr>
-              <a:t>Agenda</a:t>
-            </a:r>
-            <a:endParaRPr lang="pl-PL" dirty="0">
-              <a:effectLst>
-                <a:outerShdw blurRad="38100" dist="38100" dir="2700000" algn="tl">
-                  <a:srgbClr val="000000">
-                    <a:alpha val="43137"/>
-                  </a:srgbClr>
-                </a:outerShdw>
-              </a:effectLst>
-            </a:endParaRPr>
-          </a:p>
-        </p:txBody>
-      </p:sp>
-      <p:sp>
-        <p:nvSpPr>
-          <p:cNvPr id="3" name="Content Placeholder 2"/>
-          <p:cNvSpPr>
-            <a:spLocks noGrp="1"/>
-          </p:cNvSpPr>
-          <p:nvPr>
-            <p:ph idx="1"/>
-          </p:nvPr>
-        </p:nvSpPr>
-        <p:spPr/>
-        <p:txBody>
-          <a:bodyPr>
-            <a:normAutofit/>
-          </a:bodyPr>
-          <a:lstStyle/>
-          <a:p>
-            <a:r>
-              <a:rPr lang="pl-PL" sz="2800" dirty="0" smtClean="0"/>
-              <a:t>Architektura CQRS</a:t>
-            </a:r>
-            <a:endParaRPr lang="pl-PL" sz="2800" dirty="0" smtClean="0"/>
-          </a:p>
-          <a:p>
-            <a:r>
-              <a:rPr lang="pl-PL" sz="2800" dirty="0" smtClean="0"/>
-              <a:t>Problem</a:t>
-            </a:r>
-            <a:endParaRPr lang="pl-PL" sz="2800" dirty="0" smtClean="0"/>
-          </a:p>
-          <a:p>
-            <a:r>
-              <a:rPr lang="pl-PL" sz="2800" dirty="0" smtClean="0"/>
-              <a:t>Rozwiązanie</a:t>
-            </a:r>
-            <a:endParaRPr lang="pl-PL" sz="2800" dirty="0" smtClean="0"/>
-          </a:p>
-          <a:p>
-            <a:r>
-              <a:rPr lang="pl-PL" sz="2800" dirty="0" smtClean="0"/>
-              <a:t>Implementacja generatora</a:t>
-            </a:r>
-            <a:endParaRPr lang="pl-PL" sz="2800" dirty="0" smtClean="0"/>
-          </a:p>
-          <a:p>
-            <a:r>
-              <a:rPr lang="pl-PL" sz="2800" dirty="0" smtClean="0"/>
-              <a:t>Działanie generatora</a:t>
-            </a:r>
-            <a:endParaRPr lang="pl-PL" sz="2800" dirty="0" smtClean="0"/>
-          </a:p>
-          <a:p>
-            <a:r>
-              <a:rPr lang="pl-PL" sz="2800" dirty="0" smtClean="0"/>
-              <a:t>Podsumowanie</a:t>
-            </a:r>
-          </a:p>
-        </p:txBody>
-      </p:sp>
-      <p:sp>
-        <p:nvSpPr>
-          <p:cNvPr id="6" name="Footer Placeholder 7"/>
-          <p:cNvSpPr>
-            <a:spLocks noGrp="1"/>
-          </p:cNvSpPr>
-          <p:nvPr>
-            <p:ph type="ftr" sz="quarter" idx="11"/>
-          </p:nvPr>
-        </p:nvSpPr>
-        <p:spPr>
-          <a:xfrm rot="5400000">
-            <a:off x="6951124" y="1841964"/>
-            <a:ext cx="3672408" cy="365760"/>
-          </a:xfrm>
-        </p:spPr>
-        <p:txBody>
-          <a:bodyPr/>
-          <a:lstStyle/>
-          <a:p>
-            <a:pPr algn="l"/>
-            <a:r>
-              <a:rPr lang="pl-PL" sz="1600" dirty="0">
-                <a:effectLst>
-                  <a:outerShdw blurRad="38100" dist="38100" dir="2700000" algn="tl">
-                    <a:srgbClr val="000000">
-                      <a:alpha val="43137"/>
-                    </a:srgbClr>
-                  </a:outerShdw>
-                </a:effectLst>
-              </a:rPr>
-              <a:t>Obrona pracy magisterskiej</a:t>
-            </a:r>
-            <a:endParaRPr lang="pl-PL" sz="1600" dirty="0">
-              <a:effectLst>
-                <a:outerShdw blurRad="38100" dist="38100" dir="2700000" algn="tl">
-                  <a:srgbClr val="000000">
-                    <a:alpha val="43137"/>
-                  </a:srgbClr>
-                </a:outerShdw>
-              </a:effectLst>
-            </a:endParaRPr>
-          </a:p>
-        </p:txBody>
-      </p:sp>
-      <p:sp>
-        <p:nvSpPr>
-          <p:cNvPr id="5" name="Slide Number Placeholder 4"/>
-          <p:cNvSpPr>
-            <a:spLocks noGrp="1"/>
-          </p:cNvSpPr>
-          <p:nvPr>
-            <p:ph type="sldNum" sz="quarter" idx="12"/>
-          </p:nvPr>
-        </p:nvSpPr>
-        <p:spPr/>
-        <p:txBody>
-          <a:bodyPr/>
-          <a:lstStyle/>
-          <a:p>
-            <a:fld id="{A9560CCA-E071-4361-AF3D-B0CE296716D1}" type="slidenum">
-              <a:rPr lang="pl-PL" smtClean="0"/>
-              <a:t>2</a:t>
-            </a:fld>
-            <a:endParaRPr lang="pl-PL"/>
-          </a:p>
-        </p:txBody>
-      </p:sp>
-    </p:spTree>
-    <p:extLst>
-      <p:ext uri="{BB962C8B-B14F-4D97-AF65-F5344CB8AC3E}">
-        <p14:creationId xmlns:p14="http://schemas.microsoft.com/office/powerpoint/2010/main" val="4041198895"/>
-      </p:ext>
-    </p:extLst>
-  </p:cSld>
-  <p:clrMapOvr>
-    <a:masterClrMapping/>
-  </p:clrMapOvr>
-  <p:timing>
-    <p:tnLst>
-      <p:par>
-        <p:cTn id="1" dur="indefinite" restart="never" nodeType="tmRoot"/>
-      </p:par>
-    </p:tnLst>
-  </p:timing>
-</p:sld>
-</file>
-
-<file path=ppt/slides/slide3.xml><?xml version="1.0" encoding="utf-8"?>
-<p:sld xmlns:a="http://schemas.openxmlformats.org/drawingml/2006/main" xmlns:r="http://schemas.openxmlformats.org/officeDocument/2006/relationships" xmlns:p="http://schemas.openxmlformats.org/presentationml/2006/main">
-  <p:cSld>
-    <p:spTree>
-      <p:nvGrpSpPr>
-        <p:cNvPr id="1" name=""/>
-        <p:cNvGrpSpPr/>
-        <p:nvPr/>
-      </p:nvGrpSpPr>
-      <p:grpSpPr>
-        <a:xfrm>
-          <a:off x="0" y="0"/>
-          <a:ext cx="0" cy="0"/>
-          <a:chOff x="0" y="0"/>
-          <a:chExt cx="0" cy="0"/>
-        </a:xfrm>
-      </p:grpSpPr>
-      <p:sp>
-        <p:nvSpPr>
-          <p:cNvPr id="2" name="Title 1"/>
-          <p:cNvSpPr>
-            <a:spLocks noGrp="1"/>
-          </p:cNvSpPr>
-          <p:nvPr>
-            <p:ph type="title"/>
-          </p:nvPr>
-        </p:nvSpPr>
-        <p:spPr>
-          <a:xfrm>
-            <a:off x="457200" y="44624"/>
-            <a:ext cx="7620000" cy="1143000"/>
-          </a:xfrm>
-        </p:spPr>
-        <p:txBody>
-          <a:bodyPr/>
-          <a:lstStyle/>
-          <a:p>
-            <a:r>
-              <a:rPr lang="pl-PL" sz="4000" dirty="0" smtClean="0">
-                <a:effectLst>
-                  <a:outerShdw blurRad="38100" dist="38100" dir="2700000" algn="tl">
-                    <a:srgbClr val="000000">
-                      <a:alpha val="43137"/>
-                    </a:srgbClr>
-                  </a:outerShdw>
-                </a:effectLst>
-              </a:rPr>
-              <a:t>Architektura CQRS</a:t>
-            </a:r>
-            <a:endParaRPr lang="pl-PL" sz="4000" dirty="0">
-              <a:effectLst>
-                <a:outerShdw blurRad="38100" dist="38100" dir="2700000" algn="tl">
-                  <a:srgbClr val="000000">
-                    <a:alpha val="43137"/>
-                  </a:srgbClr>
-                </a:outerShdw>
-              </a:effectLst>
-            </a:endParaRPr>
-          </a:p>
-        </p:txBody>
-      </p:sp>
-      <p:sp>
-        <p:nvSpPr>
-          <p:cNvPr id="3" name="Content Placeholder 2"/>
-          <p:cNvSpPr>
-            <a:spLocks noGrp="1"/>
-          </p:cNvSpPr>
-          <p:nvPr>
-            <p:ph idx="1"/>
-          </p:nvPr>
-        </p:nvSpPr>
-        <p:spPr>
-          <a:xfrm>
-            <a:off x="467544" y="1196752"/>
-            <a:ext cx="7620000" cy="5400600"/>
-          </a:xfrm>
-        </p:spPr>
-        <p:txBody>
-          <a:bodyPr>
-            <a:normAutofit/>
-          </a:bodyPr>
-          <a:lstStyle/>
-          <a:p>
-            <a:r>
-              <a:rPr lang="pl-PL" sz="2400" dirty="0" smtClean="0"/>
-              <a:t>CQRS = Command Query Responsibility Segregation</a:t>
-            </a:r>
-            <a:endParaRPr lang="pl-PL" dirty="0" smtClean="0"/>
-          </a:p>
-          <a:p>
-            <a:r>
-              <a:rPr lang="pl-PL" sz="2400" dirty="0"/>
-              <a:t>Zakłada </a:t>
-            </a:r>
-            <a:r>
-              <a:rPr lang="pl-PL" sz="2400" dirty="0" smtClean="0"/>
-              <a:t>podział </a:t>
-            </a:r>
-            <a:r>
-              <a:rPr lang="pl-PL" sz="2400" dirty="0"/>
-              <a:t>wszystkich </a:t>
-            </a:r>
-            <a:r>
-              <a:rPr lang="pl-PL" sz="2400" dirty="0" smtClean="0"/>
-              <a:t>działań </a:t>
-            </a:r>
-            <a:r>
-              <a:rPr lang="pl-PL" sz="2400" dirty="0"/>
-              <a:t>w aplikacji na dwa rodzaje</a:t>
-            </a:r>
-            <a:r>
-              <a:rPr lang="pl-PL" sz="2400" dirty="0" smtClean="0"/>
-              <a:t>:</a:t>
-            </a:r>
-          </a:p>
-          <a:p>
-            <a:pPr lvl="1"/>
-            <a:r>
-              <a:rPr lang="pl-PL" dirty="0"/>
-              <a:t>zapytanie </a:t>
-            </a:r>
-            <a:r>
-              <a:rPr lang="pl-PL" dirty="0" smtClean="0"/>
-              <a:t>(</a:t>
-            </a:r>
-            <a:r>
-              <a:rPr lang="pl-PL" i="1" dirty="0" smtClean="0"/>
-              <a:t>query</a:t>
-            </a:r>
-            <a:r>
-              <a:rPr lang="pl-PL" dirty="0"/>
-              <a:t>) - działanie </a:t>
-            </a:r>
-            <a:r>
-              <a:rPr lang="pl-PL" dirty="0" smtClean="0"/>
-              <a:t>wiążące się </a:t>
-            </a:r>
-            <a:r>
-              <a:rPr lang="pl-PL" dirty="0"/>
-              <a:t>z odczytaniem danych z bazy danych (lub innego </a:t>
-            </a:r>
-            <a:r>
-              <a:rPr lang="pl-PL" dirty="0" smtClean="0"/>
-              <a:t>zródła);</a:t>
-            </a:r>
-          </a:p>
-          <a:p>
-            <a:pPr lvl="1"/>
-            <a:r>
-              <a:rPr lang="pl-PL" dirty="0"/>
-              <a:t>komenda </a:t>
-            </a:r>
-            <a:r>
-              <a:rPr lang="pl-PL" dirty="0" smtClean="0"/>
-              <a:t>(</a:t>
-            </a:r>
-            <a:r>
-              <a:rPr lang="pl-PL" i="1" dirty="0" smtClean="0"/>
-              <a:t>command</a:t>
-            </a:r>
-            <a:r>
-              <a:rPr lang="pl-PL" dirty="0"/>
-              <a:t>) - działanie </a:t>
-            </a:r>
-            <a:r>
-              <a:rPr lang="pl-PL" dirty="0" smtClean="0"/>
-              <a:t>wiążące się </a:t>
-            </a:r>
-            <a:r>
-              <a:rPr lang="pl-PL" dirty="0"/>
-              <a:t>z </a:t>
-            </a:r>
-            <a:r>
-              <a:rPr lang="pl-PL" dirty="0" smtClean="0"/>
-              <a:t>modyfikacją </a:t>
-            </a:r>
-            <a:r>
-              <a:rPr lang="pl-PL" dirty="0"/>
-              <a:t>danych</a:t>
-            </a:r>
-            <a:r>
-              <a:rPr lang="pl-PL" dirty="0" smtClean="0"/>
-              <a:t>.</a:t>
-            </a:r>
-          </a:p>
-          <a:p>
-            <a:r>
-              <a:rPr lang="pl-PL" dirty="0"/>
-              <a:t>Działania te </a:t>
-            </a:r>
-            <a:r>
-              <a:rPr lang="pl-PL" dirty="0" smtClean="0"/>
-              <a:t>są rozłączne – działają na dwóch osobnych modelach </a:t>
-            </a:r>
-            <a:r>
-              <a:rPr lang="pl-PL" dirty="0"/>
-              <a:t>danych aplikacji</a:t>
-            </a:r>
-            <a:r>
-              <a:rPr lang="pl-PL" dirty="0" smtClean="0"/>
-              <a:t>:</a:t>
-            </a:r>
-          </a:p>
-          <a:p>
-            <a:pPr lvl="1"/>
-            <a:r>
-              <a:rPr lang="pl-PL" dirty="0"/>
-              <a:t>model </a:t>
-            </a:r>
-            <a:r>
-              <a:rPr lang="pl-PL" dirty="0" smtClean="0"/>
-              <a:t>zapytań (</a:t>
-            </a:r>
-            <a:r>
-              <a:rPr lang="pl-PL" i="1" dirty="0" smtClean="0"/>
-              <a:t>Query Model</a:t>
-            </a:r>
-            <a:r>
-              <a:rPr lang="pl-PL" dirty="0" smtClean="0"/>
-              <a:t>) </a:t>
-            </a:r>
-            <a:r>
-              <a:rPr lang="pl-PL" dirty="0"/>
-              <a:t>- model przeznaczony do odczytu danych</a:t>
-            </a:r>
-            <a:r>
-              <a:rPr lang="pl-PL" dirty="0" smtClean="0"/>
-              <a:t>;</a:t>
-            </a:r>
-          </a:p>
-          <a:p>
-            <a:pPr lvl="1"/>
-            <a:r>
-              <a:rPr lang="pl-PL" dirty="0"/>
-              <a:t>model komend </a:t>
-            </a:r>
-            <a:r>
-              <a:rPr lang="pl-PL" dirty="0" smtClean="0"/>
-              <a:t>(</a:t>
-            </a:r>
-            <a:r>
-              <a:rPr lang="pl-PL" i="1" dirty="0" smtClean="0"/>
-              <a:t>Command Model</a:t>
-            </a:r>
-            <a:r>
-              <a:rPr lang="pl-PL" dirty="0" smtClean="0"/>
-              <a:t>) </a:t>
-            </a:r>
-            <a:r>
-              <a:rPr lang="pl-PL" dirty="0"/>
-              <a:t>- model przeznaczony do modyfikacji danych.</a:t>
-            </a:r>
-            <a:endParaRPr lang="pl-PL" dirty="0" smtClean="0"/>
-          </a:p>
-        </p:txBody>
-      </p:sp>
-      <p:sp>
-        <p:nvSpPr>
-          <p:cNvPr id="6" name="Footer Placeholder 7"/>
-          <p:cNvSpPr>
-            <a:spLocks noGrp="1"/>
-          </p:cNvSpPr>
-          <p:nvPr>
-            <p:ph type="ftr" sz="quarter" idx="11"/>
-          </p:nvPr>
-        </p:nvSpPr>
-        <p:spPr>
-          <a:xfrm rot="5400000">
-            <a:off x="6951124" y="1841964"/>
-            <a:ext cx="3672408" cy="365760"/>
-          </a:xfrm>
-        </p:spPr>
-        <p:txBody>
-          <a:bodyPr/>
-          <a:lstStyle/>
-          <a:p>
-            <a:pPr algn="l"/>
-            <a:r>
-              <a:rPr lang="pl-PL" sz="1600" dirty="0">
-                <a:effectLst>
-                  <a:outerShdw blurRad="38100" dist="38100" dir="2700000" algn="tl">
-                    <a:srgbClr val="000000">
-                      <a:alpha val="43137"/>
-                    </a:srgbClr>
-                  </a:outerShdw>
-                </a:effectLst>
-              </a:rPr>
-              <a:t>Obrona pracy magisterskiej</a:t>
-            </a:r>
-            <a:endParaRPr lang="pl-PL" sz="1600" dirty="0">
-              <a:effectLst>
-                <a:outerShdw blurRad="38100" dist="38100" dir="2700000" algn="tl">
-                  <a:srgbClr val="000000">
-                    <a:alpha val="43137"/>
-                  </a:srgbClr>
-                </a:outerShdw>
-              </a:effectLst>
-            </a:endParaRPr>
-          </a:p>
-        </p:txBody>
-      </p:sp>
-      <p:sp>
-        <p:nvSpPr>
-          <p:cNvPr id="5" name="Slide Number Placeholder 4"/>
-          <p:cNvSpPr>
-            <a:spLocks noGrp="1"/>
-          </p:cNvSpPr>
-          <p:nvPr>
-            <p:ph type="sldNum" sz="quarter" idx="12"/>
-          </p:nvPr>
-        </p:nvSpPr>
-        <p:spPr/>
-        <p:txBody>
-          <a:bodyPr/>
-          <a:lstStyle/>
-          <a:p>
-            <a:fld id="{A9560CCA-E071-4361-AF3D-B0CE296716D1}" type="slidenum">
-              <a:rPr lang="pl-PL" smtClean="0"/>
-              <a:t>3</a:t>
-            </a:fld>
-            <a:endParaRPr lang="pl-PL"/>
-          </a:p>
-        </p:txBody>
-      </p:sp>
-    </p:spTree>
-    <p:extLst>
-      <p:ext uri="{BB962C8B-B14F-4D97-AF65-F5344CB8AC3E}">
-        <p14:creationId xmlns:p14="http://schemas.microsoft.com/office/powerpoint/2010/main" val="853179978"/>
-      </p:ext>
-    </p:extLst>
-  </p:cSld>
-  <p:clrMapOvr>
-    <a:masterClrMapping/>
-  </p:clrMapOvr>
-  <p:timing>
-    <p:tnLst>
-      <p:par>
-        <p:cTn id="1" dur="indefinite" restart="never" nodeType="tmRoot"/>
-      </p:par>
-    </p:tnLst>
-  </p:timing>
-</p:sld>
-</file>
-
-<file path=ppt/slides/slide4.xml><?xml version="1.0" encoding="utf-8"?>
-<p:sld xmlns:a="http://schemas.openxmlformats.org/drawingml/2006/main" xmlns:r="http://schemas.openxmlformats.org/officeDocument/2006/relationships" xmlns:p="http://schemas.openxmlformats.org/presentationml/2006/main">
-  <p:cSld>
-    <p:spTree>
-      <p:nvGrpSpPr>
-        <p:cNvPr id="1" name=""/>
-        <p:cNvGrpSpPr/>
-        <p:nvPr/>
-      </p:nvGrpSpPr>
-      <p:grpSpPr>
-        <a:xfrm>
-          <a:off x="0" y="0"/>
-          <a:ext cx="0" cy="0"/>
-          <a:chOff x="0" y="0"/>
-          <a:chExt cx="0" cy="0"/>
-        </a:xfrm>
-      </p:grpSpPr>
-      <p:sp>
-        <p:nvSpPr>
-          <p:cNvPr id="2" name="Title 1"/>
-          <p:cNvSpPr>
-            <a:spLocks noGrp="1"/>
-          </p:cNvSpPr>
-          <p:nvPr>
-            <p:ph type="title"/>
-          </p:nvPr>
-        </p:nvSpPr>
-        <p:spPr>
-          <a:xfrm>
-            <a:off x="457200" y="44624"/>
-            <a:ext cx="7620000" cy="1143000"/>
-          </a:xfrm>
-        </p:spPr>
-        <p:txBody>
-          <a:bodyPr/>
-          <a:lstStyle/>
-          <a:p>
-            <a:r>
-              <a:rPr lang="pl-PL" sz="4000" dirty="0" smtClean="0">
-                <a:effectLst>
-                  <a:outerShdw blurRad="38100" dist="38100" dir="2700000" algn="tl">
-                    <a:srgbClr val="000000">
-                      <a:alpha val="43137"/>
-                    </a:srgbClr>
-                  </a:outerShdw>
-                </a:effectLst>
-              </a:rPr>
-              <a:t>Architektura CQRS: działanie</a:t>
-            </a:r>
-            <a:endParaRPr lang="pl-PL" sz="4000" dirty="0">
-              <a:effectLst>
-                <a:outerShdw blurRad="38100" dist="38100" dir="2700000" algn="tl">
-                  <a:srgbClr val="000000">
-                    <a:alpha val="43137"/>
-                  </a:srgbClr>
-                </a:outerShdw>
-              </a:effectLst>
-            </a:endParaRPr>
-          </a:p>
-        </p:txBody>
-      </p:sp>
-      <p:sp>
-        <p:nvSpPr>
-          <p:cNvPr id="6" name="Footer Placeholder 7"/>
-          <p:cNvSpPr>
-            <a:spLocks noGrp="1"/>
-          </p:cNvSpPr>
-          <p:nvPr>
-            <p:ph type="ftr" sz="quarter" idx="11"/>
-          </p:nvPr>
-        </p:nvSpPr>
-        <p:spPr>
-          <a:xfrm rot="5400000">
-            <a:off x="6951124" y="1841964"/>
-            <a:ext cx="3672408" cy="365760"/>
-          </a:xfrm>
-        </p:spPr>
-        <p:txBody>
-          <a:bodyPr/>
-          <a:lstStyle/>
-          <a:p>
-            <a:pPr algn="l"/>
-            <a:r>
-              <a:rPr lang="pl-PL" sz="1600" dirty="0">
-                <a:effectLst>
-                  <a:outerShdw blurRad="38100" dist="38100" dir="2700000" algn="tl">
-                    <a:srgbClr val="000000">
-                      <a:alpha val="43137"/>
-                    </a:srgbClr>
-                  </a:outerShdw>
-                </a:effectLst>
-              </a:rPr>
-              <a:t>Obrona pracy magisterskiej</a:t>
-            </a:r>
-            <a:endParaRPr lang="pl-PL" sz="1600" dirty="0">
-              <a:effectLst>
-                <a:outerShdw blurRad="38100" dist="38100" dir="2700000" algn="tl">
-                  <a:srgbClr val="000000">
-                    <a:alpha val="43137"/>
-                  </a:srgbClr>
-                </a:outerShdw>
-              </a:effectLst>
-            </a:endParaRPr>
-          </a:p>
-        </p:txBody>
-      </p:sp>
-      <p:sp>
-        <p:nvSpPr>
-          <p:cNvPr id="5" name="Slide Number Placeholder 4"/>
-          <p:cNvSpPr>
-            <a:spLocks noGrp="1"/>
-          </p:cNvSpPr>
-          <p:nvPr>
-            <p:ph type="sldNum" sz="quarter" idx="12"/>
-          </p:nvPr>
-        </p:nvSpPr>
-        <p:spPr/>
-        <p:txBody>
-          <a:bodyPr/>
-          <a:lstStyle/>
-          <a:p>
-            <a:fld id="{A9560CCA-E071-4361-AF3D-B0CE296716D1}" type="slidenum">
-              <a:rPr lang="pl-PL" smtClean="0"/>
-              <a:t>4</a:t>
-            </a:fld>
-            <a:endParaRPr lang="pl-PL"/>
-          </a:p>
-        </p:txBody>
-      </p:sp>
-      <p:pic>
-        <p:nvPicPr>
-          <p:cNvPr id="7" name="Picture 6"/>
-          <p:cNvPicPr>
-            <a:picLocks noChangeAspect="1"/>
-          </p:cNvPicPr>
-          <p:nvPr/>
-        </p:nvPicPr>
-        <p:blipFill>
-          <a:blip r:embed="rId2">
-            <a:extLst>
-              <a:ext uri="{28A0092B-C50C-407E-A947-70E740481C1C}">
-                <a14:useLocalDpi xmlns:a14="http://schemas.microsoft.com/office/drawing/2010/main" val="0"/>
-              </a:ext>
-            </a:extLst>
-          </a:blip>
-          <a:stretch>
-            <a:fillRect/>
-          </a:stretch>
-        </p:blipFill>
-        <p:spPr>
-          <a:xfrm>
-            <a:off x="755655" y="1202009"/>
-            <a:ext cx="6912689" cy="5035303"/>
-          </a:xfrm>
-          <a:prstGeom prst="rect">
-            <a:avLst/>
-          </a:prstGeom>
-        </p:spPr>
-      </p:pic>
-    </p:spTree>
-    <p:extLst>
-      <p:ext uri="{BB962C8B-B14F-4D97-AF65-F5344CB8AC3E}">
-        <p14:creationId xmlns:p14="http://schemas.microsoft.com/office/powerpoint/2010/main" val="55212824"/>
-      </p:ext>
-    </p:extLst>
-  </p:cSld>
-  <p:clrMapOvr>
-    <a:masterClrMapping/>
-  </p:clrMapOvr>
-  <p:timing>
-    <p:tnLst>
-      <p:par>
-        <p:cTn id="1" dur="indefinite" restart="never" nodeType="tmRoot"/>
-      </p:par>
-    </p:tnLst>
-  </p:timing>
-</p:sld>
-</file>
-
-<file path=ppt/slides/slide5.xml><?xml version="1.0" encoding="utf-8"?>
-<p:sld xmlns:a="http://schemas.openxmlformats.org/drawingml/2006/main" xmlns:r="http://schemas.openxmlformats.org/officeDocument/2006/relationships" xmlns:p="http://schemas.openxmlformats.org/presentationml/2006/main">
-  <p:cSld>
-    <p:spTree>
-      <p:nvGrpSpPr>
-        <p:cNvPr id="1" name=""/>
-        <p:cNvGrpSpPr/>
-        <p:nvPr/>
-      </p:nvGrpSpPr>
-      <p:grpSpPr>
-        <a:xfrm>
-          <a:off x="0" y="0"/>
-          <a:ext cx="0" cy="0"/>
-          <a:chOff x="0" y="0"/>
-          <a:chExt cx="0" cy="0"/>
-        </a:xfrm>
-      </p:grpSpPr>
-      <p:sp>
-        <p:nvSpPr>
-          <p:cNvPr id="2" name="Title 1"/>
-          <p:cNvSpPr>
-            <a:spLocks noGrp="1"/>
-          </p:cNvSpPr>
-          <p:nvPr>
-            <p:ph type="title"/>
-          </p:nvPr>
-        </p:nvSpPr>
-        <p:spPr>
-          <a:xfrm>
-            <a:off x="457200" y="44624"/>
-            <a:ext cx="7620000" cy="1143000"/>
-          </a:xfrm>
-        </p:spPr>
-        <p:txBody>
-          <a:bodyPr/>
-          <a:lstStyle/>
-          <a:p>
-            <a:r>
-              <a:rPr lang="pl-PL" sz="4000" dirty="0" smtClean="0">
-                <a:effectLst>
-                  <a:outerShdw blurRad="38100" dist="38100" dir="2700000" algn="tl">
-                    <a:srgbClr val="000000">
-                      <a:alpha val="43137"/>
-                    </a:srgbClr>
-                  </a:outerShdw>
-                </a:effectLst>
-              </a:rPr>
-              <a:t>Architektura CQRS: zalety</a:t>
-            </a:r>
-            <a:endParaRPr lang="pl-PL" sz="4000" dirty="0">
-              <a:effectLst>
-                <a:outerShdw blurRad="38100" dist="38100" dir="2700000" algn="tl">
-                  <a:srgbClr val="000000">
-                    <a:alpha val="43137"/>
-                  </a:srgbClr>
-                </a:outerShdw>
-              </a:effectLst>
-            </a:endParaRPr>
-          </a:p>
-        </p:txBody>
-      </p:sp>
-      <p:sp>
-        <p:nvSpPr>
-          <p:cNvPr id="3" name="Content Placeholder 2"/>
-          <p:cNvSpPr>
-            <a:spLocks noGrp="1"/>
-          </p:cNvSpPr>
-          <p:nvPr>
-            <p:ph idx="1"/>
-          </p:nvPr>
-        </p:nvSpPr>
-        <p:spPr>
-          <a:xfrm>
-            <a:off x="467544" y="1196752"/>
-            <a:ext cx="7620000" cy="5400600"/>
-          </a:xfrm>
-        </p:spPr>
-        <p:txBody>
-          <a:bodyPr>
-            <a:normAutofit/>
-          </a:bodyPr>
-          <a:lstStyle/>
-          <a:p>
-            <a:r>
-              <a:rPr lang="pl-PL" dirty="0"/>
-              <a:t>S</a:t>
-            </a:r>
-            <a:r>
-              <a:rPr lang="pl-PL" dirty="0" smtClean="0"/>
-              <a:t>komplikowana </a:t>
-            </a:r>
-            <a:r>
-              <a:rPr lang="pl-PL" dirty="0"/>
-              <a:t>dziedzina aplikacji </a:t>
-            </a:r>
-            <a:r>
-              <a:rPr lang="pl-PL" dirty="0" smtClean="0"/>
-              <a:t>może być </a:t>
-            </a:r>
-            <a:r>
-              <a:rPr lang="pl-PL" dirty="0"/>
-              <a:t>podzielona na dwie prostsze dziedziny, co ułatwia jej </a:t>
-            </a:r>
-            <a:r>
-              <a:rPr lang="pl-PL" dirty="0" smtClean="0"/>
-              <a:t>zrozumienie.</a:t>
-            </a:r>
-          </a:p>
-          <a:p>
-            <a:r>
-              <a:rPr lang="pl-PL" dirty="0" smtClean="0"/>
-              <a:t>Zapytania </a:t>
-            </a:r>
-            <a:r>
-              <a:rPr lang="pl-PL" dirty="0"/>
-              <a:t>i komendy </a:t>
-            </a:r>
-            <a:r>
-              <a:rPr lang="pl-PL" dirty="0" smtClean="0"/>
-              <a:t>mogą być </a:t>
-            </a:r>
-            <a:r>
-              <a:rPr lang="pl-PL" dirty="0"/>
-              <a:t>wykonywane równolegle, co poprawia </a:t>
-            </a:r>
-            <a:r>
-              <a:rPr lang="pl-PL" dirty="0" smtClean="0"/>
-              <a:t>wydajność aplikacji</a:t>
-            </a:r>
-            <a:r>
-              <a:rPr lang="pl-PL" dirty="0"/>
-              <a:t>.</a:t>
-            </a:r>
-            <a:endParaRPr lang="pl-PL" dirty="0" smtClean="0"/>
-          </a:p>
-          <a:p>
-            <a:r>
-              <a:rPr lang="pl-PL" dirty="0" smtClean="0"/>
-              <a:t>Zapytania są </a:t>
-            </a:r>
-            <a:r>
-              <a:rPr lang="pl-PL" dirty="0"/>
-              <a:t>wykonywane na specjalnie przygotowanych dla nich </a:t>
-            </a:r>
-            <a:r>
-              <a:rPr lang="pl-PL" dirty="0" smtClean="0"/>
-              <a:t>danych, </a:t>
-            </a:r>
-            <a:r>
-              <a:rPr lang="pl-PL" dirty="0"/>
-              <a:t>co ma bardzo pozytywny wpływ na </a:t>
-            </a:r>
-            <a:r>
-              <a:rPr lang="pl-PL" dirty="0" smtClean="0"/>
-              <a:t>wydajność.</a:t>
-            </a:r>
-          </a:p>
-          <a:p>
-            <a:r>
-              <a:rPr lang="pl-PL" dirty="0" smtClean="0"/>
-              <a:t>Architektura CQRS dobrze współgra z wzorcem EventSourcing i bazami danych typu NoSQL.</a:t>
-            </a:r>
-          </a:p>
-        </p:txBody>
-      </p:sp>
-      <p:sp>
-        <p:nvSpPr>
-          <p:cNvPr id="6" name="Footer Placeholder 7"/>
-          <p:cNvSpPr>
-            <a:spLocks noGrp="1"/>
-          </p:cNvSpPr>
-          <p:nvPr>
-            <p:ph type="ftr" sz="quarter" idx="11"/>
-          </p:nvPr>
-        </p:nvSpPr>
-        <p:spPr>
-          <a:xfrm rot="5400000">
-            <a:off x="6951124" y="1841964"/>
-            <a:ext cx="3672408" cy="365760"/>
-          </a:xfrm>
-        </p:spPr>
-        <p:txBody>
-          <a:bodyPr/>
-          <a:lstStyle/>
-          <a:p>
-            <a:pPr algn="l"/>
-            <a:r>
-              <a:rPr lang="pl-PL" sz="1600" dirty="0">
-                <a:effectLst>
-                  <a:outerShdw blurRad="38100" dist="38100" dir="2700000" algn="tl">
-                    <a:srgbClr val="000000">
-                      <a:alpha val="43137"/>
-                    </a:srgbClr>
-                  </a:outerShdw>
-                </a:effectLst>
-              </a:rPr>
-              <a:t>Obrona pracy magisterskiej</a:t>
-            </a:r>
-            <a:endParaRPr lang="pl-PL" sz="1600" dirty="0">
-              <a:effectLst>
-                <a:outerShdw blurRad="38100" dist="38100" dir="2700000" algn="tl">
-                  <a:srgbClr val="000000">
-                    <a:alpha val="43137"/>
-                  </a:srgbClr>
-                </a:outerShdw>
-              </a:effectLst>
-            </a:endParaRPr>
-          </a:p>
-        </p:txBody>
-      </p:sp>
-      <p:sp>
-        <p:nvSpPr>
-          <p:cNvPr id="5" name="Slide Number Placeholder 4"/>
-          <p:cNvSpPr>
-            <a:spLocks noGrp="1"/>
-          </p:cNvSpPr>
-          <p:nvPr>
-            <p:ph type="sldNum" sz="quarter" idx="12"/>
-          </p:nvPr>
-        </p:nvSpPr>
-        <p:spPr/>
-        <p:txBody>
-          <a:bodyPr/>
-          <a:lstStyle/>
-          <a:p>
-            <a:fld id="{A9560CCA-E071-4361-AF3D-B0CE296716D1}" type="slidenum">
-              <a:rPr lang="pl-PL" smtClean="0"/>
-              <a:t>5</a:t>
-            </a:fld>
-            <a:endParaRPr lang="pl-PL"/>
-          </a:p>
-        </p:txBody>
-      </p:sp>
-    </p:spTree>
-    <p:extLst>
-      <p:ext uri="{BB962C8B-B14F-4D97-AF65-F5344CB8AC3E}">
-        <p14:creationId xmlns:p14="http://schemas.microsoft.com/office/powerpoint/2010/main" val="1931032679"/>
-      </p:ext>
-    </p:extLst>
-  </p:cSld>
-  <p:clrMapOvr>
-    <a:masterClrMapping/>
-  </p:clrMapOvr>
-  <p:timing>
-    <p:tnLst>
-      <p:par>
-        <p:cTn id="1" dur="indefinite" restart="never" nodeType="tmRoot"/>
-      </p:par>
-    </p:tnLst>
-  </p:timing>
-</p:sld>
-</file>
-
-<file path=ppt/slides/slide6.xml><?xml version="1.0" encoding="utf-8"?>
-<p:sld xmlns:a="http://schemas.openxmlformats.org/drawingml/2006/main" xmlns:r="http://schemas.openxmlformats.org/officeDocument/2006/relationships" xmlns:p="http://schemas.openxmlformats.org/presentationml/2006/main">
-  <p:cSld>
-    <p:spTree>
-      <p:nvGrpSpPr>
-        <p:cNvPr id="1" name=""/>
-        <p:cNvGrpSpPr/>
-        <p:nvPr/>
-      </p:nvGrpSpPr>
-      <p:grpSpPr>
-        <a:xfrm>
-          <a:off x="0" y="0"/>
-          <a:ext cx="0" cy="0"/>
-          <a:chOff x="0" y="0"/>
-          <a:chExt cx="0" cy="0"/>
-        </a:xfrm>
-      </p:grpSpPr>
-      <p:sp>
-        <p:nvSpPr>
-          <p:cNvPr id="2" name="Title 1"/>
-          <p:cNvSpPr>
-            <a:spLocks noGrp="1"/>
-          </p:cNvSpPr>
-          <p:nvPr>
-            <p:ph type="title"/>
-          </p:nvPr>
-        </p:nvSpPr>
-        <p:spPr>
-          <a:xfrm>
-            <a:off x="457200" y="44624"/>
-            <a:ext cx="7620000" cy="1143000"/>
-          </a:xfrm>
-        </p:spPr>
-        <p:txBody>
-          <a:bodyPr/>
-          <a:lstStyle/>
-          <a:p>
-            <a:r>
-              <a:rPr lang="pl-PL" sz="4000" dirty="0" smtClean="0">
-                <a:effectLst>
-                  <a:outerShdw blurRad="38100" dist="38100" dir="2700000" algn="tl">
-                    <a:srgbClr val="000000">
-                      <a:alpha val="43137"/>
-                    </a:srgbClr>
-                  </a:outerShdw>
-                </a:effectLst>
-              </a:rPr>
-              <a:t>Architektura CQRS: wady</a:t>
-            </a:r>
-            <a:endParaRPr lang="pl-PL" sz="4000" dirty="0">
-              <a:effectLst>
-                <a:outerShdw blurRad="38100" dist="38100" dir="2700000" algn="tl">
-                  <a:srgbClr val="000000">
-                    <a:alpha val="43137"/>
-                  </a:srgbClr>
-                </a:outerShdw>
-              </a:effectLst>
-            </a:endParaRPr>
-          </a:p>
-        </p:txBody>
-      </p:sp>
-      <p:sp>
-        <p:nvSpPr>
-          <p:cNvPr id="3" name="Content Placeholder 2"/>
-          <p:cNvSpPr>
-            <a:spLocks noGrp="1"/>
-          </p:cNvSpPr>
-          <p:nvPr>
-            <p:ph idx="1"/>
-          </p:nvPr>
-        </p:nvSpPr>
-        <p:spPr>
-          <a:xfrm>
-            <a:off x="467544" y="1196752"/>
-            <a:ext cx="7620000" cy="5400600"/>
-          </a:xfrm>
-        </p:spPr>
-        <p:txBody>
-          <a:bodyPr>
-            <a:normAutofit/>
-          </a:bodyPr>
-          <a:lstStyle/>
-          <a:p>
-            <a:r>
-              <a:rPr lang="pl-PL" b="1" dirty="0"/>
-              <a:t>Aby każde zapytanie mogło być obsłużone jak najszybciej, model zapytań musi być w dużym stopniu zdenormalizowany</a:t>
-            </a:r>
-            <a:r>
-              <a:rPr lang="pl-PL" b="1" dirty="0" smtClean="0"/>
-              <a:t>.</a:t>
-            </a:r>
-          </a:p>
-          <a:p>
-            <a:r>
-              <a:rPr lang="pl-PL" b="1" dirty="0" smtClean="0"/>
-              <a:t>Zarządzanie dwoma modelami tej samej dziedziny może sprawiać problemy.</a:t>
-            </a:r>
-          </a:p>
-          <a:p>
-            <a:r>
-              <a:rPr lang="pl-PL" dirty="0" smtClean="0"/>
-              <a:t>Synchronizacja </a:t>
-            </a:r>
-            <a:r>
-              <a:rPr lang="pl-PL" dirty="0"/>
-              <a:t>obu modeli może być kłopotliwa</a:t>
-            </a:r>
-            <a:r>
-              <a:rPr lang="pl-PL" dirty="0" smtClean="0"/>
-              <a:t>.</a:t>
-            </a:r>
-            <a:endParaRPr lang="pl-PL" dirty="0"/>
-          </a:p>
-        </p:txBody>
-      </p:sp>
-      <p:sp>
-        <p:nvSpPr>
-          <p:cNvPr id="6" name="Footer Placeholder 7"/>
-          <p:cNvSpPr>
-            <a:spLocks noGrp="1"/>
-          </p:cNvSpPr>
-          <p:nvPr>
-            <p:ph type="ftr" sz="quarter" idx="11"/>
-          </p:nvPr>
-        </p:nvSpPr>
-        <p:spPr>
-          <a:xfrm rot="5400000">
-            <a:off x="6951124" y="1841964"/>
-            <a:ext cx="3672408" cy="365760"/>
-          </a:xfrm>
-        </p:spPr>
-        <p:txBody>
-          <a:bodyPr/>
-          <a:lstStyle/>
-          <a:p>
-            <a:pPr algn="l"/>
-            <a:r>
-              <a:rPr lang="pl-PL" sz="1600" dirty="0">
-                <a:effectLst>
-                  <a:outerShdw blurRad="38100" dist="38100" dir="2700000" algn="tl">
-                    <a:srgbClr val="000000">
-                      <a:alpha val="43137"/>
-                    </a:srgbClr>
-                  </a:outerShdw>
-                </a:effectLst>
-              </a:rPr>
-              <a:t>Obrona pracy magisterskiej</a:t>
-            </a:r>
-            <a:endParaRPr lang="pl-PL" sz="1600" dirty="0">
-              <a:effectLst>
-                <a:outerShdw blurRad="38100" dist="38100" dir="2700000" algn="tl">
-                  <a:srgbClr val="000000">
-                    <a:alpha val="43137"/>
-                  </a:srgbClr>
-                </a:outerShdw>
-              </a:effectLst>
-            </a:endParaRPr>
-          </a:p>
-        </p:txBody>
-      </p:sp>
-      <p:sp>
-        <p:nvSpPr>
-          <p:cNvPr id="5" name="Slide Number Placeholder 4"/>
-          <p:cNvSpPr>
-            <a:spLocks noGrp="1"/>
-          </p:cNvSpPr>
-          <p:nvPr>
-            <p:ph type="sldNum" sz="quarter" idx="12"/>
-          </p:nvPr>
-        </p:nvSpPr>
-        <p:spPr/>
-        <p:txBody>
-          <a:bodyPr/>
-          <a:lstStyle/>
-          <a:p>
-            <a:fld id="{A9560CCA-E071-4361-AF3D-B0CE296716D1}" type="slidenum">
-              <a:rPr lang="pl-PL" smtClean="0"/>
-              <a:t>6</a:t>
-            </a:fld>
-            <a:endParaRPr lang="pl-PL"/>
-          </a:p>
-        </p:txBody>
-      </p:sp>
-    </p:spTree>
-    <p:extLst>
-      <p:ext uri="{BB962C8B-B14F-4D97-AF65-F5344CB8AC3E}">
-        <p14:creationId xmlns:p14="http://schemas.microsoft.com/office/powerpoint/2010/main" val="3184645920"/>
-      </p:ext>
-    </p:extLst>
-  </p:cSld>
-  <p:clrMapOvr>
-    <a:masterClrMapping/>
-  </p:clrMapOvr>
-  <p:timing>
-    <p:tnLst>
-      <p:par>
-        <p:cTn id="1" dur="indefinite" restart="never" nodeType="tmRoot"/>
-      </p:par>
-    </p:tnLst>
-  </p:timing>
-</p:sld>
-</file>
-
-<file path=ppt/slides/slide7.xml><?xml version="1.0" encoding="utf-8"?>
-<p:sld xmlns:a="http://schemas.openxmlformats.org/drawingml/2006/main" xmlns:r="http://schemas.openxmlformats.org/officeDocument/2006/relationships" xmlns:p="http://schemas.openxmlformats.org/presentationml/2006/main">
-  <p:cSld>
-    <p:spTree>
-      <p:nvGrpSpPr>
-        <p:cNvPr id="1" name=""/>
-        <p:cNvGrpSpPr/>
-        <p:nvPr/>
-      </p:nvGrpSpPr>
-      <p:grpSpPr>
-        <a:xfrm>
-          <a:off x="0" y="0"/>
-          <a:ext cx="0" cy="0"/>
-          <a:chOff x="0" y="0"/>
-          <a:chExt cx="0" cy="0"/>
-        </a:xfrm>
-      </p:grpSpPr>
-      <p:sp>
-        <p:nvSpPr>
-          <p:cNvPr id="2" name="Title 1"/>
-          <p:cNvSpPr>
-            <a:spLocks noGrp="1"/>
-          </p:cNvSpPr>
-          <p:nvPr>
-            <p:ph type="title"/>
-          </p:nvPr>
-        </p:nvSpPr>
-        <p:spPr>
-          <a:xfrm>
-            <a:off x="457200" y="44624"/>
-            <a:ext cx="7620000" cy="1143000"/>
-          </a:xfrm>
-        </p:spPr>
-        <p:txBody>
-          <a:bodyPr/>
-          <a:lstStyle/>
-          <a:p>
-            <a:r>
-              <a:rPr lang="pl-PL" sz="4000" dirty="0" smtClean="0">
-                <a:effectLst>
-                  <a:outerShdw blurRad="38100" dist="38100" dir="2700000" algn="tl">
-                    <a:srgbClr val="000000">
-                      <a:alpha val="43137"/>
-                    </a:srgbClr>
-                  </a:outerShdw>
-                </a:effectLst>
-              </a:rPr>
-              <a:t>Problem</a:t>
-            </a:r>
-            <a:endParaRPr lang="pl-PL" sz="4000" dirty="0">
-              <a:effectLst>
-                <a:outerShdw blurRad="38100" dist="38100" dir="2700000" algn="tl">
-                  <a:srgbClr val="000000">
-                    <a:alpha val="43137"/>
-                  </a:srgbClr>
-                </a:outerShdw>
-              </a:effectLst>
-            </a:endParaRPr>
-          </a:p>
-        </p:txBody>
-      </p:sp>
-      <p:sp>
-        <p:nvSpPr>
-          <p:cNvPr id="3" name="Content Placeholder 2"/>
-          <p:cNvSpPr>
-            <a:spLocks noGrp="1"/>
-          </p:cNvSpPr>
-          <p:nvPr>
-            <p:ph idx="1"/>
-          </p:nvPr>
-        </p:nvSpPr>
-        <p:spPr>
-          <a:xfrm>
-            <a:off x="467544" y="1196752"/>
-            <a:ext cx="7620000" cy="5400600"/>
-          </a:xfrm>
-        </p:spPr>
-        <p:txBody>
-          <a:bodyPr>
-            <a:normAutofit/>
-          </a:bodyPr>
-          <a:lstStyle/>
-          <a:p>
-            <a:r>
-              <a:rPr lang="pl-PL" b="1" dirty="0"/>
-              <a:t>Aby każde zapytanie mogło być obsłużone jak najszybciej, model zapytań musi być w dużym stopniu zdenormalizowany</a:t>
-            </a:r>
-            <a:r>
-              <a:rPr lang="pl-PL" b="1" dirty="0" smtClean="0"/>
-              <a:t>.</a:t>
-            </a:r>
-          </a:p>
-          <a:p>
-            <a:r>
-              <a:rPr lang="pl-PL" b="1" dirty="0" smtClean="0"/>
-              <a:t>Zarządzanie dwoma modelami tej samej dziedziny może sprawiać problemy.</a:t>
-            </a:r>
-          </a:p>
-          <a:p>
-            <a:r>
-              <a:rPr lang="pl-PL" dirty="0" smtClean="0"/>
-              <a:t>Synchronizacja </a:t>
-            </a:r>
-            <a:r>
-              <a:rPr lang="pl-PL" dirty="0"/>
-              <a:t>obu modeli może być kłopotliwa</a:t>
-            </a:r>
-            <a:r>
-              <a:rPr lang="pl-PL" dirty="0" smtClean="0"/>
-              <a:t>.</a:t>
-            </a:r>
-            <a:endParaRPr lang="pl-PL" dirty="0"/>
-          </a:p>
-        </p:txBody>
-      </p:sp>
-      <p:sp>
-        <p:nvSpPr>
-          <p:cNvPr id="6" name="Footer Placeholder 7"/>
-          <p:cNvSpPr>
-            <a:spLocks noGrp="1"/>
-          </p:cNvSpPr>
-          <p:nvPr>
-            <p:ph type="ftr" sz="quarter" idx="11"/>
-          </p:nvPr>
-        </p:nvSpPr>
-        <p:spPr>
-          <a:xfrm rot="5400000">
-            <a:off x="6951124" y="1841964"/>
-            <a:ext cx="3672408" cy="365760"/>
-          </a:xfrm>
-        </p:spPr>
-        <p:txBody>
-          <a:bodyPr/>
-          <a:lstStyle/>
-          <a:p>
-            <a:pPr algn="l"/>
-            <a:r>
-              <a:rPr lang="pl-PL" sz="1600" dirty="0">
-                <a:effectLst>
-                  <a:outerShdw blurRad="38100" dist="38100" dir="2700000" algn="tl">
-                    <a:srgbClr val="000000">
-                      <a:alpha val="43137"/>
-                    </a:srgbClr>
-                  </a:outerShdw>
-                </a:effectLst>
-              </a:rPr>
-              <a:t>Obrona pracy magisterskiej</a:t>
-            </a:r>
-            <a:endParaRPr lang="pl-PL" sz="1600" dirty="0">
-              <a:effectLst>
-                <a:outerShdw blurRad="38100" dist="38100" dir="2700000" algn="tl">
-                  <a:srgbClr val="000000">
-                    <a:alpha val="43137"/>
-                  </a:srgbClr>
-                </a:outerShdw>
-              </a:effectLst>
-            </a:endParaRPr>
-          </a:p>
-        </p:txBody>
-      </p:sp>
-      <p:sp>
-        <p:nvSpPr>
-          <p:cNvPr id="5" name="Slide Number Placeholder 4"/>
-          <p:cNvSpPr>
-            <a:spLocks noGrp="1"/>
-          </p:cNvSpPr>
-          <p:nvPr>
-            <p:ph type="sldNum" sz="quarter" idx="12"/>
-          </p:nvPr>
-        </p:nvSpPr>
-        <p:spPr/>
-        <p:txBody>
-          <a:bodyPr/>
-          <a:lstStyle/>
-          <a:p>
-            <a:fld id="{A9560CCA-E071-4361-AF3D-B0CE296716D1}" type="slidenum">
-              <a:rPr lang="pl-PL" smtClean="0"/>
-              <a:t>7</a:t>
-            </a:fld>
-            <a:endParaRPr lang="pl-PL"/>
-          </a:p>
-        </p:txBody>
-      </p:sp>
-    </p:spTree>
-    <p:extLst>
-      <p:ext uri="{BB962C8B-B14F-4D97-AF65-F5344CB8AC3E}">
-        <p14:creationId xmlns:p14="http://schemas.microsoft.com/office/powerpoint/2010/main" val="1779463766"/>
-      </p:ext>
-    </p:extLst>
-  </p:cSld>
-  <p:clrMapOvr>
-    <a:masterClrMapping/>
-  </p:clrMapOvr>
-  <p:timing>
-    <p:tnLst>
-      <p:par>
-        <p:cTn id="1" dur="indefinite" restart="never" nodeType="tmRoot"/>
-      </p:par>
-    </p:tnLst>
-  </p:timing>
-</p:sld>
-</file>
-
-<file path=ppt/slides/slide8.xml><?xml version="1.0" encoding="utf-8"?>
-<p:sld xmlns:a="http://schemas.openxmlformats.org/drawingml/2006/main" xmlns:r="http://schemas.openxmlformats.org/officeDocument/2006/relationships" xmlns:p="http://schemas.openxmlformats.org/presentationml/2006/main">
-  <p:cSld>
-    <p:spTree>
-      <p:nvGrpSpPr>
-        <p:cNvPr id="1" name=""/>
-        <p:cNvGrpSpPr/>
-        <p:nvPr/>
-      </p:nvGrpSpPr>
-      <p:grpSpPr>
-        <a:xfrm>
-          <a:off x="0" y="0"/>
-          <a:ext cx="0" cy="0"/>
-          <a:chOff x="0" y="0"/>
-          <a:chExt cx="0" cy="0"/>
-        </a:xfrm>
-      </p:grpSpPr>
-      <p:sp>
-        <p:nvSpPr>
-          <p:cNvPr id="2" name="Title 1"/>
-          <p:cNvSpPr>
-            <a:spLocks noGrp="1"/>
-          </p:cNvSpPr>
-          <p:nvPr>
-            <p:ph type="title"/>
-          </p:nvPr>
-        </p:nvSpPr>
-        <p:spPr>
-          <a:xfrm>
-            <a:off x="457200" y="44624"/>
-            <a:ext cx="7620000" cy="1143000"/>
-          </a:xfrm>
-        </p:spPr>
-        <p:txBody>
-          <a:bodyPr/>
-          <a:lstStyle/>
-          <a:p>
-            <a:r>
-              <a:rPr lang="pl-PL" sz="4000" dirty="0" smtClean="0">
-                <a:effectLst>
-                  <a:outerShdw blurRad="38100" dist="38100" dir="2700000" algn="tl">
-                    <a:srgbClr val="000000">
-                      <a:alpha val="43137"/>
-                    </a:srgbClr>
-                  </a:outerShdw>
-                </a:effectLst>
-              </a:rPr>
-              <a:t>[TO REMOVE] </a:t>
-            </a:r>
-            <a:r>
-              <a:rPr lang="pl-PL" sz="4000" dirty="0" smtClean="0">
-                <a:effectLst>
-                  <a:outerShdw blurRad="38100" dist="38100" dir="2700000" algn="tl">
-                    <a:srgbClr val="000000">
-                      <a:alpha val="43137"/>
-                    </a:srgbClr>
-                  </a:outerShdw>
-                </a:effectLst>
-              </a:rPr>
-              <a:t>Odczytywanie </a:t>
-            </a:r>
-            <a:r>
-              <a:rPr lang="pl-PL" sz="4000" dirty="0" smtClean="0">
-                <a:effectLst>
-                  <a:outerShdw blurRad="38100" dist="38100" dir="2700000" algn="tl">
-                    <a:srgbClr val="000000">
-                      <a:alpha val="43137"/>
-                    </a:srgbClr>
-                  </a:outerShdw>
-                </a:effectLst>
-              </a:rPr>
-              <a:t>pozycji telefonu</a:t>
-            </a:r>
-            <a:endParaRPr lang="pl-PL" sz="4000" dirty="0">
-              <a:effectLst>
-                <a:outerShdw blurRad="38100" dist="38100" dir="2700000" algn="tl">
-                  <a:srgbClr val="000000">
-                    <a:alpha val="43137"/>
-                  </a:srgbClr>
-                </a:outerShdw>
-              </a:effectLst>
-            </a:endParaRPr>
-          </a:p>
-        </p:txBody>
-      </p:sp>
-      <p:sp>
-        <p:nvSpPr>
-          <p:cNvPr id="3" name="Content Placeholder 2"/>
-          <p:cNvSpPr>
-            <a:spLocks noGrp="1"/>
-          </p:cNvSpPr>
-          <p:nvPr>
-            <p:ph idx="1"/>
-          </p:nvPr>
-        </p:nvSpPr>
-        <p:spPr>
-          <a:xfrm>
-            <a:off x="467544" y="1196752"/>
-            <a:ext cx="7620000" cy="5400600"/>
-          </a:xfrm>
-        </p:spPr>
-        <p:txBody>
-          <a:bodyPr>
-            <a:normAutofit/>
-          </a:bodyPr>
-          <a:lstStyle/>
-          <a:p>
-            <a:r>
-              <a:rPr lang="pl-PL" sz="2400" dirty="0" smtClean="0"/>
-              <a:t>API systemu Android umożliwia odczytywanie pozycji telefonu z trzech źródeł:</a:t>
-            </a:r>
-          </a:p>
-          <a:p>
-            <a:pPr lvl="1"/>
-            <a:r>
-              <a:rPr lang="pl-PL" dirty="0" smtClean="0"/>
-              <a:t>GPS,</a:t>
-            </a:r>
-          </a:p>
-          <a:p>
-            <a:pPr lvl="1"/>
-            <a:r>
-              <a:rPr lang="pl-PL" dirty="0"/>
-              <a:t>w</a:t>
-            </a:r>
-            <a:r>
-              <a:rPr lang="pl-PL" dirty="0" smtClean="0"/>
-              <a:t>spomagany GPS,</a:t>
-            </a:r>
-          </a:p>
-          <a:p>
-            <a:pPr lvl="1"/>
-            <a:r>
-              <a:rPr lang="pl-PL" dirty="0"/>
-              <a:t>o</a:t>
-            </a:r>
-            <a:r>
-              <a:rPr lang="pl-PL" dirty="0" smtClean="0"/>
-              <a:t>dczyt pasywny.</a:t>
-            </a:r>
-          </a:p>
-          <a:p>
-            <a:r>
-              <a:rPr lang="pl-PL" sz="2400" dirty="0"/>
-              <a:t>Wyboru zródła </a:t>
-            </a:r>
-            <a:r>
-              <a:rPr lang="pl-PL" sz="2400" dirty="0" smtClean="0"/>
-              <a:t>odczytu (</a:t>
-            </a:r>
-            <a:r>
-              <a:rPr lang="pl-PL" sz="2400" dirty="0">
-                <a:effectLst>
-                  <a:outerShdw blurRad="38100" dist="38100" dir="2700000" algn="tl">
-                    <a:srgbClr val="000000">
-                      <a:alpha val="43137"/>
-                    </a:srgbClr>
-                  </a:outerShdw>
-                </a:effectLst>
-              </a:rPr>
-              <a:t>LocationProvider</a:t>
-            </a:r>
-            <a:r>
-              <a:rPr lang="pl-PL" sz="2400" dirty="0" smtClean="0"/>
-              <a:t>) </a:t>
-            </a:r>
-            <a:r>
-              <a:rPr lang="pl-PL" sz="2400" dirty="0"/>
-              <a:t>dokonuje </a:t>
-            </a:r>
-            <a:r>
-              <a:rPr lang="pl-PL" sz="2400" dirty="0" smtClean="0"/>
-              <a:t>programista.</a:t>
-            </a:r>
-          </a:p>
-          <a:p>
-            <a:r>
-              <a:rPr lang="pl-PL" sz="2400" dirty="0" smtClean="0"/>
-              <a:t>Wyboru - na podstawie kryteriów zdefiniowanych </a:t>
-            </a:r>
-            <a:r>
-              <a:rPr lang="pl-PL" sz="2400" dirty="0"/>
-              <a:t>przez programistę - może również dokonać </a:t>
-            </a:r>
-            <a:r>
-              <a:rPr lang="pl-PL" sz="2400" dirty="0" smtClean="0"/>
-              <a:t>system. Kryteria:</a:t>
-            </a:r>
-          </a:p>
-          <a:p>
-            <a:pPr lvl="1"/>
-            <a:r>
-              <a:rPr lang="pl-PL" dirty="0"/>
-              <a:t>wymagana </a:t>
-            </a:r>
-            <a:r>
-              <a:rPr lang="pl-PL" dirty="0" smtClean="0"/>
-              <a:t>dokładność odczytu,</a:t>
-            </a:r>
-          </a:p>
-          <a:p>
-            <a:pPr lvl="1"/>
-            <a:r>
-              <a:rPr lang="pl-PL" dirty="0" smtClean="0"/>
-              <a:t>zezwolenie </a:t>
-            </a:r>
-            <a:r>
-              <a:rPr lang="pl-PL" dirty="0"/>
-              <a:t>na uzycie metody, która </a:t>
-            </a:r>
-            <a:r>
-              <a:rPr lang="pl-PL" dirty="0" smtClean="0"/>
-              <a:t>wiąże się </a:t>
-            </a:r>
-            <a:r>
-              <a:rPr lang="pl-PL" dirty="0"/>
-              <a:t>z naliczeniem opłat przez operatora </a:t>
-            </a:r>
-            <a:r>
-              <a:rPr lang="pl-PL" dirty="0" smtClean="0"/>
-              <a:t>sieci.</a:t>
-            </a:r>
-            <a:endParaRPr lang="pl-PL" dirty="0"/>
-          </a:p>
-          <a:p>
-            <a:pPr lvl="1"/>
-            <a:endParaRPr lang="pl-PL" dirty="0" smtClean="0"/>
-          </a:p>
-        </p:txBody>
-      </p:sp>
-      <p:sp>
-        <p:nvSpPr>
-          <p:cNvPr id="6" name="Footer Placeholder 7"/>
-          <p:cNvSpPr>
-            <a:spLocks noGrp="1"/>
-          </p:cNvSpPr>
-          <p:nvPr>
-            <p:ph type="ftr" sz="quarter" idx="11"/>
-          </p:nvPr>
-        </p:nvSpPr>
-        <p:spPr>
-          <a:xfrm rot="5400000">
-            <a:off x="6951124" y="1841964"/>
-            <a:ext cx="3672408" cy="365760"/>
-          </a:xfrm>
-        </p:spPr>
-        <p:txBody>
-          <a:bodyPr/>
-          <a:lstStyle/>
-          <a:p>
-            <a:pPr algn="l"/>
-            <a:r>
-              <a:rPr lang="pl-PL" sz="1600" dirty="0">
-                <a:effectLst>
-                  <a:outerShdw blurRad="38100" dist="38100" dir="2700000" algn="tl">
-                    <a:srgbClr val="000000">
-                      <a:alpha val="43137"/>
-                    </a:srgbClr>
-                  </a:outerShdw>
-                </a:effectLst>
-              </a:rPr>
-              <a:t>Obrona pracy magisterskiej</a:t>
-            </a:r>
-            <a:endParaRPr lang="pl-PL" sz="1600" dirty="0">
-              <a:effectLst>
-                <a:outerShdw blurRad="38100" dist="38100" dir="2700000" algn="tl">
-                  <a:srgbClr val="000000">
-                    <a:alpha val="43137"/>
-                  </a:srgbClr>
-                </a:outerShdw>
-              </a:effectLst>
-            </a:endParaRPr>
-          </a:p>
-        </p:txBody>
-      </p:sp>
-      <p:sp>
-        <p:nvSpPr>
-          <p:cNvPr id="5" name="Slide Number Placeholder 4"/>
-          <p:cNvSpPr>
-            <a:spLocks noGrp="1"/>
-          </p:cNvSpPr>
-          <p:nvPr>
-            <p:ph type="sldNum" sz="quarter" idx="12"/>
-          </p:nvPr>
-        </p:nvSpPr>
-        <p:spPr/>
-        <p:txBody>
-          <a:bodyPr/>
-          <a:lstStyle/>
-          <a:p>
-            <a:fld id="{A9560CCA-E071-4361-AF3D-B0CE296716D1}" type="slidenum">
-              <a:rPr lang="pl-PL" smtClean="0"/>
-              <a:t>8</a:t>
-            </a:fld>
-            <a:endParaRPr lang="pl-PL"/>
-          </a:p>
-        </p:txBody>
-      </p:sp>
-    </p:spTree>
-    <p:extLst>
-      <p:ext uri="{BB962C8B-B14F-4D97-AF65-F5344CB8AC3E}">
-        <p14:creationId xmlns:p14="http://schemas.microsoft.com/office/powerpoint/2010/main" val="1872928215"/>
-      </p:ext>
-    </p:extLst>
-  </p:cSld>
-  <p:clrMapOvr>
-    <a:masterClrMapping/>
-  </p:clrMapOvr>
-  <p:timing>
-    <p:tnLst>
-      <p:par>
-        <p:cTn id="1" dur="indefinite" restart="never" nodeType="tmRoot"/>
-      </p:par>
-    </p:tnLst>
-  </p:timing>
-</p:sld>
-</file>
-
-<file path=ppt/slides/slide9.xml><?xml version="1.0" encoding="utf-8"?>
-<p:sld xmlns:a="http://schemas.openxmlformats.org/drawingml/2006/main" xmlns:r="http://schemas.openxmlformats.org/officeDocument/2006/relationships" xmlns:p="http://schemas.openxmlformats.org/presentationml/2006/main">
-  <p:cSld>
-    <p:spTree>
-      <p:nvGrpSpPr>
-        <p:cNvPr id="1" name=""/>
-        <p:cNvGrpSpPr/>
-        <p:nvPr/>
-      </p:nvGrpSpPr>
-      <p:grpSpPr>
-        <a:xfrm>
-          <a:off x="0" y="0"/>
-          <a:ext cx="0" cy="0"/>
-          <a:chOff x="0" y="0"/>
-          <a:chExt cx="0" cy="0"/>
-        </a:xfrm>
-      </p:grpSpPr>
-      <p:sp>
-        <p:nvSpPr>
-          <p:cNvPr id="2" name="Title 1"/>
-          <p:cNvSpPr>
-            <a:spLocks noGrp="1"/>
-          </p:cNvSpPr>
-          <p:nvPr>
-            <p:ph type="title"/>
-          </p:nvPr>
-        </p:nvSpPr>
-        <p:spPr>
-          <a:xfrm>
-            <a:off x="457200" y="44624"/>
-            <a:ext cx="7620000" cy="1143000"/>
-          </a:xfrm>
-        </p:spPr>
-        <p:txBody>
-          <a:bodyPr/>
-          <a:lstStyle/>
-          <a:p>
-            <a:r>
-              <a:rPr lang="pl-PL" sz="4000" dirty="0">
-                <a:effectLst>
-                  <a:outerShdw blurRad="38100" dist="38100" dir="2700000" algn="tl">
-                    <a:srgbClr val="000000">
-                      <a:alpha val="43137"/>
-                    </a:srgbClr>
-                  </a:outerShdw>
-                </a:effectLst>
-              </a:rPr>
-              <a:t>[TO REMOVE] Przykłady </a:t>
-            </a:r>
-            <a:r>
-              <a:rPr lang="pl-PL" sz="4000" dirty="0" smtClean="0">
-                <a:effectLst>
-                  <a:outerShdw blurRad="38100" dist="38100" dir="2700000" algn="tl">
-                    <a:srgbClr val="000000">
-                      <a:alpha val="43137"/>
-                    </a:srgbClr>
-                  </a:outerShdw>
-                </a:effectLst>
-              </a:rPr>
-              <a:t>obrotów</a:t>
-            </a:r>
-            <a:endParaRPr lang="pl-PL" sz="4000" dirty="0">
-              <a:effectLst>
-                <a:outerShdw blurRad="38100" dist="38100" dir="2700000" algn="tl">
-                  <a:srgbClr val="000000">
-                    <a:alpha val="43137"/>
-                  </a:srgbClr>
-                </a:outerShdw>
-              </a:effectLst>
-            </a:endParaRPr>
-          </a:p>
-        </p:txBody>
-      </p:sp>
-      <p:sp>
-        <p:nvSpPr>
-          <p:cNvPr id="6" name="Footer Placeholder 7"/>
-          <p:cNvSpPr>
-            <a:spLocks noGrp="1"/>
-          </p:cNvSpPr>
-          <p:nvPr>
-            <p:ph type="ftr" sz="quarter" idx="11"/>
-          </p:nvPr>
-        </p:nvSpPr>
-        <p:spPr>
-          <a:xfrm rot="5400000">
-            <a:off x="6951124" y="1841964"/>
-            <a:ext cx="3672408" cy="365760"/>
-          </a:xfrm>
-        </p:spPr>
-        <p:txBody>
-          <a:bodyPr/>
-          <a:lstStyle/>
-          <a:p>
-            <a:pPr algn="l"/>
-            <a:r>
-              <a:rPr lang="pl-PL" sz="1600" dirty="0">
-                <a:effectLst>
-                  <a:outerShdw blurRad="38100" dist="38100" dir="2700000" algn="tl">
-                    <a:srgbClr val="000000">
-                      <a:alpha val="43137"/>
-                    </a:srgbClr>
-                  </a:outerShdw>
-                </a:effectLst>
-              </a:rPr>
-              <a:t>Obrona pracy magisterskiej</a:t>
-            </a:r>
-            <a:endParaRPr lang="pl-PL" sz="1600" dirty="0">
-              <a:effectLst>
-                <a:outerShdw blurRad="38100" dist="38100" dir="2700000" algn="tl">
-                  <a:srgbClr val="000000">
-                    <a:alpha val="43137"/>
-                  </a:srgbClr>
-                </a:outerShdw>
-              </a:effectLst>
-            </a:endParaRPr>
-          </a:p>
-        </p:txBody>
-      </p:sp>
-      <p:sp>
-        <p:nvSpPr>
-          <p:cNvPr id="5" name="Slide Number Placeholder 4"/>
-          <p:cNvSpPr>
-            <a:spLocks noGrp="1"/>
-          </p:cNvSpPr>
-          <p:nvPr>
-            <p:ph type="sldNum" sz="quarter" idx="12"/>
-          </p:nvPr>
-        </p:nvSpPr>
-        <p:spPr/>
-        <p:txBody>
-          <a:bodyPr/>
-          <a:lstStyle/>
-          <a:p>
-            <a:fld id="{A9560CCA-E071-4361-AF3D-B0CE296716D1}" type="slidenum">
-              <a:rPr lang="pl-PL" smtClean="0"/>
-              <a:t>9</a:t>
             </a:fld>
             <a:endParaRPr lang="pl-PL"/>
           </a:p>
@@ -7008,6 +5137,1909 @@
     <p:extLst>
       <p:ext uri="{BB962C8B-B14F-4D97-AF65-F5344CB8AC3E}">
         <p14:creationId xmlns:p14="http://schemas.microsoft.com/office/powerpoint/2010/main" val="222257518"/>
+      </p:ext>
+    </p:extLst>
+  </p:cSld>
+  <p:clrMapOvr>
+    <a:masterClrMapping/>
+  </p:clrMapOvr>
+  <p:timing>
+    <p:tnLst>
+      <p:par>
+        <p:cTn id="1" dur="indefinite" restart="never" nodeType="tmRoot"/>
+      </p:par>
+    </p:tnLst>
+  </p:timing>
+</p:sld>
+</file>
+
+<file path=ppt/slides/slide12.xml><?xml version="1.0" encoding="utf-8"?>
+<p:sld xmlns:a="http://schemas.openxmlformats.org/drawingml/2006/main" xmlns:r="http://schemas.openxmlformats.org/officeDocument/2006/relationships" xmlns:p="http://schemas.openxmlformats.org/presentationml/2006/main">
+  <p:cSld>
+    <p:spTree>
+      <p:nvGrpSpPr>
+        <p:cNvPr id="1" name=""/>
+        <p:cNvGrpSpPr/>
+        <p:nvPr/>
+      </p:nvGrpSpPr>
+      <p:grpSpPr>
+        <a:xfrm>
+          <a:off x="0" y="0"/>
+          <a:ext cx="0" cy="0"/>
+          <a:chOff x="0" y="0"/>
+          <a:chExt cx="0" cy="0"/>
+        </a:xfrm>
+      </p:grpSpPr>
+      <p:sp>
+        <p:nvSpPr>
+          <p:cNvPr id="2" name="Title 1"/>
+          <p:cNvSpPr>
+            <a:spLocks noGrp="1"/>
+          </p:cNvSpPr>
+          <p:nvPr>
+            <p:ph type="title"/>
+          </p:nvPr>
+        </p:nvSpPr>
+        <p:spPr>
+          <a:xfrm>
+            <a:off x="696416" y="2420888"/>
+            <a:ext cx="6611888" cy="1143000"/>
+          </a:xfrm>
+        </p:spPr>
+        <p:txBody>
+          <a:bodyPr/>
+          <a:lstStyle/>
+          <a:p>
+            <a:r>
+              <a:rPr lang="pl-PL" sz="6000" dirty="0" smtClean="0"/>
+              <a:t>Dziękuję za </a:t>
+            </a:r>
+            <a:r>
+              <a:rPr lang="pl-PL" sz="6000" dirty="0"/>
+              <a:t>uwagę</a:t>
+            </a:r>
+          </a:p>
+        </p:txBody>
+      </p:sp>
+      <p:sp>
+        <p:nvSpPr>
+          <p:cNvPr id="6" name="Footer Placeholder 7"/>
+          <p:cNvSpPr>
+            <a:spLocks noGrp="1"/>
+          </p:cNvSpPr>
+          <p:nvPr>
+            <p:ph type="ftr" sz="quarter" idx="11"/>
+          </p:nvPr>
+        </p:nvSpPr>
+        <p:spPr>
+          <a:xfrm rot="5400000">
+            <a:off x="6951124" y="1841964"/>
+            <a:ext cx="3672408" cy="365760"/>
+          </a:xfrm>
+        </p:spPr>
+        <p:txBody>
+          <a:bodyPr/>
+          <a:lstStyle/>
+          <a:p>
+            <a:pPr algn="l"/>
+            <a:r>
+              <a:rPr lang="pl-PL" sz="1600" dirty="0">
+                <a:effectLst>
+                  <a:outerShdw blurRad="38100" dist="38100" dir="2700000" algn="tl">
+                    <a:srgbClr val="000000">
+                      <a:alpha val="43137"/>
+                    </a:srgbClr>
+                  </a:outerShdw>
+                </a:effectLst>
+              </a:rPr>
+              <a:t>Obrona pracy magisterskiej</a:t>
+            </a:r>
+            <a:endParaRPr lang="pl-PL" sz="1600" dirty="0">
+              <a:effectLst>
+                <a:outerShdw blurRad="38100" dist="38100" dir="2700000" algn="tl">
+                  <a:srgbClr val="000000">
+                    <a:alpha val="43137"/>
+                  </a:srgbClr>
+                </a:outerShdw>
+              </a:effectLst>
+            </a:endParaRPr>
+          </a:p>
+        </p:txBody>
+      </p:sp>
+      <p:sp>
+        <p:nvSpPr>
+          <p:cNvPr id="5" name="Slide Number Placeholder 4"/>
+          <p:cNvSpPr>
+            <a:spLocks noGrp="1"/>
+          </p:cNvSpPr>
+          <p:nvPr>
+            <p:ph type="sldNum" sz="quarter" idx="12"/>
+          </p:nvPr>
+        </p:nvSpPr>
+        <p:spPr/>
+        <p:txBody>
+          <a:bodyPr/>
+          <a:lstStyle/>
+          <a:p>
+            <a:fld id="{A9560CCA-E071-4361-AF3D-B0CE296716D1}" type="slidenum">
+              <a:rPr lang="pl-PL" smtClean="0"/>
+              <a:t>12</a:t>
+            </a:fld>
+            <a:endParaRPr lang="pl-PL"/>
+          </a:p>
+        </p:txBody>
+      </p:sp>
+    </p:spTree>
+    <p:extLst>
+      <p:ext uri="{BB962C8B-B14F-4D97-AF65-F5344CB8AC3E}">
+        <p14:creationId xmlns:p14="http://schemas.microsoft.com/office/powerpoint/2010/main" val="1221185451"/>
+      </p:ext>
+    </p:extLst>
+  </p:cSld>
+  <p:clrMapOvr>
+    <a:masterClrMapping/>
+  </p:clrMapOvr>
+  <p:timing>
+    <p:tnLst>
+      <p:par>
+        <p:cTn id="1" dur="indefinite" restart="never" nodeType="tmRoot"/>
+      </p:par>
+    </p:tnLst>
+  </p:timing>
+</p:sld>
+</file>
+
+<file path=ppt/slides/slide2.xml><?xml version="1.0" encoding="utf-8"?>
+<p:sld xmlns:a="http://schemas.openxmlformats.org/drawingml/2006/main" xmlns:r="http://schemas.openxmlformats.org/officeDocument/2006/relationships" xmlns:p="http://schemas.openxmlformats.org/presentationml/2006/main">
+  <p:cSld>
+    <p:spTree>
+      <p:nvGrpSpPr>
+        <p:cNvPr id="1" name=""/>
+        <p:cNvGrpSpPr/>
+        <p:nvPr/>
+      </p:nvGrpSpPr>
+      <p:grpSpPr>
+        <a:xfrm>
+          <a:off x="0" y="0"/>
+          <a:ext cx="0" cy="0"/>
+          <a:chOff x="0" y="0"/>
+          <a:chExt cx="0" cy="0"/>
+        </a:xfrm>
+      </p:grpSpPr>
+      <p:sp>
+        <p:nvSpPr>
+          <p:cNvPr id="2" name="Title 1"/>
+          <p:cNvSpPr>
+            <a:spLocks noGrp="1"/>
+          </p:cNvSpPr>
+          <p:nvPr>
+            <p:ph type="title"/>
+          </p:nvPr>
+        </p:nvSpPr>
+        <p:spPr/>
+        <p:txBody>
+          <a:bodyPr/>
+          <a:lstStyle/>
+          <a:p>
+            <a:r>
+              <a:rPr lang="pl-PL" dirty="0" smtClean="0">
+                <a:effectLst>
+                  <a:outerShdw blurRad="38100" dist="38100" dir="2700000" algn="tl">
+                    <a:srgbClr val="000000">
+                      <a:alpha val="43137"/>
+                    </a:srgbClr>
+                  </a:outerShdw>
+                </a:effectLst>
+              </a:rPr>
+              <a:t>Agenda</a:t>
+            </a:r>
+            <a:endParaRPr lang="pl-PL" dirty="0">
+              <a:effectLst>
+                <a:outerShdw blurRad="38100" dist="38100" dir="2700000" algn="tl">
+                  <a:srgbClr val="000000">
+                    <a:alpha val="43137"/>
+                  </a:srgbClr>
+                </a:outerShdw>
+              </a:effectLst>
+            </a:endParaRPr>
+          </a:p>
+        </p:txBody>
+      </p:sp>
+      <p:sp>
+        <p:nvSpPr>
+          <p:cNvPr id="3" name="Content Placeholder 2"/>
+          <p:cNvSpPr>
+            <a:spLocks noGrp="1"/>
+          </p:cNvSpPr>
+          <p:nvPr>
+            <p:ph idx="1"/>
+          </p:nvPr>
+        </p:nvSpPr>
+        <p:spPr/>
+        <p:txBody>
+          <a:bodyPr>
+            <a:normAutofit/>
+          </a:bodyPr>
+          <a:lstStyle/>
+          <a:p>
+            <a:r>
+              <a:rPr lang="pl-PL" sz="2800" dirty="0" smtClean="0"/>
+              <a:t>Architektura CQRS</a:t>
+            </a:r>
+            <a:endParaRPr lang="pl-PL" sz="2800" dirty="0" smtClean="0"/>
+          </a:p>
+          <a:p>
+            <a:r>
+              <a:rPr lang="pl-PL" sz="2800" dirty="0" smtClean="0"/>
+              <a:t>Problem</a:t>
+            </a:r>
+            <a:endParaRPr lang="pl-PL" sz="2800" dirty="0" smtClean="0"/>
+          </a:p>
+          <a:p>
+            <a:r>
+              <a:rPr lang="pl-PL" sz="2800" dirty="0" smtClean="0"/>
+              <a:t>Zaproponowane r</a:t>
+            </a:r>
+            <a:r>
+              <a:rPr lang="pl-PL" sz="2800" dirty="0" smtClean="0"/>
+              <a:t>ozwiązanie</a:t>
+            </a:r>
+            <a:endParaRPr lang="pl-PL" sz="2800" dirty="0" smtClean="0"/>
+          </a:p>
+          <a:p>
+            <a:r>
+              <a:rPr lang="pl-PL" sz="2800" dirty="0" smtClean="0"/>
+              <a:t>Działanie generatora</a:t>
+            </a:r>
+            <a:endParaRPr lang="pl-PL" sz="2800" dirty="0" smtClean="0"/>
+          </a:p>
+          <a:p>
+            <a:r>
+              <a:rPr lang="pl-PL" sz="2800" dirty="0" smtClean="0"/>
+              <a:t>Podsumowanie</a:t>
+            </a:r>
+          </a:p>
+        </p:txBody>
+      </p:sp>
+      <p:sp>
+        <p:nvSpPr>
+          <p:cNvPr id="6" name="Footer Placeholder 7"/>
+          <p:cNvSpPr>
+            <a:spLocks noGrp="1"/>
+          </p:cNvSpPr>
+          <p:nvPr>
+            <p:ph type="ftr" sz="quarter" idx="11"/>
+          </p:nvPr>
+        </p:nvSpPr>
+        <p:spPr>
+          <a:xfrm rot="5400000">
+            <a:off x="6951124" y="1841964"/>
+            <a:ext cx="3672408" cy="365760"/>
+          </a:xfrm>
+        </p:spPr>
+        <p:txBody>
+          <a:bodyPr/>
+          <a:lstStyle/>
+          <a:p>
+            <a:pPr algn="l"/>
+            <a:r>
+              <a:rPr lang="pl-PL" sz="1600" dirty="0">
+                <a:effectLst>
+                  <a:outerShdw blurRad="38100" dist="38100" dir="2700000" algn="tl">
+                    <a:srgbClr val="000000">
+                      <a:alpha val="43137"/>
+                    </a:srgbClr>
+                  </a:outerShdw>
+                </a:effectLst>
+              </a:rPr>
+              <a:t>Obrona pracy magisterskiej</a:t>
+            </a:r>
+            <a:endParaRPr lang="pl-PL" sz="1600" dirty="0">
+              <a:effectLst>
+                <a:outerShdw blurRad="38100" dist="38100" dir="2700000" algn="tl">
+                  <a:srgbClr val="000000">
+                    <a:alpha val="43137"/>
+                  </a:srgbClr>
+                </a:outerShdw>
+              </a:effectLst>
+            </a:endParaRPr>
+          </a:p>
+        </p:txBody>
+      </p:sp>
+      <p:sp>
+        <p:nvSpPr>
+          <p:cNvPr id="5" name="Slide Number Placeholder 4"/>
+          <p:cNvSpPr>
+            <a:spLocks noGrp="1"/>
+          </p:cNvSpPr>
+          <p:nvPr>
+            <p:ph type="sldNum" sz="quarter" idx="12"/>
+          </p:nvPr>
+        </p:nvSpPr>
+        <p:spPr/>
+        <p:txBody>
+          <a:bodyPr/>
+          <a:lstStyle/>
+          <a:p>
+            <a:fld id="{A9560CCA-E071-4361-AF3D-B0CE296716D1}" type="slidenum">
+              <a:rPr lang="pl-PL" smtClean="0"/>
+              <a:t>2</a:t>
+            </a:fld>
+            <a:endParaRPr lang="pl-PL"/>
+          </a:p>
+        </p:txBody>
+      </p:sp>
+    </p:spTree>
+    <p:extLst>
+      <p:ext uri="{BB962C8B-B14F-4D97-AF65-F5344CB8AC3E}">
+        <p14:creationId xmlns:p14="http://schemas.microsoft.com/office/powerpoint/2010/main" val="4041198895"/>
+      </p:ext>
+    </p:extLst>
+  </p:cSld>
+  <p:clrMapOvr>
+    <a:masterClrMapping/>
+  </p:clrMapOvr>
+  <p:timing>
+    <p:tnLst>
+      <p:par>
+        <p:cTn id="1" dur="indefinite" restart="never" nodeType="tmRoot"/>
+      </p:par>
+    </p:tnLst>
+  </p:timing>
+</p:sld>
+</file>
+
+<file path=ppt/slides/slide3.xml><?xml version="1.0" encoding="utf-8"?>
+<p:sld xmlns:a="http://schemas.openxmlformats.org/drawingml/2006/main" xmlns:r="http://schemas.openxmlformats.org/officeDocument/2006/relationships" xmlns:p="http://schemas.openxmlformats.org/presentationml/2006/main">
+  <p:cSld>
+    <p:spTree>
+      <p:nvGrpSpPr>
+        <p:cNvPr id="1" name=""/>
+        <p:cNvGrpSpPr/>
+        <p:nvPr/>
+      </p:nvGrpSpPr>
+      <p:grpSpPr>
+        <a:xfrm>
+          <a:off x="0" y="0"/>
+          <a:ext cx="0" cy="0"/>
+          <a:chOff x="0" y="0"/>
+          <a:chExt cx="0" cy="0"/>
+        </a:xfrm>
+      </p:grpSpPr>
+      <p:sp>
+        <p:nvSpPr>
+          <p:cNvPr id="2" name="Title 1"/>
+          <p:cNvSpPr>
+            <a:spLocks noGrp="1"/>
+          </p:cNvSpPr>
+          <p:nvPr>
+            <p:ph type="title"/>
+          </p:nvPr>
+        </p:nvSpPr>
+        <p:spPr>
+          <a:xfrm>
+            <a:off x="457200" y="44624"/>
+            <a:ext cx="7620000" cy="1143000"/>
+          </a:xfrm>
+        </p:spPr>
+        <p:txBody>
+          <a:bodyPr/>
+          <a:lstStyle/>
+          <a:p>
+            <a:r>
+              <a:rPr lang="pl-PL" sz="4000" dirty="0" smtClean="0">
+                <a:effectLst>
+                  <a:outerShdw blurRad="38100" dist="38100" dir="2700000" algn="tl">
+                    <a:srgbClr val="000000">
+                      <a:alpha val="43137"/>
+                    </a:srgbClr>
+                  </a:outerShdw>
+                </a:effectLst>
+              </a:rPr>
+              <a:t>Architektura CQRS</a:t>
+            </a:r>
+            <a:endParaRPr lang="pl-PL" sz="4000" dirty="0">
+              <a:effectLst>
+                <a:outerShdw blurRad="38100" dist="38100" dir="2700000" algn="tl">
+                  <a:srgbClr val="000000">
+                    <a:alpha val="43137"/>
+                  </a:srgbClr>
+                </a:outerShdw>
+              </a:effectLst>
+            </a:endParaRPr>
+          </a:p>
+        </p:txBody>
+      </p:sp>
+      <p:sp>
+        <p:nvSpPr>
+          <p:cNvPr id="3" name="Content Placeholder 2"/>
+          <p:cNvSpPr>
+            <a:spLocks noGrp="1"/>
+          </p:cNvSpPr>
+          <p:nvPr>
+            <p:ph idx="1"/>
+          </p:nvPr>
+        </p:nvSpPr>
+        <p:spPr>
+          <a:xfrm>
+            <a:off x="467544" y="1196752"/>
+            <a:ext cx="7620000" cy="5400600"/>
+          </a:xfrm>
+        </p:spPr>
+        <p:txBody>
+          <a:bodyPr>
+            <a:normAutofit/>
+          </a:bodyPr>
+          <a:lstStyle/>
+          <a:p>
+            <a:r>
+              <a:rPr lang="pl-PL" sz="2400" dirty="0" smtClean="0"/>
+              <a:t>CQRS = Command Query Responsibility Segregation</a:t>
+            </a:r>
+            <a:endParaRPr lang="pl-PL" dirty="0" smtClean="0"/>
+          </a:p>
+          <a:p>
+            <a:r>
+              <a:rPr lang="pl-PL" sz="2400" dirty="0"/>
+              <a:t>Zakłada </a:t>
+            </a:r>
+            <a:r>
+              <a:rPr lang="pl-PL" sz="2400" dirty="0" smtClean="0"/>
+              <a:t>podział </a:t>
+            </a:r>
+            <a:r>
+              <a:rPr lang="pl-PL" sz="2400" dirty="0"/>
+              <a:t>wszystkich </a:t>
+            </a:r>
+            <a:r>
+              <a:rPr lang="pl-PL" sz="2400" dirty="0" smtClean="0"/>
+              <a:t>działań </a:t>
+            </a:r>
+            <a:r>
+              <a:rPr lang="pl-PL" sz="2400" dirty="0"/>
+              <a:t>w aplikacji na dwa rodzaje</a:t>
+            </a:r>
+            <a:r>
+              <a:rPr lang="pl-PL" sz="2400" dirty="0" smtClean="0"/>
+              <a:t>:</a:t>
+            </a:r>
+          </a:p>
+          <a:p>
+            <a:pPr lvl="1"/>
+            <a:r>
+              <a:rPr lang="pl-PL" dirty="0"/>
+              <a:t>zapytanie </a:t>
+            </a:r>
+            <a:r>
+              <a:rPr lang="pl-PL" dirty="0" smtClean="0"/>
+              <a:t>(</a:t>
+            </a:r>
+            <a:r>
+              <a:rPr lang="pl-PL" i="1" dirty="0" smtClean="0"/>
+              <a:t>query</a:t>
+            </a:r>
+            <a:r>
+              <a:rPr lang="pl-PL" dirty="0"/>
+              <a:t>) - działanie </a:t>
+            </a:r>
+            <a:r>
+              <a:rPr lang="pl-PL" dirty="0" smtClean="0"/>
+              <a:t>wiążące się </a:t>
+            </a:r>
+            <a:r>
+              <a:rPr lang="pl-PL" dirty="0"/>
+              <a:t>z odczytaniem danych z bazy danych (lub innego </a:t>
+            </a:r>
+            <a:r>
+              <a:rPr lang="pl-PL" dirty="0" smtClean="0"/>
+              <a:t>zródła);</a:t>
+            </a:r>
+          </a:p>
+          <a:p>
+            <a:pPr lvl="1"/>
+            <a:r>
+              <a:rPr lang="pl-PL" dirty="0"/>
+              <a:t>komenda </a:t>
+            </a:r>
+            <a:r>
+              <a:rPr lang="pl-PL" dirty="0" smtClean="0"/>
+              <a:t>(</a:t>
+            </a:r>
+            <a:r>
+              <a:rPr lang="pl-PL" i="1" dirty="0" smtClean="0"/>
+              <a:t>command</a:t>
+            </a:r>
+            <a:r>
+              <a:rPr lang="pl-PL" dirty="0"/>
+              <a:t>) - działanie </a:t>
+            </a:r>
+            <a:r>
+              <a:rPr lang="pl-PL" dirty="0" smtClean="0"/>
+              <a:t>wiążące się </a:t>
+            </a:r>
+            <a:r>
+              <a:rPr lang="pl-PL" dirty="0"/>
+              <a:t>z </a:t>
+            </a:r>
+            <a:r>
+              <a:rPr lang="pl-PL" dirty="0" smtClean="0"/>
+              <a:t>modyfikacją </a:t>
+            </a:r>
+            <a:r>
+              <a:rPr lang="pl-PL" dirty="0"/>
+              <a:t>danych</a:t>
+            </a:r>
+            <a:r>
+              <a:rPr lang="pl-PL" dirty="0" smtClean="0"/>
+              <a:t>.</a:t>
+            </a:r>
+          </a:p>
+          <a:p>
+            <a:r>
+              <a:rPr lang="pl-PL" dirty="0"/>
+              <a:t>Działania te </a:t>
+            </a:r>
+            <a:r>
+              <a:rPr lang="pl-PL" dirty="0" smtClean="0"/>
+              <a:t>są rozłączne – działają na dwóch osobnych modelach </a:t>
+            </a:r>
+            <a:r>
+              <a:rPr lang="pl-PL" dirty="0"/>
+              <a:t>danych aplikacji</a:t>
+            </a:r>
+            <a:r>
+              <a:rPr lang="pl-PL" dirty="0" smtClean="0"/>
+              <a:t>:</a:t>
+            </a:r>
+          </a:p>
+          <a:p>
+            <a:pPr lvl="1"/>
+            <a:r>
+              <a:rPr lang="pl-PL" dirty="0"/>
+              <a:t>model </a:t>
+            </a:r>
+            <a:r>
+              <a:rPr lang="pl-PL" dirty="0" smtClean="0"/>
+              <a:t>zapytań (</a:t>
+            </a:r>
+            <a:r>
+              <a:rPr lang="pl-PL" i="1" dirty="0" smtClean="0"/>
+              <a:t>Query Model</a:t>
+            </a:r>
+            <a:r>
+              <a:rPr lang="pl-PL" dirty="0" smtClean="0"/>
+              <a:t>) </a:t>
+            </a:r>
+            <a:r>
+              <a:rPr lang="pl-PL" dirty="0"/>
+              <a:t>- model przeznaczony do odczytu danych</a:t>
+            </a:r>
+            <a:r>
+              <a:rPr lang="pl-PL" dirty="0" smtClean="0"/>
+              <a:t>;</a:t>
+            </a:r>
+          </a:p>
+          <a:p>
+            <a:pPr lvl="1"/>
+            <a:r>
+              <a:rPr lang="pl-PL" dirty="0"/>
+              <a:t>model komend </a:t>
+            </a:r>
+            <a:r>
+              <a:rPr lang="pl-PL" dirty="0" smtClean="0"/>
+              <a:t>(</a:t>
+            </a:r>
+            <a:r>
+              <a:rPr lang="pl-PL" i="1" dirty="0" smtClean="0"/>
+              <a:t>Command Model</a:t>
+            </a:r>
+            <a:r>
+              <a:rPr lang="pl-PL" dirty="0" smtClean="0"/>
+              <a:t>) </a:t>
+            </a:r>
+            <a:r>
+              <a:rPr lang="pl-PL" dirty="0"/>
+              <a:t>- model przeznaczony do modyfikacji danych.</a:t>
+            </a:r>
+            <a:endParaRPr lang="pl-PL" dirty="0" smtClean="0"/>
+          </a:p>
+        </p:txBody>
+      </p:sp>
+      <p:sp>
+        <p:nvSpPr>
+          <p:cNvPr id="6" name="Footer Placeholder 7"/>
+          <p:cNvSpPr>
+            <a:spLocks noGrp="1"/>
+          </p:cNvSpPr>
+          <p:nvPr>
+            <p:ph type="ftr" sz="quarter" idx="11"/>
+          </p:nvPr>
+        </p:nvSpPr>
+        <p:spPr>
+          <a:xfrm rot="5400000">
+            <a:off x="6951124" y="1841964"/>
+            <a:ext cx="3672408" cy="365760"/>
+          </a:xfrm>
+        </p:spPr>
+        <p:txBody>
+          <a:bodyPr/>
+          <a:lstStyle/>
+          <a:p>
+            <a:pPr algn="l"/>
+            <a:r>
+              <a:rPr lang="pl-PL" sz="1600" dirty="0">
+                <a:effectLst>
+                  <a:outerShdw blurRad="38100" dist="38100" dir="2700000" algn="tl">
+                    <a:srgbClr val="000000">
+                      <a:alpha val="43137"/>
+                    </a:srgbClr>
+                  </a:outerShdw>
+                </a:effectLst>
+              </a:rPr>
+              <a:t>Obrona pracy magisterskiej</a:t>
+            </a:r>
+            <a:endParaRPr lang="pl-PL" sz="1600" dirty="0">
+              <a:effectLst>
+                <a:outerShdw blurRad="38100" dist="38100" dir="2700000" algn="tl">
+                  <a:srgbClr val="000000">
+                    <a:alpha val="43137"/>
+                  </a:srgbClr>
+                </a:outerShdw>
+              </a:effectLst>
+            </a:endParaRPr>
+          </a:p>
+        </p:txBody>
+      </p:sp>
+      <p:sp>
+        <p:nvSpPr>
+          <p:cNvPr id="5" name="Slide Number Placeholder 4"/>
+          <p:cNvSpPr>
+            <a:spLocks noGrp="1"/>
+          </p:cNvSpPr>
+          <p:nvPr>
+            <p:ph type="sldNum" sz="quarter" idx="12"/>
+          </p:nvPr>
+        </p:nvSpPr>
+        <p:spPr/>
+        <p:txBody>
+          <a:bodyPr/>
+          <a:lstStyle/>
+          <a:p>
+            <a:fld id="{A9560CCA-E071-4361-AF3D-B0CE296716D1}" type="slidenum">
+              <a:rPr lang="pl-PL" smtClean="0"/>
+              <a:t>3</a:t>
+            </a:fld>
+            <a:endParaRPr lang="pl-PL"/>
+          </a:p>
+        </p:txBody>
+      </p:sp>
+    </p:spTree>
+    <p:extLst>
+      <p:ext uri="{BB962C8B-B14F-4D97-AF65-F5344CB8AC3E}">
+        <p14:creationId xmlns:p14="http://schemas.microsoft.com/office/powerpoint/2010/main" val="853179978"/>
+      </p:ext>
+    </p:extLst>
+  </p:cSld>
+  <p:clrMapOvr>
+    <a:masterClrMapping/>
+  </p:clrMapOvr>
+  <p:timing>
+    <p:tnLst>
+      <p:par>
+        <p:cTn id="1" dur="indefinite" restart="never" nodeType="tmRoot"/>
+      </p:par>
+    </p:tnLst>
+  </p:timing>
+</p:sld>
+</file>
+
+<file path=ppt/slides/slide4.xml><?xml version="1.0" encoding="utf-8"?>
+<p:sld xmlns:a="http://schemas.openxmlformats.org/drawingml/2006/main" xmlns:r="http://schemas.openxmlformats.org/officeDocument/2006/relationships" xmlns:p="http://schemas.openxmlformats.org/presentationml/2006/main">
+  <p:cSld>
+    <p:spTree>
+      <p:nvGrpSpPr>
+        <p:cNvPr id="1" name=""/>
+        <p:cNvGrpSpPr/>
+        <p:nvPr/>
+      </p:nvGrpSpPr>
+      <p:grpSpPr>
+        <a:xfrm>
+          <a:off x="0" y="0"/>
+          <a:ext cx="0" cy="0"/>
+          <a:chOff x="0" y="0"/>
+          <a:chExt cx="0" cy="0"/>
+        </a:xfrm>
+      </p:grpSpPr>
+      <p:sp>
+        <p:nvSpPr>
+          <p:cNvPr id="2" name="Title 1"/>
+          <p:cNvSpPr>
+            <a:spLocks noGrp="1"/>
+          </p:cNvSpPr>
+          <p:nvPr>
+            <p:ph type="title"/>
+          </p:nvPr>
+        </p:nvSpPr>
+        <p:spPr>
+          <a:xfrm>
+            <a:off x="457200" y="44624"/>
+            <a:ext cx="7620000" cy="1143000"/>
+          </a:xfrm>
+        </p:spPr>
+        <p:txBody>
+          <a:bodyPr/>
+          <a:lstStyle/>
+          <a:p>
+            <a:r>
+              <a:rPr lang="pl-PL" sz="4000" dirty="0" smtClean="0">
+                <a:effectLst>
+                  <a:outerShdw blurRad="38100" dist="38100" dir="2700000" algn="tl">
+                    <a:srgbClr val="000000">
+                      <a:alpha val="43137"/>
+                    </a:srgbClr>
+                  </a:outerShdw>
+                </a:effectLst>
+              </a:rPr>
+              <a:t>Architektura CQRS: działanie</a:t>
+            </a:r>
+            <a:endParaRPr lang="pl-PL" sz="4000" dirty="0">
+              <a:effectLst>
+                <a:outerShdw blurRad="38100" dist="38100" dir="2700000" algn="tl">
+                  <a:srgbClr val="000000">
+                    <a:alpha val="43137"/>
+                  </a:srgbClr>
+                </a:outerShdw>
+              </a:effectLst>
+            </a:endParaRPr>
+          </a:p>
+        </p:txBody>
+      </p:sp>
+      <p:sp>
+        <p:nvSpPr>
+          <p:cNvPr id="6" name="Footer Placeholder 7"/>
+          <p:cNvSpPr>
+            <a:spLocks noGrp="1"/>
+          </p:cNvSpPr>
+          <p:nvPr>
+            <p:ph type="ftr" sz="quarter" idx="11"/>
+          </p:nvPr>
+        </p:nvSpPr>
+        <p:spPr>
+          <a:xfrm rot="5400000">
+            <a:off x="6951124" y="1841964"/>
+            <a:ext cx="3672408" cy="365760"/>
+          </a:xfrm>
+        </p:spPr>
+        <p:txBody>
+          <a:bodyPr/>
+          <a:lstStyle/>
+          <a:p>
+            <a:pPr algn="l"/>
+            <a:r>
+              <a:rPr lang="pl-PL" sz="1600" dirty="0">
+                <a:effectLst>
+                  <a:outerShdw blurRad="38100" dist="38100" dir="2700000" algn="tl">
+                    <a:srgbClr val="000000">
+                      <a:alpha val="43137"/>
+                    </a:srgbClr>
+                  </a:outerShdw>
+                </a:effectLst>
+              </a:rPr>
+              <a:t>Obrona pracy magisterskiej</a:t>
+            </a:r>
+            <a:endParaRPr lang="pl-PL" sz="1600" dirty="0">
+              <a:effectLst>
+                <a:outerShdw blurRad="38100" dist="38100" dir="2700000" algn="tl">
+                  <a:srgbClr val="000000">
+                    <a:alpha val="43137"/>
+                  </a:srgbClr>
+                </a:outerShdw>
+              </a:effectLst>
+            </a:endParaRPr>
+          </a:p>
+        </p:txBody>
+      </p:sp>
+      <p:sp>
+        <p:nvSpPr>
+          <p:cNvPr id="5" name="Slide Number Placeholder 4"/>
+          <p:cNvSpPr>
+            <a:spLocks noGrp="1"/>
+          </p:cNvSpPr>
+          <p:nvPr>
+            <p:ph type="sldNum" sz="quarter" idx="12"/>
+          </p:nvPr>
+        </p:nvSpPr>
+        <p:spPr/>
+        <p:txBody>
+          <a:bodyPr/>
+          <a:lstStyle/>
+          <a:p>
+            <a:fld id="{A9560CCA-E071-4361-AF3D-B0CE296716D1}" type="slidenum">
+              <a:rPr lang="pl-PL" smtClean="0"/>
+              <a:t>4</a:t>
+            </a:fld>
+            <a:endParaRPr lang="pl-PL"/>
+          </a:p>
+        </p:txBody>
+      </p:sp>
+      <p:pic>
+        <p:nvPicPr>
+          <p:cNvPr id="7" name="Picture 6"/>
+          <p:cNvPicPr>
+            <a:picLocks noChangeAspect="1"/>
+          </p:cNvPicPr>
+          <p:nvPr/>
+        </p:nvPicPr>
+        <p:blipFill>
+          <a:blip r:embed="rId2">
+            <a:extLst>
+              <a:ext uri="{28A0092B-C50C-407E-A947-70E740481C1C}">
+                <a14:useLocalDpi xmlns:a14="http://schemas.microsoft.com/office/drawing/2010/main" val="0"/>
+              </a:ext>
+            </a:extLst>
+          </a:blip>
+          <a:stretch>
+            <a:fillRect/>
+          </a:stretch>
+        </p:blipFill>
+        <p:spPr>
+          <a:xfrm>
+            <a:off x="755655" y="1202009"/>
+            <a:ext cx="6912689" cy="5035303"/>
+          </a:xfrm>
+          <a:prstGeom prst="rect">
+            <a:avLst/>
+          </a:prstGeom>
+        </p:spPr>
+      </p:pic>
+    </p:spTree>
+    <p:extLst>
+      <p:ext uri="{BB962C8B-B14F-4D97-AF65-F5344CB8AC3E}">
+        <p14:creationId xmlns:p14="http://schemas.microsoft.com/office/powerpoint/2010/main" val="55212824"/>
+      </p:ext>
+    </p:extLst>
+  </p:cSld>
+  <p:clrMapOvr>
+    <a:masterClrMapping/>
+  </p:clrMapOvr>
+  <p:timing>
+    <p:tnLst>
+      <p:par>
+        <p:cTn id="1" dur="indefinite" restart="never" nodeType="tmRoot"/>
+      </p:par>
+    </p:tnLst>
+  </p:timing>
+</p:sld>
+</file>
+
+<file path=ppt/slides/slide5.xml><?xml version="1.0" encoding="utf-8"?>
+<p:sld xmlns:a="http://schemas.openxmlformats.org/drawingml/2006/main" xmlns:r="http://schemas.openxmlformats.org/officeDocument/2006/relationships" xmlns:p="http://schemas.openxmlformats.org/presentationml/2006/main">
+  <p:cSld>
+    <p:spTree>
+      <p:nvGrpSpPr>
+        <p:cNvPr id="1" name=""/>
+        <p:cNvGrpSpPr/>
+        <p:nvPr/>
+      </p:nvGrpSpPr>
+      <p:grpSpPr>
+        <a:xfrm>
+          <a:off x="0" y="0"/>
+          <a:ext cx="0" cy="0"/>
+          <a:chOff x="0" y="0"/>
+          <a:chExt cx="0" cy="0"/>
+        </a:xfrm>
+      </p:grpSpPr>
+      <p:sp>
+        <p:nvSpPr>
+          <p:cNvPr id="2" name="Title 1"/>
+          <p:cNvSpPr>
+            <a:spLocks noGrp="1"/>
+          </p:cNvSpPr>
+          <p:nvPr>
+            <p:ph type="title"/>
+          </p:nvPr>
+        </p:nvSpPr>
+        <p:spPr>
+          <a:xfrm>
+            <a:off x="457200" y="44624"/>
+            <a:ext cx="7620000" cy="1143000"/>
+          </a:xfrm>
+        </p:spPr>
+        <p:txBody>
+          <a:bodyPr/>
+          <a:lstStyle/>
+          <a:p>
+            <a:r>
+              <a:rPr lang="pl-PL" sz="4000" dirty="0" smtClean="0">
+                <a:effectLst>
+                  <a:outerShdw blurRad="38100" dist="38100" dir="2700000" algn="tl">
+                    <a:srgbClr val="000000">
+                      <a:alpha val="43137"/>
+                    </a:srgbClr>
+                  </a:outerShdw>
+                </a:effectLst>
+              </a:rPr>
+              <a:t>Architektura CQRS: zalety</a:t>
+            </a:r>
+            <a:endParaRPr lang="pl-PL" sz="4000" dirty="0">
+              <a:effectLst>
+                <a:outerShdw blurRad="38100" dist="38100" dir="2700000" algn="tl">
+                  <a:srgbClr val="000000">
+                    <a:alpha val="43137"/>
+                  </a:srgbClr>
+                </a:outerShdw>
+              </a:effectLst>
+            </a:endParaRPr>
+          </a:p>
+        </p:txBody>
+      </p:sp>
+      <p:sp>
+        <p:nvSpPr>
+          <p:cNvPr id="3" name="Content Placeholder 2"/>
+          <p:cNvSpPr>
+            <a:spLocks noGrp="1"/>
+          </p:cNvSpPr>
+          <p:nvPr>
+            <p:ph idx="1"/>
+          </p:nvPr>
+        </p:nvSpPr>
+        <p:spPr>
+          <a:xfrm>
+            <a:off x="467544" y="1196752"/>
+            <a:ext cx="7620000" cy="5400600"/>
+          </a:xfrm>
+        </p:spPr>
+        <p:txBody>
+          <a:bodyPr>
+            <a:normAutofit/>
+          </a:bodyPr>
+          <a:lstStyle/>
+          <a:p>
+            <a:r>
+              <a:rPr lang="pl-PL" dirty="0"/>
+              <a:t>S</a:t>
+            </a:r>
+            <a:r>
+              <a:rPr lang="pl-PL" dirty="0" smtClean="0"/>
+              <a:t>komplikowana </a:t>
+            </a:r>
+            <a:r>
+              <a:rPr lang="pl-PL" dirty="0"/>
+              <a:t>dziedzina aplikacji </a:t>
+            </a:r>
+            <a:r>
+              <a:rPr lang="pl-PL" dirty="0" smtClean="0"/>
+              <a:t>może być </a:t>
+            </a:r>
+            <a:r>
+              <a:rPr lang="pl-PL" dirty="0"/>
+              <a:t>podzielona na dwie prostsze dziedziny, co ułatwia jej </a:t>
+            </a:r>
+            <a:r>
+              <a:rPr lang="pl-PL" dirty="0" smtClean="0"/>
+              <a:t>zrozumienie.</a:t>
+            </a:r>
+          </a:p>
+          <a:p>
+            <a:r>
+              <a:rPr lang="pl-PL" dirty="0" smtClean="0"/>
+              <a:t>Zapytania </a:t>
+            </a:r>
+            <a:r>
+              <a:rPr lang="pl-PL" dirty="0"/>
+              <a:t>i komendy </a:t>
+            </a:r>
+            <a:r>
+              <a:rPr lang="pl-PL" dirty="0" smtClean="0"/>
+              <a:t>mogą być </a:t>
+            </a:r>
+            <a:r>
+              <a:rPr lang="pl-PL" dirty="0"/>
+              <a:t>wykonywane równolegle, co poprawia </a:t>
+            </a:r>
+            <a:r>
+              <a:rPr lang="pl-PL" dirty="0" smtClean="0"/>
+              <a:t>wydajność aplikacji</a:t>
+            </a:r>
+            <a:r>
+              <a:rPr lang="pl-PL" dirty="0"/>
+              <a:t>.</a:t>
+            </a:r>
+            <a:endParaRPr lang="pl-PL" dirty="0" smtClean="0"/>
+          </a:p>
+          <a:p>
+            <a:r>
+              <a:rPr lang="pl-PL" dirty="0" smtClean="0"/>
+              <a:t>Zapytania są </a:t>
+            </a:r>
+            <a:r>
+              <a:rPr lang="pl-PL" dirty="0"/>
+              <a:t>wykonywane na specjalnie przygotowanych dla nich </a:t>
+            </a:r>
+            <a:r>
+              <a:rPr lang="pl-PL" dirty="0" smtClean="0"/>
+              <a:t>danych, </a:t>
+            </a:r>
+            <a:r>
+              <a:rPr lang="pl-PL" dirty="0"/>
+              <a:t>co ma bardzo pozytywny wpływ na </a:t>
+            </a:r>
+            <a:r>
+              <a:rPr lang="pl-PL" dirty="0" smtClean="0"/>
+              <a:t>wydajność.</a:t>
+            </a:r>
+          </a:p>
+          <a:p>
+            <a:r>
+              <a:rPr lang="pl-PL" dirty="0" smtClean="0"/>
+              <a:t>Architektura CQRS dobrze współgra z wzorcem EventSourcing i bazami danych typu NoSQL.</a:t>
+            </a:r>
+          </a:p>
+        </p:txBody>
+      </p:sp>
+      <p:sp>
+        <p:nvSpPr>
+          <p:cNvPr id="6" name="Footer Placeholder 7"/>
+          <p:cNvSpPr>
+            <a:spLocks noGrp="1"/>
+          </p:cNvSpPr>
+          <p:nvPr>
+            <p:ph type="ftr" sz="quarter" idx="11"/>
+          </p:nvPr>
+        </p:nvSpPr>
+        <p:spPr>
+          <a:xfrm rot="5400000">
+            <a:off x="6951124" y="1841964"/>
+            <a:ext cx="3672408" cy="365760"/>
+          </a:xfrm>
+        </p:spPr>
+        <p:txBody>
+          <a:bodyPr/>
+          <a:lstStyle/>
+          <a:p>
+            <a:pPr algn="l"/>
+            <a:r>
+              <a:rPr lang="pl-PL" sz="1600" dirty="0">
+                <a:effectLst>
+                  <a:outerShdw blurRad="38100" dist="38100" dir="2700000" algn="tl">
+                    <a:srgbClr val="000000">
+                      <a:alpha val="43137"/>
+                    </a:srgbClr>
+                  </a:outerShdw>
+                </a:effectLst>
+              </a:rPr>
+              <a:t>Obrona pracy magisterskiej</a:t>
+            </a:r>
+            <a:endParaRPr lang="pl-PL" sz="1600" dirty="0">
+              <a:effectLst>
+                <a:outerShdw blurRad="38100" dist="38100" dir="2700000" algn="tl">
+                  <a:srgbClr val="000000">
+                    <a:alpha val="43137"/>
+                  </a:srgbClr>
+                </a:outerShdw>
+              </a:effectLst>
+            </a:endParaRPr>
+          </a:p>
+        </p:txBody>
+      </p:sp>
+      <p:sp>
+        <p:nvSpPr>
+          <p:cNvPr id="5" name="Slide Number Placeholder 4"/>
+          <p:cNvSpPr>
+            <a:spLocks noGrp="1"/>
+          </p:cNvSpPr>
+          <p:nvPr>
+            <p:ph type="sldNum" sz="quarter" idx="12"/>
+          </p:nvPr>
+        </p:nvSpPr>
+        <p:spPr/>
+        <p:txBody>
+          <a:bodyPr/>
+          <a:lstStyle/>
+          <a:p>
+            <a:fld id="{A9560CCA-E071-4361-AF3D-B0CE296716D1}" type="slidenum">
+              <a:rPr lang="pl-PL" smtClean="0"/>
+              <a:t>5</a:t>
+            </a:fld>
+            <a:endParaRPr lang="pl-PL"/>
+          </a:p>
+        </p:txBody>
+      </p:sp>
+    </p:spTree>
+    <p:extLst>
+      <p:ext uri="{BB962C8B-B14F-4D97-AF65-F5344CB8AC3E}">
+        <p14:creationId xmlns:p14="http://schemas.microsoft.com/office/powerpoint/2010/main" val="1931032679"/>
+      </p:ext>
+    </p:extLst>
+  </p:cSld>
+  <p:clrMapOvr>
+    <a:masterClrMapping/>
+  </p:clrMapOvr>
+  <p:timing>
+    <p:tnLst>
+      <p:par>
+        <p:cTn id="1" dur="indefinite" restart="never" nodeType="tmRoot"/>
+      </p:par>
+    </p:tnLst>
+  </p:timing>
+</p:sld>
+</file>
+
+<file path=ppt/slides/slide6.xml><?xml version="1.0" encoding="utf-8"?>
+<p:sld xmlns:a="http://schemas.openxmlformats.org/drawingml/2006/main" xmlns:r="http://schemas.openxmlformats.org/officeDocument/2006/relationships" xmlns:p="http://schemas.openxmlformats.org/presentationml/2006/main">
+  <p:cSld>
+    <p:spTree>
+      <p:nvGrpSpPr>
+        <p:cNvPr id="1" name=""/>
+        <p:cNvGrpSpPr/>
+        <p:nvPr/>
+      </p:nvGrpSpPr>
+      <p:grpSpPr>
+        <a:xfrm>
+          <a:off x="0" y="0"/>
+          <a:ext cx="0" cy="0"/>
+          <a:chOff x="0" y="0"/>
+          <a:chExt cx="0" cy="0"/>
+        </a:xfrm>
+      </p:grpSpPr>
+      <p:sp>
+        <p:nvSpPr>
+          <p:cNvPr id="2" name="Title 1"/>
+          <p:cNvSpPr>
+            <a:spLocks noGrp="1"/>
+          </p:cNvSpPr>
+          <p:nvPr>
+            <p:ph type="title"/>
+          </p:nvPr>
+        </p:nvSpPr>
+        <p:spPr>
+          <a:xfrm>
+            <a:off x="457200" y="44624"/>
+            <a:ext cx="7620000" cy="1143000"/>
+          </a:xfrm>
+        </p:spPr>
+        <p:txBody>
+          <a:bodyPr/>
+          <a:lstStyle/>
+          <a:p>
+            <a:r>
+              <a:rPr lang="pl-PL" sz="4000" dirty="0" smtClean="0">
+                <a:effectLst>
+                  <a:outerShdw blurRad="38100" dist="38100" dir="2700000" algn="tl">
+                    <a:srgbClr val="000000">
+                      <a:alpha val="43137"/>
+                    </a:srgbClr>
+                  </a:outerShdw>
+                </a:effectLst>
+              </a:rPr>
+              <a:t>Architektura CQRS: wady</a:t>
+            </a:r>
+            <a:endParaRPr lang="pl-PL" sz="4000" dirty="0">
+              <a:effectLst>
+                <a:outerShdw blurRad="38100" dist="38100" dir="2700000" algn="tl">
+                  <a:srgbClr val="000000">
+                    <a:alpha val="43137"/>
+                  </a:srgbClr>
+                </a:outerShdw>
+              </a:effectLst>
+            </a:endParaRPr>
+          </a:p>
+        </p:txBody>
+      </p:sp>
+      <p:sp>
+        <p:nvSpPr>
+          <p:cNvPr id="3" name="Content Placeholder 2"/>
+          <p:cNvSpPr>
+            <a:spLocks noGrp="1"/>
+          </p:cNvSpPr>
+          <p:nvPr>
+            <p:ph idx="1"/>
+          </p:nvPr>
+        </p:nvSpPr>
+        <p:spPr>
+          <a:xfrm>
+            <a:off x="467544" y="1196752"/>
+            <a:ext cx="7620000" cy="5400600"/>
+          </a:xfrm>
+        </p:spPr>
+        <p:txBody>
+          <a:bodyPr>
+            <a:normAutofit/>
+          </a:bodyPr>
+          <a:lstStyle/>
+          <a:p>
+            <a:r>
+              <a:rPr lang="pl-PL" b="1" dirty="0"/>
+              <a:t>Aby każde zapytanie mogło być obsłużone jak najszybciej, model zapytań musi być w dużym stopniu zdenormalizowany</a:t>
+            </a:r>
+            <a:r>
+              <a:rPr lang="pl-PL" b="1" dirty="0" smtClean="0"/>
+              <a:t>.</a:t>
+            </a:r>
+          </a:p>
+          <a:p>
+            <a:r>
+              <a:rPr lang="pl-PL" b="1" dirty="0" smtClean="0"/>
+              <a:t>Zarządzanie dwoma modelami tej samej dziedziny może sprawiać problemy.</a:t>
+            </a:r>
+          </a:p>
+          <a:p>
+            <a:r>
+              <a:rPr lang="pl-PL" dirty="0" smtClean="0"/>
+              <a:t>Synchronizacja </a:t>
+            </a:r>
+            <a:r>
+              <a:rPr lang="pl-PL" dirty="0"/>
+              <a:t>obu modeli może być kłopotliwa</a:t>
+            </a:r>
+            <a:r>
+              <a:rPr lang="pl-PL" dirty="0" smtClean="0"/>
+              <a:t>.</a:t>
+            </a:r>
+            <a:endParaRPr lang="pl-PL" dirty="0"/>
+          </a:p>
+        </p:txBody>
+      </p:sp>
+      <p:sp>
+        <p:nvSpPr>
+          <p:cNvPr id="6" name="Footer Placeholder 7"/>
+          <p:cNvSpPr>
+            <a:spLocks noGrp="1"/>
+          </p:cNvSpPr>
+          <p:nvPr>
+            <p:ph type="ftr" sz="quarter" idx="11"/>
+          </p:nvPr>
+        </p:nvSpPr>
+        <p:spPr>
+          <a:xfrm rot="5400000">
+            <a:off x="6951124" y="1841964"/>
+            <a:ext cx="3672408" cy="365760"/>
+          </a:xfrm>
+        </p:spPr>
+        <p:txBody>
+          <a:bodyPr/>
+          <a:lstStyle/>
+          <a:p>
+            <a:pPr algn="l"/>
+            <a:r>
+              <a:rPr lang="pl-PL" sz="1600" dirty="0">
+                <a:effectLst>
+                  <a:outerShdw blurRad="38100" dist="38100" dir="2700000" algn="tl">
+                    <a:srgbClr val="000000">
+                      <a:alpha val="43137"/>
+                    </a:srgbClr>
+                  </a:outerShdw>
+                </a:effectLst>
+              </a:rPr>
+              <a:t>Obrona pracy magisterskiej</a:t>
+            </a:r>
+            <a:endParaRPr lang="pl-PL" sz="1600" dirty="0">
+              <a:effectLst>
+                <a:outerShdw blurRad="38100" dist="38100" dir="2700000" algn="tl">
+                  <a:srgbClr val="000000">
+                    <a:alpha val="43137"/>
+                  </a:srgbClr>
+                </a:outerShdw>
+              </a:effectLst>
+            </a:endParaRPr>
+          </a:p>
+        </p:txBody>
+      </p:sp>
+      <p:sp>
+        <p:nvSpPr>
+          <p:cNvPr id="5" name="Slide Number Placeholder 4"/>
+          <p:cNvSpPr>
+            <a:spLocks noGrp="1"/>
+          </p:cNvSpPr>
+          <p:nvPr>
+            <p:ph type="sldNum" sz="quarter" idx="12"/>
+          </p:nvPr>
+        </p:nvSpPr>
+        <p:spPr/>
+        <p:txBody>
+          <a:bodyPr/>
+          <a:lstStyle/>
+          <a:p>
+            <a:fld id="{A9560CCA-E071-4361-AF3D-B0CE296716D1}" type="slidenum">
+              <a:rPr lang="pl-PL" smtClean="0"/>
+              <a:t>6</a:t>
+            </a:fld>
+            <a:endParaRPr lang="pl-PL"/>
+          </a:p>
+        </p:txBody>
+      </p:sp>
+    </p:spTree>
+    <p:extLst>
+      <p:ext uri="{BB962C8B-B14F-4D97-AF65-F5344CB8AC3E}">
+        <p14:creationId xmlns:p14="http://schemas.microsoft.com/office/powerpoint/2010/main" val="3184645920"/>
+      </p:ext>
+    </p:extLst>
+  </p:cSld>
+  <p:clrMapOvr>
+    <a:masterClrMapping/>
+  </p:clrMapOvr>
+  <p:timing>
+    <p:tnLst>
+      <p:par>
+        <p:cTn id="1" dur="indefinite" restart="never" nodeType="tmRoot"/>
+      </p:par>
+    </p:tnLst>
+  </p:timing>
+</p:sld>
+</file>
+
+<file path=ppt/slides/slide7.xml><?xml version="1.0" encoding="utf-8"?>
+<p:sld xmlns:a="http://schemas.openxmlformats.org/drawingml/2006/main" xmlns:r="http://schemas.openxmlformats.org/officeDocument/2006/relationships" xmlns:p="http://schemas.openxmlformats.org/presentationml/2006/main">
+  <p:cSld>
+    <p:spTree>
+      <p:nvGrpSpPr>
+        <p:cNvPr id="1" name=""/>
+        <p:cNvGrpSpPr/>
+        <p:nvPr/>
+      </p:nvGrpSpPr>
+      <p:grpSpPr>
+        <a:xfrm>
+          <a:off x="0" y="0"/>
+          <a:ext cx="0" cy="0"/>
+          <a:chOff x="0" y="0"/>
+          <a:chExt cx="0" cy="0"/>
+        </a:xfrm>
+      </p:grpSpPr>
+      <p:sp>
+        <p:nvSpPr>
+          <p:cNvPr id="2" name="Title 1"/>
+          <p:cNvSpPr>
+            <a:spLocks noGrp="1"/>
+          </p:cNvSpPr>
+          <p:nvPr>
+            <p:ph type="title"/>
+          </p:nvPr>
+        </p:nvSpPr>
+        <p:spPr>
+          <a:xfrm>
+            <a:off x="457200" y="44624"/>
+            <a:ext cx="7620000" cy="1143000"/>
+          </a:xfrm>
+        </p:spPr>
+        <p:txBody>
+          <a:bodyPr/>
+          <a:lstStyle/>
+          <a:p>
+            <a:r>
+              <a:rPr lang="pl-PL" sz="4000" dirty="0" smtClean="0">
+                <a:effectLst>
+                  <a:outerShdw blurRad="38100" dist="38100" dir="2700000" algn="tl">
+                    <a:srgbClr val="000000">
+                      <a:alpha val="43137"/>
+                    </a:srgbClr>
+                  </a:outerShdw>
+                </a:effectLst>
+              </a:rPr>
+              <a:t>Problem</a:t>
+            </a:r>
+            <a:endParaRPr lang="pl-PL" sz="4000" dirty="0">
+              <a:effectLst>
+                <a:outerShdw blurRad="38100" dist="38100" dir="2700000" algn="tl">
+                  <a:srgbClr val="000000">
+                    <a:alpha val="43137"/>
+                  </a:srgbClr>
+                </a:outerShdw>
+              </a:effectLst>
+            </a:endParaRPr>
+          </a:p>
+        </p:txBody>
+      </p:sp>
+      <p:sp>
+        <p:nvSpPr>
+          <p:cNvPr id="3" name="Content Placeholder 2"/>
+          <p:cNvSpPr>
+            <a:spLocks noGrp="1"/>
+          </p:cNvSpPr>
+          <p:nvPr>
+            <p:ph idx="1"/>
+          </p:nvPr>
+        </p:nvSpPr>
+        <p:spPr>
+          <a:xfrm>
+            <a:off x="467544" y="1196752"/>
+            <a:ext cx="7620000" cy="5400600"/>
+          </a:xfrm>
+        </p:spPr>
+        <p:txBody>
+          <a:bodyPr>
+            <a:normAutofit/>
+          </a:bodyPr>
+          <a:lstStyle/>
+          <a:p>
+            <a:r>
+              <a:rPr lang="pl-PL" sz="3200" dirty="0">
+                <a:effectLst>
+                  <a:outerShdw blurRad="38100" dist="38100" dir="2700000" algn="tl">
+                    <a:srgbClr val="000000">
+                      <a:alpha val="43137"/>
+                    </a:srgbClr>
+                  </a:outerShdw>
+                </a:effectLst>
+              </a:rPr>
+              <a:t>Aby każde zapytanie mogło być obsłużone jak najszybciej, model zapytań musi być w dużym stopniu zdenormalizowany</a:t>
+            </a:r>
+            <a:r>
+              <a:rPr lang="pl-PL" sz="3200" dirty="0" smtClean="0">
+                <a:effectLst>
+                  <a:outerShdw blurRad="38100" dist="38100" dir="2700000" algn="tl">
+                    <a:srgbClr val="000000">
+                      <a:alpha val="43137"/>
+                    </a:srgbClr>
+                  </a:outerShdw>
+                </a:effectLst>
+              </a:rPr>
+              <a:t>.</a:t>
+            </a:r>
+          </a:p>
+          <a:p>
+            <a:r>
+              <a:rPr lang="pl-PL" sz="3200" dirty="0" smtClean="0">
+                <a:effectLst>
+                  <a:outerShdw blurRad="38100" dist="38100" dir="2700000" algn="tl">
+                    <a:srgbClr val="000000">
+                      <a:alpha val="43137"/>
+                    </a:srgbClr>
+                  </a:outerShdw>
+                </a:effectLst>
+              </a:rPr>
+              <a:t>Zarządzanie dwoma modelami tej samej dziedziny może sprawiać problemy.</a:t>
+            </a:r>
+          </a:p>
+        </p:txBody>
+      </p:sp>
+      <p:sp>
+        <p:nvSpPr>
+          <p:cNvPr id="6" name="Footer Placeholder 7"/>
+          <p:cNvSpPr>
+            <a:spLocks noGrp="1"/>
+          </p:cNvSpPr>
+          <p:nvPr>
+            <p:ph type="ftr" sz="quarter" idx="11"/>
+          </p:nvPr>
+        </p:nvSpPr>
+        <p:spPr>
+          <a:xfrm rot="5400000">
+            <a:off x="6951124" y="1841964"/>
+            <a:ext cx="3672408" cy="365760"/>
+          </a:xfrm>
+        </p:spPr>
+        <p:txBody>
+          <a:bodyPr/>
+          <a:lstStyle/>
+          <a:p>
+            <a:pPr algn="l"/>
+            <a:r>
+              <a:rPr lang="pl-PL" sz="1600" dirty="0">
+                <a:effectLst>
+                  <a:outerShdw blurRad="38100" dist="38100" dir="2700000" algn="tl">
+                    <a:srgbClr val="000000">
+                      <a:alpha val="43137"/>
+                    </a:srgbClr>
+                  </a:outerShdw>
+                </a:effectLst>
+              </a:rPr>
+              <a:t>Obrona pracy magisterskiej</a:t>
+            </a:r>
+            <a:endParaRPr lang="pl-PL" sz="1600" dirty="0">
+              <a:effectLst>
+                <a:outerShdw blurRad="38100" dist="38100" dir="2700000" algn="tl">
+                  <a:srgbClr val="000000">
+                    <a:alpha val="43137"/>
+                  </a:srgbClr>
+                </a:outerShdw>
+              </a:effectLst>
+            </a:endParaRPr>
+          </a:p>
+        </p:txBody>
+      </p:sp>
+      <p:sp>
+        <p:nvSpPr>
+          <p:cNvPr id="5" name="Slide Number Placeholder 4"/>
+          <p:cNvSpPr>
+            <a:spLocks noGrp="1"/>
+          </p:cNvSpPr>
+          <p:nvPr>
+            <p:ph type="sldNum" sz="quarter" idx="12"/>
+          </p:nvPr>
+        </p:nvSpPr>
+        <p:spPr/>
+        <p:txBody>
+          <a:bodyPr/>
+          <a:lstStyle/>
+          <a:p>
+            <a:fld id="{A9560CCA-E071-4361-AF3D-B0CE296716D1}" type="slidenum">
+              <a:rPr lang="pl-PL" smtClean="0"/>
+              <a:t>7</a:t>
+            </a:fld>
+            <a:endParaRPr lang="pl-PL"/>
+          </a:p>
+        </p:txBody>
+      </p:sp>
+    </p:spTree>
+    <p:extLst>
+      <p:ext uri="{BB962C8B-B14F-4D97-AF65-F5344CB8AC3E}">
+        <p14:creationId xmlns:p14="http://schemas.microsoft.com/office/powerpoint/2010/main" val="1779463766"/>
+      </p:ext>
+    </p:extLst>
+  </p:cSld>
+  <p:clrMapOvr>
+    <a:masterClrMapping/>
+  </p:clrMapOvr>
+  <p:timing>
+    <p:tnLst>
+      <p:par>
+        <p:cTn id="1" dur="indefinite" restart="never" nodeType="tmRoot"/>
+      </p:par>
+    </p:tnLst>
+  </p:timing>
+</p:sld>
+</file>
+
+<file path=ppt/slides/slide8.xml><?xml version="1.0" encoding="utf-8"?>
+<p:sld xmlns:a="http://schemas.openxmlformats.org/drawingml/2006/main" xmlns:r="http://schemas.openxmlformats.org/officeDocument/2006/relationships" xmlns:p="http://schemas.openxmlformats.org/presentationml/2006/main">
+  <p:cSld>
+    <p:spTree>
+      <p:nvGrpSpPr>
+        <p:cNvPr id="1" name=""/>
+        <p:cNvGrpSpPr/>
+        <p:nvPr/>
+      </p:nvGrpSpPr>
+      <p:grpSpPr>
+        <a:xfrm>
+          <a:off x="0" y="0"/>
+          <a:ext cx="0" cy="0"/>
+          <a:chOff x="0" y="0"/>
+          <a:chExt cx="0" cy="0"/>
+        </a:xfrm>
+      </p:grpSpPr>
+      <p:sp>
+        <p:nvSpPr>
+          <p:cNvPr id="2" name="Title 1"/>
+          <p:cNvSpPr>
+            <a:spLocks noGrp="1"/>
+          </p:cNvSpPr>
+          <p:nvPr>
+            <p:ph type="title"/>
+          </p:nvPr>
+        </p:nvSpPr>
+        <p:spPr>
+          <a:xfrm>
+            <a:off x="457200" y="44624"/>
+            <a:ext cx="7620000" cy="1143000"/>
+          </a:xfrm>
+        </p:spPr>
+        <p:txBody>
+          <a:bodyPr/>
+          <a:lstStyle/>
+          <a:p>
+            <a:r>
+              <a:rPr lang="pl-PL" sz="4000" dirty="0" smtClean="0">
+                <a:effectLst>
+                  <a:outerShdw blurRad="38100" dist="38100" dir="2700000" algn="tl">
+                    <a:srgbClr val="000000">
+                      <a:alpha val="43137"/>
+                    </a:srgbClr>
+                  </a:outerShdw>
+                </a:effectLst>
+              </a:rPr>
+              <a:t>Zaproponowane rozwiązanie</a:t>
+            </a:r>
+            <a:endParaRPr lang="pl-PL" sz="4000" dirty="0">
+              <a:effectLst>
+                <a:outerShdw blurRad="38100" dist="38100" dir="2700000" algn="tl">
+                  <a:srgbClr val="000000">
+                    <a:alpha val="43137"/>
+                  </a:srgbClr>
+                </a:outerShdw>
+              </a:effectLst>
+            </a:endParaRPr>
+          </a:p>
+        </p:txBody>
+      </p:sp>
+      <p:sp>
+        <p:nvSpPr>
+          <p:cNvPr id="3" name="Content Placeholder 2"/>
+          <p:cNvSpPr>
+            <a:spLocks noGrp="1"/>
+          </p:cNvSpPr>
+          <p:nvPr>
+            <p:ph idx="1"/>
+          </p:nvPr>
+        </p:nvSpPr>
+        <p:spPr>
+          <a:xfrm>
+            <a:off x="467544" y="1196752"/>
+            <a:ext cx="7620000" cy="5400600"/>
+          </a:xfrm>
+        </p:spPr>
+        <p:txBody>
+          <a:bodyPr>
+            <a:normAutofit/>
+          </a:bodyPr>
+          <a:lstStyle/>
+          <a:p>
+            <a:r>
+              <a:rPr lang="pl-PL" sz="2400" dirty="0" smtClean="0"/>
+              <a:t>[TODO]</a:t>
+            </a:r>
+          </a:p>
+          <a:p>
+            <a:r>
+              <a:rPr lang="pl-PL" sz="2400" dirty="0" smtClean="0"/>
+              <a:t>Generator</a:t>
+            </a:r>
+          </a:p>
+          <a:p>
+            <a:r>
+              <a:rPr lang="pl-PL" dirty="0" smtClean="0"/>
+              <a:t>DSL</a:t>
+            </a:r>
+          </a:p>
+          <a:p>
+            <a:r>
+              <a:rPr lang="pl-PL" dirty="0" smtClean="0"/>
+              <a:t>elastyczność</a:t>
+            </a:r>
+            <a:endParaRPr lang="pl-PL" dirty="0" smtClean="0"/>
+          </a:p>
+        </p:txBody>
+      </p:sp>
+      <p:sp>
+        <p:nvSpPr>
+          <p:cNvPr id="6" name="Footer Placeholder 7"/>
+          <p:cNvSpPr>
+            <a:spLocks noGrp="1"/>
+          </p:cNvSpPr>
+          <p:nvPr>
+            <p:ph type="ftr" sz="quarter" idx="11"/>
+          </p:nvPr>
+        </p:nvSpPr>
+        <p:spPr>
+          <a:xfrm rot="5400000">
+            <a:off x="6951124" y="1841964"/>
+            <a:ext cx="3672408" cy="365760"/>
+          </a:xfrm>
+        </p:spPr>
+        <p:txBody>
+          <a:bodyPr/>
+          <a:lstStyle/>
+          <a:p>
+            <a:pPr algn="l"/>
+            <a:r>
+              <a:rPr lang="pl-PL" sz="1600" dirty="0">
+                <a:effectLst>
+                  <a:outerShdw blurRad="38100" dist="38100" dir="2700000" algn="tl">
+                    <a:srgbClr val="000000">
+                      <a:alpha val="43137"/>
+                    </a:srgbClr>
+                  </a:outerShdw>
+                </a:effectLst>
+              </a:rPr>
+              <a:t>Obrona pracy magisterskiej</a:t>
+            </a:r>
+            <a:endParaRPr lang="pl-PL" sz="1600" dirty="0">
+              <a:effectLst>
+                <a:outerShdw blurRad="38100" dist="38100" dir="2700000" algn="tl">
+                  <a:srgbClr val="000000">
+                    <a:alpha val="43137"/>
+                  </a:srgbClr>
+                </a:outerShdw>
+              </a:effectLst>
+            </a:endParaRPr>
+          </a:p>
+        </p:txBody>
+      </p:sp>
+      <p:sp>
+        <p:nvSpPr>
+          <p:cNvPr id="5" name="Slide Number Placeholder 4"/>
+          <p:cNvSpPr>
+            <a:spLocks noGrp="1"/>
+          </p:cNvSpPr>
+          <p:nvPr>
+            <p:ph type="sldNum" sz="quarter" idx="12"/>
+          </p:nvPr>
+        </p:nvSpPr>
+        <p:spPr/>
+        <p:txBody>
+          <a:bodyPr/>
+          <a:lstStyle/>
+          <a:p>
+            <a:fld id="{A9560CCA-E071-4361-AF3D-B0CE296716D1}" type="slidenum">
+              <a:rPr lang="pl-PL" smtClean="0"/>
+              <a:t>8</a:t>
+            </a:fld>
+            <a:endParaRPr lang="pl-PL"/>
+          </a:p>
+        </p:txBody>
+      </p:sp>
+    </p:spTree>
+    <p:extLst>
+      <p:ext uri="{BB962C8B-B14F-4D97-AF65-F5344CB8AC3E}">
+        <p14:creationId xmlns:p14="http://schemas.microsoft.com/office/powerpoint/2010/main" val="1872928215"/>
+      </p:ext>
+    </p:extLst>
+  </p:cSld>
+  <p:clrMapOvr>
+    <a:masterClrMapping/>
+  </p:clrMapOvr>
+  <p:timing>
+    <p:tnLst>
+      <p:par>
+        <p:cTn id="1" dur="indefinite" restart="never" nodeType="tmRoot"/>
+      </p:par>
+    </p:tnLst>
+  </p:timing>
+</p:sld>
+</file>
+
+<file path=ppt/slides/slide9.xml><?xml version="1.0" encoding="utf-8"?>
+<p:sld xmlns:a="http://schemas.openxmlformats.org/drawingml/2006/main" xmlns:r="http://schemas.openxmlformats.org/officeDocument/2006/relationships" xmlns:p="http://schemas.openxmlformats.org/presentationml/2006/main">
+  <p:cSld>
+    <p:spTree>
+      <p:nvGrpSpPr>
+        <p:cNvPr id="1" name=""/>
+        <p:cNvGrpSpPr/>
+        <p:nvPr/>
+      </p:nvGrpSpPr>
+      <p:grpSpPr>
+        <a:xfrm>
+          <a:off x="0" y="0"/>
+          <a:ext cx="0" cy="0"/>
+          <a:chOff x="0" y="0"/>
+          <a:chExt cx="0" cy="0"/>
+        </a:xfrm>
+      </p:grpSpPr>
+      <p:sp>
+        <p:nvSpPr>
+          <p:cNvPr id="2" name="Title 1"/>
+          <p:cNvSpPr>
+            <a:spLocks noGrp="1"/>
+          </p:cNvSpPr>
+          <p:nvPr>
+            <p:ph type="title"/>
+          </p:nvPr>
+        </p:nvSpPr>
+        <p:spPr>
+          <a:xfrm>
+            <a:off x="457200" y="44624"/>
+            <a:ext cx="7620000" cy="1143000"/>
+          </a:xfrm>
+        </p:spPr>
+        <p:txBody>
+          <a:bodyPr/>
+          <a:lstStyle/>
+          <a:p>
+            <a:r>
+              <a:rPr lang="pl-PL" sz="4000" dirty="0" smtClean="0">
+                <a:effectLst>
+                  <a:outerShdw blurRad="38100" dist="38100" dir="2700000" algn="tl">
+                    <a:srgbClr val="000000">
+                      <a:alpha val="43137"/>
+                    </a:srgbClr>
+                  </a:outerShdw>
+                </a:effectLst>
+              </a:rPr>
+              <a:t>Działanie generatora</a:t>
+            </a:r>
+            <a:endParaRPr lang="pl-PL" sz="4000" dirty="0">
+              <a:effectLst>
+                <a:outerShdw blurRad="38100" dist="38100" dir="2700000" algn="tl">
+                  <a:srgbClr val="000000">
+                    <a:alpha val="43137"/>
+                  </a:srgbClr>
+                </a:outerShdw>
+              </a:effectLst>
+            </a:endParaRPr>
+          </a:p>
+        </p:txBody>
+      </p:sp>
+      <p:sp>
+        <p:nvSpPr>
+          <p:cNvPr id="3" name="Content Placeholder 2"/>
+          <p:cNvSpPr>
+            <a:spLocks noGrp="1"/>
+          </p:cNvSpPr>
+          <p:nvPr>
+            <p:ph idx="1"/>
+          </p:nvPr>
+        </p:nvSpPr>
+        <p:spPr>
+          <a:xfrm>
+            <a:off x="467544" y="1196752"/>
+            <a:ext cx="7620000" cy="5400600"/>
+          </a:xfrm>
+        </p:spPr>
+        <p:txBody>
+          <a:bodyPr>
+            <a:normAutofit/>
+          </a:bodyPr>
+          <a:lstStyle/>
+          <a:p>
+            <a:r>
+              <a:rPr lang="pl-PL" sz="2400" dirty="0" smtClean="0"/>
+              <a:t>[TODO]</a:t>
+            </a:r>
+            <a:endParaRPr lang="pl-PL" dirty="0" smtClean="0"/>
+          </a:p>
+        </p:txBody>
+      </p:sp>
+      <p:sp>
+        <p:nvSpPr>
+          <p:cNvPr id="6" name="Footer Placeholder 7"/>
+          <p:cNvSpPr>
+            <a:spLocks noGrp="1"/>
+          </p:cNvSpPr>
+          <p:nvPr>
+            <p:ph type="ftr" sz="quarter" idx="11"/>
+          </p:nvPr>
+        </p:nvSpPr>
+        <p:spPr>
+          <a:xfrm rot="5400000">
+            <a:off x="6951124" y="1841964"/>
+            <a:ext cx="3672408" cy="365760"/>
+          </a:xfrm>
+        </p:spPr>
+        <p:txBody>
+          <a:bodyPr/>
+          <a:lstStyle/>
+          <a:p>
+            <a:pPr algn="l"/>
+            <a:r>
+              <a:rPr lang="pl-PL" sz="1600" dirty="0">
+                <a:effectLst>
+                  <a:outerShdw blurRad="38100" dist="38100" dir="2700000" algn="tl">
+                    <a:srgbClr val="000000">
+                      <a:alpha val="43137"/>
+                    </a:srgbClr>
+                  </a:outerShdw>
+                </a:effectLst>
+              </a:rPr>
+              <a:t>Obrona pracy magisterskiej</a:t>
+            </a:r>
+            <a:endParaRPr lang="pl-PL" sz="1600" dirty="0">
+              <a:effectLst>
+                <a:outerShdw blurRad="38100" dist="38100" dir="2700000" algn="tl">
+                  <a:srgbClr val="000000">
+                    <a:alpha val="43137"/>
+                  </a:srgbClr>
+                </a:outerShdw>
+              </a:effectLst>
+            </a:endParaRPr>
+          </a:p>
+        </p:txBody>
+      </p:sp>
+      <p:sp>
+        <p:nvSpPr>
+          <p:cNvPr id="5" name="Slide Number Placeholder 4"/>
+          <p:cNvSpPr>
+            <a:spLocks noGrp="1"/>
+          </p:cNvSpPr>
+          <p:nvPr>
+            <p:ph type="sldNum" sz="quarter" idx="12"/>
+          </p:nvPr>
+        </p:nvSpPr>
+        <p:spPr/>
+        <p:txBody>
+          <a:bodyPr/>
+          <a:lstStyle/>
+          <a:p>
+            <a:fld id="{A9560CCA-E071-4361-AF3D-B0CE296716D1}" type="slidenum">
+              <a:rPr lang="pl-PL" smtClean="0"/>
+              <a:t>9</a:t>
+            </a:fld>
+            <a:endParaRPr lang="pl-PL"/>
+          </a:p>
+        </p:txBody>
+      </p:sp>
+    </p:spTree>
+    <p:extLst>
+      <p:ext uri="{BB962C8B-B14F-4D97-AF65-F5344CB8AC3E}">
+        <p14:creationId xmlns:p14="http://schemas.microsoft.com/office/powerpoint/2010/main" val="3736661967"/>
       </p:ext>
     </p:extLst>
   </p:cSld>

--- a/thesis/presentation/presentation.pptx
+++ b/thesis/presentation/presentation.pptx
@@ -5,7 +5,7 @@
     <p:sldMasterId id="2147483660" r:id="rId1"/>
   </p:sldMasterIdLst>
   <p:notesMasterIdLst>
-    <p:notesMasterId r:id="rId14"/>
+    <p:notesMasterId r:id="rId18"/>
   </p:notesMasterIdLst>
   <p:sldIdLst>
     <p:sldId id="256" r:id="rId2"/>
@@ -17,9 +17,13 @@
     <p:sldId id="329" r:id="rId8"/>
     <p:sldId id="325" r:id="rId9"/>
     <p:sldId id="332" r:id="rId10"/>
-    <p:sldId id="333" r:id="rId11"/>
-    <p:sldId id="324" r:id="rId12"/>
-    <p:sldId id="258" r:id="rId13"/>
+    <p:sldId id="338" r:id="rId11"/>
+    <p:sldId id="334" r:id="rId12"/>
+    <p:sldId id="335" r:id="rId13"/>
+    <p:sldId id="339" r:id="rId14"/>
+    <p:sldId id="337" r:id="rId15"/>
+    <p:sldId id="333" r:id="rId16"/>
+    <p:sldId id="258" r:id="rId17"/>
   </p:sldIdLst>
   <p:sldSz cx="9144000" cy="6858000" type="screen4x3"/>
   <p:notesSz cx="6858000" cy="9144000"/>
@@ -3922,6 +3926,18 @@
           <a:lstStyle/>
           <a:p>
             <a:r>
+              <a:rPr lang="pl-PL" sz="4000" dirty="0">
+                <a:effectLst>
+                  <a:outerShdw blurRad="38100" dist="38100" dir="2700000" algn="tl">
+                    <a:srgbClr val="000000">
+                      <a:alpha val="43137"/>
+                    </a:srgbClr>
+                  </a:outerShdw>
+                </a:effectLst>
+              </a:rPr>
+              <a:t>Działanie </a:t>
+            </a:r>
+            <a:r>
               <a:rPr lang="pl-PL" sz="4000" dirty="0" smtClean="0">
                 <a:effectLst>
                   <a:outerShdw blurRad="38100" dist="38100" dir="2700000" algn="tl">
@@ -3931,7 +3947,7 @@
                   </a:outerShdw>
                 </a:effectLst>
               </a:rPr>
-              <a:t>Podsumowanie</a:t>
+              <a:t>generatora: przykład</a:t>
             </a:r>
             <a:endParaRPr lang="pl-PL" sz="4000" dirty="0">
               <a:effectLst>
@@ -3968,10 +3984,99 @@
           <a:lstStyle/>
           <a:p>
             <a:r>
-              <a:rPr lang="pl-PL" sz="2400" dirty="0" smtClean="0"/>
-              <a:t>[TODO]</a:t>
-            </a:r>
-            <a:endParaRPr lang="pl-PL" dirty="0" smtClean="0"/>
+              <a:rPr lang="pl-PL" dirty="0"/>
+              <a:t>Komendy pozwalające użytkownikowi</a:t>
+            </a:r>
+            <a:r>
+              <a:rPr lang="pl-PL" sz="2400" dirty="0"/>
+              <a:t>:</a:t>
+            </a:r>
+          </a:p>
+          <a:p>
+            <a:pPr lvl="1"/>
+            <a:r>
+              <a:rPr lang="pl-PL" dirty="0"/>
+              <a:t>opublikować wpis na swoim blogu;</a:t>
+            </a:r>
+          </a:p>
+          <a:p>
+            <a:pPr lvl="1"/>
+            <a:r>
+              <a:rPr lang="pl-PL" dirty="0"/>
+              <a:t>polubić wpis innego użytkownika;</a:t>
+            </a:r>
+          </a:p>
+          <a:p>
+            <a:pPr lvl="1"/>
+            <a:r>
+              <a:rPr lang="pl-PL" dirty="0"/>
+              <a:t>skomentować wpis innego użytkownika</a:t>
+            </a:r>
+            <a:r>
+              <a:rPr lang="pl-PL" dirty="0" smtClean="0"/>
+              <a:t>.</a:t>
+            </a:r>
+          </a:p>
+          <a:p>
+            <a:r>
+              <a:rPr lang="pl-PL" dirty="0" smtClean="0"/>
+              <a:t>Zapytania na potrzeby:</a:t>
+            </a:r>
+            <a:endParaRPr lang="pl-PL" dirty="0"/>
+          </a:p>
+          <a:p>
+            <a:pPr lvl="1"/>
+            <a:r>
+              <a:rPr lang="pl-PL" dirty="0" smtClean="0"/>
+              <a:t>wyświetlenia danego bloga, </a:t>
+            </a:r>
+            <a:r>
+              <a:rPr lang="pl-PL" dirty="0"/>
+              <a:t>tzn. wszystkich wpisów jego autora wraz z </a:t>
+            </a:r>
+            <a:r>
+              <a:rPr lang="pl-PL" dirty="0" smtClean="0"/>
+              <a:t>liczbą </a:t>
+            </a:r>
+            <a:r>
+              <a:rPr lang="pl-PL" dirty="0"/>
+              <a:t>ich komentarzy;</a:t>
+            </a:r>
+          </a:p>
+          <a:p>
+            <a:pPr lvl="1"/>
+            <a:r>
+              <a:rPr lang="pl-PL" dirty="0" smtClean="0"/>
+              <a:t>wyświetlenia </a:t>
+            </a:r>
+            <a:r>
+              <a:rPr lang="pl-PL" dirty="0"/>
+              <a:t>danego wpisu wraz z jego komentarzami i “polubieniami”;</a:t>
+            </a:r>
+          </a:p>
+          <a:p>
+            <a:pPr lvl="1"/>
+            <a:r>
+              <a:rPr lang="pl-PL" dirty="0" smtClean="0"/>
+              <a:t>wyświetlenia </a:t>
+            </a:r>
+            <a:r>
+              <a:rPr lang="pl-PL" dirty="0"/>
+              <a:t>profilu </a:t>
+            </a:r>
+            <a:r>
+              <a:rPr lang="pl-PL" dirty="0" smtClean="0"/>
+              <a:t>użytkownika </a:t>
+            </a:r>
+            <a:r>
+              <a:rPr lang="pl-PL" dirty="0"/>
+              <a:t>wraz z lubianymi przez niego </a:t>
+            </a:r>
+            <a:r>
+              <a:rPr lang="pl-PL" dirty="0" smtClean="0"/>
+              <a:t>wpisami.</a:t>
+            </a:r>
+            <a:endParaRPr lang="pl-PL" sz="2400" dirty="0" smtClean="0"/>
           </a:p>
         </p:txBody>
       </p:sp>
@@ -4046,7 +4151,7 @@
     </p:spTree>
     <p:extLst>
       <p:ext uri="{BB962C8B-B14F-4D97-AF65-F5344CB8AC3E}">
-        <p14:creationId xmlns:p14="http://schemas.microsoft.com/office/powerpoint/2010/main" val="1547907720"/>
+        <p14:creationId xmlns:p14="http://schemas.microsoft.com/office/powerpoint/2010/main" val="3087124167"/>
       </p:ext>
     </p:extLst>
   </p:cSld>
@@ -4101,18 +4206,6 @@
           <a:lstStyle/>
           <a:p>
             <a:r>
-              <a:rPr lang="pl-PL" sz="4000" dirty="0">
-                <a:effectLst>
-                  <a:outerShdw blurRad="38100" dist="38100" dir="2700000" algn="tl">
-                    <a:srgbClr val="000000">
-                      <a:alpha val="43137"/>
-                    </a:srgbClr>
-                  </a:outerShdw>
-                </a:effectLst>
-              </a:rPr>
-              <a:t>[TO REMOVE] Przykłady </a:t>
-            </a:r>
-            <a:r>
               <a:rPr lang="pl-PL" sz="4000" dirty="0" smtClean="0">
                 <a:effectLst>
                   <a:outerShdw blurRad="38100" dist="38100" dir="2700000" algn="tl">
@@ -4122,7 +4215,7 @@
                   </a:outerShdw>
                 </a:effectLst>
               </a:rPr>
-              <a:t>obrotów</a:t>
+              <a:t>Działanie generatora: przykład</a:t>
             </a:r>
             <a:endParaRPr lang="pl-PL" sz="4000" dirty="0">
               <a:effectLst>
@@ -4204,320 +4297,9 @@
           </a:p>
         </p:txBody>
       </p:sp>
-      <p:grpSp>
-        <p:nvGrpSpPr>
-          <p:cNvPr id="7" name="Group 6"/>
-          <p:cNvGrpSpPr/>
-          <p:nvPr/>
-        </p:nvGrpSpPr>
-        <p:grpSpPr>
-          <a:xfrm>
-            <a:off x="467544" y="1226602"/>
-            <a:ext cx="7632848" cy="5226734"/>
-            <a:chOff x="-3996952" y="-1686604"/>
-            <a:chExt cx="7632848" cy="5226734"/>
-          </a:xfrm>
-        </p:grpSpPr>
-        <p:sp>
-          <p:nvSpPr>
-            <p:cNvPr id="8" name="Freeform 7"/>
-            <p:cNvSpPr/>
-            <p:nvPr/>
-          </p:nvSpPr>
-          <p:spPr>
-            <a:xfrm>
-              <a:off x="-3996952" y="-1500429"/>
-              <a:ext cx="7632848" cy="5040559"/>
-            </a:xfrm>
-            <a:custGeom>
-              <a:avLst/>
-              <a:gdLst>
-                <a:gd name="connsiteX0" fmla="*/ 0 w 7713692"/>
-                <a:gd name="connsiteY0" fmla="*/ 0 h 1944224"/>
-                <a:gd name="connsiteX1" fmla="*/ 7713692 w 7713692"/>
-                <a:gd name="connsiteY1" fmla="*/ 0 h 1944224"/>
-                <a:gd name="connsiteX2" fmla="*/ 7713692 w 7713692"/>
-                <a:gd name="connsiteY2" fmla="*/ 1944224 h 1944224"/>
-                <a:gd name="connsiteX3" fmla="*/ 0 w 7713692"/>
-                <a:gd name="connsiteY3" fmla="*/ 1944224 h 1944224"/>
-                <a:gd name="connsiteX4" fmla="*/ 0 w 7713692"/>
-                <a:gd name="connsiteY4" fmla="*/ 0 h 1944224"/>
-              </a:gdLst>
-              <a:ahLst/>
-              <a:cxnLst>
-                <a:cxn ang="0">
-                  <a:pos x="connsiteX0" y="connsiteY0"/>
-                </a:cxn>
-                <a:cxn ang="0">
-                  <a:pos x="connsiteX1" y="connsiteY1"/>
-                </a:cxn>
-                <a:cxn ang="0">
-                  <a:pos x="connsiteX2" y="connsiteY2"/>
-                </a:cxn>
-                <a:cxn ang="0">
-                  <a:pos x="connsiteX3" y="connsiteY3"/>
-                </a:cxn>
-                <a:cxn ang="0">
-                  <a:pos x="connsiteX4" y="connsiteY4"/>
-                </a:cxn>
-              </a:cxnLst>
-              <a:rect l="l" t="t" r="r" b="b"/>
-              <a:pathLst>
-                <a:path w="7713692" h="1944224">
-                  <a:moveTo>
-                    <a:pt x="0" y="0"/>
-                  </a:moveTo>
-                  <a:lnTo>
-                    <a:pt x="7713692" y="0"/>
-                  </a:lnTo>
-                  <a:lnTo>
-                    <a:pt x="7713692" y="1944224"/>
-                  </a:lnTo>
-                  <a:lnTo>
-                    <a:pt x="0" y="1944224"/>
-                  </a:lnTo>
-                  <a:lnTo>
-                    <a:pt x="0" y="0"/>
-                  </a:lnTo>
-                  <a:close/>
-                </a:path>
-              </a:pathLst>
-            </a:custGeom>
-          </p:spPr>
-          <p:style>
-            <a:lnRef idx="2">
-              <a:schemeClr val="accent1">
-                <a:hueOff val="0"/>
-                <a:satOff val="0"/>
-                <a:lumOff val="0"/>
-                <a:alphaOff val="0"/>
-              </a:schemeClr>
-            </a:lnRef>
-            <a:fillRef idx="1">
-              <a:schemeClr val="lt1">
-                <a:alpha val="90000"/>
-                <a:hueOff val="0"/>
-                <a:satOff val="0"/>
-                <a:lumOff val="0"/>
-                <a:alphaOff val="0"/>
-              </a:schemeClr>
-            </a:fillRef>
-            <a:effectRef idx="0">
-              <a:schemeClr val="lt1">
-                <a:alpha val="90000"/>
-                <a:hueOff val="0"/>
-                <a:satOff val="0"/>
-                <a:lumOff val="0"/>
-                <a:alphaOff val="0"/>
-              </a:schemeClr>
-            </a:effectRef>
-            <a:fontRef idx="minor">
-              <a:schemeClr val="dk1">
-                <a:hueOff val="0"/>
-                <a:satOff val="0"/>
-                <a:lumOff val="0"/>
-                <a:alphaOff val="0"/>
-              </a:schemeClr>
-            </a:fontRef>
-          </p:style>
-          <p:txBody>
-            <a:bodyPr spcFirstLastPara="0" vert="horz" wrap="square" lIns="180000" tIns="324000" rIns="180000" bIns="180000" numCol="1" spcCol="1270" anchor="t" anchorCtr="0">
-              <a:noAutofit/>
-            </a:bodyPr>
-            <a:lstStyle/>
-            <a:p>
-              <a:pPr>
-                <a:lnSpc>
-                  <a:spcPts val="2400"/>
-                </a:lnSpc>
-              </a:pPr>
-              <a:endParaRPr lang="en-US" sz="2200" dirty="0">
-                <a:latin typeface="Consolas" pitchFamily="49" charset="0"/>
-                <a:cs typeface="Consolas" pitchFamily="49" charset="0"/>
-              </a:endParaRPr>
-            </a:p>
-          </p:txBody>
-        </p:sp>
-        <p:sp>
-          <p:nvSpPr>
-            <p:cNvPr id="9" name="Freeform 8"/>
-            <p:cNvSpPr/>
-            <p:nvPr/>
-          </p:nvSpPr>
-          <p:spPr>
-            <a:xfrm>
-              <a:off x="-3708920" y="-1686604"/>
-              <a:ext cx="3960440" cy="372350"/>
-            </a:xfrm>
-            <a:custGeom>
-              <a:avLst/>
-              <a:gdLst>
-                <a:gd name="connsiteX0" fmla="*/ 0 w 2483862"/>
-                <a:gd name="connsiteY0" fmla="*/ 74061 h 444358"/>
-                <a:gd name="connsiteX1" fmla="*/ 74061 w 2483862"/>
-                <a:gd name="connsiteY1" fmla="*/ 0 h 444358"/>
-                <a:gd name="connsiteX2" fmla="*/ 2409801 w 2483862"/>
-                <a:gd name="connsiteY2" fmla="*/ 0 h 444358"/>
-                <a:gd name="connsiteX3" fmla="*/ 2483862 w 2483862"/>
-                <a:gd name="connsiteY3" fmla="*/ 74061 h 444358"/>
-                <a:gd name="connsiteX4" fmla="*/ 2483862 w 2483862"/>
-                <a:gd name="connsiteY4" fmla="*/ 370297 h 444358"/>
-                <a:gd name="connsiteX5" fmla="*/ 2409801 w 2483862"/>
-                <a:gd name="connsiteY5" fmla="*/ 444358 h 444358"/>
-                <a:gd name="connsiteX6" fmla="*/ 74061 w 2483862"/>
-                <a:gd name="connsiteY6" fmla="*/ 444358 h 444358"/>
-                <a:gd name="connsiteX7" fmla="*/ 0 w 2483862"/>
-                <a:gd name="connsiteY7" fmla="*/ 370297 h 444358"/>
-                <a:gd name="connsiteX8" fmla="*/ 0 w 2483862"/>
-                <a:gd name="connsiteY8" fmla="*/ 74061 h 444358"/>
-              </a:gdLst>
-              <a:ahLst/>
-              <a:cxnLst>
-                <a:cxn ang="0">
-                  <a:pos x="connsiteX0" y="connsiteY0"/>
-                </a:cxn>
-                <a:cxn ang="0">
-                  <a:pos x="connsiteX1" y="connsiteY1"/>
-                </a:cxn>
-                <a:cxn ang="0">
-                  <a:pos x="connsiteX2" y="connsiteY2"/>
-                </a:cxn>
-                <a:cxn ang="0">
-                  <a:pos x="connsiteX3" y="connsiteY3"/>
-                </a:cxn>
-                <a:cxn ang="0">
-                  <a:pos x="connsiteX4" y="connsiteY4"/>
-                </a:cxn>
-                <a:cxn ang="0">
-                  <a:pos x="connsiteX5" y="connsiteY5"/>
-                </a:cxn>
-                <a:cxn ang="0">
-                  <a:pos x="connsiteX6" y="connsiteY6"/>
-                </a:cxn>
-                <a:cxn ang="0">
-                  <a:pos x="connsiteX7" y="connsiteY7"/>
-                </a:cxn>
-                <a:cxn ang="0">
-                  <a:pos x="connsiteX8" y="connsiteY8"/>
-                </a:cxn>
-              </a:cxnLst>
-              <a:rect l="l" t="t" r="r" b="b"/>
-              <a:pathLst>
-                <a:path w="2483862" h="444358">
-                  <a:moveTo>
-                    <a:pt x="0" y="74061"/>
-                  </a:moveTo>
-                  <a:cubicBezTo>
-                    <a:pt x="0" y="33158"/>
-                    <a:pt x="33158" y="0"/>
-                    <a:pt x="74061" y="0"/>
-                  </a:cubicBezTo>
-                  <a:lnTo>
-                    <a:pt x="2409801" y="0"/>
-                  </a:lnTo>
-                  <a:cubicBezTo>
-                    <a:pt x="2450704" y="0"/>
-                    <a:pt x="2483862" y="33158"/>
-                    <a:pt x="2483862" y="74061"/>
-                  </a:cubicBezTo>
-                  <a:lnTo>
-                    <a:pt x="2483862" y="370297"/>
-                  </a:lnTo>
-                  <a:cubicBezTo>
-                    <a:pt x="2483862" y="411200"/>
-                    <a:pt x="2450704" y="444358"/>
-                    <a:pt x="2409801" y="444358"/>
-                  </a:cubicBezTo>
-                  <a:lnTo>
-                    <a:pt x="74061" y="444358"/>
-                  </a:lnTo>
-                  <a:cubicBezTo>
-                    <a:pt x="33158" y="444358"/>
-                    <a:pt x="0" y="411200"/>
-                    <a:pt x="0" y="370297"/>
-                  </a:cubicBezTo>
-                  <a:lnTo>
-                    <a:pt x="0" y="74061"/>
-                  </a:lnTo>
-                  <a:close/>
-                </a:path>
-              </a:pathLst>
-            </a:custGeom>
-          </p:spPr>
-          <p:style>
-            <a:lnRef idx="2">
-              <a:schemeClr val="lt1">
-                <a:hueOff val="0"/>
-                <a:satOff val="0"/>
-                <a:lumOff val="0"/>
-                <a:alphaOff val="0"/>
-              </a:schemeClr>
-            </a:lnRef>
-            <a:fillRef idx="1">
-              <a:schemeClr val="accent1">
-                <a:hueOff val="0"/>
-                <a:satOff val="0"/>
-                <a:lumOff val="0"/>
-                <a:alphaOff val="0"/>
-              </a:schemeClr>
-            </a:fillRef>
-            <a:effectRef idx="0">
-              <a:schemeClr val="accent1">
-                <a:hueOff val="0"/>
-                <a:satOff val="0"/>
-                <a:lumOff val="0"/>
-                <a:alphaOff val="0"/>
-              </a:schemeClr>
-            </a:effectRef>
-            <a:fontRef idx="minor">
-              <a:schemeClr val="lt1"/>
-            </a:fontRef>
-          </p:style>
-          <p:txBody>
-            <a:bodyPr spcFirstLastPara="0" vert="horz" wrap="square" lIns="225783" tIns="21692" rIns="225783" bIns="21692" numCol="1" spcCol="1270" anchor="ctr" anchorCtr="0">
-              <a:noAutofit/>
-            </a:bodyPr>
-            <a:lstStyle/>
-            <a:p>
-              <a:pPr lvl="0" algn="l" defTabSz="1066800">
-                <a:lnSpc>
-                  <a:spcPct val="90000"/>
-                </a:lnSpc>
-                <a:spcBef>
-                  <a:spcPct val="0"/>
-                </a:spcBef>
-                <a:spcAft>
-                  <a:spcPct val="35000"/>
-                </a:spcAft>
-              </a:pPr>
-              <a:r>
-                <a:rPr lang="pl-PL" i="1" dirty="0" smtClean="0">
-                  <a:effectLst>
-                    <a:outerShdw blurRad="38100" dist="38100" dir="2700000" algn="tl">
-                      <a:srgbClr val="000000">
-                        <a:alpha val="43137"/>
-                      </a:srgbClr>
-                    </a:outerShdw>
-                  </a:effectLst>
-                </a:rPr>
-                <a:t>Przykładowy model poddany obrotom</a:t>
-              </a:r>
-              <a:endParaRPr lang="pl-PL" i="1" kern="1200" dirty="0">
-                <a:effectLst>
-                  <a:outerShdw blurRad="38100" dist="38100" dir="2700000" algn="tl">
-                    <a:srgbClr val="000000">
-                      <a:alpha val="43137"/>
-                    </a:srgbClr>
-                  </a:outerShdw>
-                </a:effectLst>
-              </a:endParaRPr>
-            </a:p>
-          </p:txBody>
-        </p:sp>
-      </p:grpSp>
       <p:pic>
         <p:nvPicPr>
-          <p:cNvPr id="11" name="Picture 10"/>
+          <p:cNvPr id="14" name="Picture 13"/>
           <p:cNvPicPr>
             <a:picLocks noChangeAspect="1"/>
           </p:cNvPicPr>
@@ -4537,8 +4319,8 @@
         </p:blipFill>
         <p:spPr>
           <a:xfrm>
-            <a:off x="728802" y="1772816"/>
-            <a:ext cx="2160240" cy="3240360"/>
+            <a:off x="107504" y="1393279"/>
+            <a:ext cx="5392748" cy="4916041"/>
           </a:xfrm>
           <a:prstGeom prst="rect">
             <a:avLst/>
@@ -4547,9 +4329,9 @@
       </p:pic>
       <p:pic>
         <p:nvPicPr>
-          <p:cNvPr id="12" name="Picture 11"/>
+          <p:cNvPr id="1026" name="Picture 2" descr="D:\Studia magisterskie\MasterThesis\thesis\presentation\sample_app_2_rotated.png"/>
           <p:cNvPicPr>
-            <a:picLocks noChangeAspect="1"/>
+            <a:picLocks noChangeAspect="1" noChangeArrowheads="1"/>
           </p:cNvPicPr>
           <p:nvPr/>
         </p:nvPicPr>
@@ -4561,582 +4343,35 @@
               </a:ext>
             </a:extLst>
           </a:blip>
+          <a:srcRect/>
           <a:stretch>
             <a:fillRect/>
           </a:stretch>
         </p:blipFill>
-        <p:spPr>
+        <p:spPr bwMode="auto">
           <a:xfrm>
-            <a:off x="3208851" y="1780321"/>
-            <a:ext cx="2150233" cy="3225350"/>
+            <a:off x="5363275" y="1918924"/>
+            <a:ext cx="3025149" cy="3550964"/>
           </a:xfrm>
           <a:prstGeom prst="rect">
             <a:avLst/>
           </a:prstGeom>
+          <a:noFill/>
+          <a:extLst>
+            <a:ext uri="{909E8E84-426E-40DD-AFC4-6F175D3DCCD1}">
+              <a14:hiddenFill xmlns:a14="http://schemas.microsoft.com/office/drawing/2010/main">
+                <a:solidFill>
+                  <a:srgbClr val="FFFFFF"/>
+                </a:solidFill>
+              </a14:hiddenFill>
+            </a:ext>
+          </a:extLst>
         </p:spPr>
       </p:pic>
-      <p:pic>
-        <p:nvPicPr>
-          <p:cNvPr id="13" name="Picture 12"/>
-          <p:cNvPicPr>
-            <a:picLocks noChangeAspect="1"/>
-          </p:cNvPicPr>
-          <p:nvPr/>
-        </p:nvPicPr>
-        <p:blipFill>
-          <a:blip r:embed="rId4">
-            <a:extLst>
-              <a:ext uri="{28A0092B-C50C-407E-A947-70E740481C1C}">
-                <a14:useLocalDpi xmlns:a14="http://schemas.microsoft.com/office/drawing/2010/main" val="0"/>
-              </a:ext>
-            </a:extLst>
-          </a:blip>
-          <a:stretch>
-            <a:fillRect/>
-          </a:stretch>
-        </p:blipFill>
-        <p:spPr>
-          <a:xfrm>
-            <a:off x="5719734" y="1780321"/>
-            <a:ext cx="2150233" cy="3225350"/>
-          </a:xfrm>
-          <a:prstGeom prst="rect">
-            <a:avLst/>
-          </a:prstGeom>
-        </p:spPr>
-      </p:pic>
-      <p:sp>
-        <p:nvSpPr>
-          <p:cNvPr id="14" name="Freeform 13"/>
-          <p:cNvSpPr/>
-          <p:nvPr/>
-        </p:nvSpPr>
-        <p:spPr>
-          <a:xfrm>
-            <a:off x="872818" y="5126225"/>
-            <a:ext cx="1862978" cy="1116834"/>
-          </a:xfrm>
-          <a:custGeom>
-            <a:avLst/>
-            <a:gdLst>
-              <a:gd name="connsiteX0" fmla="*/ 0 w 2483862"/>
-              <a:gd name="connsiteY0" fmla="*/ 74061 h 444358"/>
-              <a:gd name="connsiteX1" fmla="*/ 74061 w 2483862"/>
-              <a:gd name="connsiteY1" fmla="*/ 0 h 444358"/>
-              <a:gd name="connsiteX2" fmla="*/ 2409801 w 2483862"/>
-              <a:gd name="connsiteY2" fmla="*/ 0 h 444358"/>
-              <a:gd name="connsiteX3" fmla="*/ 2483862 w 2483862"/>
-              <a:gd name="connsiteY3" fmla="*/ 74061 h 444358"/>
-              <a:gd name="connsiteX4" fmla="*/ 2483862 w 2483862"/>
-              <a:gd name="connsiteY4" fmla="*/ 370297 h 444358"/>
-              <a:gd name="connsiteX5" fmla="*/ 2409801 w 2483862"/>
-              <a:gd name="connsiteY5" fmla="*/ 444358 h 444358"/>
-              <a:gd name="connsiteX6" fmla="*/ 74061 w 2483862"/>
-              <a:gd name="connsiteY6" fmla="*/ 444358 h 444358"/>
-              <a:gd name="connsiteX7" fmla="*/ 0 w 2483862"/>
-              <a:gd name="connsiteY7" fmla="*/ 370297 h 444358"/>
-              <a:gd name="connsiteX8" fmla="*/ 0 w 2483862"/>
-              <a:gd name="connsiteY8" fmla="*/ 74061 h 444358"/>
-            </a:gdLst>
-            <a:ahLst/>
-            <a:cxnLst>
-              <a:cxn ang="0">
-                <a:pos x="connsiteX0" y="connsiteY0"/>
-              </a:cxn>
-              <a:cxn ang="0">
-                <a:pos x="connsiteX1" y="connsiteY1"/>
-              </a:cxn>
-              <a:cxn ang="0">
-                <a:pos x="connsiteX2" y="connsiteY2"/>
-              </a:cxn>
-              <a:cxn ang="0">
-                <a:pos x="connsiteX3" y="connsiteY3"/>
-              </a:cxn>
-              <a:cxn ang="0">
-                <a:pos x="connsiteX4" y="connsiteY4"/>
-              </a:cxn>
-              <a:cxn ang="0">
-                <a:pos x="connsiteX5" y="connsiteY5"/>
-              </a:cxn>
-              <a:cxn ang="0">
-                <a:pos x="connsiteX6" y="connsiteY6"/>
-              </a:cxn>
-              <a:cxn ang="0">
-                <a:pos x="connsiteX7" y="connsiteY7"/>
-              </a:cxn>
-              <a:cxn ang="0">
-                <a:pos x="connsiteX8" y="connsiteY8"/>
-              </a:cxn>
-            </a:cxnLst>
-            <a:rect l="l" t="t" r="r" b="b"/>
-            <a:pathLst>
-              <a:path w="2483862" h="444358">
-                <a:moveTo>
-                  <a:pt x="0" y="74061"/>
-                </a:moveTo>
-                <a:cubicBezTo>
-                  <a:pt x="0" y="33158"/>
-                  <a:pt x="33158" y="0"/>
-                  <a:pt x="74061" y="0"/>
-                </a:cubicBezTo>
-                <a:lnTo>
-                  <a:pt x="2409801" y="0"/>
-                </a:lnTo>
-                <a:cubicBezTo>
-                  <a:pt x="2450704" y="0"/>
-                  <a:pt x="2483862" y="33158"/>
-                  <a:pt x="2483862" y="74061"/>
-                </a:cubicBezTo>
-                <a:lnTo>
-                  <a:pt x="2483862" y="370297"/>
-                </a:lnTo>
-                <a:cubicBezTo>
-                  <a:pt x="2483862" y="411200"/>
-                  <a:pt x="2450704" y="444358"/>
-                  <a:pt x="2409801" y="444358"/>
-                </a:cubicBezTo>
-                <a:lnTo>
-                  <a:pt x="74061" y="444358"/>
-                </a:lnTo>
-                <a:cubicBezTo>
-                  <a:pt x="33158" y="444358"/>
-                  <a:pt x="0" y="411200"/>
-                  <a:pt x="0" y="370297"/>
-                </a:cubicBezTo>
-                <a:lnTo>
-                  <a:pt x="0" y="74061"/>
-                </a:lnTo>
-                <a:close/>
-              </a:path>
-            </a:pathLst>
-          </a:custGeom>
-        </p:spPr>
-        <p:style>
-          <a:lnRef idx="2">
-            <a:schemeClr val="lt1">
-              <a:hueOff val="0"/>
-              <a:satOff val="0"/>
-              <a:lumOff val="0"/>
-              <a:alphaOff val="0"/>
-            </a:schemeClr>
-          </a:lnRef>
-          <a:fillRef idx="1">
-            <a:schemeClr val="accent1">
-              <a:hueOff val="0"/>
-              <a:satOff val="0"/>
-              <a:lumOff val="0"/>
-              <a:alphaOff val="0"/>
-            </a:schemeClr>
-          </a:fillRef>
-          <a:effectRef idx="0">
-            <a:schemeClr val="accent1">
-              <a:hueOff val="0"/>
-              <a:satOff val="0"/>
-              <a:lumOff val="0"/>
-              <a:alphaOff val="0"/>
-            </a:schemeClr>
-          </a:effectRef>
-          <a:fontRef idx="minor">
-            <a:schemeClr val="lt1"/>
-          </a:fontRef>
-        </p:style>
-        <p:txBody>
-          <a:bodyPr spcFirstLastPara="0" vert="horz" wrap="square" lIns="225783" tIns="21692" rIns="225783" bIns="21692" numCol="1" spcCol="1270" anchor="ctr" anchorCtr="0">
-            <a:noAutofit/>
-          </a:bodyPr>
-          <a:lstStyle/>
-          <a:p>
-            <a:pPr lvl="0" algn="ctr" defTabSz="1066800">
-              <a:lnSpc>
-                <a:spcPct val="90000"/>
-              </a:lnSpc>
-              <a:spcBef>
-                <a:spcPct val="0"/>
-              </a:spcBef>
-              <a:spcAft>
-                <a:spcPct val="35000"/>
-              </a:spcAft>
-            </a:pPr>
-            <a:r>
-              <a:rPr lang="pl-PL" sz="1600" dirty="0" smtClean="0">
-                <a:effectLst>
-                  <a:outerShdw blurRad="38100" dist="38100" dir="2700000" algn="tl">
-                    <a:srgbClr val="000000">
-                      <a:alpha val="43137"/>
-                    </a:srgbClr>
-                  </a:outerShdw>
-                </a:effectLst>
-              </a:rPr>
-              <a:t>Telefon trzymany pionowo, skierowany na północ. </a:t>
-            </a:r>
-            <a:endParaRPr lang="pl-PL" sz="1600" kern="1200" dirty="0">
-              <a:effectLst>
-                <a:outerShdw blurRad="38100" dist="38100" dir="2700000" algn="tl">
-                  <a:srgbClr val="000000">
-                    <a:alpha val="43137"/>
-                  </a:srgbClr>
-                </a:outerShdw>
-              </a:effectLst>
-            </a:endParaRPr>
-          </a:p>
-        </p:txBody>
-      </p:sp>
-      <p:sp>
-        <p:nvSpPr>
-          <p:cNvPr id="15" name="Freeform 14"/>
-          <p:cNvSpPr/>
-          <p:nvPr/>
-        </p:nvSpPr>
-        <p:spPr>
-          <a:xfrm>
-            <a:off x="3352478" y="5126225"/>
-            <a:ext cx="1862978" cy="1116834"/>
-          </a:xfrm>
-          <a:custGeom>
-            <a:avLst/>
-            <a:gdLst>
-              <a:gd name="connsiteX0" fmla="*/ 0 w 2483862"/>
-              <a:gd name="connsiteY0" fmla="*/ 74061 h 444358"/>
-              <a:gd name="connsiteX1" fmla="*/ 74061 w 2483862"/>
-              <a:gd name="connsiteY1" fmla="*/ 0 h 444358"/>
-              <a:gd name="connsiteX2" fmla="*/ 2409801 w 2483862"/>
-              <a:gd name="connsiteY2" fmla="*/ 0 h 444358"/>
-              <a:gd name="connsiteX3" fmla="*/ 2483862 w 2483862"/>
-              <a:gd name="connsiteY3" fmla="*/ 74061 h 444358"/>
-              <a:gd name="connsiteX4" fmla="*/ 2483862 w 2483862"/>
-              <a:gd name="connsiteY4" fmla="*/ 370297 h 444358"/>
-              <a:gd name="connsiteX5" fmla="*/ 2409801 w 2483862"/>
-              <a:gd name="connsiteY5" fmla="*/ 444358 h 444358"/>
-              <a:gd name="connsiteX6" fmla="*/ 74061 w 2483862"/>
-              <a:gd name="connsiteY6" fmla="*/ 444358 h 444358"/>
-              <a:gd name="connsiteX7" fmla="*/ 0 w 2483862"/>
-              <a:gd name="connsiteY7" fmla="*/ 370297 h 444358"/>
-              <a:gd name="connsiteX8" fmla="*/ 0 w 2483862"/>
-              <a:gd name="connsiteY8" fmla="*/ 74061 h 444358"/>
-            </a:gdLst>
-            <a:ahLst/>
-            <a:cxnLst>
-              <a:cxn ang="0">
-                <a:pos x="connsiteX0" y="connsiteY0"/>
-              </a:cxn>
-              <a:cxn ang="0">
-                <a:pos x="connsiteX1" y="connsiteY1"/>
-              </a:cxn>
-              <a:cxn ang="0">
-                <a:pos x="connsiteX2" y="connsiteY2"/>
-              </a:cxn>
-              <a:cxn ang="0">
-                <a:pos x="connsiteX3" y="connsiteY3"/>
-              </a:cxn>
-              <a:cxn ang="0">
-                <a:pos x="connsiteX4" y="connsiteY4"/>
-              </a:cxn>
-              <a:cxn ang="0">
-                <a:pos x="connsiteX5" y="connsiteY5"/>
-              </a:cxn>
-              <a:cxn ang="0">
-                <a:pos x="connsiteX6" y="connsiteY6"/>
-              </a:cxn>
-              <a:cxn ang="0">
-                <a:pos x="connsiteX7" y="connsiteY7"/>
-              </a:cxn>
-              <a:cxn ang="0">
-                <a:pos x="connsiteX8" y="connsiteY8"/>
-              </a:cxn>
-            </a:cxnLst>
-            <a:rect l="l" t="t" r="r" b="b"/>
-            <a:pathLst>
-              <a:path w="2483862" h="444358">
-                <a:moveTo>
-                  <a:pt x="0" y="74061"/>
-                </a:moveTo>
-                <a:cubicBezTo>
-                  <a:pt x="0" y="33158"/>
-                  <a:pt x="33158" y="0"/>
-                  <a:pt x="74061" y="0"/>
-                </a:cubicBezTo>
-                <a:lnTo>
-                  <a:pt x="2409801" y="0"/>
-                </a:lnTo>
-                <a:cubicBezTo>
-                  <a:pt x="2450704" y="0"/>
-                  <a:pt x="2483862" y="33158"/>
-                  <a:pt x="2483862" y="74061"/>
-                </a:cubicBezTo>
-                <a:lnTo>
-                  <a:pt x="2483862" y="370297"/>
-                </a:lnTo>
-                <a:cubicBezTo>
-                  <a:pt x="2483862" y="411200"/>
-                  <a:pt x="2450704" y="444358"/>
-                  <a:pt x="2409801" y="444358"/>
-                </a:cubicBezTo>
-                <a:lnTo>
-                  <a:pt x="74061" y="444358"/>
-                </a:lnTo>
-                <a:cubicBezTo>
-                  <a:pt x="33158" y="444358"/>
-                  <a:pt x="0" y="411200"/>
-                  <a:pt x="0" y="370297"/>
-                </a:cubicBezTo>
-                <a:lnTo>
-                  <a:pt x="0" y="74061"/>
-                </a:lnTo>
-                <a:close/>
-              </a:path>
-            </a:pathLst>
-          </a:custGeom>
-        </p:spPr>
-        <p:style>
-          <a:lnRef idx="2">
-            <a:schemeClr val="lt1">
-              <a:hueOff val="0"/>
-              <a:satOff val="0"/>
-              <a:lumOff val="0"/>
-              <a:alphaOff val="0"/>
-            </a:schemeClr>
-          </a:lnRef>
-          <a:fillRef idx="1">
-            <a:schemeClr val="accent1">
-              <a:hueOff val="0"/>
-              <a:satOff val="0"/>
-              <a:lumOff val="0"/>
-              <a:alphaOff val="0"/>
-            </a:schemeClr>
-          </a:fillRef>
-          <a:effectRef idx="0">
-            <a:schemeClr val="accent1">
-              <a:hueOff val="0"/>
-              <a:satOff val="0"/>
-              <a:lumOff val="0"/>
-              <a:alphaOff val="0"/>
-            </a:schemeClr>
-          </a:effectRef>
-          <a:fontRef idx="minor">
-            <a:schemeClr val="lt1"/>
-          </a:fontRef>
-        </p:style>
-        <p:txBody>
-          <a:bodyPr spcFirstLastPara="0" vert="horz" wrap="square" lIns="225783" tIns="21692" rIns="225783" bIns="21692" numCol="1" spcCol="1270" anchor="ctr" anchorCtr="0">
-            <a:noAutofit/>
-          </a:bodyPr>
-          <a:lstStyle/>
-          <a:p>
-            <a:pPr lvl="0" algn="ctr" defTabSz="1066800">
-              <a:lnSpc>
-                <a:spcPct val="90000"/>
-              </a:lnSpc>
-              <a:spcBef>
-                <a:spcPct val="0"/>
-              </a:spcBef>
-              <a:spcAft>
-                <a:spcPct val="35000"/>
-              </a:spcAft>
-            </a:pPr>
-            <a:r>
-              <a:rPr lang="pl-PL" sz="1600" dirty="0" smtClean="0">
-                <a:effectLst>
-                  <a:outerShdw blurRad="38100" dist="38100" dir="2700000" algn="tl">
-                    <a:srgbClr val="000000">
-                      <a:alpha val="43137"/>
-                    </a:srgbClr>
-                  </a:outerShdw>
-                </a:effectLst>
-              </a:rPr>
-              <a:t>Telefon trzymany pionowo, skierowany na zachód.</a:t>
-            </a:r>
-            <a:endParaRPr lang="pl-PL" sz="1600" kern="1200" dirty="0">
-              <a:effectLst>
-                <a:outerShdw blurRad="38100" dist="38100" dir="2700000" algn="tl">
-                  <a:srgbClr val="000000">
-                    <a:alpha val="43137"/>
-                  </a:srgbClr>
-                </a:outerShdw>
-              </a:effectLst>
-            </a:endParaRPr>
-          </a:p>
-        </p:txBody>
-      </p:sp>
-      <p:sp>
-        <p:nvSpPr>
-          <p:cNvPr id="16" name="Freeform 15"/>
-          <p:cNvSpPr/>
-          <p:nvPr/>
-        </p:nvSpPr>
-        <p:spPr>
-          <a:xfrm>
-            <a:off x="5863361" y="5126225"/>
-            <a:ext cx="1862978" cy="1116834"/>
-          </a:xfrm>
-          <a:custGeom>
-            <a:avLst/>
-            <a:gdLst>
-              <a:gd name="connsiteX0" fmla="*/ 0 w 2483862"/>
-              <a:gd name="connsiteY0" fmla="*/ 74061 h 444358"/>
-              <a:gd name="connsiteX1" fmla="*/ 74061 w 2483862"/>
-              <a:gd name="connsiteY1" fmla="*/ 0 h 444358"/>
-              <a:gd name="connsiteX2" fmla="*/ 2409801 w 2483862"/>
-              <a:gd name="connsiteY2" fmla="*/ 0 h 444358"/>
-              <a:gd name="connsiteX3" fmla="*/ 2483862 w 2483862"/>
-              <a:gd name="connsiteY3" fmla="*/ 74061 h 444358"/>
-              <a:gd name="connsiteX4" fmla="*/ 2483862 w 2483862"/>
-              <a:gd name="connsiteY4" fmla="*/ 370297 h 444358"/>
-              <a:gd name="connsiteX5" fmla="*/ 2409801 w 2483862"/>
-              <a:gd name="connsiteY5" fmla="*/ 444358 h 444358"/>
-              <a:gd name="connsiteX6" fmla="*/ 74061 w 2483862"/>
-              <a:gd name="connsiteY6" fmla="*/ 444358 h 444358"/>
-              <a:gd name="connsiteX7" fmla="*/ 0 w 2483862"/>
-              <a:gd name="connsiteY7" fmla="*/ 370297 h 444358"/>
-              <a:gd name="connsiteX8" fmla="*/ 0 w 2483862"/>
-              <a:gd name="connsiteY8" fmla="*/ 74061 h 444358"/>
-            </a:gdLst>
-            <a:ahLst/>
-            <a:cxnLst>
-              <a:cxn ang="0">
-                <a:pos x="connsiteX0" y="connsiteY0"/>
-              </a:cxn>
-              <a:cxn ang="0">
-                <a:pos x="connsiteX1" y="connsiteY1"/>
-              </a:cxn>
-              <a:cxn ang="0">
-                <a:pos x="connsiteX2" y="connsiteY2"/>
-              </a:cxn>
-              <a:cxn ang="0">
-                <a:pos x="connsiteX3" y="connsiteY3"/>
-              </a:cxn>
-              <a:cxn ang="0">
-                <a:pos x="connsiteX4" y="connsiteY4"/>
-              </a:cxn>
-              <a:cxn ang="0">
-                <a:pos x="connsiteX5" y="connsiteY5"/>
-              </a:cxn>
-              <a:cxn ang="0">
-                <a:pos x="connsiteX6" y="connsiteY6"/>
-              </a:cxn>
-              <a:cxn ang="0">
-                <a:pos x="connsiteX7" y="connsiteY7"/>
-              </a:cxn>
-              <a:cxn ang="0">
-                <a:pos x="connsiteX8" y="connsiteY8"/>
-              </a:cxn>
-            </a:cxnLst>
-            <a:rect l="l" t="t" r="r" b="b"/>
-            <a:pathLst>
-              <a:path w="2483862" h="444358">
-                <a:moveTo>
-                  <a:pt x="0" y="74061"/>
-                </a:moveTo>
-                <a:cubicBezTo>
-                  <a:pt x="0" y="33158"/>
-                  <a:pt x="33158" y="0"/>
-                  <a:pt x="74061" y="0"/>
-                </a:cubicBezTo>
-                <a:lnTo>
-                  <a:pt x="2409801" y="0"/>
-                </a:lnTo>
-                <a:cubicBezTo>
-                  <a:pt x="2450704" y="0"/>
-                  <a:pt x="2483862" y="33158"/>
-                  <a:pt x="2483862" y="74061"/>
-                </a:cubicBezTo>
-                <a:lnTo>
-                  <a:pt x="2483862" y="370297"/>
-                </a:lnTo>
-                <a:cubicBezTo>
-                  <a:pt x="2483862" y="411200"/>
-                  <a:pt x="2450704" y="444358"/>
-                  <a:pt x="2409801" y="444358"/>
-                </a:cubicBezTo>
-                <a:lnTo>
-                  <a:pt x="74061" y="444358"/>
-                </a:lnTo>
-                <a:cubicBezTo>
-                  <a:pt x="33158" y="444358"/>
-                  <a:pt x="0" y="411200"/>
-                  <a:pt x="0" y="370297"/>
-                </a:cubicBezTo>
-                <a:lnTo>
-                  <a:pt x="0" y="74061"/>
-                </a:lnTo>
-                <a:close/>
-              </a:path>
-            </a:pathLst>
-          </a:custGeom>
-        </p:spPr>
-        <p:style>
-          <a:lnRef idx="2">
-            <a:schemeClr val="lt1">
-              <a:hueOff val="0"/>
-              <a:satOff val="0"/>
-              <a:lumOff val="0"/>
-              <a:alphaOff val="0"/>
-            </a:schemeClr>
-          </a:lnRef>
-          <a:fillRef idx="1">
-            <a:schemeClr val="accent1">
-              <a:hueOff val="0"/>
-              <a:satOff val="0"/>
-              <a:lumOff val="0"/>
-              <a:alphaOff val="0"/>
-            </a:schemeClr>
-          </a:fillRef>
-          <a:effectRef idx="0">
-            <a:schemeClr val="accent1">
-              <a:hueOff val="0"/>
-              <a:satOff val="0"/>
-              <a:lumOff val="0"/>
-              <a:alphaOff val="0"/>
-            </a:schemeClr>
-          </a:effectRef>
-          <a:fontRef idx="minor">
-            <a:schemeClr val="lt1"/>
-          </a:fontRef>
-        </p:style>
-        <p:txBody>
-          <a:bodyPr spcFirstLastPara="0" vert="horz" wrap="square" lIns="225783" tIns="21692" rIns="225783" bIns="21692" numCol="1" spcCol="1270" anchor="ctr" anchorCtr="0">
-            <a:noAutofit/>
-          </a:bodyPr>
-          <a:lstStyle/>
-          <a:p>
-            <a:pPr lvl="0" algn="ctr" defTabSz="1066800">
-              <a:lnSpc>
-                <a:spcPct val="90000"/>
-              </a:lnSpc>
-              <a:spcBef>
-                <a:spcPct val="0"/>
-              </a:spcBef>
-              <a:spcAft>
-                <a:spcPct val="35000"/>
-              </a:spcAft>
-            </a:pPr>
-            <a:r>
-              <a:rPr lang="pl-PL" sz="1600" dirty="0" smtClean="0">
-                <a:effectLst>
-                  <a:outerShdw blurRad="38100" dist="38100" dir="2700000" algn="tl">
-                    <a:srgbClr val="000000">
-                      <a:alpha val="43137"/>
-                    </a:srgbClr>
-                  </a:outerShdw>
-                </a:effectLst>
-              </a:rPr>
-              <a:t>Telefon skierowany lekko w dół i na prawo od północy.</a:t>
-            </a:r>
-            <a:endParaRPr lang="pl-PL" sz="1600" kern="1200" dirty="0">
-              <a:effectLst>
-                <a:outerShdw blurRad="38100" dist="38100" dir="2700000" algn="tl">
-                  <a:srgbClr val="000000">
-                    <a:alpha val="43137"/>
-                  </a:srgbClr>
-                </a:outerShdw>
-              </a:effectLst>
-            </a:endParaRPr>
-          </a:p>
-        </p:txBody>
-      </p:sp>
     </p:spTree>
     <p:extLst>
       <p:ext uri="{BB962C8B-B14F-4D97-AF65-F5344CB8AC3E}">
-        <p14:creationId xmlns:p14="http://schemas.microsoft.com/office/powerpoint/2010/main" val="222257518"/>
+        <p14:creationId xmlns:p14="http://schemas.microsoft.com/office/powerpoint/2010/main" val="23921984"/>
       </p:ext>
     </p:extLst>
   </p:cSld>
@@ -5182,21 +4417,501 @@
         </p:nvSpPr>
         <p:spPr>
           <a:xfrm>
-            <a:off x="696416" y="2420888"/>
-            <a:ext cx="6611888" cy="1143000"/>
-          </a:xfrm>
-        </p:spPr>
-        <p:txBody>
-          <a:bodyPr/>
-          <a:lstStyle/>
-          <a:p>
-            <a:r>
-              <a:rPr lang="pl-PL" sz="6000" dirty="0" smtClean="0"/>
-              <a:t>Dziękuję za </a:t>
-            </a:r>
-            <a:r>
-              <a:rPr lang="pl-PL" sz="6000" dirty="0"/>
-              <a:t>uwagę</a:t>
+            <a:off x="457200" y="44624"/>
+            <a:ext cx="7620000" cy="1143000"/>
+          </a:xfrm>
+        </p:spPr>
+        <p:txBody>
+          <a:bodyPr/>
+          <a:lstStyle/>
+          <a:p>
+            <a:r>
+              <a:rPr lang="pl-PL" sz="4000" dirty="0" smtClean="0">
+                <a:effectLst>
+                  <a:outerShdw blurRad="38100" dist="38100" dir="2700000" algn="tl">
+                    <a:srgbClr val="000000">
+                      <a:alpha val="43137"/>
+                    </a:srgbClr>
+                  </a:outerShdw>
+                </a:effectLst>
+              </a:rPr>
+              <a:t>Działanie generatora: opis dziedziny</a:t>
+            </a:r>
+            <a:endParaRPr lang="pl-PL" sz="4000" dirty="0">
+              <a:effectLst>
+                <a:outerShdw blurRad="38100" dist="38100" dir="2700000" algn="tl">
+                  <a:srgbClr val="000000">
+                    <a:alpha val="43137"/>
+                  </a:srgbClr>
+                </a:outerShdw>
+              </a:effectLst>
+            </a:endParaRPr>
+          </a:p>
+        </p:txBody>
+      </p:sp>
+      <p:sp>
+        <p:nvSpPr>
+          <p:cNvPr id="3" name="Content Placeholder 2"/>
+          <p:cNvSpPr>
+            <a:spLocks noGrp="1"/>
+          </p:cNvSpPr>
+          <p:nvPr>
+            <p:ph idx="1"/>
+          </p:nvPr>
+        </p:nvSpPr>
+        <p:spPr>
+          <a:xfrm>
+            <a:off x="467544" y="1124744"/>
+            <a:ext cx="7620000" cy="5400600"/>
+          </a:xfrm>
+        </p:spPr>
+        <p:txBody>
+          <a:bodyPr>
+            <a:noAutofit/>
+          </a:bodyPr>
+          <a:lstStyle/>
+          <a:p>
+            <a:pPr marL="114300" indent="0">
+              <a:spcBef>
+                <a:spcPts val="0"/>
+              </a:spcBef>
+              <a:buNone/>
+            </a:pPr>
+            <a:r>
+              <a:rPr lang="en-US" sz="1700" b="1" dirty="0" smtClean="0"/>
+              <a:t>Events:</a:t>
+            </a:r>
+          </a:p>
+          <a:p>
+            <a:pPr marL="114300" indent="0">
+              <a:spcBef>
+                <a:spcPts val="0"/>
+              </a:spcBef>
+              <a:buNone/>
+            </a:pPr>
+            <a:endParaRPr lang="en-US" sz="900" dirty="0" smtClean="0"/>
+          </a:p>
+          <a:p>
+            <a:pPr marL="114300" indent="0">
+              <a:spcBef>
+                <a:spcPts val="0"/>
+              </a:spcBef>
+              <a:buNone/>
+            </a:pPr>
+            <a:r>
+              <a:rPr lang="en-US" sz="1700" dirty="0" smtClean="0">
+                <a:effectLst>
+                  <a:outerShdw blurRad="38100" dist="38100" dir="2700000" algn="tl">
+                    <a:srgbClr val="000000">
+                      <a:alpha val="43137"/>
+                    </a:srgbClr>
+                  </a:outerShdw>
+                </a:effectLst>
+              </a:rPr>
+              <a:t>Post published:</a:t>
+            </a:r>
+            <a:r>
+              <a:rPr lang="pl-PL" sz="1700" dirty="0" smtClean="0"/>
+              <a:t> </a:t>
+            </a:r>
+            <a:r>
+              <a:rPr lang="en-US" sz="1700" dirty="0" smtClean="0"/>
+              <a:t>@User(</a:t>
+            </a:r>
+            <a:r>
+              <a:rPr lang="en-US" sz="1700" dirty="0" err="1" smtClean="0"/>
+              <a:t>UserName</a:t>
+            </a:r>
+            <a:r>
+              <a:rPr lang="en-US" sz="1700" dirty="0" smtClean="0"/>
+              <a:t>) of @</a:t>
+            </a:r>
+            <a:r>
+              <a:rPr lang="en-US" sz="1700" dirty="0" err="1" smtClean="0"/>
+              <a:t>User:UserName</a:t>
+            </a:r>
+            <a:r>
+              <a:rPr lang="en-US" sz="1700" dirty="0" smtClean="0"/>
+              <a:t> can publish a @Post(</a:t>
+            </a:r>
+            <a:r>
+              <a:rPr lang="en-US" sz="1700" dirty="0" err="1" smtClean="0"/>
+              <a:t>PostID</a:t>
+            </a:r>
+            <a:r>
+              <a:rPr lang="en-US" sz="1700" dirty="0" smtClean="0"/>
+              <a:t>[id]) with @</a:t>
+            </a:r>
+            <a:r>
+              <a:rPr lang="en-US" sz="1700" dirty="0" err="1" smtClean="0"/>
+              <a:t>Post:Title</a:t>
+            </a:r>
+            <a:r>
+              <a:rPr lang="en-US" sz="1700" dirty="0" smtClean="0"/>
+              <a:t> and @</a:t>
+            </a:r>
+            <a:r>
+              <a:rPr lang="en-US" sz="1700" dirty="0" err="1" smtClean="0"/>
+              <a:t>Post:Content</a:t>
+            </a:r>
+            <a:r>
+              <a:rPr lang="en-US" sz="1700" dirty="0" smtClean="0"/>
+              <a:t>.</a:t>
+            </a:r>
+          </a:p>
+          <a:p>
+            <a:pPr marL="114300" indent="0">
+              <a:spcBef>
+                <a:spcPts val="0"/>
+              </a:spcBef>
+              <a:buNone/>
+            </a:pPr>
+            <a:endParaRPr lang="en-US" sz="900" dirty="0" smtClean="0"/>
+          </a:p>
+          <a:p>
+            <a:pPr marL="114300" indent="0">
+              <a:spcBef>
+                <a:spcPts val="0"/>
+              </a:spcBef>
+              <a:buNone/>
+            </a:pPr>
+            <a:r>
+              <a:rPr lang="en-US" sz="1700" dirty="0" smtClean="0">
+                <a:effectLst>
+                  <a:outerShdw blurRad="38100" dist="38100" dir="2700000" algn="tl">
+                    <a:srgbClr val="000000">
+                      <a:alpha val="43137"/>
+                    </a:srgbClr>
+                  </a:outerShdw>
+                </a:effectLst>
+              </a:rPr>
+              <a:t>Post liked:</a:t>
+            </a:r>
+            <a:r>
+              <a:rPr lang="pl-PL" sz="1700" dirty="0" smtClean="0"/>
+              <a:t> </a:t>
+            </a:r>
+            <a:r>
+              <a:rPr lang="en-US" sz="1700" dirty="0" smtClean="0"/>
+              <a:t>@User of @</a:t>
+            </a:r>
+            <a:r>
+              <a:rPr lang="en-US" sz="1700" dirty="0" err="1" smtClean="0"/>
+              <a:t>User:UserName</a:t>
+            </a:r>
+            <a:r>
+              <a:rPr lang="en-US" sz="1700" dirty="0" smtClean="0"/>
+              <a:t> can like a @Post by its @</a:t>
+            </a:r>
+            <a:r>
+              <a:rPr lang="en-US" sz="1700" dirty="0" err="1" smtClean="0"/>
+              <a:t>Post:PostID</a:t>
+            </a:r>
+            <a:r>
+              <a:rPr lang="en-US" sz="1700" dirty="0" smtClean="0"/>
+              <a:t>.</a:t>
+            </a:r>
+          </a:p>
+          <a:p>
+            <a:pPr marL="114300" indent="0">
+              <a:spcBef>
+                <a:spcPts val="0"/>
+              </a:spcBef>
+              <a:buNone/>
+            </a:pPr>
+            <a:endParaRPr lang="en-US" sz="900" dirty="0" smtClean="0"/>
+          </a:p>
+          <a:p>
+            <a:pPr marL="114300" indent="0">
+              <a:spcBef>
+                <a:spcPts val="0"/>
+              </a:spcBef>
+              <a:buNone/>
+            </a:pPr>
+            <a:r>
+              <a:rPr lang="en-US" sz="1700" dirty="0" smtClean="0">
+                <a:effectLst>
+                  <a:outerShdw blurRad="38100" dist="38100" dir="2700000" algn="tl">
+                    <a:srgbClr val="000000">
+                      <a:alpha val="43137"/>
+                    </a:srgbClr>
+                  </a:outerShdw>
+                </a:effectLst>
+              </a:rPr>
+              <a:t>Post commented:</a:t>
+            </a:r>
+            <a:r>
+              <a:rPr lang="pl-PL" sz="1700" dirty="0" smtClean="0"/>
+              <a:t> </a:t>
+            </a:r>
+            <a:r>
+              <a:rPr lang="en-US" sz="1700" dirty="0" smtClean="0"/>
+              <a:t>@User of @</a:t>
+            </a:r>
+            <a:r>
+              <a:rPr lang="en-US" sz="1700" dirty="0" err="1" smtClean="0"/>
+              <a:t>User:UserName</a:t>
+            </a:r>
+            <a:r>
+              <a:rPr lang="en-US" sz="1700" dirty="0" smtClean="0"/>
+              <a:t> can write a @Comment(</a:t>
+            </a:r>
+            <a:r>
+              <a:rPr lang="en-US" sz="1700" dirty="0" err="1" smtClean="0"/>
+              <a:t>CommentID</a:t>
+            </a:r>
+            <a:r>
+              <a:rPr lang="en-US" sz="1700" dirty="0" smtClean="0"/>
+              <a:t>[id]) of @</a:t>
+            </a:r>
+            <a:r>
+              <a:rPr lang="en-US" sz="1700" dirty="0" err="1" smtClean="0"/>
+              <a:t>Comment:Content</a:t>
+            </a:r>
+            <a:r>
+              <a:rPr lang="en-US" sz="1700" dirty="0" smtClean="0"/>
+              <a:t> under a post of ID @</a:t>
+            </a:r>
+            <a:r>
+              <a:rPr lang="en-US" sz="1700" dirty="0" err="1" smtClean="0"/>
+              <a:t>Comment:PostID</a:t>
+            </a:r>
+            <a:r>
+              <a:rPr lang="en-US" sz="1700" dirty="0" smtClean="0"/>
+              <a:t> or another comment of ID @</a:t>
+            </a:r>
+            <a:r>
+              <a:rPr lang="en-US" sz="1700" dirty="0" err="1" smtClean="0"/>
+              <a:t>Comment:ParentCommentID</a:t>
+            </a:r>
+            <a:r>
+              <a:rPr lang="en-US" sz="1700" dirty="0" smtClean="0"/>
+              <a:t>[id].</a:t>
+            </a:r>
+          </a:p>
+          <a:p>
+            <a:pPr marL="114300" indent="0">
+              <a:spcBef>
+                <a:spcPts val="0"/>
+              </a:spcBef>
+              <a:buNone/>
+            </a:pPr>
+            <a:endParaRPr lang="en-US" sz="900" dirty="0" smtClean="0"/>
+          </a:p>
+          <a:p>
+            <a:pPr marL="114300" indent="0">
+              <a:spcBef>
+                <a:spcPts val="0"/>
+              </a:spcBef>
+              <a:buNone/>
+            </a:pPr>
+            <a:r>
+              <a:rPr lang="en-US" sz="1700" dirty="0" smtClean="0"/>
+              <a:t>========</a:t>
+            </a:r>
+          </a:p>
+          <a:p>
+            <a:pPr marL="114300" indent="0">
+              <a:spcBef>
+                <a:spcPts val="0"/>
+              </a:spcBef>
+              <a:buNone/>
+            </a:pPr>
+            <a:r>
+              <a:rPr lang="en-US" sz="1700" b="1" dirty="0" smtClean="0"/>
+              <a:t>Views:</a:t>
+            </a:r>
+            <a:endParaRPr lang="pl-PL" sz="1700" b="1" dirty="0" smtClean="0"/>
+          </a:p>
+          <a:p>
+            <a:pPr marL="114300" indent="0">
+              <a:spcBef>
+                <a:spcPts val="0"/>
+              </a:spcBef>
+              <a:buNone/>
+            </a:pPr>
+            <a:endParaRPr lang="en-US" sz="900" dirty="0" smtClean="0"/>
+          </a:p>
+          <a:p>
+            <a:pPr marL="114300" indent="0">
+              <a:spcBef>
+                <a:spcPts val="0"/>
+              </a:spcBef>
+              <a:buNone/>
+            </a:pPr>
+            <a:r>
+              <a:rPr lang="en-US" sz="1700" dirty="0" smtClean="0"/>
+              <a:t>I can display @Post list with @Post:@</a:t>
+            </a:r>
+            <a:r>
+              <a:rPr lang="en-US" sz="1700" dirty="0" err="1" smtClean="0"/>
+              <a:t>User:UserName</a:t>
+            </a:r>
+            <a:r>
+              <a:rPr lang="en-US" sz="1700" dirty="0" smtClean="0"/>
+              <a:t>, @</a:t>
+            </a:r>
+            <a:r>
+              <a:rPr lang="en-US" sz="1700" dirty="0" err="1" smtClean="0"/>
+              <a:t>Post:Title</a:t>
+            </a:r>
+            <a:r>
+              <a:rPr lang="en-US" sz="1700" dirty="0" smtClean="0"/>
+              <a:t>, @</a:t>
+            </a:r>
+            <a:r>
+              <a:rPr lang="en-US" sz="1700" dirty="0" err="1" smtClean="0"/>
+              <a:t>Post:Content</a:t>
+            </a:r>
+            <a:r>
+              <a:rPr lang="en-US" sz="1700" dirty="0" smtClean="0"/>
+              <a:t> and @</a:t>
+            </a:r>
+            <a:r>
+              <a:rPr lang="en-US" sz="1700" dirty="0" err="1" smtClean="0"/>
+              <a:t>Post:CommentsNumber</a:t>
+            </a:r>
+            <a:r>
+              <a:rPr lang="en-US" sz="1700" dirty="0" smtClean="0"/>
+              <a:t>[</a:t>
+            </a:r>
+            <a:r>
+              <a:rPr lang="en-US" sz="1700" dirty="0" err="1" smtClean="0"/>
+              <a:t>int</a:t>
+            </a:r>
+            <a:r>
+              <a:rPr lang="en-US" sz="1700" dirty="0" smtClean="0"/>
+              <a:t>].</a:t>
+            </a:r>
+          </a:p>
+          <a:p>
+            <a:pPr marL="114300" indent="0">
+              <a:spcBef>
+                <a:spcPts val="0"/>
+              </a:spcBef>
+              <a:buNone/>
+            </a:pPr>
+            <a:endParaRPr lang="en-US" sz="900" dirty="0" smtClean="0"/>
+          </a:p>
+          <a:p>
+            <a:pPr marL="114300" indent="0">
+              <a:spcBef>
+                <a:spcPts val="0"/>
+              </a:spcBef>
+              <a:buNone/>
+            </a:pPr>
+            <a:r>
+              <a:rPr lang="en-US" sz="1700" dirty="0" smtClean="0"/>
+              <a:t>I can display @Post details with @Post:@</a:t>
+            </a:r>
+            <a:r>
+              <a:rPr lang="en-US" sz="1700" dirty="0" err="1" smtClean="0"/>
+              <a:t>User:UserName</a:t>
+            </a:r>
+            <a:r>
+              <a:rPr lang="en-US" sz="1700" dirty="0" smtClean="0"/>
+              <a:t>, @</a:t>
+            </a:r>
+            <a:r>
+              <a:rPr lang="en-US" sz="1700" dirty="0" err="1" smtClean="0"/>
+              <a:t>Post:Title</a:t>
+            </a:r>
+            <a:r>
+              <a:rPr lang="en-US" sz="1700" dirty="0" smtClean="0"/>
+              <a:t>, @</a:t>
+            </a:r>
+            <a:r>
+              <a:rPr lang="en-US" sz="1700" dirty="0" err="1" smtClean="0"/>
+              <a:t>Post:Content</a:t>
+            </a:r>
+            <a:r>
+              <a:rPr lang="en-US" sz="1700" dirty="0" smtClean="0"/>
+              <a:t>, @Post::@</a:t>
+            </a:r>
+            <a:r>
+              <a:rPr lang="en-US" sz="1700" dirty="0" err="1" smtClean="0"/>
+              <a:t>Comment:Content</a:t>
+            </a:r>
+            <a:r>
+              <a:rPr lang="en-US" sz="1700" dirty="0" smtClean="0"/>
+              <a:t>, @Post::@Comment:@</a:t>
+            </a:r>
+            <a:r>
+              <a:rPr lang="en-US" sz="1700" dirty="0" err="1" smtClean="0"/>
+              <a:t>User:UserName</a:t>
+            </a:r>
+            <a:r>
+              <a:rPr lang="en-US" sz="1700" dirty="0" smtClean="0"/>
+              <a:t>, @Post::@</a:t>
+            </a:r>
+            <a:r>
+              <a:rPr lang="en-US" sz="1700" dirty="0" err="1" smtClean="0"/>
+              <a:t>User:FirstName</a:t>
+            </a:r>
+            <a:r>
+              <a:rPr lang="en-US" sz="1700" dirty="0" smtClean="0"/>
+              <a:t> and @Post::@</a:t>
+            </a:r>
+            <a:r>
+              <a:rPr lang="en-US" sz="1700" dirty="0" err="1" smtClean="0"/>
+              <a:t>User:LastName</a:t>
+            </a:r>
+            <a:r>
+              <a:rPr lang="en-US" sz="1700" dirty="0" smtClean="0"/>
+              <a:t>.</a:t>
+            </a:r>
+          </a:p>
+          <a:p>
+            <a:pPr marL="114300" indent="0">
+              <a:spcBef>
+                <a:spcPts val="0"/>
+              </a:spcBef>
+              <a:buNone/>
+            </a:pPr>
+            <a:endParaRPr lang="en-US" sz="900" dirty="0" smtClean="0"/>
+          </a:p>
+          <a:p>
+            <a:pPr marL="114300" indent="0">
+              <a:spcBef>
+                <a:spcPts val="0"/>
+              </a:spcBef>
+              <a:buNone/>
+            </a:pPr>
+            <a:r>
+              <a:rPr lang="en-US" sz="1700" dirty="0" smtClean="0"/>
+              <a:t>I can display user profile with @</a:t>
+            </a:r>
+            <a:r>
+              <a:rPr lang="en-US" sz="1700" dirty="0" err="1" smtClean="0"/>
+              <a:t>User:UserName</a:t>
+            </a:r>
+            <a:r>
+              <a:rPr lang="en-US" sz="1700" dirty="0" smtClean="0"/>
+              <a:t>, @</a:t>
+            </a:r>
+            <a:r>
+              <a:rPr lang="en-US" sz="1700" dirty="0" err="1" smtClean="0"/>
+              <a:t>User:FirstName</a:t>
+            </a:r>
+            <a:r>
+              <a:rPr lang="en-US" sz="1700" dirty="0" smtClean="0"/>
+              <a:t>, @</a:t>
+            </a:r>
+            <a:r>
+              <a:rPr lang="en-US" sz="1700" dirty="0" err="1" smtClean="0"/>
+              <a:t>User:LastName</a:t>
+            </a:r>
+            <a:r>
+              <a:rPr lang="en-US" sz="1700" dirty="0" smtClean="0"/>
+              <a:t> and @User::@</a:t>
+            </a:r>
+            <a:r>
+              <a:rPr lang="en-US" sz="1700" dirty="0" err="1" smtClean="0"/>
+              <a:t>Post:Title</a:t>
+            </a:r>
+            <a:r>
+              <a:rPr lang="en-US" sz="1700" dirty="0" smtClean="0"/>
+              <a:t>.</a:t>
             </a:r>
           </a:p>
         </p:txBody>
@@ -5264,6 +4979,1172 @@
             <a:fld id="{A9560CCA-E071-4361-AF3D-B0CE296716D1}" type="slidenum">
               <a:rPr lang="pl-PL" smtClean="0"/>
               <a:t>12</a:t>
+            </a:fld>
+            <a:endParaRPr lang="pl-PL"/>
+          </a:p>
+        </p:txBody>
+      </p:sp>
+    </p:spTree>
+    <p:extLst>
+      <p:ext uri="{BB962C8B-B14F-4D97-AF65-F5344CB8AC3E}">
+        <p14:creationId xmlns:p14="http://schemas.microsoft.com/office/powerpoint/2010/main" val="1632806155"/>
+      </p:ext>
+    </p:extLst>
+  </p:cSld>
+  <p:clrMapOvr>
+    <a:masterClrMapping/>
+  </p:clrMapOvr>
+  <p:timing>
+    <p:tnLst>
+      <p:par>
+        <p:cTn id="1" dur="indefinite" restart="never" nodeType="tmRoot"/>
+      </p:par>
+    </p:tnLst>
+  </p:timing>
+</p:sld>
+</file>
+
+<file path=ppt/slides/slide13.xml><?xml version="1.0" encoding="utf-8"?>
+<p:sld xmlns:a="http://schemas.openxmlformats.org/drawingml/2006/main" xmlns:r="http://schemas.openxmlformats.org/officeDocument/2006/relationships" xmlns:p="http://schemas.openxmlformats.org/presentationml/2006/main">
+  <p:cSld>
+    <p:spTree>
+      <p:nvGrpSpPr>
+        <p:cNvPr id="1" name=""/>
+        <p:cNvGrpSpPr/>
+        <p:nvPr/>
+      </p:nvGrpSpPr>
+      <p:grpSpPr>
+        <a:xfrm>
+          <a:off x="0" y="0"/>
+          <a:ext cx="0" cy="0"/>
+          <a:chOff x="0" y="0"/>
+          <a:chExt cx="0" cy="0"/>
+        </a:xfrm>
+      </p:grpSpPr>
+      <p:sp>
+        <p:nvSpPr>
+          <p:cNvPr id="2" name="Title 1"/>
+          <p:cNvSpPr>
+            <a:spLocks noGrp="1"/>
+          </p:cNvSpPr>
+          <p:nvPr>
+            <p:ph type="title"/>
+          </p:nvPr>
+        </p:nvSpPr>
+        <p:spPr>
+          <a:xfrm>
+            <a:off x="457200" y="44624"/>
+            <a:ext cx="7620000" cy="1143000"/>
+          </a:xfrm>
+        </p:spPr>
+        <p:txBody>
+          <a:bodyPr/>
+          <a:lstStyle/>
+          <a:p>
+            <a:r>
+              <a:rPr lang="pl-PL" sz="4000" dirty="0">
+                <a:effectLst>
+                  <a:outerShdw blurRad="38100" dist="38100" dir="2700000" algn="tl">
+                    <a:srgbClr val="000000">
+                      <a:alpha val="43137"/>
+                    </a:srgbClr>
+                  </a:outerShdw>
+                </a:effectLst>
+              </a:rPr>
+              <a:t>Działanie </a:t>
+            </a:r>
+            <a:r>
+              <a:rPr lang="pl-PL" sz="4000" dirty="0" smtClean="0">
+                <a:effectLst>
+                  <a:outerShdw blurRad="38100" dist="38100" dir="2700000" algn="tl">
+                    <a:srgbClr val="000000">
+                      <a:alpha val="43137"/>
+                    </a:srgbClr>
+                  </a:outerShdw>
+                </a:effectLst>
+              </a:rPr>
+              <a:t>generatora: wynik</a:t>
+            </a:r>
+            <a:endParaRPr lang="pl-PL" sz="4000" dirty="0">
+              <a:effectLst>
+                <a:outerShdw blurRad="38100" dist="38100" dir="2700000" algn="tl">
+                  <a:srgbClr val="000000">
+                    <a:alpha val="43137"/>
+                  </a:srgbClr>
+                </a:outerShdw>
+              </a:effectLst>
+            </a:endParaRPr>
+          </a:p>
+        </p:txBody>
+      </p:sp>
+      <p:sp>
+        <p:nvSpPr>
+          <p:cNvPr id="6" name="Footer Placeholder 7"/>
+          <p:cNvSpPr>
+            <a:spLocks noGrp="1"/>
+          </p:cNvSpPr>
+          <p:nvPr>
+            <p:ph type="ftr" sz="quarter" idx="11"/>
+          </p:nvPr>
+        </p:nvSpPr>
+        <p:spPr>
+          <a:xfrm rot="5400000">
+            <a:off x="6951124" y="1841964"/>
+            <a:ext cx="3672408" cy="365760"/>
+          </a:xfrm>
+        </p:spPr>
+        <p:txBody>
+          <a:bodyPr/>
+          <a:lstStyle/>
+          <a:p>
+            <a:pPr algn="l"/>
+            <a:r>
+              <a:rPr lang="pl-PL" sz="1600" dirty="0">
+                <a:effectLst>
+                  <a:outerShdw blurRad="38100" dist="38100" dir="2700000" algn="tl">
+                    <a:srgbClr val="000000">
+                      <a:alpha val="43137"/>
+                    </a:srgbClr>
+                  </a:outerShdw>
+                </a:effectLst>
+              </a:rPr>
+              <a:t>Obrona pracy magisterskiej</a:t>
+            </a:r>
+            <a:endParaRPr lang="pl-PL" sz="1600" dirty="0">
+              <a:effectLst>
+                <a:outerShdw blurRad="38100" dist="38100" dir="2700000" algn="tl">
+                  <a:srgbClr val="000000">
+                    <a:alpha val="43137"/>
+                  </a:srgbClr>
+                </a:outerShdw>
+              </a:effectLst>
+            </a:endParaRPr>
+          </a:p>
+        </p:txBody>
+      </p:sp>
+      <p:sp>
+        <p:nvSpPr>
+          <p:cNvPr id="5" name="Slide Number Placeholder 4"/>
+          <p:cNvSpPr>
+            <a:spLocks noGrp="1"/>
+          </p:cNvSpPr>
+          <p:nvPr>
+            <p:ph type="sldNum" sz="quarter" idx="12"/>
+          </p:nvPr>
+        </p:nvSpPr>
+        <p:spPr/>
+        <p:txBody>
+          <a:bodyPr/>
+          <a:lstStyle/>
+          <a:p>
+            <a:fld id="{A9560CCA-E071-4361-AF3D-B0CE296716D1}" type="slidenum">
+              <a:rPr lang="pl-PL" smtClean="0"/>
+              <a:t>13</a:t>
+            </a:fld>
+            <a:endParaRPr lang="pl-PL"/>
+          </a:p>
+        </p:txBody>
+      </p:sp>
+      <p:pic>
+        <p:nvPicPr>
+          <p:cNvPr id="2050" name="Picture 2" descr="D:\Studia magisterskie\MasterThesis\thesis\presentation\events.png"/>
+          <p:cNvPicPr>
+            <a:picLocks noChangeAspect="1" noChangeArrowheads="1"/>
+          </p:cNvPicPr>
+          <p:nvPr/>
+        </p:nvPicPr>
+        <p:blipFill>
+          <a:blip r:embed="rId2">
+            <a:extLst>
+              <a:ext uri="{28A0092B-C50C-407E-A947-70E740481C1C}">
+                <a14:useLocalDpi xmlns:a14="http://schemas.microsoft.com/office/drawing/2010/main" val="0"/>
+              </a:ext>
+            </a:extLst>
+          </a:blip>
+          <a:srcRect/>
+          <a:stretch>
+            <a:fillRect/>
+          </a:stretch>
+        </p:blipFill>
+        <p:spPr bwMode="auto">
+          <a:xfrm>
+            <a:off x="1043607" y="1340768"/>
+            <a:ext cx="6450013" cy="1581150"/>
+          </a:xfrm>
+          <a:prstGeom prst="rect">
+            <a:avLst/>
+          </a:prstGeom>
+          <a:noFill/>
+          <a:extLst>
+            <a:ext uri="{909E8E84-426E-40DD-AFC4-6F175D3DCCD1}">
+              <a14:hiddenFill xmlns:a14="http://schemas.microsoft.com/office/drawing/2010/main">
+                <a:solidFill>
+                  <a:srgbClr val="FFFFFF"/>
+                </a:solidFill>
+              </a14:hiddenFill>
+            </a:ext>
+          </a:extLst>
+        </p:spPr>
+      </p:pic>
+      <p:pic>
+        <p:nvPicPr>
+          <p:cNvPr id="2051" name="Picture 3" descr="D:\Studia magisterskie\MasterThesis\thesis\presentation\views.png"/>
+          <p:cNvPicPr>
+            <a:picLocks noChangeAspect="1" noChangeArrowheads="1"/>
+          </p:cNvPicPr>
+          <p:nvPr/>
+        </p:nvPicPr>
+        <p:blipFill>
+          <a:blip r:embed="rId3">
+            <a:extLst>
+              <a:ext uri="{28A0092B-C50C-407E-A947-70E740481C1C}">
+                <a14:useLocalDpi xmlns:a14="http://schemas.microsoft.com/office/drawing/2010/main" val="0"/>
+              </a:ext>
+            </a:extLst>
+          </a:blip>
+          <a:srcRect/>
+          <a:stretch>
+            <a:fillRect/>
+          </a:stretch>
+        </p:blipFill>
+        <p:spPr bwMode="auto">
+          <a:xfrm>
+            <a:off x="1391269" y="3284984"/>
+            <a:ext cx="5754687" cy="3333750"/>
+          </a:xfrm>
+          <a:prstGeom prst="rect">
+            <a:avLst/>
+          </a:prstGeom>
+          <a:noFill/>
+          <a:extLst>
+            <a:ext uri="{909E8E84-426E-40DD-AFC4-6F175D3DCCD1}">
+              <a14:hiddenFill xmlns:a14="http://schemas.microsoft.com/office/drawing/2010/main">
+                <a:solidFill>
+                  <a:srgbClr val="FFFFFF"/>
+                </a:solidFill>
+              </a14:hiddenFill>
+            </a:ext>
+          </a:extLst>
+        </p:spPr>
+      </p:pic>
+      <p:cxnSp>
+        <p:nvCxnSpPr>
+          <p:cNvPr id="10" name="Straight Connector 9"/>
+          <p:cNvCxnSpPr/>
+          <p:nvPr/>
+        </p:nvCxnSpPr>
+        <p:spPr>
+          <a:xfrm>
+            <a:off x="755576" y="3140968"/>
+            <a:ext cx="6840760" cy="0"/>
+          </a:xfrm>
+          <a:prstGeom prst="line">
+            <a:avLst/>
+          </a:prstGeom>
+        </p:spPr>
+        <p:style>
+          <a:lnRef idx="1">
+            <a:schemeClr val="accent1"/>
+          </a:lnRef>
+          <a:fillRef idx="0">
+            <a:schemeClr val="accent1"/>
+          </a:fillRef>
+          <a:effectRef idx="0">
+            <a:schemeClr val="accent1"/>
+          </a:effectRef>
+          <a:fontRef idx="minor">
+            <a:schemeClr val="tx1"/>
+          </a:fontRef>
+        </p:style>
+      </p:cxnSp>
+    </p:spTree>
+    <p:extLst>
+      <p:ext uri="{BB962C8B-B14F-4D97-AF65-F5344CB8AC3E}">
+        <p14:creationId xmlns:p14="http://schemas.microsoft.com/office/powerpoint/2010/main" val="337507918"/>
+      </p:ext>
+    </p:extLst>
+  </p:cSld>
+  <p:clrMapOvr>
+    <a:masterClrMapping/>
+  </p:clrMapOvr>
+  <p:timing>
+    <p:tnLst>
+      <p:par>
+        <p:cTn id="1" dur="indefinite" restart="never" nodeType="tmRoot"/>
+      </p:par>
+    </p:tnLst>
+  </p:timing>
+</p:sld>
+</file>
+
+<file path=ppt/slides/slide14.xml><?xml version="1.0" encoding="utf-8"?>
+<p:sld xmlns:a="http://schemas.openxmlformats.org/drawingml/2006/main" xmlns:r="http://schemas.openxmlformats.org/officeDocument/2006/relationships" xmlns:p="http://schemas.openxmlformats.org/presentationml/2006/main">
+  <p:cSld>
+    <p:spTree>
+      <p:nvGrpSpPr>
+        <p:cNvPr id="1" name=""/>
+        <p:cNvGrpSpPr/>
+        <p:nvPr/>
+      </p:nvGrpSpPr>
+      <p:grpSpPr>
+        <a:xfrm>
+          <a:off x="0" y="0"/>
+          <a:ext cx="0" cy="0"/>
+          <a:chOff x="0" y="0"/>
+          <a:chExt cx="0" cy="0"/>
+        </a:xfrm>
+      </p:grpSpPr>
+      <p:sp>
+        <p:nvSpPr>
+          <p:cNvPr id="2" name="Title 1"/>
+          <p:cNvSpPr>
+            <a:spLocks noGrp="1"/>
+          </p:cNvSpPr>
+          <p:nvPr>
+            <p:ph type="title"/>
+          </p:nvPr>
+        </p:nvSpPr>
+        <p:spPr>
+          <a:xfrm>
+            <a:off x="457200" y="44624"/>
+            <a:ext cx="7620000" cy="1143000"/>
+          </a:xfrm>
+        </p:spPr>
+        <p:txBody>
+          <a:bodyPr/>
+          <a:lstStyle/>
+          <a:p>
+            <a:r>
+              <a:rPr lang="pl-PL" sz="4000" dirty="0" smtClean="0">
+                <a:effectLst>
+                  <a:outerShdw blurRad="38100" dist="38100" dir="2700000" algn="tl">
+                    <a:srgbClr val="000000">
+                      <a:alpha val="43137"/>
+                    </a:srgbClr>
+                  </a:outerShdw>
+                </a:effectLst>
+              </a:rPr>
+              <a:t>Działanie generatora: wynik</a:t>
+            </a:r>
+            <a:endParaRPr lang="pl-PL" sz="4000" dirty="0">
+              <a:effectLst>
+                <a:outerShdw blurRad="38100" dist="38100" dir="2700000" algn="tl">
+                  <a:srgbClr val="000000">
+                    <a:alpha val="43137"/>
+                  </a:srgbClr>
+                </a:outerShdw>
+              </a:effectLst>
+            </a:endParaRPr>
+          </a:p>
+        </p:txBody>
+      </p:sp>
+      <p:sp>
+        <p:nvSpPr>
+          <p:cNvPr id="6" name="Footer Placeholder 7"/>
+          <p:cNvSpPr>
+            <a:spLocks noGrp="1"/>
+          </p:cNvSpPr>
+          <p:nvPr>
+            <p:ph type="ftr" sz="quarter" idx="11"/>
+          </p:nvPr>
+        </p:nvSpPr>
+        <p:spPr>
+          <a:xfrm rot="5400000">
+            <a:off x="6951124" y="1841964"/>
+            <a:ext cx="3672408" cy="365760"/>
+          </a:xfrm>
+        </p:spPr>
+        <p:txBody>
+          <a:bodyPr/>
+          <a:lstStyle/>
+          <a:p>
+            <a:pPr algn="l"/>
+            <a:r>
+              <a:rPr lang="pl-PL" sz="1600" dirty="0">
+                <a:effectLst>
+                  <a:outerShdw blurRad="38100" dist="38100" dir="2700000" algn="tl">
+                    <a:srgbClr val="000000">
+                      <a:alpha val="43137"/>
+                    </a:srgbClr>
+                  </a:outerShdw>
+                </a:effectLst>
+              </a:rPr>
+              <a:t>Obrona pracy magisterskiej</a:t>
+            </a:r>
+            <a:endParaRPr lang="pl-PL" sz="1600" dirty="0">
+              <a:effectLst>
+                <a:outerShdw blurRad="38100" dist="38100" dir="2700000" algn="tl">
+                  <a:srgbClr val="000000">
+                    <a:alpha val="43137"/>
+                  </a:srgbClr>
+                </a:outerShdw>
+              </a:effectLst>
+            </a:endParaRPr>
+          </a:p>
+        </p:txBody>
+      </p:sp>
+      <p:sp>
+        <p:nvSpPr>
+          <p:cNvPr id="5" name="Slide Number Placeholder 4"/>
+          <p:cNvSpPr>
+            <a:spLocks noGrp="1"/>
+          </p:cNvSpPr>
+          <p:nvPr>
+            <p:ph type="sldNum" sz="quarter" idx="12"/>
+          </p:nvPr>
+        </p:nvSpPr>
+        <p:spPr/>
+        <p:txBody>
+          <a:bodyPr/>
+          <a:lstStyle/>
+          <a:p>
+            <a:fld id="{A9560CCA-E071-4361-AF3D-B0CE296716D1}" type="slidenum">
+              <a:rPr lang="pl-PL" smtClean="0"/>
+              <a:t>14</a:t>
+            </a:fld>
+            <a:endParaRPr lang="pl-PL"/>
+          </a:p>
+        </p:txBody>
+      </p:sp>
+      <p:pic>
+        <p:nvPicPr>
+          <p:cNvPr id="14" name="Picture 13"/>
+          <p:cNvPicPr>
+            <a:picLocks noChangeAspect="1"/>
+          </p:cNvPicPr>
+          <p:nvPr/>
+        </p:nvPicPr>
+        <p:blipFill>
+          <a:blip r:embed="rId2">
+            <a:extLst>
+              <a:ext uri="{28A0092B-C50C-407E-A947-70E740481C1C}">
+                <a14:useLocalDpi xmlns:a14="http://schemas.microsoft.com/office/drawing/2010/main" val="0"/>
+              </a:ext>
+            </a:extLst>
+          </a:blip>
+          <a:stretch>
+            <a:fillRect/>
+          </a:stretch>
+        </p:blipFill>
+        <p:spPr>
+          <a:xfrm>
+            <a:off x="107504" y="1393279"/>
+            <a:ext cx="5392748" cy="4916041"/>
+          </a:xfrm>
+          <a:prstGeom prst="rect">
+            <a:avLst/>
+          </a:prstGeom>
+        </p:spPr>
+      </p:pic>
+      <p:pic>
+        <p:nvPicPr>
+          <p:cNvPr id="1026" name="Picture 2" descr="D:\Studia magisterskie\MasterThesis\thesis\presentation\sample_app_2_rotated.png"/>
+          <p:cNvPicPr>
+            <a:picLocks noChangeAspect="1" noChangeArrowheads="1"/>
+          </p:cNvPicPr>
+          <p:nvPr/>
+        </p:nvPicPr>
+        <p:blipFill>
+          <a:blip r:embed="rId3">
+            <a:extLst>
+              <a:ext uri="{28A0092B-C50C-407E-A947-70E740481C1C}">
+                <a14:useLocalDpi xmlns:a14="http://schemas.microsoft.com/office/drawing/2010/main" val="0"/>
+              </a:ext>
+            </a:extLst>
+          </a:blip>
+          <a:srcRect/>
+          <a:stretch>
+            <a:fillRect/>
+          </a:stretch>
+        </p:blipFill>
+        <p:spPr bwMode="auto">
+          <a:xfrm>
+            <a:off x="5363275" y="1918924"/>
+            <a:ext cx="3025149" cy="3550964"/>
+          </a:xfrm>
+          <a:prstGeom prst="rect">
+            <a:avLst/>
+          </a:prstGeom>
+          <a:noFill/>
+          <a:extLst>
+            <a:ext uri="{909E8E84-426E-40DD-AFC4-6F175D3DCCD1}">
+              <a14:hiddenFill xmlns:a14="http://schemas.microsoft.com/office/drawing/2010/main">
+                <a:solidFill>
+                  <a:srgbClr val="FFFFFF"/>
+                </a:solidFill>
+              </a14:hiddenFill>
+            </a:ext>
+          </a:extLst>
+        </p:spPr>
+      </p:pic>
+      <p:sp>
+        <p:nvSpPr>
+          <p:cNvPr id="7" name="Plus 6"/>
+          <p:cNvSpPr/>
+          <p:nvPr/>
+        </p:nvSpPr>
+        <p:spPr>
+          <a:xfrm>
+            <a:off x="2145432" y="2323240"/>
+            <a:ext cx="554360" cy="554360"/>
+          </a:xfrm>
+          <a:prstGeom prst="mathPlus">
+            <a:avLst/>
+          </a:prstGeom>
+          <a:solidFill>
+            <a:srgbClr val="92D050"/>
+          </a:solidFill>
+          <a:ln>
+            <a:solidFill>
+              <a:srgbClr val="00B050"/>
+            </a:solidFill>
+          </a:ln>
+        </p:spPr>
+        <p:style>
+          <a:lnRef idx="2">
+            <a:schemeClr val="accent1">
+              <a:shade val="50000"/>
+            </a:schemeClr>
+          </a:lnRef>
+          <a:fillRef idx="1">
+            <a:schemeClr val="accent1"/>
+          </a:fillRef>
+          <a:effectRef idx="0">
+            <a:schemeClr val="accent1"/>
+          </a:effectRef>
+          <a:fontRef idx="minor">
+            <a:schemeClr val="lt1"/>
+          </a:fontRef>
+        </p:style>
+        <p:txBody>
+          <a:bodyPr rtlCol="0" anchor="ctr"/>
+          <a:lstStyle/>
+          <a:p>
+            <a:pPr algn="ctr"/>
+            <a:endParaRPr lang="pl-PL"/>
+          </a:p>
+        </p:txBody>
+      </p:sp>
+      <p:sp>
+        <p:nvSpPr>
+          <p:cNvPr id="15" name="Plus 14"/>
+          <p:cNvSpPr/>
+          <p:nvPr/>
+        </p:nvSpPr>
+        <p:spPr>
+          <a:xfrm>
+            <a:off x="2140530" y="3063502"/>
+            <a:ext cx="554360" cy="554360"/>
+          </a:xfrm>
+          <a:prstGeom prst="mathPlus">
+            <a:avLst/>
+          </a:prstGeom>
+          <a:solidFill>
+            <a:srgbClr val="92D050"/>
+          </a:solidFill>
+          <a:ln>
+            <a:solidFill>
+              <a:srgbClr val="00B050"/>
+            </a:solidFill>
+          </a:ln>
+        </p:spPr>
+        <p:style>
+          <a:lnRef idx="2">
+            <a:schemeClr val="accent1">
+              <a:shade val="50000"/>
+            </a:schemeClr>
+          </a:lnRef>
+          <a:fillRef idx="1">
+            <a:schemeClr val="accent1"/>
+          </a:fillRef>
+          <a:effectRef idx="0">
+            <a:schemeClr val="accent1"/>
+          </a:effectRef>
+          <a:fontRef idx="minor">
+            <a:schemeClr val="lt1"/>
+          </a:fontRef>
+        </p:style>
+        <p:txBody>
+          <a:bodyPr rtlCol="0" anchor="ctr"/>
+          <a:lstStyle/>
+          <a:p>
+            <a:pPr algn="ctr"/>
+            <a:endParaRPr lang="pl-PL"/>
+          </a:p>
+        </p:txBody>
+      </p:sp>
+      <p:sp>
+        <p:nvSpPr>
+          <p:cNvPr id="16" name="Plus 15"/>
+          <p:cNvSpPr/>
+          <p:nvPr/>
+        </p:nvSpPr>
+        <p:spPr>
+          <a:xfrm>
+            <a:off x="5821288" y="2302314"/>
+            <a:ext cx="504056" cy="503278"/>
+          </a:xfrm>
+          <a:prstGeom prst="mathPlus">
+            <a:avLst/>
+          </a:prstGeom>
+          <a:solidFill>
+            <a:srgbClr val="92D050"/>
+          </a:solidFill>
+          <a:ln>
+            <a:solidFill>
+              <a:srgbClr val="00B050"/>
+            </a:solidFill>
+          </a:ln>
+        </p:spPr>
+        <p:style>
+          <a:lnRef idx="2">
+            <a:schemeClr val="accent1">
+              <a:shade val="50000"/>
+            </a:schemeClr>
+          </a:lnRef>
+          <a:fillRef idx="1">
+            <a:schemeClr val="accent1"/>
+          </a:fillRef>
+          <a:effectRef idx="0">
+            <a:schemeClr val="accent1"/>
+          </a:effectRef>
+          <a:fontRef idx="minor">
+            <a:schemeClr val="lt1"/>
+          </a:fontRef>
+        </p:style>
+        <p:txBody>
+          <a:bodyPr rtlCol="0" anchor="ctr"/>
+          <a:lstStyle/>
+          <a:p>
+            <a:pPr algn="ctr"/>
+            <a:endParaRPr lang="pl-PL"/>
+          </a:p>
+        </p:txBody>
+      </p:sp>
+      <p:sp>
+        <p:nvSpPr>
+          <p:cNvPr id="17" name="Plus 16"/>
+          <p:cNvSpPr/>
+          <p:nvPr/>
+        </p:nvSpPr>
+        <p:spPr>
+          <a:xfrm>
+            <a:off x="5821288" y="3699342"/>
+            <a:ext cx="504056" cy="504056"/>
+          </a:xfrm>
+          <a:prstGeom prst="mathPlus">
+            <a:avLst/>
+          </a:prstGeom>
+          <a:solidFill>
+            <a:srgbClr val="92D050"/>
+          </a:solidFill>
+          <a:ln>
+            <a:solidFill>
+              <a:srgbClr val="00B050"/>
+            </a:solidFill>
+          </a:ln>
+        </p:spPr>
+        <p:style>
+          <a:lnRef idx="2">
+            <a:schemeClr val="accent1">
+              <a:shade val="50000"/>
+            </a:schemeClr>
+          </a:lnRef>
+          <a:fillRef idx="1">
+            <a:schemeClr val="accent1"/>
+          </a:fillRef>
+          <a:effectRef idx="0">
+            <a:schemeClr val="accent1"/>
+          </a:effectRef>
+          <a:fontRef idx="minor">
+            <a:schemeClr val="lt1"/>
+          </a:fontRef>
+        </p:style>
+        <p:txBody>
+          <a:bodyPr rtlCol="0" anchor="ctr"/>
+          <a:lstStyle/>
+          <a:p>
+            <a:pPr algn="ctr"/>
+            <a:endParaRPr lang="pl-PL"/>
+          </a:p>
+        </p:txBody>
+      </p:sp>
+      <p:sp>
+        <p:nvSpPr>
+          <p:cNvPr id="18" name="Plus 17"/>
+          <p:cNvSpPr/>
+          <p:nvPr/>
+        </p:nvSpPr>
+        <p:spPr>
+          <a:xfrm>
+            <a:off x="5813513" y="4869214"/>
+            <a:ext cx="482352" cy="482352"/>
+          </a:xfrm>
+          <a:prstGeom prst="mathPlus">
+            <a:avLst/>
+          </a:prstGeom>
+          <a:solidFill>
+            <a:srgbClr val="92D050"/>
+          </a:solidFill>
+          <a:ln>
+            <a:solidFill>
+              <a:srgbClr val="00B050"/>
+            </a:solidFill>
+          </a:ln>
+        </p:spPr>
+        <p:style>
+          <a:lnRef idx="2">
+            <a:schemeClr val="accent1">
+              <a:shade val="50000"/>
+            </a:schemeClr>
+          </a:lnRef>
+          <a:fillRef idx="1">
+            <a:schemeClr val="accent1"/>
+          </a:fillRef>
+          <a:effectRef idx="0">
+            <a:schemeClr val="accent1"/>
+          </a:effectRef>
+          <a:fontRef idx="minor">
+            <a:schemeClr val="lt1"/>
+          </a:fontRef>
+        </p:style>
+        <p:txBody>
+          <a:bodyPr rtlCol="0" anchor="ctr"/>
+          <a:lstStyle/>
+          <a:p>
+            <a:pPr algn="ctr"/>
+            <a:endParaRPr lang="pl-PL"/>
+          </a:p>
+        </p:txBody>
+      </p:sp>
+      <p:sp>
+        <p:nvSpPr>
+          <p:cNvPr id="19" name="Plus 18"/>
+          <p:cNvSpPr/>
+          <p:nvPr/>
+        </p:nvSpPr>
+        <p:spPr>
+          <a:xfrm>
+            <a:off x="2777204" y="4339464"/>
+            <a:ext cx="554360" cy="554360"/>
+          </a:xfrm>
+          <a:prstGeom prst="mathPlus">
+            <a:avLst/>
+          </a:prstGeom>
+          <a:solidFill>
+            <a:srgbClr val="00B0F0"/>
+          </a:solidFill>
+          <a:ln>
+            <a:solidFill>
+              <a:schemeClr val="accent1"/>
+            </a:solidFill>
+          </a:ln>
+        </p:spPr>
+        <p:style>
+          <a:lnRef idx="2">
+            <a:schemeClr val="accent1">
+              <a:shade val="50000"/>
+            </a:schemeClr>
+          </a:lnRef>
+          <a:fillRef idx="1">
+            <a:schemeClr val="accent1"/>
+          </a:fillRef>
+          <a:effectRef idx="0">
+            <a:schemeClr val="accent1"/>
+          </a:effectRef>
+          <a:fontRef idx="minor">
+            <a:schemeClr val="lt1"/>
+          </a:fontRef>
+        </p:style>
+        <p:txBody>
+          <a:bodyPr rtlCol="0" anchor="ctr"/>
+          <a:lstStyle/>
+          <a:p>
+            <a:pPr algn="ctr"/>
+            <a:endParaRPr lang="pl-PL"/>
+          </a:p>
+        </p:txBody>
+      </p:sp>
+      <p:sp>
+        <p:nvSpPr>
+          <p:cNvPr id="21" name="Plus 20"/>
+          <p:cNvSpPr/>
+          <p:nvPr/>
+        </p:nvSpPr>
+        <p:spPr>
+          <a:xfrm>
+            <a:off x="2777204" y="5635608"/>
+            <a:ext cx="554360" cy="554360"/>
+          </a:xfrm>
+          <a:prstGeom prst="mathPlus">
+            <a:avLst/>
+          </a:prstGeom>
+          <a:solidFill>
+            <a:srgbClr val="00B0F0"/>
+          </a:solidFill>
+          <a:ln>
+            <a:solidFill>
+              <a:schemeClr val="accent1"/>
+            </a:solidFill>
+          </a:ln>
+        </p:spPr>
+        <p:style>
+          <a:lnRef idx="2">
+            <a:schemeClr val="accent1">
+              <a:shade val="50000"/>
+            </a:schemeClr>
+          </a:lnRef>
+          <a:fillRef idx="1">
+            <a:schemeClr val="accent1"/>
+          </a:fillRef>
+          <a:effectRef idx="0">
+            <a:schemeClr val="accent1"/>
+          </a:effectRef>
+          <a:fontRef idx="minor">
+            <a:schemeClr val="lt1"/>
+          </a:fontRef>
+        </p:style>
+        <p:txBody>
+          <a:bodyPr rtlCol="0" anchor="ctr"/>
+          <a:lstStyle/>
+          <a:p>
+            <a:pPr algn="ctr"/>
+            <a:endParaRPr lang="pl-PL"/>
+          </a:p>
+        </p:txBody>
+      </p:sp>
+    </p:spTree>
+    <p:extLst>
+      <p:ext uri="{BB962C8B-B14F-4D97-AF65-F5344CB8AC3E}">
+        <p14:creationId xmlns:p14="http://schemas.microsoft.com/office/powerpoint/2010/main" val="2177621745"/>
+      </p:ext>
+    </p:extLst>
+  </p:cSld>
+  <p:clrMapOvr>
+    <a:masterClrMapping/>
+  </p:clrMapOvr>
+  <p:timing>
+    <p:tnLst>
+      <p:par>
+        <p:cTn id="1" dur="indefinite" restart="never" nodeType="tmRoot"/>
+      </p:par>
+    </p:tnLst>
+  </p:timing>
+</p:sld>
+</file>
+
+<file path=ppt/slides/slide15.xml><?xml version="1.0" encoding="utf-8"?>
+<p:sld xmlns:a="http://schemas.openxmlformats.org/drawingml/2006/main" xmlns:r="http://schemas.openxmlformats.org/officeDocument/2006/relationships" xmlns:p="http://schemas.openxmlformats.org/presentationml/2006/main">
+  <p:cSld>
+    <p:spTree>
+      <p:nvGrpSpPr>
+        <p:cNvPr id="1" name=""/>
+        <p:cNvGrpSpPr/>
+        <p:nvPr/>
+      </p:nvGrpSpPr>
+      <p:grpSpPr>
+        <a:xfrm>
+          <a:off x="0" y="0"/>
+          <a:ext cx="0" cy="0"/>
+          <a:chOff x="0" y="0"/>
+          <a:chExt cx="0" cy="0"/>
+        </a:xfrm>
+      </p:grpSpPr>
+      <p:sp>
+        <p:nvSpPr>
+          <p:cNvPr id="2" name="Title 1"/>
+          <p:cNvSpPr>
+            <a:spLocks noGrp="1"/>
+          </p:cNvSpPr>
+          <p:nvPr>
+            <p:ph type="title"/>
+          </p:nvPr>
+        </p:nvSpPr>
+        <p:spPr>
+          <a:xfrm>
+            <a:off x="457200" y="44624"/>
+            <a:ext cx="7620000" cy="1143000"/>
+          </a:xfrm>
+        </p:spPr>
+        <p:txBody>
+          <a:bodyPr/>
+          <a:lstStyle/>
+          <a:p>
+            <a:r>
+              <a:rPr lang="pl-PL" sz="4000" dirty="0" smtClean="0">
+                <a:effectLst>
+                  <a:outerShdw blurRad="38100" dist="38100" dir="2700000" algn="tl">
+                    <a:srgbClr val="000000">
+                      <a:alpha val="43137"/>
+                    </a:srgbClr>
+                  </a:outerShdw>
+                </a:effectLst>
+              </a:rPr>
+              <a:t>Podsumowanie</a:t>
+            </a:r>
+            <a:endParaRPr lang="pl-PL" sz="4000" dirty="0">
+              <a:effectLst>
+                <a:outerShdw blurRad="38100" dist="38100" dir="2700000" algn="tl">
+                  <a:srgbClr val="000000">
+                    <a:alpha val="43137"/>
+                  </a:srgbClr>
+                </a:outerShdw>
+              </a:effectLst>
+            </a:endParaRPr>
+          </a:p>
+        </p:txBody>
+      </p:sp>
+      <p:sp>
+        <p:nvSpPr>
+          <p:cNvPr id="3" name="Content Placeholder 2"/>
+          <p:cNvSpPr>
+            <a:spLocks noGrp="1"/>
+          </p:cNvSpPr>
+          <p:nvPr>
+            <p:ph idx="1"/>
+          </p:nvPr>
+        </p:nvSpPr>
+        <p:spPr>
+          <a:xfrm>
+            <a:off x="467544" y="1196752"/>
+            <a:ext cx="7620000" cy="5400600"/>
+          </a:xfrm>
+        </p:spPr>
+        <p:txBody>
+          <a:bodyPr>
+            <a:normAutofit/>
+          </a:bodyPr>
+          <a:lstStyle/>
+          <a:p>
+            <a:r>
+              <a:rPr lang="pl-PL" sz="2400" dirty="0" smtClean="0"/>
+              <a:t>Rozwiązaniem problemu rozłącznych modeli dziedziny w CQRS jest generowanie tych modeli na podstawie pojedynczego opisu dziedziny.</a:t>
+            </a:r>
+          </a:p>
+          <a:p>
+            <a:r>
+              <a:rPr lang="pl-PL" sz="2400" dirty="0" smtClean="0"/>
+              <a:t>Język DSL umożliwia zaangażowanie osób niebędących programistami w proces tworzenia systemu.</a:t>
+            </a:r>
+          </a:p>
+          <a:p>
+            <a:r>
+              <a:rPr lang="pl-PL" sz="2400" dirty="0" smtClean="0"/>
+              <a:t>Opracowany </a:t>
+            </a:r>
+            <a:r>
+              <a:rPr lang="pl-PL" sz="2400" smtClean="0"/>
+              <a:t>generator generuje znaczną część artefaktów systemu.</a:t>
+            </a:r>
+            <a:endParaRPr lang="pl-PL" sz="2400" dirty="0" smtClean="0"/>
+          </a:p>
+          <a:p>
+            <a:r>
+              <a:rPr lang="pl-PL" sz="2400" dirty="0" smtClean="0"/>
+              <a:t>Stworzenie generatora potrafiącego wygenerować aplikacje każdego rodzaju wydaje się być niemożliwe – jednak opracowany generator można łatwo dostosować do potrzeb docelowej aplikacji.</a:t>
+            </a:r>
+          </a:p>
+        </p:txBody>
+      </p:sp>
+      <p:sp>
+        <p:nvSpPr>
+          <p:cNvPr id="6" name="Footer Placeholder 7"/>
+          <p:cNvSpPr>
+            <a:spLocks noGrp="1"/>
+          </p:cNvSpPr>
+          <p:nvPr>
+            <p:ph type="ftr" sz="quarter" idx="11"/>
+          </p:nvPr>
+        </p:nvSpPr>
+        <p:spPr>
+          <a:xfrm rot="5400000">
+            <a:off x="6951124" y="1841964"/>
+            <a:ext cx="3672408" cy="365760"/>
+          </a:xfrm>
+        </p:spPr>
+        <p:txBody>
+          <a:bodyPr/>
+          <a:lstStyle/>
+          <a:p>
+            <a:pPr algn="l"/>
+            <a:r>
+              <a:rPr lang="pl-PL" sz="1600" dirty="0">
+                <a:effectLst>
+                  <a:outerShdw blurRad="38100" dist="38100" dir="2700000" algn="tl">
+                    <a:srgbClr val="000000">
+                      <a:alpha val="43137"/>
+                    </a:srgbClr>
+                  </a:outerShdw>
+                </a:effectLst>
+              </a:rPr>
+              <a:t>Obrona pracy magisterskiej</a:t>
+            </a:r>
+            <a:endParaRPr lang="pl-PL" sz="1600" dirty="0">
+              <a:effectLst>
+                <a:outerShdw blurRad="38100" dist="38100" dir="2700000" algn="tl">
+                  <a:srgbClr val="000000">
+                    <a:alpha val="43137"/>
+                  </a:srgbClr>
+                </a:outerShdw>
+              </a:effectLst>
+            </a:endParaRPr>
+          </a:p>
+        </p:txBody>
+      </p:sp>
+      <p:sp>
+        <p:nvSpPr>
+          <p:cNvPr id="5" name="Slide Number Placeholder 4"/>
+          <p:cNvSpPr>
+            <a:spLocks noGrp="1"/>
+          </p:cNvSpPr>
+          <p:nvPr>
+            <p:ph type="sldNum" sz="quarter" idx="12"/>
+          </p:nvPr>
+        </p:nvSpPr>
+        <p:spPr/>
+        <p:txBody>
+          <a:bodyPr/>
+          <a:lstStyle/>
+          <a:p>
+            <a:fld id="{A9560CCA-E071-4361-AF3D-B0CE296716D1}" type="slidenum">
+              <a:rPr lang="pl-PL" smtClean="0"/>
+              <a:t>15</a:t>
+            </a:fld>
+            <a:endParaRPr lang="pl-PL"/>
+          </a:p>
+        </p:txBody>
+      </p:sp>
+    </p:spTree>
+    <p:extLst>
+      <p:ext uri="{BB962C8B-B14F-4D97-AF65-F5344CB8AC3E}">
+        <p14:creationId xmlns:p14="http://schemas.microsoft.com/office/powerpoint/2010/main" val="1547907720"/>
+      </p:ext>
+    </p:extLst>
+  </p:cSld>
+  <p:clrMapOvr>
+    <a:masterClrMapping/>
+  </p:clrMapOvr>
+  <p:timing>
+    <p:tnLst>
+      <p:par>
+        <p:cTn id="1" dur="indefinite" restart="never" nodeType="tmRoot"/>
+      </p:par>
+    </p:tnLst>
+  </p:timing>
+</p:sld>
+</file>
+
+<file path=ppt/slides/slide16.xml><?xml version="1.0" encoding="utf-8"?>
+<p:sld xmlns:a="http://schemas.openxmlformats.org/drawingml/2006/main" xmlns:r="http://schemas.openxmlformats.org/officeDocument/2006/relationships" xmlns:p="http://schemas.openxmlformats.org/presentationml/2006/main">
+  <p:cSld>
+    <p:spTree>
+      <p:nvGrpSpPr>
+        <p:cNvPr id="1" name=""/>
+        <p:cNvGrpSpPr/>
+        <p:nvPr/>
+      </p:nvGrpSpPr>
+      <p:grpSpPr>
+        <a:xfrm>
+          <a:off x="0" y="0"/>
+          <a:ext cx="0" cy="0"/>
+          <a:chOff x="0" y="0"/>
+          <a:chExt cx="0" cy="0"/>
+        </a:xfrm>
+      </p:grpSpPr>
+      <p:sp>
+        <p:nvSpPr>
+          <p:cNvPr id="2" name="Title 1"/>
+          <p:cNvSpPr>
+            <a:spLocks noGrp="1"/>
+          </p:cNvSpPr>
+          <p:nvPr>
+            <p:ph type="title"/>
+          </p:nvPr>
+        </p:nvSpPr>
+        <p:spPr>
+          <a:xfrm>
+            <a:off x="696416" y="2420888"/>
+            <a:ext cx="6611888" cy="1143000"/>
+          </a:xfrm>
+        </p:spPr>
+        <p:txBody>
+          <a:bodyPr/>
+          <a:lstStyle/>
+          <a:p>
+            <a:r>
+              <a:rPr lang="pl-PL" sz="6000" dirty="0" smtClean="0"/>
+              <a:t>Dziękuję za </a:t>
+            </a:r>
+            <a:r>
+              <a:rPr lang="pl-PL" sz="6000" dirty="0"/>
+              <a:t>uwagę</a:t>
+            </a:r>
+          </a:p>
+        </p:txBody>
+      </p:sp>
+      <p:sp>
+        <p:nvSpPr>
+          <p:cNvPr id="6" name="Footer Placeholder 7"/>
+          <p:cNvSpPr>
+            <a:spLocks noGrp="1"/>
+          </p:cNvSpPr>
+          <p:nvPr>
+            <p:ph type="ftr" sz="quarter" idx="11"/>
+          </p:nvPr>
+        </p:nvSpPr>
+        <p:spPr>
+          <a:xfrm rot="5400000">
+            <a:off x="6951124" y="1841964"/>
+            <a:ext cx="3672408" cy="365760"/>
+          </a:xfrm>
+        </p:spPr>
+        <p:txBody>
+          <a:bodyPr/>
+          <a:lstStyle/>
+          <a:p>
+            <a:pPr algn="l"/>
+            <a:r>
+              <a:rPr lang="pl-PL" sz="1600" dirty="0">
+                <a:effectLst>
+                  <a:outerShdw blurRad="38100" dist="38100" dir="2700000" algn="tl">
+                    <a:srgbClr val="000000">
+                      <a:alpha val="43137"/>
+                    </a:srgbClr>
+                  </a:outerShdw>
+                </a:effectLst>
+              </a:rPr>
+              <a:t>Obrona pracy magisterskiej</a:t>
+            </a:r>
+            <a:endParaRPr lang="pl-PL" sz="1600" dirty="0">
+              <a:effectLst>
+                <a:outerShdw blurRad="38100" dist="38100" dir="2700000" algn="tl">
+                  <a:srgbClr val="000000">
+                    <a:alpha val="43137"/>
+                  </a:srgbClr>
+                </a:outerShdw>
+              </a:effectLst>
+            </a:endParaRPr>
+          </a:p>
+        </p:txBody>
+      </p:sp>
+      <p:sp>
+        <p:nvSpPr>
+          <p:cNvPr id="5" name="Slide Number Placeholder 4"/>
+          <p:cNvSpPr>
+            <a:spLocks noGrp="1"/>
+          </p:cNvSpPr>
+          <p:nvPr>
+            <p:ph type="sldNum" sz="quarter" idx="12"/>
+          </p:nvPr>
+        </p:nvSpPr>
+        <p:spPr/>
+        <p:txBody>
+          <a:bodyPr/>
+          <a:lstStyle/>
+          <a:p>
+            <a:fld id="{A9560CCA-E071-4361-AF3D-B0CE296716D1}" type="slidenum">
+              <a:rPr lang="pl-PL" smtClean="0"/>
+              <a:t>16</a:t>
             </a:fld>
             <a:endParaRPr lang="pl-PL"/>
           </a:p>
@@ -5574,7 +6455,7 @@
           <a:p>
             <a:r>
               <a:rPr lang="pl-PL" sz="2400" dirty="0" smtClean="0"/>
-              <a:t>CQRS = Command Query Responsibility Segregation</a:t>
+              <a:t>CQRS = Command Query Responsibility Segregation.</a:t>
             </a:r>
             <a:endParaRPr lang="pl-PL" dirty="0" smtClean="0"/>
           </a:p>
@@ -5984,8 +6865,8 @@
         </p:blipFill>
         <p:spPr>
           <a:xfrm>
-            <a:off x="755655" y="1202009"/>
-            <a:ext cx="6912689" cy="5035303"/>
+            <a:off x="755655" y="1313130"/>
+            <a:ext cx="7056705" cy="5140206"/>
           </a:xfrm>
           <a:prstGeom prst="rect">
             <a:avLst/>
@@ -6365,6 +7246,12 @@
           </a:p>
           <a:p>
             <a:r>
+              <a:rPr lang="pl-PL" b="1" dirty="0" smtClean="0"/>
+              <a:t>Jako że oba modele reprezentują tą samą dziezdzinę, w systemie pojawia się duplikacja.</a:t>
+            </a:r>
+          </a:p>
+          <a:p>
+            <a:r>
               <a:rPr lang="pl-PL" dirty="0" smtClean="0"/>
               <a:t>Synchronizacja </a:t>
             </a:r>
@@ -6552,17 +7439,45 @@
           <a:lstStyle/>
           <a:p>
             <a:r>
-              <a:rPr lang="pl-PL" sz="3200" dirty="0">
-                <a:effectLst>
-                  <a:outerShdw blurRad="38100" dist="38100" dir="2700000" algn="tl">
-                    <a:srgbClr val="000000">
-                      <a:alpha val="43137"/>
-                    </a:srgbClr>
-                  </a:outerShdw>
-                </a:effectLst>
-              </a:rPr>
+              <a:rPr lang="pl-PL" dirty="0"/>
               <a:t>Aby każde zapytanie mogło być obsłużone jak najszybciej, model zapytań musi być w dużym stopniu zdenormalizowany</a:t>
             </a:r>
+            <a:r>
+              <a:rPr lang="pl-PL" dirty="0" smtClean="0"/>
+              <a:t>.</a:t>
+            </a:r>
+          </a:p>
+          <a:p>
+            <a:r>
+              <a:rPr lang="pl-PL" dirty="0" smtClean="0"/>
+              <a:t>Zarządzanie dwoma modelami tej samej dziedziny może sprawiać problemy.</a:t>
+            </a:r>
+          </a:p>
+          <a:p>
+            <a:r>
+              <a:rPr lang="pl-PL" dirty="0"/>
+              <a:t>Jako że oba modele reprezentują tą samą </a:t>
+            </a:r>
+            <a:r>
+              <a:rPr lang="pl-PL" dirty="0" smtClean="0"/>
+              <a:t>dziedzinę</a:t>
+            </a:r>
+            <a:r>
+              <a:rPr lang="pl-PL" dirty="0"/>
+              <a:t>, w systemie pojawia się duplikacja</a:t>
+            </a:r>
+            <a:r>
+              <a:rPr lang="pl-PL" dirty="0" smtClean="0"/>
+              <a:t>.</a:t>
+            </a:r>
+          </a:p>
+          <a:p>
+            <a:pPr marL="114300" indent="0">
+              <a:buNone/>
+            </a:pPr>
+            <a:endParaRPr lang="pl-PL" dirty="0" smtClean="0"/>
+          </a:p>
+          <a:p>
             <a:r>
               <a:rPr lang="pl-PL" sz="3200" dirty="0" smtClean="0">
                 <a:effectLst>
@@ -6573,21 +7488,7 @@
                   </a:outerShdw>
                 </a:effectLst>
               </a:rPr>
-              <a:t>.</a:t>
-            </a:r>
-          </a:p>
-          <a:p>
-            <a:r>
-              <a:rPr lang="pl-PL" sz="3200" dirty="0" smtClean="0">
-                <a:effectLst>
-                  <a:outerShdw blurRad="38100" dist="38100" dir="2700000" algn="tl">
-                    <a:srgbClr val="000000">
-                      <a:alpha val="43137"/>
-                    </a:srgbClr>
-                  </a:outerShdw>
-                </a:effectLst>
-              </a:rPr>
-              <a:t>Zarządzanie dwoma modelami tej samej dziedziny może sprawiać problemy.</a:t>
+              <a:t>Jak zarządzać dwoma modelami tej samej dziedziny?</a:t>
             </a:r>
           </a:p>
         </p:txBody>
@@ -6765,27 +7666,49 @@
           <a:p>
             <a:r>
               <a:rPr lang="pl-PL" sz="2400" dirty="0" smtClean="0"/>
-              <a:t>[TODO]</a:t>
+              <a:t>Zapisywanie dziedziny systemu w postaci pojedynczego opisu, który będzie zawierał informacje na temat obu modeli.</a:t>
             </a:r>
           </a:p>
           <a:p>
             <a:r>
               <a:rPr lang="pl-PL" sz="2400" dirty="0" smtClean="0"/>
-              <a:t>Generator</a:t>
-            </a:r>
-          </a:p>
-          <a:p>
+              <a:t>Stworzenie generatora, który na podstawie takiego opisu wygeneruje kod opisujący oba modele.</a:t>
+            </a:r>
+          </a:p>
+          <a:p>
+            <a:r>
+              <a:rPr lang="pl-PL" sz="2400" dirty="0" smtClean="0"/>
+              <a:t>Wymagania:</a:t>
+            </a:r>
+          </a:p>
+          <a:p>
+            <a:pPr lvl="1"/>
+            <a:r>
+              <a:rPr lang="pl-PL" dirty="0"/>
+              <a:t>o</a:t>
+            </a:r>
             <a:r>
               <a:rPr lang="pl-PL" dirty="0" smtClean="0"/>
-              <a:t>DSL</a:t>
-            </a:r>
-          </a:p>
-          <a:p>
+              <a:t>pis dziedziny powinien być zrozumiały dla osób niebędących programistami;</a:t>
+            </a:r>
+          </a:p>
+          <a:p>
+            <a:pPr lvl="1"/>
             <a:r>
               <a:rPr lang="pl-PL" dirty="0" smtClean="0"/>
-              <a:t>elastyczność</a:t>
-            </a:r>
-            <a:endParaRPr lang="pl-PL" dirty="0" smtClean="0"/>
+              <a:t>generator powinien generować jak najwięcej artefaktów systemu związanych z jego dziedziną;</a:t>
+            </a:r>
+          </a:p>
+          <a:p>
+            <a:pPr lvl="1"/>
+            <a:r>
+              <a:rPr lang="pl-PL" dirty="0"/>
+              <a:t>g</a:t>
+            </a:r>
+            <a:r>
+              <a:rPr lang="pl-PL" dirty="0" smtClean="0"/>
+              <a:t>enerator powinien być elastyczny, tak aby mógł wygenerować różne rodzaje aplikacji.</a:t>
+            </a:r>
           </a:p>
         </p:txBody>
       </p:sp>
@@ -6960,9 +7883,88 @@
           </a:bodyPr>
           <a:lstStyle/>
           <a:p>
+            <a:pPr marL="571500" indent="-457200">
+              <a:buFont typeface="+mj-lt"/>
+              <a:buAutoNum type="arabicPeriod"/>
+            </a:pPr>
+            <a:r>
+              <a:rPr lang="pl-PL" sz="2400" dirty="0"/>
+              <a:t>Wczytanie </a:t>
+            </a:r>
             <a:r>
               <a:rPr lang="pl-PL" sz="2400" dirty="0" smtClean="0"/>
-              <a:t>[TODO]</a:t>
+              <a:t>opisu </a:t>
+            </a:r>
+            <a:r>
+              <a:rPr lang="pl-PL" sz="2400" dirty="0"/>
+              <a:t>dziedziny </a:t>
+            </a:r>
+            <a:r>
+              <a:rPr lang="pl-PL" sz="2400" dirty="0" smtClean="0"/>
+              <a:t>aplikacji.</a:t>
+            </a:r>
+            <a:endParaRPr lang="pl-PL" sz="2400" dirty="0" smtClean="0"/>
+          </a:p>
+          <a:p>
+            <a:pPr marL="571500" indent="-457200">
+              <a:buFont typeface="+mj-lt"/>
+              <a:buAutoNum type="arabicPeriod"/>
+            </a:pPr>
+            <a:r>
+              <a:rPr lang="pl-PL" sz="2400" dirty="0"/>
+              <a:t>Zdeserializowanie </a:t>
+            </a:r>
+            <a:r>
+              <a:rPr lang="pl-PL" sz="2400" dirty="0" smtClean="0"/>
+              <a:t>opisu </a:t>
+            </a:r>
+            <a:r>
+              <a:rPr lang="pl-PL" sz="2400" dirty="0"/>
+              <a:t>dziedziny </a:t>
+            </a:r>
+            <a:r>
+              <a:rPr lang="pl-PL" sz="2400" dirty="0" smtClean="0"/>
+              <a:t>aplikacji.</a:t>
+            </a:r>
+          </a:p>
+          <a:p>
+            <a:pPr marL="571500" indent="-457200">
+              <a:buFont typeface="+mj-lt"/>
+              <a:buAutoNum type="arabicPeriod"/>
+            </a:pPr>
+            <a:r>
+              <a:rPr lang="pl-PL" dirty="0" smtClean="0"/>
+              <a:t>Wyodrębnienie </a:t>
+            </a:r>
+            <a:r>
+              <a:rPr lang="pl-PL" dirty="0"/>
+              <a:t>jednostek </a:t>
+            </a:r>
+            <a:r>
+              <a:rPr lang="pl-PL" dirty="0" smtClean="0"/>
+              <a:t>generacji.</a:t>
+            </a:r>
+          </a:p>
+          <a:p>
+            <a:pPr marL="571500" indent="-457200">
+              <a:buFont typeface="+mj-lt"/>
+              <a:buAutoNum type="arabicPeriod"/>
+            </a:pPr>
+            <a:r>
+              <a:rPr lang="pl-PL" dirty="0"/>
+              <a:t>Uzycie </a:t>
+            </a:r>
+            <a:r>
+              <a:rPr lang="pl-PL" dirty="0" smtClean="0"/>
+              <a:t>szablonów generacji </a:t>
+            </a:r>
+            <a:r>
+              <a:rPr lang="pl-PL" dirty="0"/>
+              <a:t>do wygenerowania </a:t>
+            </a:r>
+            <a:r>
+              <a:rPr lang="pl-PL" dirty="0" smtClean="0"/>
+              <a:t>artefaktów systemu.</a:t>
             </a:r>
             <a:endParaRPr lang="pl-PL" dirty="0" smtClean="0"/>
           </a:p>

--- a/thesis/presentation/presentation.pptx
+++ b/thesis/presentation/presentation.pptx
@@ -207,7 +207,7 @@
           <a:p>
             <a:fld id="{8B2438A0-9889-4524-A836-B1F16A347C9A}" type="datetimeFigureOut">
               <a:rPr lang="pl-PL" smtClean="0"/>
-              <a:t>2015-03-15</a:t>
+              <a:t>2015-03-18</a:t>
             </a:fld>
             <a:endParaRPr lang="pl-PL"/>
           </a:p>
@@ -753,7 +753,7 @@
           <a:p>
             <a:fld id="{DF8502F3-6FCB-4412-BC1B-6BD1E19AD95B}" type="datetime1">
               <a:rPr lang="pl-PL" smtClean="0"/>
-              <a:t>2015-03-15</a:t>
+              <a:t>2015-03-18</a:t>
             </a:fld>
             <a:endParaRPr lang="pl-PL"/>
           </a:p>
@@ -922,7 +922,7 @@
           <a:p>
             <a:fld id="{2C3A9CA8-94EC-4527-8F8B-DBD707D01242}" type="datetime1">
               <a:rPr lang="pl-PL" smtClean="0"/>
-              <a:t>2015-03-15</a:t>
+              <a:t>2015-03-18</a:t>
             </a:fld>
             <a:endParaRPr lang="pl-PL"/>
           </a:p>
@@ -1101,7 +1101,7 @@
           <a:p>
             <a:fld id="{B6CEB1C5-C0C6-4424-A29E-91E4E3F5914E}" type="datetime1">
               <a:rPr lang="pl-PL" smtClean="0"/>
-              <a:t>2015-03-15</a:t>
+              <a:t>2015-03-18</a:t>
             </a:fld>
             <a:endParaRPr lang="pl-PL"/>
           </a:p>
@@ -1270,7 +1270,7 @@
           <a:p>
             <a:fld id="{72A5EE3F-7E13-4B6A-B05F-2A1CC7201CC3}" type="datetime1">
               <a:rPr lang="pl-PL" smtClean="0"/>
-              <a:t>2015-03-15</a:t>
+              <a:t>2015-03-18</a:t>
             </a:fld>
             <a:endParaRPr lang="pl-PL"/>
           </a:p>
@@ -1515,7 +1515,7 @@
           <a:p>
             <a:fld id="{E9E8B4A4-D862-4963-A883-5BE55689752D}" type="datetime1">
               <a:rPr lang="pl-PL" smtClean="0"/>
-              <a:t>2015-03-15</a:t>
+              <a:t>2015-03-18</a:t>
             </a:fld>
             <a:endParaRPr lang="pl-PL"/>
           </a:p>
@@ -1802,7 +1802,7 @@
           <a:p>
             <a:fld id="{F83EA0BF-0AC4-4E7D-86B2-1B30987E526B}" type="datetime1">
               <a:rPr lang="pl-PL" smtClean="0"/>
-              <a:t>2015-03-15</a:t>
+              <a:t>2015-03-18</a:t>
             </a:fld>
             <a:endParaRPr lang="pl-PL"/>
           </a:p>
@@ -2235,7 +2235,7 @@
           <a:p>
             <a:fld id="{CEDF3D31-0660-41AD-834D-9D9D939F4607}" type="datetime1">
               <a:rPr lang="pl-PL" smtClean="0"/>
-              <a:t>2015-03-15</a:t>
+              <a:t>2015-03-18</a:t>
             </a:fld>
             <a:endParaRPr lang="pl-PL"/>
           </a:p>
@@ -2352,7 +2352,7 @@
           <a:p>
             <a:fld id="{C26B2FC2-C779-4CA5-A028-34554AA059CA}" type="datetime1">
               <a:rPr lang="pl-PL" smtClean="0"/>
-              <a:t>2015-03-15</a:t>
+              <a:t>2015-03-18</a:t>
             </a:fld>
             <a:endParaRPr lang="pl-PL"/>
           </a:p>
@@ -2446,7 +2446,7 @@
           <a:p>
             <a:fld id="{7290F76F-7CB7-4392-91ED-3475F360F105}" type="datetime1">
               <a:rPr lang="pl-PL" smtClean="0"/>
-              <a:t>2015-03-15</a:t>
+              <a:t>2015-03-18</a:t>
             </a:fld>
             <a:endParaRPr lang="pl-PL"/>
           </a:p>
@@ -2639,7 +2639,7 @@
           <a:p>
             <a:fld id="{DBB97A76-55E0-441A-BB3A-40C4EB3C696C}" type="datetime1">
               <a:rPr lang="pl-PL" smtClean="0"/>
-              <a:t>2015-03-15</a:t>
+              <a:t>2015-03-18</a:t>
             </a:fld>
             <a:endParaRPr lang="pl-PL"/>
           </a:p>
@@ -2961,7 +2961,7 @@
           <a:p>
             <a:fld id="{EA6D46FE-61EF-4578-81F4-2582C0B09E9B}" type="datetime1">
               <a:rPr lang="pl-PL" smtClean="0"/>
-              <a:t>2015-03-15</a:t>
+              <a:t>2015-03-18</a:t>
             </a:fld>
             <a:endParaRPr lang="pl-PL"/>
           </a:p>
@@ -3348,7 +3348,7 @@
           <a:p>
             <a:fld id="{52E6C93D-B0D7-4F37-81A4-6580E5D8BBFF}" type="datetime1">
               <a:rPr lang="pl-PL" smtClean="0"/>
-              <a:t>2015-03-15</a:t>
+              <a:t>2015-03-18</a:t>
             </a:fld>
             <a:endParaRPr lang="pl-PL"/>
           </a:p>
@@ -3728,15 +3728,6 @@
               </a:rPr>
               <a:t>aplikacji opartych o architekturę CQRS</a:t>
             </a:r>
-            <a:endParaRPr lang="pl-PL" sz="3600" dirty="0">
-              <a:effectLst>
-                <a:outerShdw blurRad="38100" dist="38100" dir="2700000" algn="tl">
-                  <a:srgbClr val="000000">
-                    <a:alpha val="43137"/>
-                  </a:srgbClr>
-                </a:outerShdw>
-              </a:effectLst>
-            </a:endParaRPr>
           </a:p>
         </p:txBody>
       </p:sp>
@@ -3780,23 +3771,8 @@
                 </a:solidFill>
                 <a:latin typeface="+mj-lt"/>
               </a:rPr>
-              <a:t>Warszawa, </a:t>
-            </a:r>
-            <a:r>
-              <a:rPr lang="pl-PL" sz="2800" i="1" dirty="0" smtClean="0">
-                <a:solidFill>
-                  <a:schemeClr val="tx2"/>
-                </a:solidFill>
-                <a:latin typeface="+mj-lt"/>
-              </a:rPr>
-              <a:t>29.03.2015</a:t>
-            </a:r>
-            <a:endParaRPr lang="pl-PL" sz="2800" i="1" dirty="0" smtClean="0">
-              <a:solidFill>
-                <a:schemeClr val="tx2"/>
-              </a:solidFill>
-              <a:latin typeface="+mj-lt"/>
-            </a:endParaRPr>
+              <a:t>Warszawa, 29.03.2015</a:t>
+            </a:r>
           </a:p>
         </p:txBody>
       </p:sp>
@@ -4113,15 +4089,6 @@
               </a:rPr>
               <a:t>Obrona pracy magisterskiej</a:t>
             </a:r>
-            <a:endParaRPr lang="pl-PL" sz="1600" dirty="0">
-              <a:effectLst>
-                <a:outerShdw blurRad="38100" dist="38100" dir="2700000" algn="tl">
-                  <a:srgbClr val="000000">
-                    <a:alpha val="43137"/>
-                  </a:srgbClr>
-                </a:outerShdw>
-              </a:effectLst>
-            </a:endParaRPr>
           </a:p>
         </p:txBody>
       </p:sp>
@@ -4262,15 +4229,6 @@
               </a:rPr>
               <a:t>Obrona pracy magisterskiej</a:t>
             </a:r>
-            <a:endParaRPr lang="pl-PL" sz="1600" dirty="0">
-              <a:effectLst>
-                <a:outerShdw blurRad="38100" dist="38100" dir="2700000" algn="tl">
-                  <a:srgbClr val="000000">
-                    <a:alpha val="43137"/>
-                  </a:srgbClr>
-                </a:outerShdw>
-              </a:effectLst>
-            </a:endParaRPr>
           </a:p>
         </p:txBody>
       </p:sp>
@@ -4949,15 +4907,6 @@
               </a:rPr>
               <a:t>Obrona pracy magisterskiej</a:t>
             </a:r>
-            <a:endParaRPr lang="pl-PL" sz="1600" dirty="0">
-              <a:effectLst>
-                <a:outerShdw blurRad="38100" dist="38100" dir="2700000" algn="tl">
-                  <a:srgbClr val="000000">
-                    <a:alpha val="43137"/>
-                  </a:srgbClr>
-                </a:outerShdw>
-              </a:effectLst>
-            </a:endParaRPr>
           </a:p>
         </p:txBody>
       </p:sp>
@@ -5110,15 +5059,6 @@
               </a:rPr>
               <a:t>Obrona pracy magisterskiej</a:t>
             </a:r>
-            <a:endParaRPr lang="pl-PL" sz="1600" dirty="0">
-              <a:effectLst>
-                <a:outerShdw blurRad="38100" dist="38100" dir="2700000" algn="tl">
-                  <a:srgbClr val="000000">
-                    <a:alpha val="43137"/>
-                  </a:srgbClr>
-                </a:outerShdw>
-              </a:effectLst>
-            </a:endParaRPr>
           </a:p>
         </p:txBody>
       </p:sp>
@@ -5371,15 +5311,6 @@
               </a:rPr>
               <a:t>Obrona pracy magisterskiej</a:t>
             </a:r>
-            <a:endParaRPr lang="pl-PL" sz="1600" dirty="0">
-              <a:effectLst>
-                <a:outerShdw blurRad="38100" dist="38100" dir="2700000" algn="tl">
-                  <a:srgbClr val="000000">
-                    <a:alpha val="43137"/>
-                  </a:srgbClr>
-                </a:outerShdw>
-              </a:effectLst>
-            </a:endParaRPr>
           </a:p>
         </p:txBody>
       </p:sp>
@@ -5979,15 +5910,6 @@
               </a:rPr>
               <a:t>Obrona pracy magisterskiej</a:t>
             </a:r>
-            <a:endParaRPr lang="pl-PL" sz="1600" dirty="0">
-              <a:effectLst>
-                <a:outerShdw blurRad="38100" dist="38100" dir="2700000" algn="tl">
-                  <a:srgbClr val="000000">
-                    <a:alpha val="43137"/>
-                  </a:srgbClr>
-                </a:outerShdw>
-              </a:effectLst>
-            </a:endParaRPr>
           </a:p>
         </p:txBody>
       </p:sp>
@@ -6115,15 +6037,6 @@
               </a:rPr>
               <a:t>Obrona pracy magisterskiej</a:t>
             </a:r>
-            <a:endParaRPr lang="pl-PL" sz="1600" dirty="0">
-              <a:effectLst>
-                <a:outerShdw blurRad="38100" dist="38100" dir="2700000" algn="tl">
-                  <a:srgbClr val="000000">
-                    <a:alpha val="43137"/>
-                  </a:srgbClr>
-                </a:outerShdw>
-              </a:effectLst>
-            </a:endParaRPr>
           </a:p>
         </p:txBody>
       </p:sp>
@@ -6247,32 +6160,24 @@
               <a:rPr lang="pl-PL" sz="2800" dirty="0" smtClean="0"/>
               <a:t>Architektura CQRS</a:t>
             </a:r>
-            <a:endParaRPr lang="pl-PL" sz="2800" dirty="0" smtClean="0"/>
           </a:p>
           <a:p>
             <a:r>
               <a:rPr lang="pl-PL" sz="2800" dirty="0" smtClean="0"/>
               <a:t>Problem</a:t>
             </a:r>
-            <a:endParaRPr lang="pl-PL" sz="2800" dirty="0" smtClean="0"/>
           </a:p>
           <a:p>
             <a:r>
               <a:rPr lang="pl-PL" sz="2800" dirty="0" smtClean="0"/>
-              <a:t>Zaproponowane r</a:t>
-            </a:r>
-            <a:r>
-              <a:rPr lang="pl-PL" sz="2800" dirty="0" smtClean="0"/>
-              <a:t>ozwiązanie</a:t>
-            </a:r>
-            <a:endParaRPr lang="pl-PL" sz="2800" dirty="0" smtClean="0"/>
+              <a:t>Zaproponowane rozwiązanie</a:t>
+            </a:r>
           </a:p>
           <a:p>
             <a:r>
               <a:rPr lang="pl-PL" sz="2800" dirty="0" smtClean="0"/>
               <a:t>Działanie generatora</a:t>
             </a:r>
-            <a:endParaRPr lang="pl-PL" sz="2800" dirty="0" smtClean="0"/>
           </a:p>
           <a:p>
             <a:r>
@@ -6315,15 +6220,6 @@
               </a:rPr>
               <a:t>Obrona pracy magisterskiej</a:t>
             </a:r>
-            <a:endParaRPr lang="pl-PL" sz="1600" dirty="0">
-              <a:effectLst>
-                <a:outerShdw blurRad="38100" dist="38100" dir="2700000" algn="tl">
-                  <a:srgbClr val="000000">
-                    <a:alpha val="43137"/>
-                  </a:srgbClr>
-                </a:outerShdw>
-              </a:effectLst>
-            </a:endParaRPr>
           </a:p>
         </p:txBody>
       </p:sp>
@@ -6659,15 +6555,6 @@
               </a:rPr>
               <a:t>Obrona pracy magisterskiej</a:t>
             </a:r>
-            <a:endParaRPr lang="pl-PL" sz="1600" dirty="0">
-              <a:effectLst>
-                <a:outerShdw blurRad="38100" dist="38100" dir="2700000" algn="tl">
-                  <a:srgbClr val="000000">
-                    <a:alpha val="43137"/>
-                  </a:srgbClr>
-                </a:outerShdw>
-              </a:effectLst>
-            </a:endParaRPr>
           </a:p>
         </p:txBody>
       </p:sp>
@@ -6808,15 +6695,6 @@
               </a:rPr>
               <a:t>Obrona pracy magisterskiej</a:t>
             </a:r>
-            <a:endParaRPr lang="pl-PL" sz="1600" dirty="0">
-              <a:effectLst>
-                <a:outerShdw blurRad="38100" dist="38100" dir="2700000" algn="tl">
-                  <a:srgbClr val="000000">
-                    <a:alpha val="43137"/>
-                  </a:srgbClr>
-                </a:outerShdw>
-              </a:effectLst>
-            </a:endParaRPr>
           </a:p>
         </p:txBody>
       </p:sp>
@@ -7053,8 +6931,89 @@
           <a:p>
             <a:r>
               <a:rPr lang="pl-PL" dirty="0" smtClean="0"/>
-              <a:t>Architektura CQRS dobrze współgra z wzorcem EventSourcing i bazami danych typu NoSQL.</a:t>
-            </a:r>
+              <a:t>Architektura CQRS dobrze współgra </a:t>
+            </a:r>
+            <a:r>
+              <a:rPr lang="pl-PL" dirty="0" smtClean="0"/>
+              <a:t>z:</a:t>
+            </a:r>
+          </a:p>
+          <a:p>
+            <a:pPr lvl="1"/>
+            <a:r>
+              <a:rPr lang="pl-PL" dirty="0" smtClean="0"/>
+              <a:t>wzorcem EventSourcing:</a:t>
+            </a:r>
+          </a:p>
+          <a:p>
+            <a:pPr lvl="2"/>
+            <a:r>
+              <a:rPr lang="pl-PL" dirty="0" smtClean="0"/>
+              <a:t>śledzenie i zapisywanie wszystkich zdarzeń w systemie,</a:t>
+            </a:r>
+          </a:p>
+          <a:p>
+            <a:pPr lvl="2"/>
+            <a:r>
+              <a:rPr lang="pl-PL"/>
+              <a:t>m</a:t>
+            </a:r>
+            <a:r>
+              <a:rPr lang="pl-PL" smtClean="0"/>
+              <a:t>ożliwość cofnięcia stanu systemu do dowolnego punktu w czasie;</a:t>
+            </a:r>
+            <a:endParaRPr lang="pl-PL" dirty="0" smtClean="0"/>
+          </a:p>
+          <a:p>
+            <a:pPr lvl="1"/>
+            <a:r>
+              <a:rPr lang="pl-PL" dirty="0" smtClean="0"/>
+              <a:t>bazami </a:t>
+            </a:r>
+            <a:r>
+              <a:rPr lang="pl-PL" dirty="0" smtClean="0"/>
+              <a:t>danych typu </a:t>
+            </a:r>
+            <a:r>
+              <a:rPr lang="pl-PL" dirty="0" smtClean="0"/>
+              <a:t>NoSQL (np. Cassandra):</a:t>
+            </a:r>
+            <a:endParaRPr lang="pl-PL" dirty="0" smtClean="0"/>
+          </a:p>
+          <a:p>
+            <a:pPr lvl="2"/>
+            <a:r>
+              <a:rPr lang="pl-PL" dirty="0" smtClean="0"/>
+              <a:t>szybki odczyt danych, p</a:t>
+            </a:r>
+            <a:r>
+              <a:rPr lang="pl-PL" dirty="0" smtClean="0"/>
+              <a:t>romowanie denormalizacji,</a:t>
+            </a:r>
+          </a:p>
+          <a:p>
+            <a:pPr lvl="2"/>
+            <a:r>
+              <a:rPr lang="pl-PL" dirty="0"/>
+              <a:t>o</a:t>
+            </a:r>
+            <a:r>
+              <a:rPr lang="pl-PL" dirty="0" smtClean="0"/>
+              <a:t>dporność na błędy,</a:t>
+            </a:r>
+            <a:r>
+              <a:rPr lang="pl-PL" dirty="0"/>
+              <a:t> </a:t>
+            </a:r>
+            <a:r>
+              <a:rPr lang="pl-PL" dirty="0" smtClean="0"/>
+              <a:t>d</a:t>
+            </a:r>
+            <a:r>
+              <a:rPr lang="pl-PL" dirty="0" smtClean="0"/>
+              <a:t>uża wydajność dla dużych ilości danych.</a:t>
+            </a:r>
+            <a:endParaRPr lang="pl-PL" dirty="0" smtClean="0"/>
           </a:p>
         </p:txBody>
       </p:sp>
@@ -7091,15 +7050,6 @@
               </a:rPr>
               <a:t>Obrona pracy magisterskiej</a:t>
             </a:r>
-            <a:endParaRPr lang="pl-PL" sz="1600" dirty="0">
-              <a:effectLst>
-                <a:outerShdw blurRad="38100" dist="38100" dir="2700000" algn="tl">
-                  <a:srgbClr val="000000">
-                    <a:alpha val="43137"/>
-                  </a:srgbClr>
-                </a:outerShdw>
-              </a:effectLst>
-            </a:endParaRPr>
           </a:p>
         </p:txBody>
       </p:sp>
@@ -7300,15 +7250,6 @@
               </a:rPr>
               <a:t>Obrona pracy magisterskiej</a:t>
             </a:r>
-            <a:endParaRPr lang="pl-PL" sz="1600" dirty="0">
-              <a:effectLst>
-                <a:outerShdw blurRad="38100" dist="38100" dir="2700000" algn="tl">
-                  <a:srgbClr val="000000">
-                    <a:alpha val="43137"/>
-                  </a:srgbClr>
-                </a:outerShdw>
-              </a:effectLst>
-            </a:endParaRPr>
           </a:p>
         </p:txBody>
       </p:sp>
@@ -7526,15 +7467,6 @@
               </a:rPr>
               <a:t>Obrona pracy magisterskiej</a:t>
             </a:r>
-            <a:endParaRPr lang="pl-PL" sz="1600" dirty="0">
-              <a:effectLst>
-                <a:outerShdw blurRad="38100" dist="38100" dir="2700000" algn="tl">
-                  <a:srgbClr val="000000">
-                    <a:alpha val="43137"/>
-                  </a:srgbClr>
-                </a:outerShdw>
-              </a:effectLst>
-            </a:endParaRPr>
           </a:p>
         </p:txBody>
       </p:sp>
@@ -7666,19 +7598,39 @@
           <a:p>
             <a:r>
               <a:rPr lang="pl-PL" sz="2400" dirty="0" smtClean="0"/>
-              <a:t>Zapisywanie dziedziny systemu w postaci pojedynczego opisu, który będzie zawierał informacje na temat obu modeli.</a:t>
-            </a:r>
-          </a:p>
-          <a:p>
+              <a:t>Koncepcja: zapisywanie </a:t>
+            </a:r>
             <a:r>
               <a:rPr lang="pl-PL" sz="2400" dirty="0" smtClean="0"/>
-              <a:t>Stworzenie generatora, który na podstawie takiego opisu wygeneruje kod opisujący oba modele.</a:t>
-            </a:r>
-          </a:p>
-          <a:p>
+              <a:t>dziedziny systemu w postaci pojedynczego </a:t>
+            </a:r>
             <a:r>
               <a:rPr lang="pl-PL" sz="2400" dirty="0" smtClean="0"/>
-              <a:t>Wymagania:</a:t>
+              <a:t>opisu, który będzie zawierał informacje na temat obu modeli.</a:t>
+            </a:r>
+          </a:p>
+          <a:p>
+            <a:r>
+              <a:rPr lang="pl-PL" sz="2400" dirty="0" smtClean="0"/>
+              <a:t>Implementacja: </a:t>
+            </a:r>
+            <a:r>
+              <a:rPr lang="pl-PL" sz="2400" dirty="0"/>
+              <a:t>s</a:t>
+            </a:r>
+            <a:r>
+              <a:rPr lang="pl-PL" sz="2400" dirty="0" smtClean="0"/>
+              <a:t>tworzenie generatora, który na podstawie opisu wygeneruje kod implementujący oba modele.</a:t>
+            </a:r>
+          </a:p>
+          <a:p>
+            <a:r>
+              <a:rPr lang="pl-PL" sz="2400" dirty="0" smtClean="0"/>
+              <a:t>Wymagania</a:t>
+            </a:r>
+            <a:r>
+              <a:rPr lang="pl-PL" sz="2400" dirty="0" smtClean="0"/>
+              <a:t>:</a:t>
             </a:r>
           </a:p>
           <a:p>
@@ -7745,15 +7697,6 @@
               </a:rPr>
               <a:t>Obrona pracy magisterskiej</a:t>
             </a:r>
-            <a:endParaRPr lang="pl-PL" sz="1600" dirty="0">
-              <a:effectLst>
-                <a:outerShdw blurRad="38100" dist="38100" dir="2700000" algn="tl">
-                  <a:srgbClr val="000000">
-                    <a:alpha val="43137"/>
-                  </a:srgbClr>
-                </a:outerShdw>
-              </a:effectLst>
-            </a:endParaRPr>
           </a:p>
         </p:txBody>
       </p:sp>
@@ -7903,7 +7846,6 @@
               <a:rPr lang="pl-PL" sz="2400" dirty="0" smtClean="0"/>
               <a:t>aplikacji.</a:t>
             </a:r>
-            <a:endParaRPr lang="pl-PL" sz="2400" dirty="0" smtClean="0"/>
           </a:p>
           <a:p>
             <a:pPr marL="571500" indent="-457200">
@@ -7966,7 +7908,6 @@
               <a:rPr lang="pl-PL" dirty="0" smtClean="0"/>
               <a:t>artefaktów systemu.</a:t>
             </a:r>
-            <a:endParaRPr lang="pl-PL" dirty="0" smtClean="0"/>
           </a:p>
         </p:txBody>
       </p:sp>
@@ -8003,15 +7944,6 @@
               </a:rPr>
               <a:t>Obrona pracy magisterskiej</a:t>
             </a:r>
-            <a:endParaRPr lang="pl-PL" sz="1600" dirty="0">
-              <a:effectLst>
-                <a:outerShdw blurRad="38100" dist="38100" dir="2700000" algn="tl">
-                  <a:srgbClr val="000000">
-                    <a:alpha val="43137"/>
-                  </a:srgbClr>
-                </a:outerShdw>
-              </a:effectLst>
-            </a:endParaRPr>
           </a:p>
         </p:txBody>
       </p:sp>

--- a/thesis/presentation/presentation.pptx
+++ b/thesis/presentation/presentation.pptx
@@ -5,7 +5,7 @@
     <p:sldMasterId id="2147483660" r:id="rId1"/>
   </p:sldMasterIdLst>
   <p:notesMasterIdLst>
-    <p:notesMasterId r:id="rId18"/>
+    <p:notesMasterId r:id="rId19"/>
   </p:notesMasterIdLst>
   <p:sldIdLst>
     <p:sldId id="256" r:id="rId2"/>
@@ -16,14 +16,15 @@
     <p:sldId id="328" r:id="rId7"/>
     <p:sldId id="329" r:id="rId8"/>
     <p:sldId id="325" r:id="rId9"/>
-    <p:sldId id="332" r:id="rId10"/>
-    <p:sldId id="338" r:id="rId11"/>
-    <p:sldId id="334" r:id="rId12"/>
-    <p:sldId id="335" r:id="rId13"/>
+    <p:sldId id="338" r:id="rId10"/>
+    <p:sldId id="340" r:id="rId11"/>
+    <p:sldId id="335" r:id="rId12"/>
+    <p:sldId id="332" r:id="rId13"/>
     <p:sldId id="339" r:id="rId14"/>
-    <p:sldId id="337" r:id="rId15"/>
-    <p:sldId id="333" r:id="rId16"/>
-    <p:sldId id="258" r:id="rId17"/>
+    <p:sldId id="334" r:id="rId15"/>
+    <p:sldId id="337" r:id="rId16"/>
+    <p:sldId id="333" r:id="rId17"/>
+    <p:sldId id="258" r:id="rId18"/>
   </p:sldIdLst>
   <p:sldSz cx="9144000" cy="6858000" type="screen4x3"/>
   <p:notesSz cx="6858000" cy="9144000"/>
@@ -3902,18 +3903,6 @@
           <a:lstStyle/>
           <a:p>
             <a:r>
-              <a:rPr lang="pl-PL" sz="4000" dirty="0">
-                <a:effectLst>
-                  <a:outerShdw blurRad="38100" dist="38100" dir="2700000" algn="tl">
-                    <a:srgbClr val="000000">
-                      <a:alpha val="43137"/>
-                    </a:srgbClr>
-                  </a:outerShdw>
-                </a:effectLst>
-              </a:rPr>
-              <a:t>Działanie </a:t>
-            </a:r>
-            <a:r>
               <a:rPr lang="pl-PL" sz="4000" dirty="0" smtClean="0">
                 <a:effectLst>
                   <a:outerShdw blurRad="38100" dist="38100" dir="2700000" algn="tl">
@@ -3923,7 +3912,7 @@
                   </a:outerShdw>
                 </a:effectLst>
               </a:rPr>
-              <a:t>generatora: przykład</a:t>
+              <a:t>Opis dziedziny aplikacji: JSON</a:t>
             </a:r>
             <a:endParaRPr lang="pl-PL" sz="4000" dirty="0">
               <a:effectLst>
@@ -3934,125 +3923,6 @@
                 </a:outerShdw>
               </a:effectLst>
             </a:endParaRPr>
-          </a:p>
-        </p:txBody>
-      </p:sp>
-      <p:sp>
-        <p:nvSpPr>
-          <p:cNvPr id="3" name="Content Placeholder 2"/>
-          <p:cNvSpPr>
-            <a:spLocks noGrp="1"/>
-          </p:cNvSpPr>
-          <p:nvPr>
-            <p:ph idx="1"/>
-          </p:nvPr>
-        </p:nvSpPr>
-        <p:spPr>
-          <a:xfrm>
-            <a:off x="467544" y="1196752"/>
-            <a:ext cx="7620000" cy="5400600"/>
-          </a:xfrm>
-        </p:spPr>
-        <p:txBody>
-          <a:bodyPr>
-            <a:normAutofit/>
-          </a:bodyPr>
-          <a:lstStyle/>
-          <a:p>
-            <a:r>
-              <a:rPr lang="pl-PL" dirty="0"/>
-              <a:t>Komendy pozwalające użytkownikowi</a:t>
-            </a:r>
-            <a:r>
-              <a:rPr lang="pl-PL" sz="2400" dirty="0"/>
-              <a:t>:</a:t>
-            </a:r>
-          </a:p>
-          <a:p>
-            <a:pPr lvl="1"/>
-            <a:r>
-              <a:rPr lang="pl-PL" dirty="0"/>
-              <a:t>opublikować wpis na swoim blogu;</a:t>
-            </a:r>
-          </a:p>
-          <a:p>
-            <a:pPr lvl="1"/>
-            <a:r>
-              <a:rPr lang="pl-PL" dirty="0"/>
-              <a:t>polubić wpis innego użytkownika;</a:t>
-            </a:r>
-          </a:p>
-          <a:p>
-            <a:pPr lvl="1"/>
-            <a:r>
-              <a:rPr lang="pl-PL" dirty="0"/>
-              <a:t>skomentować wpis innego użytkownika</a:t>
-            </a:r>
-            <a:r>
-              <a:rPr lang="pl-PL" dirty="0" smtClean="0"/>
-              <a:t>.</a:t>
-            </a:r>
-          </a:p>
-          <a:p>
-            <a:r>
-              <a:rPr lang="pl-PL" dirty="0" smtClean="0"/>
-              <a:t>Zapytania na potrzeby:</a:t>
-            </a:r>
-            <a:endParaRPr lang="pl-PL" dirty="0"/>
-          </a:p>
-          <a:p>
-            <a:pPr lvl="1"/>
-            <a:r>
-              <a:rPr lang="pl-PL" dirty="0" smtClean="0"/>
-              <a:t>wyświetlenia danego bloga, </a:t>
-            </a:r>
-            <a:r>
-              <a:rPr lang="pl-PL" dirty="0"/>
-              <a:t>tzn. wszystkich wpisów jego autora wraz z </a:t>
-            </a:r>
-            <a:r>
-              <a:rPr lang="pl-PL" dirty="0" smtClean="0"/>
-              <a:t>liczbą </a:t>
-            </a:r>
-            <a:r>
-              <a:rPr lang="pl-PL" dirty="0"/>
-              <a:t>ich komentarzy;</a:t>
-            </a:r>
-          </a:p>
-          <a:p>
-            <a:pPr lvl="1"/>
-            <a:r>
-              <a:rPr lang="pl-PL" dirty="0" smtClean="0"/>
-              <a:t>wyświetlenia </a:t>
-            </a:r>
-            <a:r>
-              <a:rPr lang="pl-PL" dirty="0"/>
-              <a:t>danego wpisu wraz z jego komentarzami i “polubieniami”;</a:t>
-            </a:r>
-          </a:p>
-          <a:p>
-            <a:pPr lvl="1"/>
-            <a:r>
-              <a:rPr lang="pl-PL" dirty="0" smtClean="0"/>
-              <a:t>wyświetlenia </a:t>
-            </a:r>
-            <a:r>
-              <a:rPr lang="pl-PL" dirty="0"/>
-              <a:t>profilu </a:t>
-            </a:r>
-            <a:r>
-              <a:rPr lang="pl-PL" dirty="0" smtClean="0"/>
-              <a:t>użytkownika </a:t>
-            </a:r>
-            <a:r>
-              <a:rPr lang="pl-PL" dirty="0"/>
-              <a:t>wraz z lubianymi przez niego </a:t>
-            </a:r>
-            <a:r>
-              <a:rPr lang="pl-PL" dirty="0" smtClean="0"/>
-              <a:t>wpisami.</a:t>
-            </a:r>
-            <a:endParaRPr lang="pl-PL" sz="2400" dirty="0" smtClean="0"/>
           </a:p>
         </p:txBody>
       </p:sp>
@@ -4115,10 +3985,522 @@
           </a:p>
         </p:txBody>
       </p:sp>
+      <p:sp>
+        <p:nvSpPr>
+          <p:cNvPr id="8" name="Content Placeholder 2"/>
+          <p:cNvSpPr>
+            <a:spLocks noGrp="1"/>
+          </p:cNvSpPr>
+          <p:nvPr>
+            <p:ph idx="1"/>
+          </p:nvPr>
+        </p:nvSpPr>
+        <p:spPr>
+          <a:xfrm>
+            <a:off x="467544" y="1124744"/>
+            <a:ext cx="7620000" cy="5400600"/>
+          </a:xfrm>
+        </p:spPr>
+        <p:txBody>
+          <a:bodyPr>
+            <a:noAutofit/>
+          </a:bodyPr>
+          <a:lstStyle/>
+          <a:p>
+            <a:pPr marL="114300" indent="0">
+              <a:spcBef>
+                <a:spcPts val="0"/>
+              </a:spcBef>
+              <a:buNone/>
+            </a:pPr>
+            <a:r>
+              <a:rPr lang="en-US" sz="1400" dirty="0" smtClean="0"/>
+              <a:t>{</a:t>
+            </a:r>
+            <a:endParaRPr lang="pl-PL" sz="1400" dirty="0"/>
+          </a:p>
+          <a:p>
+            <a:pPr marL="114300" indent="0">
+              <a:spcBef>
+                <a:spcPts val="0"/>
+              </a:spcBef>
+              <a:buNone/>
+            </a:pPr>
+            <a:r>
+              <a:rPr lang="pl-PL" sz="1400" dirty="0" smtClean="0"/>
+              <a:t>    </a:t>
+            </a:r>
+            <a:r>
+              <a:rPr lang="en-US" sz="1400" dirty="0" smtClean="0"/>
+              <a:t>"</a:t>
+            </a:r>
+            <a:r>
+              <a:rPr lang="en-US" sz="1400" dirty="0"/>
+              <a:t>Name": "User",</a:t>
+            </a:r>
+          </a:p>
+          <a:p>
+            <a:pPr marL="114300" indent="0">
+              <a:spcBef>
+                <a:spcPts val="0"/>
+              </a:spcBef>
+              <a:buNone/>
+            </a:pPr>
+            <a:r>
+              <a:rPr lang="en-US" sz="1400" dirty="0"/>
+              <a:t>    "</a:t>
+            </a:r>
+            <a:r>
+              <a:rPr lang="en-US" sz="1400" dirty="0" err="1"/>
+              <a:t>IsView</a:t>
+            </a:r>
+            <a:r>
+              <a:rPr lang="en-US" sz="1400" dirty="0"/>
+              <a:t>": true,</a:t>
+            </a:r>
+          </a:p>
+          <a:p>
+            <a:pPr marL="114300" indent="0">
+              <a:spcBef>
+                <a:spcPts val="0"/>
+              </a:spcBef>
+              <a:buNone/>
+            </a:pPr>
+            <a:r>
+              <a:rPr lang="en-US" sz="1400" dirty="0"/>
+              <a:t>    "Fields": [</a:t>
+            </a:r>
+          </a:p>
+          <a:p>
+            <a:pPr marL="114300" indent="0">
+              <a:spcBef>
+                <a:spcPts val="0"/>
+              </a:spcBef>
+              <a:buNone/>
+            </a:pPr>
+            <a:r>
+              <a:rPr lang="en-US" sz="1400" dirty="0"/>
+              <a:t>        {</a:t>
+            </a:r>
+          </a:p>
+          <a:p>
+            <a:pPr marL="114300" indent="0">
+              <a:spcBef>
+                <a:spcPts val="0"/>
+              </a:spcBef>
+              <a:buNone/>
+            </a:pPr>
+            <a:r>
+              <a:rPr lang="en-US" sz="1400" dirty="0"/>
+              <a:t>            "Name": "</a:t>
+            </a:r>
+            <a:r>
+              <a:rPr lang="en-US" sz="1400" dirty="0" err="1"/>
+              <a:t>UserName</a:t>
+            </a:r>
+            <a:r>
+              <a:rPr lang="en-US" sz="1400" dirty="0" smtClean="0"/>
+              <a:t>",</a:t>
+            </a:r>
+          </a:p>
+          <a:p>
+            <a:pPr marL="114300" indent="0">
+              <a:spcBef>
+                <a:spcPts val="0"/>
+              </a:spcBef>
+              <a:buNone/>
+            </a:pPr>
+            <a:r>
+              <a:rPr lang="en-US" sz="1400" dirty="0" smtClean="0"/>
+              <a:t>            "Type": "text",</a:t>
+            </a:r>
+          </a:p>
+          <a:p>
+            <a:pPr marL="114300" indent="0">
+              <a:spcBef>
+                <a:spcPts val="0"/>
+              </a:spcBef>
+              <a:buNone/>
+            </a:pPr>
+            <a:r>
+              <a:rPr lang="en-US" sz="1400" dirty="0" smtClean="0"/>
+              <a:t>            "</a:t>
+            </a:r>
+            <a:r>
+              <a:rPr lang="en-US" sz="1400" dirty="0" err="1" smtClean="0"/>
+              <a:t>IsKey</a:t>
+            </a:r>
+            <a:r>
+              <a:rPr lang="en-US" sz="1400" dirty="0" smtClean="0"/>
+              <a:t>": true,</a:t>
+            </a:r>
+          </a:p>
+          <a:p>
+            <a:pPr marL="114300" indent="0">
+              <a:spcBef>
+                <a:spcPts val="0"/>
+              </a:spcBef>
+              <a:buNone/>
+            </a:pPr>
+            <a:r>
+              <a:rPr lang="en-US" sz="1400" dirty="0" smtClean="0"/>
+              <a:t>            </a:t>
+            </a:r>
+            <a:r>
+              <a:rPr lang="en-US" sz="1400" dirty="0"/>
+              <a:t>"</a:t>
+            </a:r>
+            <a:r>
+              <a:rPr lang="en-US" sz="1400" dirty="0" err="1"/>
+              <a:t>PresentInViews</a:t>
+            </a:r>
+            <a:r>
+              <a:rPr lang="en-US" sz="1400" dirty="0"/>
+              <a:t>": [ { "Name": "</a:t>
+            </a:r>
+            <a:r>
+              <a:rPr lang="en-US" sz="1400" dirty="0" err="1"/>
+              <a:t>PostLike</a:t>
+            </a:r>
+            <a:r>
+              <a:rPr lang="en-US" sz="1400" dirty="0"/>
+              <a:t>", "</a:t>
+            </a:r>
+            <a:r>
+              <a:rPr lang="en-US" sz="1400" dirty="0" err="1"/>
+              <a:t>IsKey</a:t>
+            </a:r>
+            <a:r>
+              <a:rPr lang="en-US" sz="1400" dirty="0"/>
+              <a:t>": true }, { "Name": "</a:t>
+            </a:r>
+            <a:r>
+              <a:rPr lang="en-US" sz="1400" dirty="0" err="1"/>
+              <a:t>UserLike</a:t>
+            </a:r>
+            <a:r>
+              <a:rPr lang="en-US" sz="1400" dirty="0"/>
+              <a:t>", "</a:t>
+            </a:r>
+            <a:r>
+              <a:rPr lang="en-US" sz="1400" dirty="0" err="1"/>
+              <a:t>IsKey</a:t>
+            </a:r>
+            <a:r>
+              <a:rPr lang="en-US" sz="1400" dirty="0"/>
+              <a:t>": true },</a:t>
+            </a:r>
+          </a:p>
+          <a:p>
+            <a:pPr marL="114300" indent="0">
+              <a:spcBef>
+                <a:spcPts val="0"/>
+              </a:spcBef>
+              <a:buNone/>
+            </a:pPr>
+            <a:r>
+              <a:rPr lang="en-US" sz="1400" dirty="0"/>
+              <a:t>                               </a:t>
+            </a:r>
+            <a:r>
+              <a:rPr lang="pl-PL" sz="1400" dirty="0" smtClean="0"/>
+              <a:t>                 </a:t>
+            </a:r>
+            <a:r>
+              <a:rPr lang="en-US" sz="1400" dirty="0" smtClean="0"/>
+              <a:t>{ </a:t>
+            </a:r>
+            <a:r>
+              <a:rPr lang="en-US" sz="1400" dirty="0"/>
+              <a:t>"Name": "Post", "</a:t>
+            </a:r>
+            <a:r>
+              <a:rPr lang="en-US" sz="1400" dirty="0" err="1"/>
+              <a:t>IsSearchable</a:t>
+            </a:r>
+            <a:r>
+              <a:rPr lang="en-US" sz="1400" dirty="0"/>
+              <a:t>": true }, { "Name": "Comment" } ],</a:t>
+            </a:r>
+          </a:p>
+          <a:p>
+            <a:pPr marL="114300" indent="0">
+              <a:spcBef>
+                <a:spcPts val="0"/>
+              </a:spcBef>
+              <a:buNone/>
+            </a:pPr>
+            <a:r>
+              <a:rPr lang="en-US" sz="1400" dirty="0"/>
+              <a:t>            "</a:t>
+            </a:r>
+            <a:r>
+              <a:rPr lang="en-US" sz="1400" dirty="0" err="1"/>
+              <a:t>PresentInEvents</a:t>
+            </a:r>
+            <a:r>
+              <a:rPr lang="en-US" sz="1400" dirty="0"/>
+              <a:t>": ["</a:t>
+            </a:r>
+            <a:r>
+              <a:rPr lang="en-US" sz="1400" dirty="0" err="1"/>
+              <a:t>PostPublishedEvent</a:t>
+            </a:r>
+            <a:r>
+              <a:rPr lang="en-US" sz="1400" dirty="0"/>
+              <a:t>", "</a:t>
+            </a:r>
+            <a:r>
+              <a:rPr lang="en-US" sz="1400" dirty="0" err="1"/>
+              <a:t>PostLikedEvent</a:t>
+            </a:r>
+            <a:r>
+              <a:rPr lang="en-US" sz="1400" dirty="0"/>
+              <a:t>", "</a:t>
+            </a:r>
+            <a:r>
+              <a:rPr lang="en-US" sz="1400" dirty="0" err="1"/>
+              <a:t>PostCommentedEvent</a:t>
+            </a:r>
+            <a:r>
+              <a:rPr lang="en-US" sz="1400" dirty="0"/>
+              <a:t>”]</a:t>
+            </a:r>
+          </a:p>
+          <a:p>
+            <a:pPr marL="114300" indent="0">
+              <a:spcBef>
+                <a:spcPts val="0"/>
+              </a:spcBef>
+              <a:buNone/>
+            </a:pPr>
+            <a:r>
+              <a:rPr lang="en-US" sz="1400" dirty="0"/>
+              <a:t>        },</a:t>
+            </a:r>
+          </a:p>
+          <a:p>
+            <a:pPr marL="114300" indent="0">
+              <a:spcBef>
+                <a:spcPts val="0"/>
+              </a:spcBef>
+              <a:buNone/>
+            </a:pPr>
+            <a:r>
+              <a:rPr lang="en-US" sz="1400" dirty="0"/>
+              <a:t>        {</a:t>
+            </a:r>
+          </a:p>
+          <a:p>
+            <a:pPr marL="114300" indent="0">
+              <a:spcBef>
+                <a:spcPts val="0"/>
+              </a:spcBef>
+              <a:buNone/>
+            </a:pPr>
+            <a:r>
+              <a:rPr lang="en-US" sz="1400" dirty="0"/>
+              <a:t>            "Name": "</a:t>
+            </a:r>
+            <a:r>
+              <a:rPr lang="en-US" sz="1400" dirty="0" err="1"/>
+              <a:t>FirstName</a:t>
+            </a:r>
+            <a:r>
+              <a:rPr lang="en-US" sz="1400" dirty="0"/>
+              <a:t>",</a:t>
+            </a:r>
+          </a:p>
+          <a:p>
+            <a:pPr marL="114300" indent="0">
+              <a:spcBef>
+                <a:spcPts val="0"/>
+              </a:spcBef>
+              <a:buNone/>
+            </a:pPr>
+            <a:r>
+              <a:rPr lang="en-US" sz="1400" dirty="0"/>
+              <a:t>            "Type": "text",</a:t>
+            </a:r>
+          </a:p>
+          <a:p>
+            <a:pPr marL="114300" indent="0">
+              <a:spcBef>
+                <a:spcPts val="0"/>
+              </a:spcBef>
+              <a:buNone/>
+            </a:pPr>
+            <a:r>
+              <a:rPr lang="en-US" sz="1400" dirty="0"/>
+              <a:t>            "</a:t>
+            </a:r>
+            <a:r>
+              <a:rPr lang="en-US" sz="1400" dirty="0" err="1"/>
+              <a:t>PresentInViews</a:t>
+            </a:r>
+            <a:r>
+              <a:rPr lang="en-US" sz="1400" dirty="0"/>
+              <a:t>": [ { "Name": "</a:t>
+            </a:r>
+            <a:r>
+              <a:rPr lang="en-US" sz="1400" dirty="0" err="1"/>
+              <a:t>UserLike</a:t>
+            </a:r>
+            <a:r>
+              <a:rPr lang="en-US" sz="1400" dirty="0"/>
+              <a:t>" } ]</a:t>
+            </a:r>
+          </a:p>
+          <a:p>
+            <a:pPr marL="114300" indent="0">
+              <a:spcBef>
+                <a:spcPts val="0"/>
+              </a:spcBef>
+              <a:buNone/>
+            </a:pPr>
+            <a:r>
+              <a:rPr lang="en-US" sz="1400" dirty="0"/>
+              <a:t>        },</a:t>
+            </a:r>
+          </a:p>
+          <a:p>
+            <a:pPr marL="114300" indent="0">
+              <a:spcBef>
+                <a:spcPts val="0"/>
+              </a:spcBef>
+              <a:buNone/>
+            </a:pPr>
+            <a:r>
+              <a:rPr lang="en-US" sz="1400" dirty="0"/>
+              <a:t>        {</a:t>
+            </a:r>
+          </a:p>
+          <a:p>
+            <a:pPr marL="114300" indent="0">
+              <a:spcBef>
+                <a:spcPts val="0"/>
+              </a:spcBef>
+              <a:buNone/>
+            </a:pPr>
+            <a:r>
+              <a:rPr lang="en-US" sz="1400" dirty="0"/>
+              <a:t>            "Name": "</a:t>
+            </a:r>
+            <a:r>
+              <a:rPr lang="en-US" sz="1400" dirty="0" err="1"/>
+              <a:t>LastName</a:t>
+            </a:r>
+            <a:r>
+              <a:rPr lang="en-US" sz="1400" dirty="0"/>
+              <a:t>",</a:t>
+            </a:r>
+          </a:p>
+          <a:p>
+            <a:pPr marL="114300" indent="0">
+              <a:spcBef>
+                <a:spcPts val="0"/>
+              </a:spcBef>
+              <a:buNone/>
+            </a:pPr>
+            <a:r>
+              <a:rPr lang="en-US" sz="1400" dirty="0"/>
+              <a:t>            "Type": "text",</a:t>
+            </a:r>
+          </a:p>
+          <a:p>
+            <a:pPr marL="114300" indent="0">
+              <a:spcBef>
+                <a:spcPts val="0"/>
+              </a:spcBef>
+              <a:buNone/>
+            </a:pPr>
+            <a:r>
+              <a:rPr lang="en-US" sz="1400" dirty="0"/>
+              <a:t>            "</a:t>
+            </a:r>
+            <a:r>
+              <a:rPr lang="en-US" sz="1400" dirty="0" err="1"/>
+              <a:t>PresentInViews</a:t>
+            </a:r>
+            <a:r>
+              <a:rPr lang="en-US" sz="1400" dirty="0"/>
+              <a:t>": [ { "Name": "</a:t>
+            </a:r>
+            <a:r>
+              <a:rPr lang="en-US" sz="1400" dirty="0" err="1"/>
+              <a:t>UserLike</a:t>
+            </a:r>
+            <a:r>
+              <a:rPr lang="en-US" sz="1400" dirty="0"/>
+              <a:t>" } ]</a:t>
+            </a:r>
+          </a:p>
+          <a:p>
+            <a:pPr marL="114300" indent="0">
+              <a:spcBef>
+                <a:spcPts val="0"/>
+              </a:spcBef>
+              <a:buNone/>
+            </a:pPr>
+            <a:r>
+              <a:rPr lang="en-US" sz="1400" dirty="0"/>
+              <a:t>        </a:t>
+            </a:r>
+            <a:r>
+              <a:rPr lang="en-US" sz="1400" dirty="0" smtClean="0"/>
+              <a:t>}</a:t>
+            </a:r>
+            <a:endParaRPr lang="en-US" sz="1400" dirty="0"/>
+          </a:p>
+          <a:p>
+            <a:pPr marL="114300" indent="0">
+              <a:spcBef>
+                <a:spcPts val="0"/>
+              </a:spcBef>
+              <a:buNone/>
+            </a:pPr>
+            <a:r>
+              <a:rPr lang="en-US" sz="1400" dirty="0"/>
+              <a:t>    </a:t>
+            </a:r>
+            <a:r>
+              <a:rPr lang="en-US" sz="1400" dirty="0" smtClean="0"/>
+              <a:t>]</a:t>
+            </a:r>
+            <a:endParaRPr lang="pl-PL" sz="1400" dirty="0" smtClean="0"/>
+          </a:p>
+          <a:p>
+            <a:pPr marL="114300" indent="0">
+              <a:spcBef>
+                <a:spcPts val="0"/>
+              </a:spcBef>
+              <a:buNone/>
+            </a:pPr>
+            <a:r>
+              <a:rPr lang="en-US" sz="1400" dirty="0" smtClean="0"/>
+              <a:t>}</a:t>
+            </a:r>
+            <a:endParaRPr lang="pl-PL" sz="1400" dirty="0" smtClean="0"/>
+          </a:p>
+          <a:p>
+            <a:pPr marL="114300" indent="0">
+              <a:spcBef>
+                <a:spcPts val="0"/>
+              </a:spcBef>
+              <a:buNone/>
+            </a:pPr>
+            <a:r>
+              <a:rPr lang="pl-PL" sz="1400" dirty="0" smtClean="0"/>
+              <a:t>...</a:t>
+            </a:r>
+            <a:endParaRPr lang="en-US" sz="1400" dirty="0"/>
+          </a:p>
+        </p:txBody>
+      </p:sp>
     </p:spTree>
     <p:extLst>
       <p:ext uri="{BB962C8B-B14F-4D97-AF65-F5344CB8AC3E}">
-        <p14:creationId xmlns:p14="http://schemas.microsoft.com/office/powerpoint/2010/main" val="3087124167"/>
+        <p14:creationId xmlns:p14="http://schemas.microsoft.com/office/powerpoint/2010/main" val="2085148256"/>
       </p:ext>
     </p:extLst>
   </p:cSld>
@@ -4182,7 +4564,7 @@
                   </a:outerShdw>
                 </a:effectLst>
               </a:rPr>
-              <a:t>Działanie generatora: przykład</a:t>
+              <a:t>Opis dziedziny aplikacji: DSL</a:t>
             </a:r>
             <a:endParaRPr lang="pl-PL" sz="4000" dirty="0">
               <a:effectLst>
@@ -4193,6 +4575,473 @@
                 </a:outerShdw>
               </a:effectLst>
             </a:endParaRPr>
+          </a:p>
+        </p:txBody>
+      </p:sp>
+      <p:sp>
+        <p:nvSpPr>
+          <p:cNvPr id="3" name="Content Placeholder 2"/>
+          <p:cNvSpPr>
+            <a:spLocks noGrp="1"/>
+          </p:cNvSpPr>
+          <p:nvPr>
+            <p:ph idx="1"/>
+          </p:nvPr>
+        </p:nvSpPr>
+        <p:spPr>
+          <a:xfrm>
+            <a:off x="467544" y="1124744"/>
+            <a:ext cx="7620000" cy="5400600"/>
+          </a:xfrm>
+        </p:spPr>
+        <p:txBody>
+          <a:bodyPr>
+            <a:noAutofit/>
+          </a:bodyPr>
+          <a:lstStyle/>
+          <a:p>
+            <a:pPr marL="114300" indent="0">
+              <a:spcBef>
+                <a:spcPts val="0"/>
+              </a:spcBef>
+              <a:buNone/>
+            </a:pPr>
+            <a:r>
+              <a:rPr lang="en-US" sz="1700" b="1" dirty="0" smtClean="0"/>
+              <a:t>Events:</a:t>
+            </a:r>
+          </a:p>
+          <a:p>
+            <a:pPr marL="114300" indent="0">
+              <a:spcBef>
+                <a:spcPts val="0"/>
+              </a:spcBef>
+              <a:buNone/>
+            </a:pPr>
+            <a:endParaRPr lang="en-US" sz="900" dirty="0" smtClean="0"/>
+          </a:p>
+          <a:p>
+            <a:pPr marL="114300" indent="0">
+              <a:spcBef>
+                <a:spcPts val="0"/>
+              </a:spcBef>
+              <a:buNone/>
+            </a:pPr>
+            <a:r>
+              <a:rPr lang="en-US" sz="1700" dirty="0" smtClean="0">
+                <a:effectLst>
+                  <a:outerShdw blurRad="38100" dist="38100" dir="2700000" algn="tl">
+                    <a:srgbClr val="000000">
+                      <a:alpha val="43137"/>
+                    </a:srgbClr>
+                  </a:outerShdw>
+                </a:effectLst>
+              </a:rPr>
+              <a:t>Post published:</a:t>
+            </a:r>
+            <a:r>
+              <a:rPr lang="pl-PL" sz="1700" dirty="0" smtClean="0"/>
+              <a:t> </a:t>
+            </a:r>
+            <a:r>
+              <a:rPr lang="en-US" sz="1700" dirty="0" smtClean="0"/>
+              <a:t>@User(</a:t>
+            </a:r>
+            <a:r>
+              <a:rPr lang="en-US" sz="1700" dirty="0" err="1" smtClean="0"/>
+              <a:t>UserName</a:t>
+            </a:r>
+            <a:r>
+              <a:rPr lang="en-US" sz="1700" dirty="0" smtClean="0"/>
+              <a:t>) of @</a:t>
+            </a:r>
+            <a:r>
+              <a:rPr lang="en-US" sz="1700" dirty="0" err="1" smtClean="0"/>
+              <a:t>User:UserName</a:t>
+            </a:r>
+            <a:r>
+              <a:rPr lang="en-US" sz="1700" dirty="0" smtClean="0"/>
+              <a:t> can publish a @Post(</a:t>
+            </a:r>
+            <a:r>
+              <a:rPr lang="en-US" sz="1700" dirty="0" err="1" smtClean="0"/>
+              <a:t>PostID</a:t>
+            </a:r>
+            <a:r>
+              <a:rPr lang="en-US" sz="1700" dirty="0" smtClean="0"/>
+              <a:t>[id]) with @</a:t>
+            </a:r>
+            <a:r>
+              <a:rPr lang="en-US" sz="1700" dirty="0" err="1" smtClean="0"/>
+              <a:t>Post:Title</a:t>
+            </a:r>
+            <a:r>
+              <a:rPr lang="en-US" sz="1700" dirty="0" smtClean="0"/>
+              <a:t> and @</a:t>
+            </a:r>
+            <a:r>
+              <a:rPr lang="en-US" sz="1700" dirty="0" err="1" smtClean="0"/>
+              <a:t>Post:Content</a:t>
+            </a:r>
+            <a:r>
+              <a:rPr lang="en-US" sz="1700" dirty="0" smtClean="0"/>
+              <a:t>.</a:t>
+            </a:r>
+          </a:p>
+          <a:p>
+            <a:pPr marL="114300" indent="0">
+              <a:spcBef>
+                <a:spcPts val="0"/>
+              </a:spcBef>
+              <a:buNone/>
+            </a:pPr>
+            <a:endParaRPr lang="en-US" sz="900" dirty="0" smtClean="0"/>
+          </a:p>
+          <a:p>
+            <a:pPr marL="114300" indent="0">
+              <a:spcBef>
+                <a:spcPts val="0"/>
+              </a:spcBef>
+              <a:buNone/>
+            </a:pPr>
+            <a:r>
+              <a:rPr lang="en-US" sz="1700" dirty="0" smtClean="0">
+                <a:effectLst>
+                  <a:outerShdw blurRad="38100" dist="38100" dir="2700000" algn="tl">
+                    <a:srgbClr val="000000">
+                      <a:alpha val="43137"/>
+                    </a:srgbClr>
+                  </a:outerShdw>
+                </a:effectLst>
+              </a:rPr>
+              <a:t>Post liked:</a:t>
+            </a:r>
+            <a:r>
+              <a:rPr lang="pl-PL" sz="1700" dirty="0" smtClean="0"/>
+              <a:t> </a:t>
+            </a:r>
+            <a:r>
+              <a:rPr lang="en-US" sz="1700" dirty="0" smtClean="0"/>
+              <a:t>@User of @</a:t>
+            </a:r>
+            <a:r>
+              <a:rPr lang="en-US" sz="1700" dirty="0" err="1" smtClean="0"/>
+              <a:t>User:UserName</a:t>
+            </a:r>
+            <a:r>
+              <a:rPr lang="en-US" sz="1700" dirty="0" smtClean="0"/>
+              <a:t> can like a @Post by its @</a:t>
+            </a:r>
+            <a:r>
+              <a:rPr lang="en-US" sz="1700" dirty="0" err="1" smtClean="0"/>
+              <a:t>Post:PostID</a:t>
+            </a:r>
+            <a:r>
+              <a:rPr lang="en-US" sz="1700" dirty="0" smtClean="0"/>
+              <a:t>.</a:t>
+            </a:r>
+          </a:p>
+          <a:p>
+            <a:pPr marL="114300" indent="0">
+              <a:spcBef>
+                <a:spcPts val="0"/>
+              </a:spcBef>
+              <a:buNone/>
+            </a:pPr>
+            <a:endParaRPr lang="en-US" sz="900" dirty="0" smtClean="0"/>
+          </a:p>
+          <a:p>
+            <a:pPr marL="114300" indent="0">
+              <a:spcBef>
+                <a:spcPts val="0"/>
+              </a:spcBef>
+              <a:buNone/>
+            </a:pPr>
+            <a:r>
+              <a:rPr lang="en-US" sz="1700" dirty="0" smtClean="0">
+                <a:effectLst>
+                  <a:outerShdw blurRad="38100" dist="38100" dir="2700000" algn="tl">
+                    <a:srgbClr val="000000">
+                      <a:alpha val="43137"/>
+                    </a:srgbClr>
+                  </a:outerShdw>
+                </a:effectLst>
+              </a:rPr>
+              <a:t>Post commented:</a:t>
+            </a:r>
+            <a:r>
+              <a:rPr lang="pl-PL" sz="1700" dirty="0" smtClean="0"/>
+              <a:t> </a:t>
+            </a:r>
+            <a:r>
+              <a:rPr lang="en-US" sz="1700" dirty="0" smtClean="0"/>
+              <a:t>@User of @</a:t>
+            </a:r>
+            <a:r>
+              <a:rPr lang="en-US" sz="1700" dirty="0" err="1" smtClean="0"/>
+              <a:t>User:UserName</a:t>
+            </a:r>
+            <a:r>
+              <a:rPr lang="en-US" sz="1700" dirty="0" smtClean="0"/>
+              <a:t> can write a @Comment(</a:t>
+            </a:r>
+            <a:r>
+              <a:rPr lang="en-US" sz="1700" dirty="0" err="1" smtClean="0"/>
+              <a:t>CommentID</a:t>
+            </a:r>
+            <a:r>
+              <a:rPr lang="en-US" sz="1700" dirty="0" smtClean="0"/>
+              <a:t>[id]) of @</a:t>
+            </a:r>
+            <a:r>
+              <a:rPr lang="en-US" sz="1700" dirty="0" err="1" smtClean="0"/>
+              <a:t>Comment:Content</a:t>
+            </a:r>
+            <a:r>
+              <a:rPr lang="en-US" sz="1700" dirty="0" smtClean="0"/>
+              <a:t> under a post of ID @</a:t>
+            </a:r>
+            <a:r>
+              <a:rPr lang="en-US" sz="1700" dirty="0" err="1" smtClean="0"/>
+              <a:t>Comment:PostID</a:t>
+            </a:r>
+            <a:r>
+              <a:rPr lang="en-US" sz="1700" dirty="0" smtClean="0"/>
+              <a:t> or another comment of ID @</a:t>
+            </a:r>
+            <a:r>
+              <a:rPr lang="en-US" sz="1700" dirty="0" err="1" smtClean="0"/>
+              <a:t>Comment:ParentCommentID</a:t>
+            </a:r>
+            <a:r>
+              <a:rPr lang="en-US" sz="1700" dirty="0" smtClean="0"/>
+              <a:t>[id].</a:t>
+            </a:r>
+          </a:p>
+          <a:p>
+            <a:pPr marL="114300" indent="0">
+              <a:spcBef>
+                <a:spcPts val="0"/>
+              </a:spcBef>
+              <a:buNone/>
+            </a:pPr>
+            <a:endParaRPr lang="en-US" sz="900" dirty="0" smtClean="0"/>
+          </a:p>
+          <a:p>
+            <a:pPr marL="114300" indent="0">
+              <a:spcBef>
+                <a:spcPts val="0"/>
+              </a:spcBef>
+              <a:buNone/>
+            </a:pPr>
+            <a:r>
+              <a:rPr lang="en-US" sz="1700" dirty="0" smtClean="0"/>
+              <a:t>========</a:t>
+            </a:r>
+          </a:p>
+          <a:p>
+            <a:pPr marL="114300" indent="0">
+              <a:spcBef>
+                <a:spcPts val="0"/>
+              </a:spcBef>
+              <a:buNone/>
+            </a:pPr>
+            <a:r>
+              <a:rPr lang="en-US" sz="1700" b="1" dirty="0" smtClean="0"/>
+              <a:t>Views:</a:t>
+            </a:r>
+            <a:endParaRPr lang="pl-PL" sz="1700" b="1" dirty="0" smtClean="0"/>
+          </a:p>
+          <a:p>
+            <a:pPr marL="114300" indent="0">
+              <a:spcBef>
+                <a:spcPts val="0"/>
+              </a:spcBef>
+              <a:buNone/>
+            </a:pPr>
+            <a:endParaRPr lang="en-US" sz="900" dirty="0" smtClean="0"/>
+          </a:p>
+          <a:p>
+            <a:pPr marL="114300" indent="0">
+              <a:spcBef>
+                <a:spcPts val="0"/>
+              </a:spcBef>
+              <a:buNone/>
+            </a:pPr>
+            <a:r>
+              <a:rPr lang="en-US" sz="1700" dirty="0" smtClean="0"/>
+              <a:t>I can display @Post list with @Post:@</a:t>
+            </a:r>
+            <a:r>
+              <a:rPr lang="en-US" sz="1700" dirty="0" err="1" smtClean="0"/>
+              <a:t>User:UserName</a:t>
+            </a:r>
+            <a:r>
+              <a:rPr lang="en-US" sz="1700" dirty="0" smtClean="0"/>
+              <a:t>, @</a:t>
+            </a:r>
+            <a:r>
+              <a:rPr lang="en-US" sz="1700" dirty="0" err="1" smtClean="0"/>
+              <a:t>Post:Title</a:t>
+            </a:r>
+            <a:r>
+              <a:rPr lang="en-US" sz="1700" dirty="0" smtClean="0"/>
+              <a:t>, @</a:t>
+            </a:r>
+            <a:r>
+              <a:rPr lang="en-US" sz="1700" dirty="0" err="1" smtClean="0"/>
+              <a:t>Post:Content</a:t>
+            </a:r>
+            <a:r>
+              <a:rPr lang="en-US" sz="1700" dirty="0" smtClean="0"/>
+              <a:t> and @</a:t>
+            </a:r>
+            <a:r>
+              <a:rPr lang="en-US" sz="1700" dirty="0" err="1" smtClean="0"/>
+              <a:t>Post:CommentsNumber</a:t>
+            </a:r>
+            <a:r>
+              <a:rPr lang="en-US" sz="1700" dirty="0" smtClean="0"/>
+              <a:t>[</a:t>
+            </a:r>
+            <a:r>
+              <a:rPr lang="en-US" sz="1700" dirty="0" err="1" smtClean="0"/>
+              <a:t>int</a:t>
+            </a:r>
+            <a:r>
+              <a:rPr lang="en-US" sz="1700" dirty="0" smtClean="0"/>
+              <a:t>].</a:t>
+            </a:r>
+          </a:p>
+          <a:p>
+            <a:pPr marL="114300" indent="0">
+              <a:spcBef>
+                <a:spcPts val="0"/>
+              </a:spcBef>
+              <a:buNone/>
+            </a:pPr>
+            <a:endParaRPr lang="en-US" sz="900" dirty="0" smtClean="0"/>
+          </a:p>
+          <a:p>
+            <a:pPr marL="114300" indent="0">
+              <a:spcBef>
+                <a:spcPts val="0"/>
+              </a:spcBef>
+              <a:buNone/>
+            </a:pPr>
+            <a:r>
+              <a:rPr lang="en-US" sz="1700" dirty="0" smtClean="0"/>
+              <a:t>I can display @Post details with @Post:@</a:t>
+            </a:r>
+            <a:r>
+              <a:rPr lang="en-US" sz="1700" dirty="0" err="1" smtClean="0"/>
+              <a:t>User:UserName</a:t>
+            </a:r>
+            <a:r>
+              <a:rPr lang="en-US" sz="1700" dirty="0" smtClean="0"/>
+              <a:t>, @</a:t>
+            </a:r>
+            <a:r>
+              <a:rPr lang="en-US" sz="1700" dirty="0" err="1" smtClean="0"/>
+              <a:t>Post:Title</a:t>
+            </a:r>
+            <a:r>
+              <a:rPr lang="en-US" sz="1700" dirty="0" smtClean="0"/>
+              <a:t>, @</a:t>
+            </a:r>
+            <a:r>
+              <a:rPr lang="en-US" sz="1700" dirty="0" err="1" smtClean="0"/>
+              <a:t>Post:Content</a:t>
+            </a:r>
+            <a:r>
+              <a:rPr lang="en-US" sz="1700" dirty="0" smtClean="0"/>
+              <a:t>, @Post::@</a:t>
+            </a:r>
+            <a:r>
+              <a:rPr lang="en-US" sz="1700" dirty="0" err="1" smtClean="0"/>
+              <a:t>Comment:Content</a:t>
+            </a:r>
+            <a:r>
+              <a:rPr lang="en-US" sz="1700" dirty="0" smtClean="0"/>
+              <a:t>, @Post::@Comment:@</a:t>
+            </a:r>
+            <a:r>
+              <a:rPr lang="en-US" sz="1700" dirty="0" err="1" smtClean="0"/>
+              <a:t>User:UserName</a:t>
+            </a:r>
+            <a:r>
+              <a:rPr lang="en-US" sz="1700" dirty="0" smtClean="0"/>
+              <a:t>, @Post::@</a:t>
+            </a:r>
+            <a:r>
+              <a:rPr lang="en-US" sz="1700" dirty="0" err="1" smtClean="0"/>
+              <a:t>User:FirstName</a:t>
+            </a:r>
+            <a:r>
+              <a:rPr lang="en-US" sz="1700" dirty="0" smtClean="0"/>
+              <a:t> and @Post::@</a:t>
+            </a:r>
+            <a:r>
+              <a:rPr lang="en-US" sz="1700" dirty="0" err="1" smtClean="0"/>
+              <a:t>User:LastName</a:t>
+            </a:r>
+            <a:r>
+              <a:rPr lang="en-US" sz="1700" dirty="0" smtClean="0"/>
+              <a:t>.</a:t>
+            </a:r>
+          </a:p>
+          <a:p>
+            <a:pPr marL="114300" indent="0">
+              <a:spcBef>
+                <a:spcPts val="0"/>
+              </a:spcBef>
+              <a:buNone/>
+            </a:pPr>
+            <a:endParaRPr lang="en-US" sz="900" dirty="0" smtClean="0"/>
+          </a:p>
+          <a:p>
+            <a:pPr marL="114300" indent="0">
+              <a:spcBef>
+                <a:spcPts val="0"/>
+              </a:spcBef>
+              <a:buNone/>
+            </a:pPr>
+            <a:r>
+              <a:rPr lang="en-US" sz="1700" dirty="0" smtClean="0"/>
+              <a:t>I can display user profile with @</a:t>
+            </a:r>
+            <a:r>
+              <a:rPr lang="en-US" sz="1700" dirty="0" err="1" smtClean="0"/>
+              <a:t>User:UserName</a:t>
+            </a:r>
+            <a:r>
+              <a:rPr lang="en-US" sz="1700" dirty="0" smtClean="0"/>
+              <a:t>, @</a:t>
+            </a:r>
+            <a:r>
+              <a:rPr lang="en-US" sz="1700" dirty="0" err="1" smtClean="0"/>
+              <a:t>User:FirstName</a:t>
+            </a:r>
+            <a:r>
+              <a:rPr lang="en-US" sz="1700" dirty="0" smtClean="0"/>
+              <a:t>, @</a:t>
+            </a:r>
+            <a:r>
+              <a:rPr lang="en-US" sz="1700" dirty="0" err="1" smtClean="0"/>
+              <a:t>User:LastName</a:t>
+            </a:r>
+            <a:r>
+              <a:rPr lang="en-US" sz="1700" dirty="0" smtClean="0"/>
+              <a:t> and @User::@</a:t>
+            </a:r>
+            <a:r>
+              <a:rPr lang="en-US" sz="1700" dirty="0" err="1" smtClean="0"/>
+              <a:t>Post:Title</a:t>
+            </a:r>
+            <a:r>
+              <a:rPr lang="en-US" sz="1700" dirty="0" smtClean="0"/>
+              <a:t>.</a:t>
+            </a:r>
           </a:p>
         </p:txBody>
       </p:sp>
@@ -4255,81 +5104,10 @@
           </a:p>
         </p:txBody>
       </p:sp>
-      <p:pic>
-        <p:nvPicPr>
-          <p:cNvPr id="14" name="Picture 13"/>
-          <p:cNvPicPr>
-            <a:picLocks noChangeAspect="1"/>
-          </p:cNvPicPr>
-          <p:nvPr/>
-        </p:nvPicPr>
-        <p:blipFill>
-          <a:blip r:embed="rId2">
-            <a:extLst>
-              <a:ext uri="{28A0092B-C50C-407E-A947-70E740481C1C}">
-                <a14:useLocalDpi xmlns:a14="http://schemas.microsoft.com/office/drawing/2010/main" val="0"/>
-              </a:ext>
-            </a:extLst>
-          </a:blip>
-          <a:stretch>
-            <a:fillRect/>
-          </a:stretch>
-        </p:blipFill>
-        <p:spPr>
-          <a:xfrm>
-            <a:off x="107504" y="1393279"/>
-            <a:ext cx="5392748" cy="4916041"/>
-          </a:xfrm>
-          <a:prstGeom prst="rect">
-            <a:avLst/>
-          </a:prstGeom>
-        </p:spPr>
-      </p:pic>
-      <p:pic>
-        <p:nvPicPr>
-          <p:cNvPr id="1026" name="Picture 2" descr="D:\Studia magisterskie\MasterThesis\thesis\presentation\sample_app_2_rotated.png"/>
-          <p:cNvPicPr>
-            <a:picLocks noChangeAspect="1" noChangeArrowheads="1"/>
-          </p:cNvPicPr>
-          <p:nvPr/>
-        </p:nvPicPr>
-        <p:blipFill>
-          <a:blip r:embed="rId3">
-            <a:extLst>
-              <a:ext uri="{28A0092B-C50C-407E-A947-70E740481C1C}">
-                <a14:useLocalDpi xmlns:a14="http://schemas.microsoft.com/office/drawing/2010/main" val="0"/>
-              </a:ext>
-            </a:extLst>
-          </a:blip>
-          <a:srcRect/>
-          <a:stretch>
-            <a:fillRect/>
-          </a:stretch>
-        </p:blipFill>
-        <p:spPr bwMode="auto">
-          <a:xfrm>
-            <a:off x="5363275" y="1918924"/>
-            <a:ext cx="3025149" cy="3550964"/>
-          </a:xfrm>
-          <a:prstGeom prst="rect">
-            <a:avLst/>
-          </a:prstGeom>
-          <a:noFill/>
-          <a:extLst>
-            <a:ext uri="{909E8E84-426E-40DD-AFC4-6F175D3DCCD1}">
-              <a14:hiddenFill xmlns:a14="http://schemas.microsoft.com/office/drawing/2010/main">
-                <a:solidFill>
-                  <a:srgbClr val="FFFFFF"/>
-                </a:solidFill>
-              </a14:hiddenFill>
-            </a:ext>
-          </a:extLst>
-        </p:spPr>
-      </p:pic>
     </p:spTree>
     <p:extLst>
       <p:ext uri="{BB962C8B-B14F-4D97-AF65-F5344CB8AC3E}">
-        <p14:creationId xmlns:p14="http://schemas.microsoft.com/office/powerpoint/2010/main" val="23921984"/>
+        <p14:creationId xmlns:p14="http://schemas.microsoft.com/office/powerpoint/2010/main" val="1632806155"/>
       </p:ext>
     </p:extLst>
   </p:cSld>
@@ -4393,7 +5171,7 @@
                   </a:outerShdw>
                 </a:effectLst>
               </a:rPr>
-              <a:t>Działanie generatora: opis dziedziny</a:t>
+              <a:t>Działanie generatora</a:t>
             </a:r>
             <a:endParaRPr lang="pl-PL" sz="4000" dirty="0">
               <a:effectLst>
@@ -4419,457 +5197,97 @@
         </p:nvSpPr>
         <p:spPr>
           <a:xfrm>
-            <a:off x="467544" y="1124744"/>
+            <a:off x="467544" y="1196752"/>
             <a:ext cx="7620000" cy="5400600"/>
           </a:xfrm>
         </p:spPr>
         <p:txBody>
           <a:bodyPr>
-            <a:noAutofit/>
+            <a:normAutofit/>
           </a:bodyPr>
           <a:lstStyle/>
           <a:p>
-            <a:pPr marL="114300" indent="0">
-              <a:spcBef>
-                <a:spcPts val="0"/>
-              </a:spcBef>
-              <a:buNone/>
+            <a:pPr marL="571500" indent="-457200">
+              <a:buFont typeface="+mj-lt"/>
+              <a:buAutoNum type="arabicPeriod"/>
             </a:pPr>
             <a:r>
-              <a:rPr lang="en-US" sz="1700" b="1" dirty="0" smtClean="0"/>
-              <a:t>Events:</a:t>
-            </a:r>
-          </a:p>
-          <a:p>
-            <a:pPr marL="114300" indent="0">
-              <a:spcBef>
-                <a:spcPts val="0"/>
-              </a:spcBef>
-              <a:buNone/>
+              <a:rPr lang="pl-PL" sz="2400" dirty="0"/>
+              <a:t>Wczytanie </a:t>
+            </a:r>
+            <a:r>
+              <a:rPr lang="pl-PL" sz="2400" dirty="0" smtClean="0"/>
+              <a:t>opisu </a:t>
+            </a:r>
+            <a:r>
+              <a:rPr lang="pl-PL" sz="2400" dirty="0"/>
+              <a:t>dziedziny </a:t>
+            </a:r>
+            <a:r>
+              <a:rPr lang="pl-PL" sz="2400" dirty="0" smtClean="0"/>
+              <a:t>aplikacji.</a:t>
+            </a:r>
+          </a:p>
+          <a:p>
+            <a:pPr marL="571500" indent="-457200">
+              <a:buFont typeface="+mj-lt"/>
+              <a:buAutoNum type="arabicPeriod"/>
             </a:pPr>
-            <a:endParaRPr lang="en-US" sz="900" dirty="0" smtClean="0"/>
-          </a:p>
-          <a:p>
-            <a:pPr marL="114300" indent="0">
-              <a:spcBef>
-                <a:spcPts val="0"/>
-              </a:spcBef>
-              <a:buNone/>
+            <a:r>
+              <a:rPr lang="pl-PL" sz="2400" dirty="0"/>
+              <a:t>Zdeserializowanie </a:t>
+            </a:r>
+            <a:r>
+              <a:rPr lang="pl-PL" sz="2400" dirty="0" smtClean="0"/>
+              <a:t>opisu </a:t>
+            </a:r>
+            <a:r>
+              <a:rPr lang="pl-PL" sz="2400" dirty="0"/>
+              <a:t>dziedziny </a:t>
+            </a:r>
+            <a:r>
+              <a:rPr lang="pl-PL" sz="2400" dirty="0" smtClean="0"/>
+              <a:t>aplikacji.</a:t>
+            </a:r>
+          </a:p>
+          <a:p>
+            <a:pPr marL="571500" indent="-457200">
+              <a:buFont typeface="+mj-lt"/>
+              <a:buAutoNum type="arabicPeriod"/>
             </a:pPr>
             <a:r>
-              <a:rPr lang="en-US" sz="1700" dirty="0" smtClean="0">
-                <a:effectLst>
-                  <a:outerShdw blurRad="38100" dist="38100" dir="2700000" algn="tl">
-                    <a:srgbClr val="000000">
-                      <a:alpha val="43137"/>
-                    </a:srgbClr>
-                  </a:outerShdw>
-                </a:effectLst>
-              </a:rPr>
-              <a:t>Post published:</a:t>
-            </a:r>
-            <a:r>
-              <a:rPr lang="pl-PL" sz="1700" dirty="0" smtClean="0"/>
-              <a:t> </a:t>
-            </a:r>
-            <a:r>
-              <a:rPr lang="en-US" sz="1700" dirty="0" smtClean="0"/>
-              <a:t>@User(</a:t>
-            </a:r>
-            <a:r>
-              <a:rPr lang="en-US" sz="1700" dirty="0" err="1" smtClean="0"/>
-              <a:t>UserName</a:t>
-            </a:r>
-            <a:r>
-              <a:rPr lang="en-US" sz="1700" dirty="0" smtClean="0"/>
-              <a:t>) of @</a:t>
-            </a:r>
-            <a:r>
-              <a:rPr lang="en-US" sz="1700" dirty="0" err="1" smtClean="0"/>
-              <a:t>User:UserName</a:t>
-            </a:r>
-            <a:r>
-              <a:rPr lang="en-US" sz="1700" dirty="0" smtClean="0"/>
-              <a:t> can publish a @Post(</a:t>
-            </a:r>
-            <a:r>
-              <a:rPr lang="en-US" sz="1700" dirty="0" err="1" smtClean="0"/>
-              <a:t>PostID</a:t>
-            </a:r>
-            <a:r>
-              <a:rPr lang="en-US" sz="1700" dirty="0" smtClean="0"/>
-              <a:t>[id]) with @</a:t>
-            </a:r>
-            <a:r>
-              <a:rPr lang="en-US" sz="1700" dirty="0" err="1" smtClean="0"/>
-              <a:t>Post:Title</a:t>
-            </a:r>
-            <a:r>
-              <a:rPr lang="en-US" sz="1700" dirty="0" smtClean="0"/>
-              <a:t> and @</a:t>
-            </a:r>
-            <a:r>
-              <a:rPr lang="en-US" sz="1700" dirty="0" err="1" smtClean="0"/>
-              <a:t>Post:Content</a:t>
-            </a:r>
-            <a:r>
-              <a:rPr lang="en-US" sz="1700" dirty="0" smtClean="0"/>
-              <a:t>.</a:t>
-            </a:r>
-          </a:p>
-          <a:p>
-            <a:pPr marL="114300" indent="0">
-              <a:spcBef>
-                <a:spcPts val="0"/>
-              </a:spcBef>
-              <a:buNone/>
+              <a:rPr lang="pl-PL" dirty="0" smtClean="0"/>
+              <a:t>Wyodrębnienie </a:t>
+            </a:r>
+            <a:r>
+              <a:rPr lang="pl-PL" dirty="0"/>
+              <a:t>jednostek </a:t>
+            </a:r>
+            <a:r>
+              <a:rPr lang="pl-PL" dirty="0" smtClean="0"/>
+              <a:t>generacji.</a:t>
+            </a:r>
+          </a:p>
+          <a:p>
+            <a:pPr marL="571500" indent="-457200">
+              <a:buFont typeface="+mj-lt"/>
+              <a:buAutoNum type="arabicPeriod"/>
             </a:pPr>
-            <a:endParaRPr lang="en-US" sz="900" dirty="0" smtClean="0"/>
-          </a:p>
-          <a:p>
-            <a:pPr marL="114300" indent="0">
-              <a:spcBef>
-                <a:spcPts val="0"/>
-              </a:spcBef>
-              <a:buNone/>
-            </a:pPr>
-            <a:r>
-              <a:rPr lang="en-US" sz="1700" dirty="0" smtClean="0">
-                <a:effectLst>
-                  <a:outerShdw blurRad="38100" dist="38100" dir="2700000" algn="tl">
-                    <a:srgbClr val="000000">
-                      <a:alpha val="43137"/>
-                    </a:srgbClr>
-                  </a:outerShdw>
-                </a:effectLst>
-              </a:rPr>
-              <a:t>Post liked:</a:t>
-            </a:r>
-            <a:r>
-              <a:rPr lang="pl-PL" sz="1700" dirty="0" smtClean="0"/>
-              <a:t> </a:t>
-            </a:r>
-            <a:r>
-              <a:rPr lang="en-US" sz="1700" dirty="0" smtClean="0"/>
-              <a:t>@User of @</a:t>
-            </a:r>
-            <a:r>
-              <a:rPr lang="en-US" sz="1700" dirty="0" err="1" smtClean="0"/>
-              <a:t>User:UserName</a:t>
-            </a:r>
-            <a:r>
-              <a:rPr lang="en-US" sz="1700" dirty="0" smtClean="0"/>
-              <a:t> can like a @Post by its @</a:t>
-            </a:r>
-            <a:r>
-              <a:rPr lang="en-US" sz="1700" dirty="0" err="1" smtClean="0"/>
-              <a:t>Post:PostID</a:t>
-            </a:r>
-            <a:r>
-              <a:rPr lang="en-US" sz="1700" dirty="0" smtClean="0"/>
-              <a:t>.</a:t>
-            </a:r>
-          </a:p>
-          <a:p>
-            <a:pPr marL="114300" indent="0">
-              <a:spcBef>
-                <a:spcPts val="0"/>
-              </a:spcBef>
-              <a:buNone/>
-            </a:pPr>
-            <a:endParaRPr lang="en-US" sz="900" dirty="0" smtClean="0"/>
-          </a:p>
-          <a:p>
-            <a:pPr marL="114300" indent="0">
-              <a:spcBef>
-                <a:spcPts val="0"/>
-              </a:spcBef>
-              <a:buNone/>
-            </a:pPr>
-            <a:r>
-              <a:rPr lang="en-US" sz="1700" dirty="0" smtClean="0">
-                <a:effectLst>
-                  <a:outerShdw blurRad="38100" dist="38100" dir="2700000" algn="tl">
-                    <a:srgbClr val="000000">
-                      <a:alpha val="43137"/>
-                    </a:srgbClr>
-                  </a:outerShdw>
-                </a:effectLst>
-              </a:rPr>
-              <a:t>Post commented:</a:t>
-            </a:r>
-            <a:r>
-              <a:rPr lang="pl-PL" sz="1700" dirty="0" smtClean="0"/>
-              <a:t> </a:t>
-            </a:r>
-            <a:r>
-              <a:rPr lang="en-US" sz="1700" dirty="0" smtClean="0"/>
-              <a:t>@User of @</a:t>
-            </a:r>
-            <a:r>
-              <a:rPr lang="en-US" sz="1700" dirty="0" err="1" smtClean="0"/>
-              <a:t>User:UserName</a:t>
-            </a:r>
-            <a:r>
-              <a:rPr lang="en-US" sz="1700" dirty="0" smtClean="0"/>
-              <a:t> can write a @Comment(</a:t>
-            </a:r>
-            <a:r>
-              <a:rPr lang="en-US" sz="1700" dirty="0" err="1" smtClean="0"/>
-              <a:t>CommentID</a:t>
-            </a:r>
-            <a:r>
-              <a:rPr lang="en-US" sz="1700" dirty="0" smtClean="0"/>
-              <a:t>[id]) of @</a:t>
-            </a:r>
-            <a:r>
-              <a:rPr lang="en-US" sz="1700" dirty="0" err="1" smtClean="0"/>
-              <a:t>Comment:Content</a:t>
-            </a:r>
-            <a:r>
-              <a:rPr lang="en-US" sz="1700" dirty="0" smtClean="0"/>
-              <a:t> under a post of ID @</a:t>
-            </a:r>
-            <a:r>
-              <a:rPr lang="en-US" sz="1700" dirty="0" err="1" smtClean="0"/>
-              <a:t>Comment:PostID</a:t>
-            </a:r>
-            <a:r>
-              <a:rPr lang="en-US" sz="1700" dirty="0" smtClean="0"/>
-              <a:t> or another comment of ID @</a:t>
-            </a:r>
-            <a:r>
-              <a:rPr lang="en-US" sz="1700" dirty="0" err="1" smtClean="0"/>
-              <a:t>Comment:ParentCommentID</a:t>
-            </a:r>
-            <a:r>
-              <a:rPr lang="en-US" sz="1700" dirty="0" smtClean="0"/>
-              <a:t>[id].</a:t>
-            </a:r>
-          </a:p>
-          <a:p>
-            <a:pPr marL="114300" indent="0">
-              <a:spcBef>
-                <a:spcPts val="0"/>
-              </a:spcBef>
-              <a:buNone/>
-            </a:pPr>
-            <a:endParaRPr lang="en-US" sz="900" dirty="0" smtClean="0"/>
-          </a:p>
-          <a:p>
-            <a:pPr marL="114300" indent="0">
-              <a:spcBef>
-                <a:spcPts val="0"/>
-              </a:spcBef>
-              <a:buNone/>
-            </a:pPr>
-            <a:r>
-              <a:rPr lang="en-US" sz="1700" dirty="0" smtClean="0"/>
-              <a:t>========</a:t>
-            </a:r>
-          </a:p>
-          <a:p>
-            <a:pPr marL="114300" indent="0">
-              <a:spcBef>
-                <a:spcPts val="0"/>
-              </a:spcBef>
-              <a:buNone/>
-            </a:pPr>
-            <a:r>
-              <a:rPr lang="en-US" sz="1700" b="1" dirty="0" smtClean="0"/>
-              <a:t>Views:</a:t>
-            </a:r>
-            <a:endParaRPr lang="pl-PL" sz="1700" b="1" dirty="0" smtClean="0"/>
-          </a:p>
-          <a:p>
-            <a:pPr marL="114300" indent="0">
-              <a:spcBef>
-                <a:spcPts val="0"/>
-              </a:spcBef>
-              <a:buNone/>
-            </a:pPr>
-            <a:endParaRPr lang="en-US" sz="900" dirty="0" smtClean="0"/>
-          </a:p>
-          <a:p>
-            <a:pPr marL="114300" indent="0">
-              <a:spcBef>
-                <a:spcPts val="0"/>
-              </a:spcBef>
-              <a:buNone/>
-            </a:pPr>
-            <a:r>
-              <a:rPr lang="en-US" sz="1700" dirty="0" smtClean="0"/>
-              <a:t>I can display @Post list with @Post:@</a:t>
-            </a:r>
-            <a:r>
-              <a:rPr lang="en-US" sz="1700" dirty="0" err="1" smtClean="0"/>
-              <a:t>User:UserName</a:t>
-            </a:r>
-            <a:r>
-              <a:rPr lang="en-US" sz="1700" dirty="0" smtClean="0"/>
-              <a:t>, @</a:t>
-            </a:r>
-            <a:r>
-              <a:rPr lang="en-US" sz="1700" dirty="0" err="1" smtClean="0"/>
-              <a:t>Post:Title</a:t>
-            </a:r>
-            <a:r>
-              <a:rPr lang="en-US" sz="1700" dirty="0" smtClean="0"/>
-              <a:t>, @</a:t>
-            </a:r>
-            <a:r>
-              <a:rPr lang="en-US" sz="1700" dirty="0" err="1" smtClean="0"/>
-              <a:t>Post:Content</a:t>
-            </a:r>
-            <a:r>
-              <a:rPr lang="en-US" sz="1700" dirty="0" smtClean="0"/>
-              <a:t> and @</a:t>
-            </a:r>
-            <a:r>
-              <a:rPr lang="en-US" sz="1700" dirty="0" err="1" smtClean="0"/>
-              <a:t>Post:CommentsNumber</a:t>
-            </a:r>
-            <a:r>
-              <a:rPr lang="en-US" sz="1700" dirty="0" smtClean="0"/>
-              <a:t>[</a:t>
-            </a:r>
-            <a:r>
-              <a:rPr lang="en-US" sz="1700" dirty="0" err="1" smtClean="0"/>
-              <a:t>int</a:t>
-            </a:r>
-            <a:r>
-              <a:rPr lang="en-US" sz="1700" dirty="0" smtClean="0"/>
-              <a:t>].</a:t>
-            </a:r>
-          </a:p>
-          <a:p>
-            <a:pPr marL="114300" indent="0">
-              <a:spcBef>
-                <a:spcPts val="0"/>
-              </a:spcBef>
-              <a:buNone/>
-            </a:pPr>
-            <a:endParaRPr lang="en-US" sz="900" dirty="0" smtClean="0"/>
-          </a:p>
-          <a:p>
-            <a:pPr marL="114300" indent="0">
-              <a:spcBef>
-                <a:spcPts val="0"/>
-              </a:spcBef>
-              <a:buNone/>
-            </a:pPr>
-            <a:r>
-              <a:rPr lang="en-US" sz="1700" dirty="0" smtClean="0"/>
-              <a:t>I can display @Post details with @Post:@</a:t>
-            </a:r>
-            <a:r>
-              <a:rPr lang="en-US" sz="1700" dirty="0" err="1" smtClean="0"/>
-              <a:t>User:UserName</a:t>
-            </a:r>
-            <a:r>
-              <a:rPr lang="en-US" sz="1700" dirty="0" smtClean="0"/>
-              <a:t>, @</a:t>
-            </a:r>
-            <a:r>
-              <a:rPr lang="en-US" sz="1700" dirty="0" err="1" smtClean="0"/>
-              <a:t>Post:Title</a:t>
-            </a:r>
-            <a:r>
-              <a:rPr lang="en-US" sz="1700" dirty="0" smtClean="0"/>
-              <a:t>, @</a:t>
-            </a:r>
-            <a:r>
-              <a:rPr lang="en-US" sz="1700" dirty="0" err="1" smtClean="0"/>
-              <a:t>Post:Content</a:t>
-            </a:r>
-            <a:r>
-              <a:rPr lang="en-US" sz="1700" dirty="0" smtClean="0"/>
-              <a:t>, @Post::@</a:t>
-            </a:r>
-            <a:r>
-              <a:rPr lang="en-US" sz="1700" dirty="0" err="1" smtClean="0"/>
-              <a:t>Comment:Content</a:t>
-            </a:r>
-            <a:r>
-              <a:rPr lang="en-US" sz="1700" dirty="0" smtClean="0"/>
-              <a:t>, @Post::@Comment:@</a:t>
-            </a:r>
-            <a:r>
-              <a:rPr lang="en-US" sz="1700" dirty="0" err="1" smtClean="0"/>
-              <a:t>User:UserName</a:t>
-            </a:r>
-            <a:r>
-              <a:rPr lang="en-US" sz="1700" dirty="0" smtClean="0"/>
-              <a:t>, @Post::@</a:t>
-            </a:r>
-            <a:r>
-              <a:rPr lang="en-US" sz="1700" dirty="0" err="1" smtClean="0"/>
-              <a:t>User:FirstName</a:t>
-            </a:r>
-            <a:r>
-              <a:rPr lang="en-US" sz="1700" dirty="0" smtClean="0"/>
-              <a:t> and @Post::@</a:t>
-            </a:r>
-            <a:r>
-              <a:rPr lang="en-US" sz="1700" dirty="0" err="1" smtClean="0"/>
-              <a:t>User:LastName</a:t>
-            </a:r>
-            <a:r>
-              <a:rPr lang="en-US" sz="1700" dirty="0" smtClean="0"/>
-              <a:t>.</a:t>
-            </a:r>
-          </a:p>
-          <a:p>
-            <a:pPr marL="114300" indent="0">
-              <a:spcBef>
-                <a:spcPts val="0"/>
-              </a:spcBef>
-              <a:buNone/>
-            </a:pPr>
-            <a:endParaRPr lang="en-US" sz="900" dirty="0" smtClean="0"/>
-          </a:p>
-          <a:p>
-            <a:pPr marL="114300" indent="0">
-              <a:spcBef>
-                <a:spcPts val="0"/>
-              </a:spcBef>
-              <a:buNone/>
-            </a:pPr>
-            <a:r>
-              <a:rPr lang="en-US" sz="1700" dirty="0" smtClean="0"/>
-              <a:t>I can display user profile with @</a:t>
-            </a:r>
-            <a:r>
-              <a:rPr lang="en-US" sz="1700" dirty="0" err="1" smtClean="0"/>
-              <a:t>User:UserName</a:t>
-            </a:r>
-            <a:r>
-              <a:rPr lang="en-US" sz="1700" dirty="0" smtClean="0"/>
-              <a:t>, @</a:t>
-            </a:r>
-            <a:r>
-              <a:rPr lang="en-US" sz="1700" dirty="0" err="1" smtClean="0"/>
-              <a:t>User:FirstName</a:t>
-            </a:r>
-            <a:r>
-              <a:rPr lang="en-US" sz="1700" dirty="0" smtClean="0"/>
-              <a:t>, @</a:t>
-            </a:r>
-            <a:r>
-              <a:rPr lang="en-US" sz="1700" dirty="0" err="1" smtClean="0"/>
-              <a:t>User:LastName</a:t>
-            </a:r>
-            <a:r>
-              <a:rPr lang="en-US" sz="1700" dirty="0" smtClean="0"/>
-              <a:t> and @User::@</a:t>
-            </a:r>
-            <a:r>
-              <a:rPr lang="en-US" sz="1700" dirty="0" err="1" smtClean="0"/>
-              <a:t>Post:Title</a:t>
-            </a:r>
-            <a:r>
-              <a:rPr lang="en-US" sz="1700" dirty="0" smtClean="0"/>
-              <a:t>.</a:t>
+            <a:r>
+              <a:rPr lang="pl-PL" dirty="0"/>
+              <a:t>Uzycie </a:t>
+            </a:r>
+            <a:r>
+              <a:rPr lang="pl-PL" dirty="0" smtClean="0"/>
+              <a:t>szablonów generacji </a:t>
+            </a:r>
+            <a:r>
+              <a:rPr lang="pl-PL" dirty="0"/>
+              <a:t>do wygenerowania </a:t>
+            </a:r>
+            <a:r>
+              <a:rPr lang="pl-PL" dirty="0" smtClean="0"/>
+              <a:t>artefaktów systemu.</a:t>
             </a:r>
           </a:p>
         </p:txBody>
@@ -4936,7 +5354,7 @@
     </p:spTree>
     <p:extLst>
       <p:ext uri="{BB962C8B-B14F-4D97-AF65-F5344CB8AC3E}">
-        <p14:creationId xmlns:p14="http://schemas.microsoft.com/office/powerpoint/2010/main" val="1632806155"/>
+        <p14:creationId xmlns:p14="http://schemas.microsoft.com/office/powerpoint/2010/main" val="3736661967"/>
       </p:ext>
     </p:extLst>
   </p:cSld>
@@ -5012,7 +5430,7 @@
                   </a:outerShdw>
                 </a:effectLst>
               </a:rPr>
-              <a:t>generatora: wynik</a:t>
+              <a:t>generatora</a:t>
             </a:r>
             <a:endParaRPr lang="pl-PL" sz="4000" dirty="0">
               <a:effectLst>
@@ -5264,7 +5682,19 @@
                   </a:outerShdw>
                 </a:effectLst>
               </a:rPr>
-              <a:t>Działanie generatora: wynik</a:t>
+              <a:t>Działanie </a:t>
+            </a:r>
+            <a:r>
+              <a:rPr lang="pl-PL" sz="4000" dirty="0" smtClean="0">
+                <a:effectLst>
+                  <a:outerShdw blurRad="38100" dist="38100" dir="2700000" algn="tl">
+                    <a:srgbClr val="000000">
+                      <a:alpha val="43137"/>
+                    </a:srgbClr>
+                  </a:outerShdw>
+                </a:effectLst>
+              </a:rPr>
+              <a:t>generatora</a:t>
             </a:r>
             <a:endParaRPr lang="pl-PL" sz="4000" dirty="0">
               <a:effectLst>
@@ -5408,6 +5838,229 @@
           </a:extLst>
         </p:spPr>
       </p:pic>
+    </p:spTree>
+    <p:extLst>
+      <p:ext uri="{BB962C8B-B14F-4D97-AF65-F5344CB8AC3E}">
+        <p14:creationId xmlns:p14="http://schemas.microsoft.com/office/powerpoint/2010/main" val="23921984"/>
+      </p:ext>
+    </p:extLst>
+  </p:cSld>
+  <p:clrMapOvr>
+    <a:masterClrMapping/>
+  </p:clrMapOvr>
+  <p:timing>
+    <p:tnLst>
+      <p:par>
+        <p:cTn id="1" dur="indefinite" restart="never" nodeType="tmRoot"/>
+      </p:par>
+    </p:tnLst>
+  </p:timing>
+</p:sld>
+</file>
+
+<file path=ppt/slides/slide15.xml><?xml version="1.0" encoding="utf-8"?>
+<p:sld xmlns:a="http://schemas.openxmlformats.org/drawingml/2006/main" xmlns:r="http://schemas.openxmlformats.org/officeDocument/2006/relationships" xmlns:p="http://schemas.openxmlformats.org/presentationml/2006/main">
+  <p:cSld>
+    <p:spTree>
+      <p:nvGrpSpPr>
+        <p:cNvPr id="1" name=""/>
+        <p:cNvGrpSpPr/>
+        <p:nvPr/>
+      </p:nvGrpSpPr>
+      <p:grpSpPr>
+        <a:xfrm>
+          <a:off x="0" y="0"/>
+          <a:ext cx="0" cy="0"/>
+          <a:chOff x="0" y="0"/>
+          <a:chExt cx="0" cy="0"/>
+        </a:xfrm>
+      </p:grpSpPr>
+      <p:sp>
+        <p:nvSpPr>
+          <p:cNvPr id="2" name="Title 1"/>
+          <p:cNvSpPr>
+            <a:spLocks noGrp="1"/>
+          </p:cNvSpPr>
+          <p:nvPr>
+            <p:ph type="title"/>
+          </p:nvPr>
+        </p:nvSpPr>
+        <p:spPr>
+          <a:xfrm>
+            <a:off x="457200" y="44624"/>
+            <a:ext cx="7620000" cy="1143000"/>
+          </a:xfrm>
+        </p:spPr>
+        <p:txBody>
+          <a:bodyPr/>
+          <a:lstStyle/>
+          <a:p>
+            <a:r>
+              <a:rPr lang="pl-PL" sz="4000" dirty="0" smtClean="0">
+                <a:effectLst>
+                  <a:outerShdw blurRad="38100" dist="38100" dir="2700000" algn="tl">
+                    <a:srgbClr val="000000">
+                      <a:alpha val="43137"/>
+                    </a:srgbClr>
+                  </a:outerShdw>
+                </a:effectLst>
+              </a:rPr>
+              <a:t>Działanie </a:t>
+            </a:r>
+            <a:r>
+              <a:rPr lang="pl-PL" sz="4000" dirty="0" smtClean="0">
+                <a:effectLst>
+                  <a:outerShdw blurRad="38100" dist="38100" dir="2700000" algn="tl">
+                    <a:srgbClr val="000000">
+                      <a:alpha val="43137"/>
+                    </a:srgbClr>
+                  </a:outerShdw>
+                </a:effectLst>
+              </a:rPr>
+              <a:t>generatora</a:t>
+            </a:r>
+            <a:endParaRPr lang="pl-PL" sz="4000" dirty="0">
+              <a:effectLst>
+                <a:outerShdw blurRad="38100" dist="38100" dir="2700000" algn="tl">
+                  <a:srgbClr val="000000">
+                    <a:alpha val="43137"/>
+                  </a:srgbClr>
+                </a:outerShdw>
+              </a:effectLst>
+            </a:endParaRPr>
+          </a:p>
+        </p:txBody>
+      </p:sp>
+      <p:sp>
+        <p:nvSpPr>
+          <p:cNvPr id="6" name="Footer Placeholder 7"/>
+          <p:cNvSpPr>
+            <a:spLocks noGrp="1"/>
+          </p:cNvSpPr>
+          <p:nvPr>
+            <p:ph type="ftr" sz="quarter" idx="11"/>
+          </p:nvPr>
+        </p:nvSpPr>
+        <p:spPr>
+          <a:xfrm rot="5400000">
+            <a:off x="6951124" y="1841964"/>
+            <a:ext cx="3672408" cy="365760"/>
+          </a:xfrm>
+        </p:spPr>
+        <p:txBody>
+          <a:bodyPr/>
+          <a:lstStyle/>
+          <a:p>
+            <a:pPr algn="l"/>
+            <a:r>
+              <a:rPr lang="pl-PL" sz="1600" dirty="0">
+                <a:effectLst>
+                  <a:outerShdw blurRad="38100" dist="38100" dir="2700000" algn="tl">
+                    <a:srgbClr val="000000">
+                      <a:alpha val="43137"/>
+                    </a:srgbClr>
+                  </a:outerShdw>
+                </a:effectLst>
+              </a:rPr>
+              <a:t>Obrona pracy magisterskiej</a:t>
+            </a:r>
+          </a:p>
+        </p:txBody>
+      </p:sp>
+      <p:sp>
+        <p:nvSpPr>
+          <p:cNvPr id="5" name="Slide Number Placeholder 4"/>
+          <p:cNvSpPr>
+            <a:spLocks noGrp="1"/>
+          </p:cNvSpPr>
+          <p:nvPr>
+            <p:ph type="sldNum" sz="quarter" idx="12"/>
+          </p:nvPr>
+        </p:nvSpPr>
+        <p:spPr/>
+        <p:txBody>
+          <a:bodyPr/>
+          <a:lstStyle/>
+          <a:p>
+            <a:fld id="{A9560CCA-E071-4361-AF3D-B0CE296716D1}" type="slidenum">
+              <a:rPr lang="pl-PL" smtClean="0"/>
+              <a:t>15</a:t>
+            </a:fld>
+            <a:endParaRPr lang="pl-PL"/>
+          </a:p>
+        </p:txBody>
+      </p:sp>
+      <p:pic>
+        <p:nvPicPr>
+          <p:cNvPr id="14" name="Picture 13"/>
+          <p:cNvPicPr>
+            <a:picLocks noChangeAspect="1"/>
+          </p:cNvPicPr>
+          <p:nvPr/>
+        </p:nvPicPr>
+        <p:blipFill>
+          <a:blip r:embed="rId2">
+            <a:extLst>
+              <a:ext uri="{28A0092B-C50C-407E-A947-70E740481C1C}">
+                <a14:useLocalDpi xmlns:a14="http://schemas.microsoft.com/office/drawing/2010/main" val="0"/>
+              </a:ext>
+            </a:extLst>
+          </a:blip>
+          <a:stretch>
+            <a:fillRect/>
+          </a:stretch>
+        </p:blipFill>
+        <p:spPr>
+          <a:xfrm>
+            <a:off x="107504" y="1393279"/>
+            <a:ext cx="5392748" cy="4916041"/>
+          </a:xfrm>
+          <a:prstGeom prst="rect">
+            <a:avLst/>
+          </a:prstGeom>
+        </p:spPr>
+      </p:pic>
+      <p:pic>
+        <p:nvPicPr>
+          <p:cNvPr id="1026" name="Picture 2" descr="D:\Studia magisterskie\MasterThesis\thesis\presentation\sample_app_2_rotated.png"/>
+          <p:cNvPicPr>
+            <a:picLocks noChangeAspect="1" noChangeArrowheads="1"/>
+          </p:cNvPicPr>
+          <p:nvPr/>
+        </p:nvPicPr>
+        <p:blipFill>
+          <a:blip r:embed="rId3">
+            <a:extLst>
+              <a:ext uri="{28A0092B-C50C-407E-A947-70E740481C1C}">
+                <a14:useLocalDpi xmlns:a14="http://schemas.microsoft.com/office/drawing/2010/main" val="0"/>
+              </a:ext>
+            </a:extLst>
+          </a:blip>
+          <a:srcRect/>
+          <a:stretch>
+            <a:fillRect/>
+          </a:stretch>
+        </p:blipFill>
+        <p:spPr bwMode="auto">
+          <a:xfrm>
+            <a:off x="5363275" y="1918924"/>
+            <a:ext cx="3025149" cy="3550964"/>
+          </a:xfrm>
+          <a:prstGeom prst="rect">
+            <a:avLst/>
+          </a:prstGeom>
+          <a:noFill/>
+          <a:extLst>
+            <a:ext uri="{909E8E84-426E-40DD-AFC4-6F175D3DCCD1}">
+              <a14:hiddenFill xmlns:a14="http://schemas.microsoft.com/office/drawing/2010/main">
+                <a:solidFill>
+                  <a:srgbClr val="FFFFFF"/>
+                </a:solidFill>
+              </a14:hiddenFill>
+            </a:ext>
+          </a:extLst>
+        </p:spPr>
+      </p:pic>
       <p:sp>
         <p:nvSpPr>
           <p:cNvPr id="7" name="Plus 6"/>
@@ -5764,7 +6417,7 @@
 </p:sld>
 </file>
 
-<file path=ppt/slides/slide15.xml><?xml version="1.0" encoding="utf-8"?>
+<file path=ppt/slides/slide16.xml><?xml version="1.0" encoding="utf-8"?>
 <p:sld xmlns:a="http://schemas.openxmlformats.org/drawingml/2006/main" xmlns:r="http://schemas.openxmlformats.org/officeDocument/2006/relationships" xmlns:p="http://schemas.openxmlformats.org/presentationml/2006/main">
   <p:cSld>
     <p:spTree>
@@ -5930,7 +6583,7 @@
           <a:p>
             <a:fld id="{A9560CCA-E071-4361-AF3D-B0CE296716D1}" type="slidenum">
               <a:rPr lang="pl-PL" smtClean="0"/>
-              <a:t>15</a:t>
+              <a:t>16</a:t>
             </a:fld>
             <a:endParaRPr lang="pl-PL"/>
           </a:p>
@@ -5956,7 +6609,7 @@
 </p:sld>
 </file>
 
-<file path=ppt/slides/slide16.xml><?xml version="1.0" encoding="utf-8"?>
+<file path=ppt/slides/slide17.xml><?xml version="1.0" encoding="utf-8"?>
 <p:sld xmlns:a="http://schemas.openxmlformats.org/drawingml/2006/main" xmlns:r="http://schemas.openxmlformats.org/officeDocument/2006/relationships" xmlns:p="http://schemas.openxmlformats.org/presentationml/2006/main">
   <p:cSld>
     <p:spTree>
@@ -6057,7 +6710,7 @@
           <a:p>
             <a:fld id="{A9560CCA-E071-4361-AF3D-B0CE296716D1}" type="slidenum">
               <a:rPr lang="pl-PL" smtClean="0"/>
-              <a:t>16</a:t>
+              <a:t>17</a:t>
             </a:fld>
             <a:endParaRPr lang="pl-PL"/>
           </a:p>
@@ -6955,11 +7608,11 @@
           <a:p>
             <a:pPr lvl="2"/>
             <a:r>
-              <a:rPr lang="pl-PL"/>
+              <a:rPr lang="pl-PL" dirty="0"/>
               <a:t>m</a:t>
             </a:r>
             <a:r>
-              <a:rPr lang="pl-PL" smtClean="0"/>
+              <a:rPr lang="pl-PL" dirty="0" smtClean="0"/>
               <a:t>ożliwość cofnięcia stanu systemu do dowolnego punktu w czasie;</a:t>
             </a:r>
             <a:endParaRPr lang="pl-PL" dirty="0" smtClean="0"/>
@@ -7612,7 +8265,7 @@
           <a:p>
             <a:r>
               <a:rPr lang="pl-PL" sz="2400" dirty="0" smtClean="0"/>
-              <a:t>Implementacja: </a:t>
+              <a:t>Implementacja (weryfikacja koncepcji): </a:t>
             </a:r>
             <a:r>
               <a:rPr lang="pl-PL" sz="2400" dirty="0"/>
@@ -7790,7 +8443,7 @@
                   </a:outerShdw>
                 </a:effectLst>
               </a:rPr>
-              <a:t>Działanie generatora</a:t>
+              <a:t>Przykładowa aplikacja</a:t>
             </a:r>
             <a:endParaRPr lang="pl-PL" sz="4000" dirty="0">
               <a:effectLst>
@@ -7826,88 +8479,100 @@
           </a:bodyPr>
           <a:lstStyle/>
           <a:p>
-            <a:pPr marL="571500" indent="-457200">
-              <a:buFont typeface="+mj-lt"/>
-              <a:buAutoNum type="arabicPeriod"/>
-            </a:pPr>
+            <a:r>
+              <a:rPr lang="pl-PL" dirty="0"/>
+              <a:t>Komendy pozwalające użytkownikowi</a:t>
+            </a:r>
             <a:r>
               <a:rPr lang="pl-PL" sz="2400" dirty="0"/>
-              <a:t>Wczytanie </a:t>
-            </a:r>
-            <a:r>
-              <a:rPr lang="pl-PL" sz="2400" dirty="0" smtClean="0"/>
-              <a:t>opisu </a:t>
-            </a:r>
-            <a:r>
-              <a:rPr lang="pl-PL" sz="2400" dirty="0"/>
-              <a:t>dziedziny </a:t>
-            </a:r>
-            <a:r>
-              <a:rPr lang="pl-PL" sz="2400" dirty="0" smtClean="0"/>
-              <a:t>aplikacji.</a:t>
-            </a:r>
-          </a:p>
-          <a:p>
-            <a:pPr marL="571500" indent="-457200">
-              <a:buFont typeface="+mj-lt"/>
-              <a:buAutoNum type="arabicPeriod"/>
-            </a:pPr>
-            <a:r>
-              <a:rPr lang="pl-PL" sz="2400" dirty="0"/>
-              <a:t>Zdeserializowanie </a:t>
-            </a:r>
-            <a:r>
-              <a:rPr lang="pl-PL" sz="2400" dirty="0" smtClean="0"/>
-              <a:t>opisu </a:t>
-            </a:r>
-            <a:r>
-              <a:rPr lang="pl-PL" sz="2400" dirty="0"/>
-              <a:t>dziedziny </a:t>
-            </a:r>
-            <a:r>
-              <a:rPr lang="pl-PL" sz="2400" dirty="0" smtClean="0"/>
-              <a:t>aplikacji.</a:t>
-            </a:r>
-          </a:p>
-          <a:p>
-            <a:pPr marL="571500" indent="-457200">
-              <a:buFont typeface="+mj-lt"/>
-              <a:buAutoNum type="arabicPeriod"/>
-            </a:pPr>
+              <a:t>:</a:t>
+            </a:r>
+          </a:p>
+          <a:p>
+            <a:pPr lvl="1"/>
+            <a:r>
+              <a:rPr lang="pl-PL" dirty="0"/>
+              <a:t>opublikować wpis na swoim blogu;</a:t>
+            </a:r>
+          </a:p>
+          <a:p>
+            <a:pPr lvl="1"/>
+            <a:r>
+              <a:rPr lang="pl-PL" dirty="0"/>
+              <a:t>polubić wpis innego użytkownika;</a:t>
+            </a:r>
+          </a:p>
+          <a:p>
+            <a:pPr lvl="1"/>
+            <a:r>
+              <a:rPr lang="pl-PL" dirty="0"/>
+              <a:t>skomentować wpis innego użytkownika</a:t>
+            </a:r>
             <a:r>
               <a:rPr lang="pl-PL" dirty="0" smtClean="0"/>
-              <a:t>Wyodrębnienie </a:t>
+              <a:t>.</a:t>
+            </a:r>
+          </a:p>
+          <a:p>
+            <a:r>
+              <a:rPr lang="pl-PL" dirty="0" smtClean="0"/>
+              <a:t>Zapytania na potrzeby:</a:t>
+            </a:r>
+            <a:endParaRPr lang="pl-PL" dirty="0"/>
+          </a:p>
+          <a:p>
+            <a:pPr lvl="1"/>
+            <a:r>
+              <a:rPr lang="pl-PL" dirty="0" smtClean="0"/>
+              <a:t>wyświetlenia danego bloga, </a:t>
             </a:r>
             <a:r>
               <a:rPr lang="pl-PL" dirty="0"/>
-              <a:t>jednostek </a:t>
+              <a:t>tzn. wszystkich wpisów jego autora wraz z </a:t>
             </a:r>
             <a:r>
               <a:rPr lang="pl-PL" dirty="0" smtClean="0"/>
-              <a:t>generacji.</a:t>
-            </a:r>
-          </a:p>
-          <a:p>
-            <a:pPr marL="571500" indent="-457200">
-              <a:buFont typeface="+mj-lt"/>
-              <a:buAutoNum type="arabicPeriod"/>
-            </a:pPr>
+              <a:t>liczbą </a:t>
+            </a:r>
             <a:r>
               <a:rPr lang="pl-PL" dirty="0"/>
-              <a:t>Uzycie </a:t>
-            </a:r>
+              <a:t>ich komentarzy;</a:t>
+            </a:r>
+          </a:p>
+          <a:p>
+            <a:pPr lvl="1"/>
             <a:r>
               <a:rPr lang="pl-PL" dirty="0" smtClean="0"/>
-              <a:t>szablonów generacji </a:t>
+              <a:t>wyświetlenia </a:t>
             </a:r>
             <a:r>
               <a:rPr lang="pl-PL" dirty="0"/>
-              <a:t>do wygenerowania </a:t>
-            </a:r>
+              <a:t>danego wpisu wraz z jego komentarzami i “polubieniami”;</a:t>
+            </a:r>
+          </a:p>
+          <a:p>
+            <a:pPr lvl="1"/>
             <a:r>
               <a:rPr lang="pl-PL" dirty="0" smtClean="0"/>
-              <a:t>artefaktów systemu.</a:t>
-            </a:r>
+              <a:t>wyświetlenia </a:t>
+            </a:r>
+            <a:r>
+              <a:rPr lang="pl-PL" dirty="0"/>
+              <a:t>profilu </a:t>
+            </a:r>
+            <a:r>
+              <a:rPr lang="pl-PL" dirty="0" smtClean="0"/>
+              <a:t>użytkownika </a:t>
+            </a:r>
+            <a:r>
+              <a:rPr lang="pl-PL" dirty="0"/>
+              <a:t>wraz z lubianymi przez niego </a:t>
+            </a:r>
+            <a:r>
+              <a:rPr lang="pl-PL" dirty="0" smtClean="0"/>
+              <a:t>wpisami.</a:t>
+            </a:r>
+            <a:endParaRPr lang="pl-PL" sz="2400" dirty="0" smtClean="0"/>
           </a:p>
         </p:txBody>
       </p:sp>
@@ -7973,7 +8638,7 @@
     </p:spTree>
     <p:extLst>
       <p:ext uri="{BB962C8B-B14F-4D97-AF65-F5344CB8AC3E}">
-        <p14:creationId xmlns:p14="http://schemas.microsoft.com/office/powerpoint/2010/main" val="3736661967"/>
+        <p14:creationId xmlns:p14="http://schemas.microsoft.com/office/powerpoint/2010/main" val="3087124167"/>
       </p:ext>
     </p:extLst>
   </p:cSld>

--- a/thesis/presentation/presentation.pptx
+++ b/thesis/presentation/presentation.pptx
@@ -5,7 +5,7 @@
     <p:sldMasterId id="2147483660" r:id="rId1"/>
   </p:sldMasterIdLst>
   <p:notesMasterIdLst>
-    <p:notesMasterId r:id="rId19"/>
+    <p:notesMasterId r:id="rId18"/>
   </p:notesMasterIdLst>
   <p:sldIdLst>
     <p:sldId id="256" r:id="rId2"/>
@@ -19,12 +19,11 @@
     <p:sldId id="338" r:id="rId10"/>
     <p:sldId id="340" r:id="rId11"/>
     <p:sldId id="335" r:id="rId12"/>
-    <p:sldId id="332" r:id="rId13"/>
-    <p:sldId id="339" r:id="rId14"/>
-    <p:sldId id="334" r:id="rId15"/>
-    <p:sldId id="337" r:id="rId16"/>
-    <p:sldId id="333" r:id="rId17"/>
-    <p:sldId id="258" r:id="rId18"/>
+    <p:sldId id="339" r:id="rId13"/>
+    <p:sldId id="334" r:id="rId14"/>
+    <p:sldId id="337" r:id="rId15"/>
+    <p:sldId id="333" r:id="rId16"/>
+    <p:sldId id="258" r:id="rId17"/>
   </p:sldIdLst>
   <p:sldSz cx="9144000" cy="6858000" type="screen4x3"/>
   <p:notesSz cx="6858000" cy="9144000"/>
@@ -3772,8 +3771,23 @@
                 </a:solidFill>
                 <a:latin typeface="+mj-lt"/>
               </a:rPr>
-              <a:t>Warszawa, 29.03.2015</a:t>
-            </a:r>
+              <a:t>Warszawa, </a:t>
+            </a:r>
+            <a:r>
+              <a:rPr lang="pl-PL" sz="2800" i="1" dirty="0" smtClean="0">
+                <a:solidFill>
+                  <a:schemeClr val="tx2"/>
+                </a:solidFill>
+                <a:latin typeface="+mj-lt"/>
+              </a:rPr>
+              <a:t>19.03.2015</a:t>
+            </a:r>
+            <a:endParaRPr lang="pl-PL" sz="2800" i="1" dirty="0" smtClean="0">
+              <a:solidFill>
+                <a:schemeClr val="tx2"/>
+              </a:solidFill>
+              <a:latin typeface="+mj-lt"/>
+            </a:endParaRPr>
           </a:p>
         </p:txBody>
       </p:sp>
@@ -5162,6 +5176,18 @@
           <a:lstStyle/>
           <a:p>
             <a:r>
+              <a:rPr lang="pl-PL" sz="4000" dirty="0">
+                <a:effectLst>
+                  <a:outerShdw blurRad="38100" dist="38100" dir="2700000" algn="tl">
+                    <a:srgbClr val="000000">
+                      <a:alpha val="43137"/>
+                    </a:srgbClr>
+                  </a:outerShdw>
+                </a:effectLst>
+              </a:rPr>
+              <a:t>Działanie </a:t>
+            </a:r>
+            <a:r>
               <a:rPr lang="pl-PL" sz="4000" dirty="0" smtClean="0">
                 <a:effectLst>
                   <a:outerShdw blurRad="38100" dist="38100" dir="2700000" algn="tl">
@@ -5171,7 +5197,7 @@
                   </a:outerShdw>
                 </a:effectLst>
               </a:rPr>
-              <a:t>Działanie generatora</a:t>
+              <a:t>generatora</a:t>
             </a:r>
             <a:endParaRPr lang="pl-PL" sz="4000" dirty="0">
               <a:effectLst>
@@ -5182,113 +5208,6 @@
                 </a:outerShdw>
               </a:effectLst>
             </a:endParaRPr>
-          </a:p>
-        </p:txBody>
-      </p:sp>
-      <p:sp>
-        <p:nvSpPr>
-          <p:cNvPr id="3" name="Content Placeholder 2"/>
-          <p:cNvSpPr>
-            <a:spLocks noGrp="1"/>
-          </p:cNvSpPr>
-          <p:nvPr>
-            <p:ph idx="1"/>
-          </p:nvPr>
-        </p:nvSpPr>
-        <p:spPr>
-          <a:xfrm>
-            <a:off x="467544" y="1196752"/>
-            <a:ext cx="7620000" cy="5400600"/>
-          </a:xfrm>
-        </p:spPr>
-        <p:txBody>
-          <a:bodyPr>
-            <a:normAutofit/>
-          </a:bodyPr>
-          <a:lstStyle/>
-          <a:p>
-            <a:pPr marL="571500" indent="-457200">
-              <a:buFont typeface="+mj-lt"/>
-              <a:buAutoNum type="arabicPeriod"/>
-            </a:pPr>
-            <a:r>
-              <a:rPr lang="pl-PL" sz="2400" dirty="0"/>
-              <a:t>Wczytanie </a:t>
-            </a:r>
-            <a:r>
-              <a:rPr lang="pl-PL" sz="2400" dirty="0" smtClean="0"/>
-              <a:t>opisu </a:t>
-            </a:r>
-            <a:r>
-              <a:rPr lang="pl-PL" sz="2400" dirty="0"/>
-              <a:t>dziedziny </a:t>
-            </a:r>
-            <a:r>
-              <a:rPr lang="pl-PL" sz="2400" dirty="0" smtClean="0"/>
-              <a:t>aplikacji.</a:t>
-            </a:r>
-          </a:p>
-          <a:p>
-            <a:pPr marL="571500" indent="-457200">
-              <a:buFont typeface="+mj-lt"/>
-              <a:buAutoNum type="arabicPeriod"/>
-            </a:pPr>
-            <a:r>
-              <a:rPr lang="pl-PL" sz="2400" dirty="0"/>
-              <a:t>Zdeserializowanie </a:t>
-            </a:r>
-            <a:r>
-              <a:rPr lang="pl-PL" sz="2400" dirty="0" smtClean="0"/>
-              <a:t>opisu </a:t>
-            </a:r>
-            <a:r>
-              <a:rPr lang="pl-PL" sz="2400" dirty="0"/>
-              <a:t>dziedziny </a:t>
-            </a:r>
-            <a:r>
-              <a:rPr lang="pl-PL" sz="2400" dirty="0" smtClean="0"/>
-              <a:t>aplikacji.</a:t>
-            </a:r>
-          </a:p>
-          <a:p>
-            <a:pPr marL="571500" indent="-457200">
-              <a:buFont typeface="+mj-lt"/>
-              <a:buAutoNum type="arabicPeriod"/>
-            </a:pPr>
-            <a:r>
-              <a:rPr lang="pl-PL" dirty="0" smtClean="0"/>
-              <a:t>Wyodrębnienie </a:t>
-            </a:r>
-            <a:r>
-              <a:rPr lang="pl-PL" dirty="0"/>
-              <a:t>jednostek </a:t>
-            </a:r>
-            <a:r>
-              <a:rPr lang="pl-PL" dirty="0" smtClean="0"/>
-              <a:t>generacji.</a:t>
-            </a:r>
-          </a:p>
-          <a:p>
-            <a:pPr marL="571500" indent="-457200">
-              <a:buFont typeface="+mj-lt"/>
-              <a:buAutoNum type="arabicPeriod"/>
-            </a:pPr>
-            <a:r>
-              <a:rPr lang="pl-PL" dirty="0"/>
-              <a:t>Uzycie </a:t>
-            </a:r>
-            <a:r>
-              <a:rPr lang="pl-PL" dirty="0" smtClean="0"/>
-              <a:t>szablonów generacji </a:t>
-            </a:r>
-            <a:r>
-              <a:rPr lang="pl-PL" dirty="0"/>
-              <a:t>do wygenerowania </a:t>
-            </a:r>
-            <a:r>
-              <a:rPr lang="pl-PL" dirty="0" smtClean="0"/>
-              <a:t>artefaktów systemu.</a:t>
-            </a:r>
           </a:p>
         </p:txBody>
       </p:sp>
@@ -5346,158 +5265,6 @@
             <a:fld id="{A9560CCA-E071-4361-AF3D-B0CE296716D1}" type="slidenum">
               <a:rPr lang="pl-PL" smtClean="0"/>
               <a:t>12</a:t>
-            </a:fld>
-            <a:endParaRPr lang="pl-PL"/>
-          </a:p>
-        </p:txBody>
-      </p:sp>
-    </p:spTree>
-    <p:extLst>
-      <p:ext uri="{BB962C8B-B14F-4D97-AF65-F5344CB8AC3E}">
-        <p14:creationId xmlns:p14="http://schemas.microsoft.com/office/powerpoint/2010/main" val="3736661967"/>
-      </p:ext>
-    </p:extLst>
-  </p:cSld>
-  <p:clrMapOvr>
-    <a:masterClrMapping/>
-  </p:clrMapOvr>
-  <p:timing>
-    <p:tnLst>
-      <p:par>
-        <p:cTn id="1" dur="indefinite" restart="never" nodeType="tmRoot"/>
-      </p:par>
-    </p:tnLst>
-  </p:timing>
-</p:sld>
-</file>
-
-<file path=ppt/slides/slide13.xml><?xml version="1.0" encoding="utf-8"?>
-<p:sld xmlns:a="http://schemas.openxmlformats.org/drawingml/2006/main" xmlns:r="http://schemas.openxmlformats.org/officeDocument/2006/relationships" xmlns:p="http://schemas.openxmlformats.org/presentationml/2006/main">
-  <p:cSld>
-    <p:spTree>
-      <p:nvGrpSpPr>
-        <p:cNvPr id="1" name=""/>
-        <p:cNvGrpSpPr/>
-        <p:nvPr/>
-      </p:nvGrpSpPr>
-      <p:grpSpPr>
-        <a:xfrm>
-          <a:off x="0" y="0"/>
-          <a:ext cx="0" cy="0"/>
-          <a:chOff x="0" y="0"/>
-          <a:chExt cx="0" cy="0"/>
-        </a:xfrm>
-      </p:grpSpPr>
-      <p:sp>
-        <p:nvSpPr>
-          <p:cNvPr id="2" name="Title 1"/>
-          <p:cNvSpPr>
-            <a:spLocks noGrp="1"/>
-          </p:cNvSpPr>
-          <p:nvPr>
-            <p:ph type="title"/>
-          </p:nvPr>
-        </p:nvSpPr>
-        <p:spPr>
-          <a:xfrm>
-            <a:off x="457200" y="44624"/>
-            <a:ext cx="7620000" cy="1143000"/>
-          </a:xfrm>
-        </p:spPr>
-        <p:txBody>
-          <a:bodyPr/>
-          <a:lstStyle/>
-          <a:p>
-            <a:r>
-              <a:rPr lang="pl-PL" sz="4000" dirty="0">
-                <a:effectLst>
-                  <a:outerShdw blurRad="38100" dist="38100" dir="2700000" algn="tl">
-                    <a:srgbClr val="000000">
-                      <a:alpha val="43137"/>
-                    </a:srgbClr>
-                  </a:outerShdw>
-                </a:effectLst>
-              </a:rPr>
-              <a:t>Działanie </a:t>
-            </a:r>
-            <a:r>
-              <a:rPr lang="pl-PL" sz="4000" dirty="0" smtClean="0">
-                <a:effectLst>
-                  <a:outerShdw blurRad="38100" dist="38100" dir="2700000" algn="tl">
-                    <a:srgbClr val="000000">
-                      <a:alpha val="43137"/>
-                    </a:srgbClr>
-                  </a:outerShdw>
-                </a:effectLst>
-              </a:rPr>
-              <a:t>generatora</a:t>
-            </a:r>
-            <a:endParaRPr lang="pl-PL" sz="4000" dirty="0">
-              <a:effectLst>
-                <a:outerShdw blurRad="38100" dist="38100" dir="2700000" algn="tl">
-                  <a:srgbClr val="000000">
-                    <a:alpha val="43137"/>
-                  </a:srgbClr>
-                </a:outerShdw>
-              </a:effectLst>
-            </a:endParaRPr>
-          </a:p>
-        </p:txBody>
-      </p:sp>
-      <p:sp>
-        <p:nvSpPr>
-          <p:cNvPr id="6" name="Footer Placeholder 7"/>
-          <p:cNvSpPr>
-            <a:spLocks noGrp="1"/>
-          </p:cNvSpPr>
-          <p:nvPr>
-            <p:ph type="ftr" sz="quarter" idx="11"/>
-          </p:nvPr>
-        </p:nvSpPr>
-        <p:spPr>
-          <a:xfrm rot="5400000">
-            <a:off x="6951124" y="1841964"/>
-            <a:ext cx="3672408" cy="365760"/>
-          </a:xfrm>
-        </p:spPr>
-        <p:txBody>
-          <a:bodyPr/>
-          <a:lstStyle/>
-          <a:p>
-            <a:pPr algn="l"/>
-            <a:r>
-              <a:rPr lang="pl-PL" sz="1600" dirty="0">
-                <a:effectLst>
-                  <a:outerShdw blurRad="38100" dist="38100" dir="2700000" algn="tl">
-                    <a:srgbClr val="000000">
-                      <a:alpha val="43137"/>
-                    </a:srgbClr>
-                  </a:outerShdw>
-                </a:effectLst>
-              </a:rPr>
-              <a:t>Obrona pracy magisterskiej</a:t>
-            </a:r>
-          </a:p>
-        </p:txBody>
-      </p:sp>
-      <p:sp>
-        <p:nvSpPr>
-          <p:cNvPr id="5" name="Slide Number Placeholder 4"/>
-          <p:cNvSpPr>
-            <a:spLocks noGrp="1"/>
-          </p:cNvSpPr>
-          <p:nvPr>
-            <p:ph type="sldNum" sz="quarter" idx="12"/>
-          </p:nvPr>
-        </p:nvSpPr>
-        <p:spPr/>
-        <p:txBody>
-          <a:bodyPr/>
-          <a:lstStyle/>
-          <a:p>
-            <a:fld id="{A9560CCA-E071-4361-AF3D-B0CE296716D1}" type="slidenum">
-              <a:rPr lang="pl-PL" smtClean="0"/>
-              <a:t>13</a:t>
             </a:fld>
             <a:endParaRPr lang="pl-PL"/>
           </a:p>
@@ -5635,7 +5402,7 @@
 </p:sld>
 </file>
 
-<file path=ppt/slides/slide14.xml><?xml version="1.0" encoding="utf-8"?>
+<file path=ppt/slides/slide13.xml><?xml version="1.0" encoding="utf-8"?>
 <p:sld xmlns:a="http://schemas.openxmlformats.org/drawingml/2006/main" xmlns:r="http://schemas.openxmlformats.org/officeDocument/2006/relationships" xmlns:p="http://schemas.openxmlformats.org/presentationml/2006/main">
   <p:cSld>
     <p:spTree>
@@ -5761,7 +5528,7 @@
           <a:p>
             <a:fld id="{A9560CCA-E071-4361-AF3D-B0CE296716D1}" type="slidenum">
               <a:rPr lang="pl-PL" smtClean="0"/>
-              <a:t>14</a:t>
+              <a:t>13</a:t>
             </a:fld>
             <a:endParaRPr lang="pl-PL"/>
           </a:p>
@@ -5858,7 +5625,7 @@
 </p:sld>
 </file>
 
-<file path=ppt/slides/slide15.xml><?xml version="1.0" encoding="utf-8"?>
+<file path=ppt/slides/slide14.xml><?xml version="1.0" encoding="utf-8"?>
 <p:sld xmlns:a="http://schemas.openxmlformats.org/drawingml/2006/main" xmlns:r="http://schemas.openxmlformats.org/officeDocument/2006/relationships" xmlns:p="http://schemas.openxmlformats.org/presentationml/2006/main">
   <p:cSld>
     <p:spTree>
@@ -5984,7 +5751,7 @@
           <a:p>
             <a:fld id="{A9560CCA-E071-4361-AF3D-B0CE296716D1}" type="slidenum">
               <a:rPr lang="pl-PL" smtClean="0"/>
-              <a:t>15</a:t>
+              <a:t>14</a:t>
             </a:fld>
             <a:endParaRPr lang="pl-PL"/>
           </a:p>
@@ -6417,7 +6184,7 @@
 </p:sld>
 </file>
 
-<file path=ppt/slides/slide16.xml><?xml version="1.0" encoding="utf-8"?>
+<file path=ppt/slides/slide15.xml><?xml version="1.0" encoding="utf-8"?>
 <p:sld xmlns:a="http://schemas.openxmlformats.org/drawingml/2006/main" xmlns:r="http://schemas.openxmlformats.org/officeDocument/2006/relationships" xmlns:p="http://schemas.openxmlformats.org/presentationml/2006/main">
   <p:cSld>
     <p:spTree>
@@ -6583,7 +6350,7 @@
           <a:p>
             <a:fld id="{A9560CCA-E071-4361-AF3D-B0CE296716D1}" type="slidenum">
               <a:rPr lang="pl-PL" smtClean="0"/>
-              <a:t>16</a:t>
+              <a:t>15</a:t>
             </a:fld>
             <a:endParaRPr lang="pl-PL"/>
           </a:p>
@@ -6609,7 +6376,7 @@
 </p:sld>
 </file>
 
-<file path=ppt/slides/slide17.xml><?xml version="1.0" encoding="utf-8"?>
+<file path=ppt/slides/slide16.xml><?xml version="1.0" encoding="utf-8"?>
 <p:sld xmlns:a="http://schemas.openxmlformats.org/drawingml/2006/main" xmlns:r="http://schemas.openxmlformats.org/officeDocument/2006/relationships" xmlns:p="http://schemas.openxmlformats.org/presentationml/2006/main">
   <p:cSld>
     <p:spTree>
@@ -6710,7 +6477,7 @@
           <a:p>
             <a:fld id="{A9560CCA-E071-4361-AF3D-B0CE296716D1}" type="slidenum">
               <a:rPr lang="pl-PL" smtClean="0"/>
-              <a:t>17</a:t>
+              <a:t>16</a:t>
             </a:fld>
             <a:endParaRPr lang="pl-PL"/>
           </a:p>
@@ -6823,8 +6590,29 @@
           <a:p>
             <a:r>
               <a:rPr lang="pl-PL" sz="2800" dirty="0" smtClean="0"/>
-              <a:t>Zaproponowane rozwiązanie</a:t>
-            </a:r>
+              <a:t>Zaproponowane </a:t>
+            </a:r>
+            <a:r>
+              <a:rPr lang="pl-PL" sz="2800" dirty="0" smtClean="0"/>
+              <a:t>rozwiązanie</a:t>
+            </a:r>
+          </a:p>
+          <a:p>
+            <a:r>
+              <a:rPr lang="pl-PL" sz="2800" dirty="0"/>
+              <a:t>Przykładowa </a:t>
+            </a:r>
+            <a:r>
+              <a:rPr lang="pl-PL" sz="2800" dirty="0" smtClean="0"/>
+              <a:t>aplikacja</a:t>
+            </a:r>
+          </a:p>
+          <a:p>
+            <a:r>
+              <a:rPr lang="pl-PL" sz="2800" dirty="0"/>
+              <a:t>Opis dziedziny aplikacji</a:t>
+            </a:r>
+            <a:endParaRPr lang="pl-PL" sz="2800" dirty="0" smtClean="0"/>
           </a:p>
           <a:p>
             <a:r>

--- a/thesis/presentation/presentation.pptx
+++ b/thesis/presentation/presentation.pptx
@@ -7638,7 +7638,15 @@
           <a:p>
             <a:r>
               <a:rPr lang="pl-PL" b="1" dirty="0" smtClean="0"/>
-              <a:t>Jako że oba modele reprezentują tą samą dziezdzinę, w systemie pojawia się duplikacja.</a:t>
+              <a:t>Jako że oba modele reprezentują tą samą </a:t>
+            </a:r>
+            <a:r>
+              <a:rPr lang="pl-PL" b="1" dirty="0" smtClean="0"/>
+              <a:t>dziedzinę</a:t>
+            </a:r>
+            <a:r>
+              <a:rPr lang="pl-PL" b="1" dirty="0" smtClean="0"/>
+              <a:t>, w systemie pojawia się duplikacja.</a:t>
             </a:r>
           </a:p>
           <a:p>
@@ -8089,19 +8097,17 @@
             <a:pPr lvl="1"/>
             <a:r>
               <a:rPr lang="pl-PL" dirty="0" smtClean="0"/>
-              <a:t>generator powinien generować jak najwięcej artefaktów systemu związanych z jego dziedziną;</a:t>
-            </a:r>
-          </a:p>
-          <a:p>
-            <a:pPr lvl="1"/>
+              <a:t>generator powinien generować jak najwięcej artefaktów systemu związanych z jego </a:t>
+            </a:r>
+            <a:r>
+              <a:rPr lang="pl-PL" dirty="0" smtClean="0"/>
+              <a:t>dziedziną</a:t>
+            </a:r>
             <a:r>
               <a:rPr lang="pl-PL" dirty="0"/>
-              <a:t>g</a:t>
-            </a:r>
-            <a:r>
-              <a:rPr lang="pl-PL" dirty="0" smtClean="0"/>
-              <a:t>enerator powinien być elastyczny, tak aby mógł wygenerować różne rodzaje aplikacji.</a:t>
-            </a:r>
+              <a:t>.</a:t>
+            </a:r>
+            <a:endParaRPr lang="pl-PL" dirty="0" smtClean="0"/>
           </a:p>
         </p:txBody>
       </p:sp>
@@ -8268,8 +8274,18 @@
           <a:lstStyle/>
           <a:p>
             <a:r>
+              <a:rPr lang="pl-PL" dirty="0" smtClean="0"/>
+              <a:t>Platforma blogowa.</a:t>
+            </a:r>
+          </a:p>
+          <a:p>
+            <a:r>
+              <a:rPr lang="pl-PL" dirty="0" smtClean="0"/>
+              <a:t>Komendy </a:t>
+            </a:r>
+            <a:r>
               <a:rPr lang="pl-PL" dirty="0"/>
-              <a:t>Komendy pozwalające użytkownikowi</a:t>
+              <a:t>pozwalające użytkownikowi</a:t>
             </a:r>
             <a:r>
               <a:rPr lang="pl-PL" sz="2400" dirty="0"/>
